--- a/THE_project/design/project design.pptx
+++ b/THE_project/design/project design.pptx
@@ -13,9 +13,12 @@
     <p:sldId id="261" r:id="rId7"/>
     <p:sldId id="268" r:id="rId8"/>
     <p:sldId id="264" r:id="rId9"/>
-    <p:sldId id="267" r:id="rId10"/>
-    <p:sldId id="262" r:id="rId11"/>
-    <p:sldId id="263" r:id="rId12"/>
+    <p:sldId id="269" r:id="rId10"/>
+    <p:sldId id="270" r:id="rId11"/>
+    <p:sldId id="271" r:id="rId12"/>
+    <p:sldId id="267" r:id="rId13"/>
+    <p:sldId id="262" r:id="rId14"/>
+    <p:sldId id="263" r:id="rId15"/>
   </p:sldIdLst>
   <p:sldSz cx="12192000" cy="6858000"/>
   <p:notesSz cx="6858000" cy="9144000"/>
@@ -120,6 +123,18 @@
     </p:ext>
   </p:extLst>
 </p:presentation>
+</file>
+
+<file path=ppt/commentAuthors.xml><?xml version="1.0" encoding="utf-8"?>
+<p:cmAuthorLst xmlns:a="http://schemas.openxmlformats.org/drawingml/2006/main" xmlns:r="http://schemas.openxmlformats.org/officeDocument/2006/relationships" xmlns:p="http://schemas.openxmlformats.org/presentationml/2006/main">
+  <p:cmAuthor id="1" name="Atosh" initials="A" lastIdx="1" clrIdx="0">
+    <p:extLst>
+      <p:ext uri="{19B8F6BF-5375-455C-9EA6-DF929625EA0E}">
+        <p15:presenceInfo xmlns:p15="http://schemas.microsoft.com/office/powerpoint/2012/main" userId="913b71bf832e8fd7" providerId="Windows Live"/>
+      </p:ext>
+    </p:extLst>
+  </p:cmAuthor>
+</p:cmAuthorLst>
 </file>
 
 <file path=ppt/diagrams/colors1.xml><?xml version="1.0" encoding="utf-8"?>
@@ -7820,7 +7835,7 @@
             <a:fld id="{80FD887D-7B2A-4FF4-AE30-B3638F2CCD1F}" type="datetime1">
               <a:rPr lang="en-US"/>
               <a:pPr lvl="0"/>
-              <a:t>2/6/2021</a:t>
+              <a:t>3/12/2021</a:t>
             </a:fld>
             <a:endParaRPr lang="en-US"/>
           </a:p>
@@ -8054,7 +8069,7 @@
             <a:fld id="{70BC2376-68D8-4576-8D02-782EC0B0AD99}" type="datetime1">
               <a:rPr lang="en-US"/>
               <a:pPr lvl="0"/>
-              <a:t>2/6/2021</a:t>
+              <a:t>3/12/2021</a:t>
             </a:fld>
             <a:endParaRPr lang="en-US"/>
           </a:p>
@@ -8298,7 +8313,7 @@
             <a:fld id="{577B63AE-4C27-476F-9DD5-14178397EE23}" type="datetime1">
               <a:rPr lang="en-US"/>
               <a:pPr lvl="0"/>
-              <a:t>2/6/2021</a:t>
+              <a:t>3/12/2021</a:t>
             </a:fld>
             <a:endParaRPr lang="en-US"/>
           </a:p>
@@ -8503,7 +8518,7 @@
             <a:fld id="{18BC4B44-D12F-4BD3-9C36-2F34A6473057}" type="datetime1">
               <a:rPr lang="en-US"/>
               <a:pPr lvl="0"/>
-              <a:t>2/6/2021</a:t>
+              <a:t>3/12/2021</a:t>
             </a:fld>
             <a:endParaRPr lang="en-US"/>
           </a:p>
@@ -8738,7 +8753,7 @@
             <a:fld id="{647C36D7-0E36-40DC-B070-A9F971DD9D0B}" type="datetime1">
               <a:rPr lang="en-US"/>
               <a:pPr lvl="0"/>
-              <a:t>2/6/2021</a:t>
+              <a:t>3/12/2021</a:t>
             </a:fld>
             <a:endParaRPr lang="en-US"/>
           </a:p>
@@ -8947,7 +8962,7 @@
             <a:fld id="{A5AB9408-D60C-4171-AEDB-B9C1DB4E2438}" type="datetime1">
               <a:rPr lang="en-US"/>
               <a:pPr lvl="0"/>
-              <a:t>2/6/2021</a:t>
+              <a:t>3/12/2021</a:t>
             </a:fld>
             <a:endParaRPr lang="en-US"/>
           </a:p>
@@ -9264,7 +9279,7 @@
             <a:fld id="{A3D933FD-B602-4F22-A2AD-AB146BD7B9C7}" type="datetime1">
               <a:rPr lang="en-US"/>
               <a:pPr lvl="0"/>
-              <a:t>2/6/2021</a:t>
+              <a:t>3/12/2021</a:t>
             </a:fld>
             <a:endParaRPr lang="en-US"/>
           </a:p>
@@ -9664,7 +9679,7 @@
             <a:fld id="{47CDCC9C-4F47-40E6-922D-ACC45F18D9B6}" type="datetime1">
               <a:rPr lang="en-US"/>
               <a:pPr lvl="0"/>
-              <a:t>2/6/2021</a:t>
+              <a:t>3/12/2021</a:t>
             </a:fld>
             <a:endParaRPr lang="en-US"/>
           </a:p>
@@ -9825,7 +9840,7 @@
             <a:fld id="{B1CDCF14-C412-4139-B13D-4128F1481DED}" type="datetime1">
               <a:rPr lang="en-US"/>
               <a:pPr lvl="0"/>
-              <a:t>2/6/2021</a:t>
+              <a:t>3/12/2021</a:t>
             </a:fld>
             <a:endParaRPr lang="en-US"/>
           </a:p>
@@ -9953,7 +9968,7 @@
             <a:fld id="{D3BED175-3E7C-4717-A57A-B64E5796778F}" type="datetime1">
               <a:rPr lang="en-US"/>
               <a:pPr lvl="0"/>
-              <a:t>2/6/2021</a:t>
+              <a:t>3/12/2021</a:t>
             </a:fld>
             <a:endParaRPr lang="en-US"/>
           </a:p>
@@ -10236,7 +10251,7 @@
             <a:fld id="{FEC80C48-AE9E-4AB6-9E9A-E6F7777B57EB}" type="datetime1">
               <a:rPr lang="en-US"/>
               <a:pPr lvl="0"/>
-              <a:t>2/6/2021</a:t>
+              <a:t>3/12/2021</a:t>
             </a:fld>
             <a:endParaRPr lang="en-US"/>
           </a:p>
@@ -10518,7 +10533,7 @@
             <a:fld id="{7B0BA115-79E2-4724-BA5B-CAD60422CE22}" type="datetime1">
               <a:rPr lang="en-US"/>
               <a:pPr lvl="0"/>
-              <a:t>2/6/2021</a:t>
+              <a:t>3/12/2021</a:t>
             </a:fld>
             <a:endParaRPr lang="en-US"/>
           </a:p>
@@ -11732,6 +11747,6068 @@
 </file>
 
 <file path=ppt/slides/slide10.xml><?xml version="1.0" encoding="utf-8"?>
+<p:sld xmlns:a="http://schemas.openxmlformats.org/drawingml/2006/main" xmlns:r="http://schemas.openxmlformats.org/officeDocument/2006/relationships" xmlns:p="http://schemas.openxmlformats.org/presentationml/2006/main">
+  <p:cSld>
+    <p:spTree>
+      <p:nvGrpSpPr>
+        <p:cNvPr id="1" name=""/>
+        <p:cNvGrpSpPr/>
+        <p:nvPr/>
+      </p:nvGrpSpPr>
+      <p:grpSpPr>
+        <a:xfrm>
+          <a:off x="0" y="0"/>
+          <a:ext cx="0" cy="0"/>
+          <a:chOff x="0" y="0"/>
+          <a:chExt cx="0" cy="0"/>
+        </a:xfrm>
+      </p:grpSpPr>
+      <p:sp>
+        <p:nvSpPr>
+          <p:cNvPr id="3" name="副标题 2">
+            <a:extLst>
+              <a:ext uri="{FF2B5EF4-FFF2-40B4-BE49-F238E27FC236}">
+                <a16:creationId xmlns:a16="http://schemas.microsoft.com/office/drawing/2014/main" id="{A441A99D-7B3C-47B9-8393-DBA04906446D}"/>
+              </a:ext>
+            </a:extLst>
+          </p:cNvPr>
+          <p:cNvSpPr txBox="1">
+            <a:spLocks noGrp="1"/>
+          </p:cNvSpPr>
+          <p:nvPr>
+            <p:ph type="subTitle" idx="1"/>
+          </p:nvPr>
+        </p:nvSpPr>
+        <p:spPr>
+          <a:xfrm>
+            <a:off x="0" y="0"/>
+            <a:ext cx="5582192" cy="424729"/>
+          </a:xfrm>
+        </p:spPr>
+        <p:txBody>
+          <a:bodyPr/>
+          <a:lstStyle/>
+          <a:p>
+            <a:pPr lvl="0"/>
+            <a:r>
+              <a:rPr lang="en-US" altLang="zh-CN"/>
+              <a:t>Integration of Variations - SNP</a:t>
+            </a:r>
+            <a:endParaRPr lang="zh-CN"/>
+          </a:p>
+        </p:txBody>
+      </p:sp>
+      <p:graphicFrame>
+        <p:nvGraphicFramePr>
+          <p:cNvPr id="7" name="表格 7">
+            <a:extLst>
+              <a:ext uri="{FF2B5EF4-FFF2-40B4-BE49-F238E27FC236}">
+                <a16:creationId xmlns:a16="http://schemas.microsoft.com/office/drawing/2014/main" id="{03B16ABC-0E9B-4A9A-AC3A-9700D8CC02DC}"/>
+              </a:ext>
+            </a:extLst>
+          </p:cNvPr>
+          <p:cNvGraphicFramePr>
+            <a:graphicFrameLocks noGrp="1"/>
+          </p:cNvGraphicFramePr>
+          <p:nvPr>
+            <p:extLst>
+              <p:ext uri="{D42A27DB-BD31-4B8C-83A1-F6EECF244321}">
+                <p14:modId xmlns:p14="http://schemas.microsoft.com/office/powerpoint/2010/main" val="2445019393"/>
+              </p:ext>
+            </p:extLst>
+          </p:nvPr>
+        </p:nvGraphicFramePr>
+        <p:xfrm>
+          <a:off x="4754771" y="800554"/>
+          <a:ext cx="7036025" cy="1854200"/>
+        </p:xfrm>
+        <a:graphic>
+          <a:graphicData uri="http://schemas.openxmlformats.org/drawingml/2006/table">
+            <a:tbl>
+              <a:tblPr firstRow="1" bandRow="1">
+                <a:tableStyleId>{5940675A-B579-460E-94D1-54222C63F5DA}</a:tableStyleId>
+              </a:tblPr>
+              <a:tblGrid>
+                <a:gridCol w="1407205">
+                  <a:extLst>
+                    <a:ext uri="{9D8B030D-6E8A-4147-A177-3AD203B41FA5}">
+                      <a16:colId xmlns:a16="http://schemas.microsoft.com/office/drawing/2014/main" val="2357999398"/>
+                    </a:ext>
+                  </a:extLst>
+                </a:gridCol>
+                <a:gridCol w="1407205">
+                  <a:extLst>
+                    <a:ext uri="{9D8B030D-6E8A-4147-A177-3AD203B41FA5}">
+                      <a16:colId xmlns:a16="http://schemas.microsoft.com/office/drawing/2014/main" val="1396362083"/>
+                    </a:ext>
+                  </a:extLst>
+                </a:gridCol>
+                <a:gridCol w="1407205">
+                  <a:extLst>
+                    <a:ext uri="{9D8B030D-6E8A-4147-A177-3AD203B41FA5}">
+                      <a16:colId xmlns:a16="http://schemas.microsoft.com/office/drawing/2014/main" val="1292628694"/>
+                    </a:ext>
+                  </a:extLst>
+                </a:gridCol>
+                <a:gridCol w="1407205">
+                  <a:extLst>
+                    <a:ext uri="{9D8B030D-6E8A-4147-A177-3AD203B41FA5}">
+                      <a16:colId xmlns:a16="http://schemas.microsoft.com/office/drawing/2014/main" val="611556075"/>
+                    </a:ext>
+                  </a:extLst>
+                </a:gridCol>
+                <a:gridCol w="1407205">
+                  <a:extLst>
+                    <a:ext uri="{9D8B030D-6E8A-4147-A177-3AD203B41FA5}">
+                      <a16:colId xmlns:a16="http://schemas.microsoft.com/office/drawing/2014/main" val="2358634977"/>
+                    </a:ext>
+                  </a:extLst>
+                </a:gridCol>
+              </a:tblGrid>
+              <a:tr h="370840">
+                <a:tc gridSpan="4">
+                  <a:txBody>
+                    <a:bodyPr/>
+                    <a:lstStyle/>
+                    <a:p>
+                      <a:pPr marL="0" marR="0" lvl="0" indent="0" algn="ctr" defTabSz="539998" rtl="0" fontAlgn="auto" hangingPunct="1">
+                        <a:lnSpc>
+                          <a:spcPct val="90000"/>
+                        </a:lnSpc>
+                        <a:spcBef>
+                          <a:spcPts val="1000"/>
+                        </a:spcBef>
+                        <a:spcAft>
+                          <a:spcPts val="0"/>
+                        </a:spcAft>
+                        <a:buSzPct val="100000"/>
+                        <a:buFont typeface="Arial" pitchFamily="34"/>
+                        <a:buNone/>
+                        <a:tabLst/>
+                      </a:pPr>
+                      <a:r>
+                        <a:rPr lang="en-US" altLang="zh-CN" sz="1800" b="0" i="0" u="none" strike="noStrike" kern="1200" cap="none" spc="0" baseline="0">
+                          <a:solidFill>
+                            <a:schemeClr val="bg1"/>
+                          </a:solidFill>
+                          <a:uFillTx/>
+                          <a:latin typeface="Consolas" pitchFamily="49"/>
+                          <a:ea typeface="微软雅黑" pitchFamily="34"/>
+                        </a:rPr>
+                        <a:t>Original Vcf Records Format</a:t>
+                      </a:r>
+                      <a:endParaRPr lang="zh-CN" altLang="en-US" sz="1800" b="0" i="0" u="none" strike="noStrike" kern="1200" cap="none" spc="0" baseline="0">
+                        <a:solidFill>
+                          <a:schemeClr val="bg1"/>
+                        </a:solidFill>
+                        <a:uFillTx/>
+                        <a:latin typeface="Consolas" pitchFamily="49"/>
+                        <a:ea typeface="微软雅黑" pitchFamily="34"/>
+                      </a:endParaRPr>
+                    </a:p>
+                  </a:txBody>
+                  <a:tcPr>
+                    <a:solidFill>
+                      <a:srgbClr val="1CB0A2"/>
+                    </a:solidFill>
+                  </a:tcPr>
+                </a:tc>
+                <a:tc hMerge="1">
+                  <a:txBody>
+                    <a:bodyPr/>
+                    <a:lstStyle/>
+                    <a:p>
+                      <a:pPr marL="0" marR="0" lvl="0" indent="0" algn="ctr" defTabSz="539998" rtl="0" fontAlgn="auto" hangingPunct="1">
+                        <a:lnSpc>
+                          <a:spcPct val="90000"/>
+                        </a:lnSpc>
+                        <a:spcBef>
+                          <a:spcPts val="1000"/>
+                        </a:spcBef>
+                        <a:spcAft>
+                          <a:spcPts val="0"/>
+                        </a:spcAft>
+                        <a:buSzPct val="100000"/>
+                        <a:buFont typeface="Arial" pitchFamily="34"/>
+                        <a:buNone/>
+                        <a:tabLst/>
+                      </a:pPr>
+                      <a:endParaRPr lang="zh-CN" altLang="en-US" sz="1800" b="0" i="0" u="none" strike="noStrike" kern="1200" cap="none" spc="0" baseline="0">
+                        <a:solidFill>
+                          <a:schemeClr val="bg1"/>
+                        </a:solidFill>
+                        <a:uFillTx/>
+                        <a:latin typeface="Consolas" pitchFamily="49"/>
+                        <a:ea typeface="微软雅黑" pitchFamily="34"/>
+                      </a:endParaRPr>
+                    </a:p>
+                  </a:txBody>
+                  <a:tcPr>
+                    <a:solidFill>
+                      <a:srgbClr val="1CB0A2"/>
+                    </a:solidFill>
+                  </a:tcPr>
+                </a:tc>
+                <a:tc hMerge="1">
+                  <a:txBody>
+                    <a:bodyPr/>
+                    <a:lstStyle/>
+                    <a:p>
+                      <a:pPr marL="0" marR="0" lvl="0" indent="0" algn="ctr" defTabSz="539998" rtl="0" fontAlgn="auto" hangingPunct="1">
+                        <a:lnSpc>
+                          <a:spcPct val="90000"/>
+                        </a:lnSpc>
+                        <a:spcBef>
+                          <a:spcPts val="1000"/>
+                        </a:spcBef>
+                        <a:spcAft>
+                          <a:spcPts val="0"/>
+                        </a:spcAft>
+                        <a:buSzPct val="100000"/>
+                        <a:buFont typeface="Arial" pitchFamily="34"/>
+                        <a:buNone/>
+                        <a:tabLst/>
+                      </a:pPr>
+                      <a:endParaRPr lang="zh-CN" altLang="en-US" sz="1800" b="0" i="0" u="none" strike="noStrike" kern="1200" cap="none" spc="0" baseline="0">
+                        <a:solidFill>
+                          <a:schemeClr val="bg1"/>
+                        </a:solidFill>
+                        <a:uFillTx/>
+                        <a:latin typeface="Consolas" pitchFamily="49"/>
+                        <a:ea typeface="微软雅黑" pitchFamily="34"/>
+                      </a:endParaRPr>
+                    </a:p>
+                  </a:txBody>
+                  <a:tcPr>
+                    <a:solidFill>
+                      <a:srgbClr val="1CB0A2"/>
+                    </a:solidFill>
+                  </a:tcPr>
+                </a:tc>
+                <a:tc hMerge="1">
+                  <a:txBody>
+                    <a:bodyPr/>
+                    <a:lstStyle/>
+                    <a:p>
+                      <a:pPr marL="0" marR="0" lvl="0" indent="0" algn="ctr" defTabSz="539998" rtl="0" fontAlgn="auto" hangingPunct="1">
+                        <a:lnSpc>
+                          <a:spcPct val="90000"/>
+                        </a:lnSpc>
+                        <a:spcBef>
+                          <a:spcPts val="1000"/>
+                        </a:spcBef>
+                        <a:spcAft>
+                          <a:spcPts val="0"/>
+                        </a:spcAft>
+                        <a:buSzPct val="100000"/>
+                        <a:buFont typeface="Arial" pitchFamily="34"/>
+                        <a:buNone/>
+                        <a:tabLst/>
+                      </a:pPr>
+                      <a:endParaRPr lang="zh-CN" altLang="en-US" sz="1800" b="0" i="0" u="none" strike="noStrike" kern="1200" cap="none" spc="0" baseline="0">
+                        <a:solidFill>
+                          <a:schemeClr val="bg1"/>
+                        </a:solidFill>
+                        <a:uFillTx/>
+                        <a:latin typeface="Consolas" pitchFamily="49"/>
+                        <a:ea typeface="微软雅黑" pitchFamily="34"/>
+                      </a:endParaRPr>
+                    </a:p>
+                  </a:txBody>
+                  <a:tcPr>
+                    <a:solidFill>
+                      <a:srgbClr val="1CB0A2"/>
+                    </a:solidFill>
+                  </a:tcPr>
+                </a:tc>
+                <a:tc>
+                  <a:txBody>
+                    <a:bodyPr/>
+                    <a:lstStyle/>
+                    <a:p>
+                      <a:pPr marL="0" marR="0" lvl="0" indent="0" algn="ctr" defTabSz="539998" rtl="0" fontAlgn="auto" hangingPunct="1">
+                        <a:lnSpc>
+                          <a:spcPct val="90000"/>
+                        </a:lnSpc>
+                        <a:spcBef>
+                          <a:spcPts val="1000"/>
+                        </a:spcBef>
+                        <a:spcAft>
+                          <a:spcPts val="0"/>
+                        </a:spcAft>
+                        <a:buSzPct val="100000"/>
+                        <a:buFont typeface="Arial" pitchFamily="34"/>
+                        <a:buNone/>
+                        <a:tabLst/>
+                      </a:pPr>
+                      <a:endParaRPr lang="zh-CN" altLang="en-US" sz="1800" b="0" i="0" u="none" strike="noStrike" kern="1200" cap="none" spc="0" baseline="0">
+                        <a:solidFill>
+                          <a:schemeClr val="bg1"/>
+                        </a:solidFill>
+                        <a:uFillTx/>
+                        <a:latin typeface="Consolas" pitchFamily="49"/>
+                        <a:ea typeface="微软雅黑" pitchFamily="34"/>
+                      </a:endParaRPr>
+                    </a:p>
+                  </a:txBody>
+                  <a:tcPr>
+                    <a:solidFill>
+                      <a:srgbClr val="1CB0A2"/>
+                    </a:solidFill>
+                  </a:tcPr>
+                </a:tc>
+                <a:extLst>
+                  <a:ext uri="{0D108BD9-81ED-4DB2-BD59-A6C34878D82A}">
+                    <a16:rowId xmlns:a16="http://schemas.microsoft.com/office/drawing/2014/main" val="1946593644"/>
+                  </a:ext>
+                </a:extLst>
+              </a:tr>
+              <a:tr h="370840">
+                <a:tc>
+                  <a:txBody>
+                    <a:bodyPr/>
+                    <a:lstStyle/>
+                    <a:p>
+                      <a:pPr marL="0" marR="0" lvl="0" indent="0" algn="ctr" defTabSz="539998" rtl="0" fontAlgn="auto" hangingPunct="1">
+                        <a:lnSpc>
+                          <a:spcPct val="90000"/>
+                        </a:lnSpc>
+                        <a:spcBef>
+                          <a:spcPts val="1000"/>
+                        </a:spcBef>
+                        <a:spcAft>
+                          <a:spcPts val="0"/>
+                        </a:spcAft>
+                        <a:buSzPct val="100000"/>
+                        <a:buFont typeface="Arial" pitchFamily="34"/>
+                        <a:buNone/>
+                        <a:tabLst/>
+                      </a:pPr>
+                      <a:r>
+                        <a:rPr lang="en-US" altLang="zh-CN" sz="1800" b="0" i="0" u="none" strike="noStrike" kern="1200" cap="none" spc="0" baseline="0">
+                          <a:solidFill>
+                            <a:schemeClr val="bg1"/>
+                          </a:solidFill>
+                          <a:uFillTx/>
+                          <a:latin typeface="Consolas" pitchFamily="49"/>
+                          <a:ea typeface="微软雅黑" pitchFamily="34"/>
+                        </a:rPr>
+                        <a:t>id</a:t>
+                      </a:r>
+                      <a:endParaRPr lang="zh-CN" altLang="en-US" sz="1800" b="0" i="0" u="none" strike="noStrike" kern="1200" cap="none" spc="0" baseline="0">
+                        <a:solidFill>
+                          <a:schemeClr val="bg1"/>
+                        </a:solidFill>
+                        <a:uFillTx/>
+                        <a:latin typeface="Consolas" pitchFamily="49"/>
+                        <a:ea typeface="微软雅黑" pitchFamily="34"/>
+                      </a:endParaRPr>
+                    </a:p>
+                  </a:txBody>
+                  <a:tcPr>
+                    <a:solidFill>
+                      <a:srgbClr val="1CB0A2"/>
+                    </a:solidFill>
+                  </a:tcPr>
+                </a:tc>
+                <a:tc>
+                  <a:txBody>
+                    <a:bodyPr/>
+                    <a:lstStyle/>
+                    <a:p>
+                      <a:pPr marL="0" marR="0" lvl="0" indent="0" algn="ctr" defTabSz="539998" rtl="0" fontAlgn="auto" hangingPunct="1">
+                        <a:lnSpc>
+                          <a:spcPct val="90000"/>
+                        </a:lnSpc>
+                        <a:spcBef>
+                          <a:spcPts val="1000"/>
+                        </a:spcBef>
+                        <a:spcAft>
+                          <a:spcPts val="0"/>
+                        </a:spcAft>
+                        <a:buSzPct val="100000"/>
+                        <a:buFont typeface="Arial" pitchFamily="34"/>
+                        <a:buNone/>
+                        <a:tabLst/>
+                      </a:pPr>
+                      <a:r>
+                        <a:rPr lang="en-US" altLang="zh-CN" sz="1800" b="0" i="0" u="none" strike="noStrike" kern="1200" cap="none" spc="0" baseline="0">
+                          <a:solidFill>
+                            <a:schemeClr val="bg1"/>
+                          </a:solidFill>
+                          <a:uFillTx/>
+                          <a:latin typeface="Consolas" pitchFamily="49"/>
+                          <a:ea typeface="微软雅黑" pitchFamily="34"/>
+                        </a:rPr>
+                        <a:t>pos</a:t>
+                      </a:r>
+                      <a:endParaRPr lang="zh-CN" altLang="en-US" sz="1800" b="0" i="0" u="none" strike="noStrike" kern="1200" cap="none" spc="0" baseline="0">
+                        <a:solidFill>
+                          <a:schemeClr val="bg1"/>
+                        </a:solidFill>
+                        <a:uFillTx/>
+                        <a:latin typeface="Consolas" pitchFamily="49"/>
+                        <a:ea typeface="微软雅黑" pitchFamily="34"/>
+                      </a:endParaRPr>
+                    </a:p>
+                  </a:txBody>
+                  <a:tcPr>
+                    <a:solidFill>
+                      <a:srgbClr val="1CB0A2"/>
+                    </a:solidFill>
+                  </a:tcPr>
+                </a:tc>
+                <a:tc>
+                  <a:txBody>
+                    <a:bodyPr/>
+                    <a:lstStyle/>
+                    <a:p>
+                      <a:pPr marL="0" marR="0" lvl="0" indent="0" algn="ctr" defTabSz="539998" rtl="0" fontAlgn="auto" hangingPunct="1">
+                        <a:lnSpc>
+                          <a:spcPct val="90000"/>
+                        </a:lnSpc>
+                        <a:spcBef>
+                          <a:spcPts val="1000"/>
+                        </a:spcBef>
+                        <a:spcAft>
+                          <a:spcPts val="0"/>
+                        </a:spcAft>
+                        <a:buSzPct val="100000"/>
+                        <a:buFont typeface="Arial" pitchFamily="34"/>
+                        <a:buNone/>
+                        <a:tabLst/>
+                      </a:pPr>
+                      <a:r>
+                        <a:rPr lang="en-US" altLang="zh-CN" sz="1800" b="0" i="0" u="none" strike="noStrike" kern="1200" cap="none" spc="0" baseline="0">
+                          <a:solidFill>
+                            <a:schemeClr val="bg1"/>
+                          </a:solidFill>
+                          <a:uFillTx/>
+                          <a:latin typeface="Consolas" pitchFamily="49"/>
+                          <a:ea typeface="微软雅黑" pitchFamily="34"/>
+                        </a:rPr>
+                        <a:t>ref</a:t>
+                      </a:r>
+                      <a:endParaRPr lang="zh-CN" altLang="en-US" sz="1800" b="0" i="0" u="none" strike="noStrike" kern="1200" cap="none" spc="0" baseline="0">
+                        <a:solidFill>
+                          <a:schemeClr val="bg1"/>
+                        </a:solidFill>
+                        <a:uFillTx/>
+                        <a:latin typeface="Consolas" pitchFamily="49"/>
+                        <a:ea typeface="微软雅黑" pitchFamily="34"/>
+                      </a:endParaRPr>
+                    </a:p>
+                  </a:txBody>
+                  <a:tcPr>
+                    <a:solidFill>
+                      <a:srgbClr val="1CB0A2"/>
+                    </a:solidFill>
+                  </a:tcPr>
+                </a:tc>
+                <a:tc>
+                  <a:txBody>
+                    <a:bodyPr/>
+                    <a:lstStyle/>
+                    <a:p>
+                      <a:pPr marL="0" marR="0" lvl="0" indent="0" algn="ctr" defTabSz="539998" rtl="0" fontAlgn="auto" hangingPunct="1">
+                        <a:lnSpc>
+                          <a:spcPct val="90000"/>
+                        </a:lnSpc>
+                        <a:spcBef>
+                          <a:spcPts val="1000"/>
+                        </a:spcBef>
+                        <a:spcAft>
+                          <a:spcPts val="0"/>
+                        </a:spcAft>
+                        <a:buSzPct val="100000"/>
+                        <a:buFont typeface="Arial" pitchFamily="34"/>
+                        <a:buNone/>
+                        <a:tabLst/>
+                      </a:pPr>
+                      <a:r>
+                        <a:rPr lang="en-US" altLang="zh-CN" sz="1800" b="0" i="0" u="none" strike="noStrike" kern="1200" cap="none" spc="0" baseline="0">
+                          <a:solidFill>
+                            <a:schemeClr val="bg1"/>
+                          </a:solidFill>
+                          <a:uFillTx/>
+                          <a:latin typeface="Consolas" pitchFamily="49"/>
+                          <a:ea typeface="微软雅黑" pitchFamily="34"/>
+                        </a:rPr>
+                        <a:t>alt</a:t>
+                      </a:r>
+                      <a:endParaRPr lang="zh-CN" altLang="en-US" sz="1800" b="0" i="0" u="none" strike="noStrike" kern="1200" cap="none" spc="0" baseline="0">
+                        <a:solidFill>
+                          <a:schemeClr val="bg1"/>
+                        </a:solidFill>
+                        <a:uFillTx/>
+                        <a:latin typeface="Consolas" pitchFamily="49"/>
+                        <a:ea typeface="微软雅黑" pitchFamily="34"/>
+                      </a:endParaRPr>
+                    </a:p>
+                  </a:txBody>
+                  <a:tcPr>
+                    <a:solidFill>
+                      <a:srgbClr val="1CB0A2"/>
+                    </a:solidFill>
+                  </a:tcPr>
+                </a:tc>
+                <a:tc>
+                  <a:txBody>
+                    <a:bodyPr/>
+                    <a:lstStyle/>
+                    <a:p>
+                      <a:pPr marL="0" marR="0" lvl="0" indent="0" algn="ctr" defTabSz="539998" rtl="0" fontAlgn="auto" hangingPunct="1">
+                        <a:lnSpc>
+                          <a:spcPct val="90000"/>
+                        </a:lnSpc>
+                        <a:spcBef>
+                          <a:spcPts val="1000"/>
+                        </a:spcBef>
+                        <a:spcAft>
+                          <a:spcPts val="0"/>
+                        </a:spcAft>
+                        <a:buSzPct val="100000"/>
+                        <a:buFont typeface="Arial" pitchFamily="34"/>
+                        <a:buNone/>
+                        <a:tabLst/>
+                      </a:pPr>
+                      <a:r>
+                        <a:rPr lang="en-US" altLang="zh-CN" sz="1800" b="0" i="0" u="none" strike="noStrike" kern="1200" cap="none" spc="0" baseline="0">
+                          <a:solidFill>
+                            <a:schemeClr val="bg1"/>
+                          </a:solidFill>
+                          <a:uFillTx/>
+                          <a:latin typeface="Consolas" pitchFamily="49"/>
+                          <a:ea typeface="微软雅黑" pitchFamily="34"/>
+                        </a:rPr>
+                        <a:t>&lt;type&gt;</a:t>
+                      </a:r>
+                      <a:endParaRPr lang="zh-CN" altLang="en-US" sz="1800" b="0" i="0" u="none" strike="noStrike" kern="1200" cap="none" spc="0" baseline="0">
+                        <a:solidFill>
+                          <a:schemeClr val="bg1"/>
+                        </a:solidFill>
+                        <a:uFillTx/>
+                        <a:latin typeface="Consolas" pitchFamily="49"/>
+                        <a:ea typeface="微软雅黑" pitchFamily="34"/>
+                      </a:endParaRPr>
+                    </a:p>
+                  </a:txBody>
+                  <a:tcPr>
+                    <a:solidFill>
+                      <a:srgbClr val="1CB0A2"/>
+                    </a:solidFill>
+                  </a:tcPr>
+                </a:tc>
+                <a:extLst>
+                  <a:ext uri="{0D108BD9-81ED-4DB2-BD59-A6C34878D82A}">
+                    <a16:rowId xmlns:a16="http://schemas.microsoft.com/office/drawing/2014/main" val="3671342572"/>
+                  </a:ext>
+                </a:extLst>
+              </a:tr>
+              <a:tr h="370840">
+                <a:tc>
+                  <a:txBody>
+                    <a:bodyPr/>
+                    <a:lstStyle/>
+                    <a:p>
+                      <a:pPr marL="0" marR="0" lvl="0" indent="0" algn="ctr" defTabSz="539998" rtl="0" fontAlgn="auto" hangingPunct="1">
+                        <a:lnSpc>
+                          <a:spcPct val="90000"/>
+                        </a:lnSpc>
+                        <a:spcBef>
+                          <a:spcPts val="1000"/>
+                        </a:spcBef>
+                        <a:spcAft>
+                          <a:spcPts val="0"/>
+                        </a:spcAft>
+                        <a:buSzPct val="100000"/>
+                        <a:buFont typeface="Arial" pitchFamily="34"/>
+                        <a:buNone/>
+                        <a:tabLst/>
+                      </a:pPr>
+                      <a:r>
+                        <a:rPr lang="en-US" altLang="zh-CN" sz="1800" b="0" i="0" u="none" strike="noStrike" kern="1200" cap="none" spc="0" baseline="0">
+                          <a:solidFill>
+                            <a:srgbClr val="000000"/>
+                          </a:solidFill>
+                          <a:uFillTx/>
+                          <a:latin typeface="Consolas" pitchFamily="49"/>
+                          <a:ea typeface="微软雅黑" pitchFamily="34"/>
+                        </a:rPr>
+                        <a:t>1</a:t>
+                      </a:r>
+                      <a:endParaRPr lang="zh-CN" altLang="en-US" sz="1800" b="0" i="0" u="none" strike="noStrike" kern="1200" cap="none" spc="0" baseline="0">
+                        <a:solidFill>
+                          <a:srgbClr val="000000"/>
+                        </a:solidFill>
+                        <a:uFillTx/>
+                        <a:latin typeface="Consolas" pitchFamily="49"/>
+                        <a:ea typeface="微软雅黑" pitchFamily="34"/>
+                      </a:endParaRPr>
+                    </a:p>
+                  </a:txBody>
+                  <a:tcPr/>
+                </a:tc>
+                <a:tc>
+                  <a:txBody>
+                    <a:bodyPr/>
+                    <a:lstStyle/>
+                    <a:p>
+                      <a:pPr marL="0" marR="0" lvl="0" indent="0" algn="ctr" defTabSz="539998" rtl="0" fontAlgn="auto" hangingPunct="1">
+                        <a:lnSpc>
+                          <a:spcPct val="90000"/>
+                        </a:lnSpc>
+                        <a:spcBef>
+                          <a:spcPts val="1000"/>
+                        </a:spcBef>
+                        <a:spcAft>
+                          <a:spcPts val="0"/>
+                        </a:spcAft>
+                        <a:buSzPct val="100000"/>
+                        <a:buFont typeface="Arial" pitchFamily="34"/>
+                        <a:buNone/>
+                        <a:tabLst/>
+                      </a:pPr>
+                      <a:r>
+                        <a:rPr lang="en-US" altLang="zh-CN" sz="1800" b="0" i="0" u="none" strike="noStrike" kern="1200" cap="none" spc="0" baseline="0">
+                          <a:solidFill>
+                            <a:srgbClr val="000000"/>
+                          </a:solidFill>
+                          <a:uFillTx/>
+                          <a:latin typeface="Consolas" pitchFamily="49"/>
+                          <a:ea typeface="微软雅黑" pitchFamily="34"/>
+                        </a:rPr>
+                        <a:t>xxx001</a:t>
+                      </a:r>
+                      <a:endParaRPr lang="zh-CN" altLang="en-US" sz="1800" b="0" i="0" u="none" strike="noStrike" kern="1200" cap="none" spc="0" baseline="0">
+                        <a:solidFill>
+                          <a:srgbClr val="000000"/>
+                        </a:solidFill>
+                        <a:uFillTx/>
+                        <a:latin typeface="Consolas" pitchFamily="49"/>
+                        <a:ea typeface="微软雅黑" pitchFamily="34"/>
+                      </a:endParaRPr>
+                    </a:p>
+                  </a:txBody>
+                  <a:tcPr/>
+                </a:tc>
+                <a:tc>
+                  <a:txBody>
+                    <a:bodyPr/>
+                    <a:lstStyle/>
+                    <a:p>
+                      <a:pPr marL="0" marR="0" lvl="0" indent="0" algn="ctr" defTabSz="539998" rtl="0" fontAlgn="auto" hangingPunct="1">
+                        <a:lnSpc>
+                          <a:spcPct val="90000"/>
+                        </a:lnSpc>
+                        <a:spcBef>
+                          <a:spcPts val="1000"/>
+                        </a:spcBef>
+                        <a:spcAft>
+                          <a:spcPts val="0"/>
+                        </a:spcAft>
+                        <a:buSzPct val="100000"/>
+                        <a:buFont typeface="Arial" pitchFamily="34"/>
+                        <a:buNone/>
+                        <a:tabLst/>
+                      </a:pPr>
+                      <a:r>
+                        <a:rPr lang="en-US" altLang="zh-CN" sz="1800" b="0" i="0" u="none" strike="noStrike" kern="1200" cap="none" spc="0" baseline="0">
+                          <a:solidFill>
+                            <a:srgbClr val="000000"/>
+                          </a:solidFill>
+                          <a:uFillTx/>
+                          <a:latin typeface="Consolas" pitchFamily="49"/>
+                          <a:ea typeface="微软雅黑" pitchFamily="34"/>
+                        </a:rPr>
+                        <a:t>C</a:t>
+                      </a:r>
+                      <a:endParaRPr lang="zh-CN" altLang="en-US" sz="1800" b="0" i="0" u="none" strike="noStrike" kern="1200" cap="none" spc="0" baseline="0">
+                        <a:solidFill>
+                          <a:srgbClr val="000000"/>
+                        </a:solidFill>
+                        <a:uFillTx/>
+                        <a:latin typeface="Consolas" pitchFamily="49"/>
+                        <a:ea typeface="微软雅黑" pitchFamily="34"/>
+                      </a:endParaRPr>
+                    </a:p>
+                  </a:txBody>
+                  <a:tcPr/>
+                </a:tc>
+                <a:tc>
+                  <a:txBody>
+                    <a:bodyPr/>
+                    <a:lstStyle/>
+                    <a:p>
+                      <a:pPr marL="0" marR="0" lvl="0" indent="0" algn="ctr" defTabSz="539998" rtl="0" fontAlgn="auto" hangingPunct="1">
+                        <a:lnSpc>
+                          <a:spcPct val="90000"/>
+                        </a:lnSpc>
+                        <a:spcBef>
+                          <a:spcPts val="1000"/>
+                        </a:spcBef>
+                        <a:spcAft>
+                          <a:spcPts val="0"/>
+                        </a:spcAft>
+                        <a:buSzPct val="100000"/>
+                        <a:buFont typeface="Arial" pitchFamily="34"/>
+                        <a:buNone/>
+                        <a:tabLst/>
+                      </a:pPr>
+                      <a:r>
+                        <a:rPr lang="en-US" altLang="zh-CN" sz="1800" b="0" i="0" u="none" strike="noStrike" kern="1200" cap="none" spc="0" baseline="0">
+                          <a:solidFill>
+                            <a:srgbClr val="000000"/>
+                          </a:solidFill>
+                          <a:uFillTx/>
+                          <a:latin typeface="Consolas" pitchFamily="49"/>
+                          <a:ea typeface="微软雅黑" pitchFamily="34"/>
+                        </a:rPr>
+                        <a:t>T</a:t>
+                      </a:r>
+                      <a:endParaRPr lang="zh-CN" altLang="en-US" sz="1800" b="0" i="0" u="none" strike="noStrike" kern="1200" cap="none" spc="0" baseline="0">
+                        <a:solidFill>
+                          <a:srgbClr val="000000"/>
+                        </a:solidFill>
+                        <a:uFillTx/>
+                        <a:latin typeface="Consolas" pitchFamily="49"/>
+                        <a:ea typeface="微软雅黑" pitchFamily="34"/>
+                      </a:endParaRPr>
+                    </a:p>
+                  </a:txBody>
+                  <a:tcPr/>
+                </a:tc>
+                <a:tc>
+                  <a:txBody>
+                    <a:bodyPr/>
+                    <a:lstStyle/>
+                    <a:p>
+                      <a:pPr marL="0" marR="0" lvl="0" indent="0" algn="ctr" defTabSz="539998" rtl="0" fontAlgn="auto" hangingPunct="1">
+                        <a:lnSpc>
+                          <a:spcPct val="90000"/>
+                        </a:lnSpc>
+                        <a:spcBef>
+                          <a:spcPts val="1000"/>
+                        </a:spcBef>
+                        <a:spcAft>
+                          <a:spcPts val="0"/>
+                        </a:spcAft>
+                        <a:buSzPct val="100000"/>
+                        <a:buFont typeface="Arial" pitchFamily="34"/>
+                        <a:buNone/>
+                        <a:tabLst/>
+                      </a:pPr>
+                      <a:r>
+                        <a:rPr lang="en-US" altLang="zh-CN" sz="1800" b="0" i="0" u="none" strike="noStrike" kern="1200" cap="none" spc="0" baseline="0">
+                          <a:solidFill>
+                            <a:srgbClr val="000000"/>
+                          </a:solidFill>
+                          <a:uFillTx/>
+                          <a:latin typeface="Consolas" pitchFamily="49"/>
+                          <a:ea typeface="微软雅黑" pitchFamily="34"/>
+                        </a:rPr>
+                        <a:t>mismatch</a:t>
+                      </a:r>
+                      <a:endParaRPr lang="zh-CN" altLang="en-US" sz="1800" b="0" i="0" u="none" strike="noStrike" kern="1200" cap="none" spc="0" baseline="0">
+                        <a:solidFill>
+                          <a:srgbClr val="000000"/>
+                        </a:solidFill>
+                        <a:uFillTx/>
+                        <a:latin typeface="Consolas" pitchFamily="49"/>
+                        <a:ea typeface="微软雅黑" pitchFamily="34"/>
+                      </a:endParaRPr>
+                    </a:p>
+                  </a:txBody>
+                  <a:tcPr/>
+                </a:tc>
+                <a:extLst>
+                  <a:ext uri="{0D108BD9-81ED-4DB2-BD59-A6C34878D82A}">
+                    <a16:rowId xmlns:a16="http://schemas.microsoft.com/office/drawing/2014/main" val="4006098001"/>
+                  </a:ext>
+                </a:extLst>
+              </a:tr>
+              <a:tr h="370840">
+                <a:tc>
+                  <a:txBody>
+                    <a:bodyPr/>
+                    <a:lstStyle/>
+                    <a:p>
+                      <a:pPr marL="0" marR="0" lvl="0" indent="0" algn="ctr" defTabSz="539998" rtl="0" fontAlgn="auto" hangingPunct="1">
+                        <a:lnSpc>
+                          <a:spcPct val="90000"/>
+                        </a:lnSpc>
+                        <a:spcBef>
+                          <a:spcPts val="1000"/>
+                        </a:spcBef>
+                        <a:spcAft>
+                          <a:spcPts val="0"/>
+                        </a:spcAft>
+                        <a:buSzPct val="100000"/>
+                        <a:buFont typeface="Arial" pitchFamily="34"/>
+                        <a:buNone/>
+                        <a:tabLst/>
+                      </a:pPr>
+                      <a:r>
+                        <a:rPr lang="en-US" altLang="zh-CN" sz="1800" b="0" i="0" u="none" strike="noStrike" kern="1200" cap="none" spc="0" baseline="0">
+                          <a:solidFill>
+                            <a:srgbClr val="000000"/>
+                          </a:solidFill>
+                          <a:uFillTx/>
+                          <a:latin typeface="Consolas" pitchFamily="49"/>
+                          <a:ea typeface="微软雅黑" pitchFamily="34"/>
+                        </a:rPr>
+                        <a:t>2</a:t>
+                      </a:r>
+                      <a:endParaRPr lang="zh-CN" altLang="en-US" sz="1800" b="0" i="0" u="none" strike="noStrike" kern="1200" cap="none" spc="0" baseline="0">
+                        <a:solidFill>
+                          <a:srgbClr val="000000"/>
+                        </a:solidFill>
+                        <a:uFillTx/>
+                        <a:latin typeface="Consolas" pitchFamily="49"/>
+                        <a:ea typeface="微软雅黑" pitchFamily="34"/>
+                      </a:endParaRPr>
+                    </a:p>
+                  </a:txBody>
+                  <a:tcPr/>
+                </a:tc>
+                <a:tc>
+                  <a:txBody>
+                    <a:bodyPr/>
+                    <a:lstStyle/>
+                    <a:p>
+                      <a:pPr marL="0" marR="0" lvl="0" indent="0" algn="ctr" defTabSz="539998" rtl="0" fontAlgn="auto" hangingPunct="1">
+                        <a:lnSpc>
+                          <a:spcPct val="90000"/>
+                        </a:lnSpc>
+                        <a:spcBef>
+                          <a:spcPts val="1000"/>
+                        </a:spcBef>
+                        <a:spcAft>
+                          <a:spcPts val="0"/>
+                        </a:spcAft>
+                        <a:buSzPct val="100000"/>
+                        <a:buFont typeface="Arial" pitchFamily="34"/>
+                        <a:buNone/>
+                        <a:tabLst/>
+                      </a:pPr>
+                      <a:r>
+                        <a:rPr lang="en-US" altLang="zh-CN" sz="1800" b="0" i="0" u="none" strike="noStrike" kern="1200" cap="none" spc="0" baseline="0">
+                          <a:solidFill>
+                            <a:srgbClr val="000000"/>
+                          </a:solidFill>
+                          <a:uFillTx/>
+                          <a:latin typeface="Consolas" pitchFamily="49"/>
+                          <a:ea typeface="微软雅黑" pitchFamily="34"/>
+                        </a:rPr>
+                        <a:t>xxx050</a:t>
+                      </a:r>
+                      <a:endParaRPr lang="zh-CN" altLang="en-US" sz="1800" b="0" i="0" u="none" strike="noStrike" kern="1200" cap="none" spc="0" baseline="0">
+                        <a:solidFill>
+                          <a:srgbClr val="000000"/>
+                        </a:solidFill>
+                        <a:uFillTx/>
+                        <a:latin typeface="Consolas" pitchFamily="49"/>
+                        <a:ea typeface="微软雅黑" pitchFamily="34"/>
+                      </a:endParaRPr>
+                    </a:p>
+                  </a:txBody>
+                  <a:tcPr/>
+                </a:tc>
+                <a:tc>
+                  <a:txBody>
+                    <a:bodyPr/>
+                    <a:lstStyle/>
+                    <a:p>
+                      <a:pPr marL="0" marR="0" lvl="0" indent="0" algn="ctr" defTabSz="539998" rtl="0" fontAlgn="auto" hangingPunct="1">
+                        <a:lnSpc>
+                          <a:spcPct val="90000"/>
+                        </a:lnSpc>
+                        <a:spcBef>
+                          <a:spcPts val="1000"/>
+                        </a:spcBef>
+                        <a:spcAft>
+                          <a:spcPts val="0"/>
+                        </a:spcAft>
+                        <a:buSzPct val="100000"/>
+                        <a:buFont typeface="Arial" pitchFamily="34"/>
+                        <a:buNone/>
+                        <a:tabLst/>
+                      </a:pPr>
+                      <a:r>
+                        <a:rPr lang="en-US" altLang="zh-CN" sz="1800" b="0" i="0" u="none" strike="noStrike" kern="1200" cap="none" spc="0" baseline="0">
+                          <a:solidFill>
+                            <a:srgbClr val="000000"/>
+                          </a:solidFill>
+                          <a:uFillTx/>
+                          <a:latin typeface="Consolas" pitchFamily="49"/>
+                          <a:ea typeface="微软雅黑" pitchFamily="34"/>
+                        </a:rPr>
+                        <a:t>C</a:t>
+                      </a:r>
+                      <a:endParaRPr lang="zh-CN" altLang="en-US" sz="1800" b="0" i="0" u="none" strike="noStrike" kern="1200" cap="none" spc="0" baseline="0">
+                        <a:solidFill>
+                          <a:srgbClr val="000000"/>
+                        </a:solidFill>
+                        <a:uFillTx/>
+                        <a:latin typeface="Consolas" pitchFamily="49"/>
+                        <a:ea typeface="微软雅黑" pitchFamily="34"/>
+                      </a:endParaRPr>
+                    </a:p>
+                  </a:txBody>
+                  <a:tcPr/>
+                </a:tc>
+                <a:tc>
+                  <a:txBody>
+                    <a:bodyPr/>
+                    <a:lstStyle/>
+                    <a:p>
+                      <a:pPr marL="0" marR="0" lvl="0" indent="0" algn="ctr" defTabSz="539998" rtl="0" fontAlgn="auto" hangingPunct="1">
+                        <a:lnSpc>
+                          <a:spcPct val="90000"/>
+                        </a:lnSpc>
+                        <a:spcBef>
+                          <a:spcPts val="1000"/>
+                        </a:spcBef>
+                        <a:spcAft>
+                          <a:spcPts val="0"/>
+                        </a:spcAft>
+                        <a:buSzPct val="100000"/>
+                        <a:buFont typeface="Arial" pitchFamily="34"/>
+                        <a:buNone/>
+                        <a:tabLst/>
+                      </a:pPr>
+                      <a:r>
+                        <a:rPr lang="en-US" altLang="zh-CN" sz="1800" b="0" i="0" u="none" strike="noStrike" kern="1200" cap="none" spc="0" baseline="0">
+                          <a:solidFill>
+                            <a:srgbClr val="000000"/>
+                          </a:solidFill>
+                          <a:uFillTx/>
+                          <a:latin typeface="Consolas" pitchFamily="49"/>
+                          <a:ea typeface="微软雅黑" pitchFamily="34"/>
+                        </a:rPr>
+                        <a:t>CTAG</a:t>
+                      </a:r>
+                      <a:endParaRPr lang="zh-CN" altLang="en-US" sz="1800" b="0" i="0" u="none" strike="noStrike" kern="1200" cap="none" spc="0" baseline="0">
+                        <a:solidFill>
+                          <a:srgbClr val="000000"/>
+                        </a:solidFill>
+                        <a:uFillTx/>
+                        <a:latin typeface="Consolas" pitchFamily="49"/>
+                        <a:ea typeface="微软雅黑" pitchFamily="34"/>
+                      </a:endParaRPr>
+                    </a:p>
+                  </a:txBody>
+                  <a:tcPr/>
+                </a:tc>
+                <a:tc>
+                  <a:txBody>
+                    <a:bodyPr/>
+                    <a:lstStyle/>
+                    <a:p>
+                      <a:pPr marL="0" marR="0" lvl="0" indent="0" algn="ctr" defTabSz="539998" rtl="0" fontAlgn="auto" hangingPunct="1">
+                        <a:lnSpc>
+                          <a:spcPct val="90000"/>
+                        </a:lnSpc>
+                        <a:spcBef>
+                          <a:spcPts val="1000"/>
+                        </a:spcBef>
+                        <a:spcAft>
+                          <a:spcPts val="0"/>
+                        </a:spcAft>
+                        <a:buSzPct val="100000"/>
+                        <a:buFont typeface="Arial" pitchFamily="34"/>
+                        <a:buNone/>
+                        <a:tabLst/>
+                      </a:pPr>
+                      <a:r>
+                        <a:rPr lang="en-US" altLang="zh-CN" sz="1800" b="0" i="0" u="none" strike="noStrike" kern="1200" cap="none" spc="0" baseline="0">
+                          <a:solidFill>
+                            <a:srgbClr val="000000"/>
+                          </a:solidFill>
+                          <a:uFillTx/>
+                          <a:latin typeface="Consolas" pitchFamily="49"/>
+                          <a:ea typeface="微软雅黑" pitchFamily="34"/>
+                        </a:rPr>
+                        <a:t>insertion</a:t>
+                      </a:r>
+                      <a:endParaRPr lang="zh-CN" altLang="en-US" sz="1800" b="0" i="0" u="none" strike="noStrike" kern="1200" cap="none" spc="0" baseline="0">
+                        <a:solidFill>
+                          <a:srgbClr val="000000"/>
+                        </a:solidFill>
+                        <a:uFillTx/>
+                        <a:latin typeface="Consolas" pitchFamily="49"/>
+                        <a:ea typeface="微软雅黑" pitchFamily="34"/>
+                      </a:endParaRPr>
+                    </a:p>
+                  </a:txBody>
+                  <a:tcPr/>
+                </a:tc>
+                <a:extLst>
+                  <a:ext uri="{0D108BD9-81ED-4DB2-BD59-A6C34878D82A}">
+                    <a16:rowId xmlns:a16="http://schemas.microsoft.com/office/drawing/2014/main" val="847781996"/>
+                  </a:ext>
+                </a:extLst>
+              </a:tr>
+              <a:tr h="370840">
+                <a:tc>
+                  <a:txBody>
+                    <a:bodyPr/>
+                    <a:lstStyle/>
+                    <a:p>
+                      <a:pPr marL="0" marR="0" lvl="0" indent="0" algn="ctr" defTabSz="539998" rtl="0" fontAlgn="auto" hangingPunct="1">
+                        <a:lnSpc>
+                          <a:spcPct val="90000"/>
+                        </a:lnSpc>
+                        <a:spcBef>
+                          <a:spcPts val="1000"/>
+                        </a:spcBef>
+                        <a:spcAft>
+                          <a:spcPts val="0"/>
+                        </a:spcAft>
+                        <a:buSzPct val="100000"/>
+                        <a:buFont typeface="Arial" pitchFamily="34"/>
+                        <a:buNone/>
+                        <a:tabLst/>
+                      </a:pPr>
+                      <a:r>
+                        <a:rPr lang="en-US" altLang="zh-CN" sz="1800" b="0" i="0" u="none" strike="noStrike" kern="1200" cap="none" spc="0" baseline="0">
+                          <a:solidFill>
+                            <a:srgbClr val="000000"/>
+                          </a:solidFill>
+                          <a:uFillTx/>
+                          <a:latin typeface="Consolas" pitchFamily="49"/>
+                          <a:ea typeface="微软雅黑" pitchFamily="34"/>
+                        </a:rPr>
+                        <a:t>3</a:t>
+                      </a:r>
+                      <a:endParaRPr lang="zh-CN" altLang="en-US" sz="1800" b="0" i="0" u="none" strike="noStrike" kern="1200" cap="none" spc="0" baseline="0">
+                        <a:solidFill>
+                          <a:srgbClr val="000000"/>
+                        </a:solidFill>
+                        <a:uFillTx/>
+                        <a:latin typeface="Consolas" pitchFamily="49"/>
+                        <a:ea typeface="微软雅黑" pitchFamily="34"/>
+                      </a:endParaRPr>
+                    </a:p>
+                  </a:txBody>
+                  <a:tcPr/>
+                </a:tc>
+                <a:tc>
+                  <a:txBody>
+                    <a:bodyPr/>
+                    <a:lstStyle/>
+                    <a:p>
+                      <a:pPr marL="0" marR="0" lvl="0" indent="0" algn="ctr" defTabSz="539998" rtl="0" fontAlgn="auto" hangingPunct="1">
+                        <a:lnSpc>
+                          <a:spcPct val="90000"/>
+                        </a:lnSpc>
+                        <a:spcBef>
+                          <a:spcPts val="1000"/>
+                        </a:spcBef>
+                        <a:spcAft>
+                          <a:spcPts val="0"/>
+                        </a:spcAft>
+                        <a:buSzPct val="100000"/>
+                        <a:buFont typeface="Arial" pitchFamily="34"/>
+                        <a:buNone/>
+                        <a:tabLst/>
+                      </a:pPr>
+                      <a:r>
+                        <a:rPr lang="en-US" altLang="zh-CN" sz="1800" b="0" i="0" u="none" strike="noStrike" kern="1200" cap="none" spc="0" baseline="0">
+                          <a:solidFill>
+                            <a:srgbClr val="000000"/>
+                          </a:solidFill>
+                          <a:uFillTx/>
+                          <a:latin typeface="Consolas" pitchFamily="49"/>
+                          <a:ea typeface="微软雅黑" pitchFamily="34"/>
+                        </a:rPr>
+                        <a:t>xxx100</a:t>
+                      </a:r>
+                      <a:endParaRPr lang="zh-CN" altLang="en-US" sz="1800" b="0" i="0" u="none" strike="noStrike" kern="1200" cap="none" spc="0" baseline="0">
+                        <a:solidFill>
+                          <a:srgbClr val="000000"/>
+                        </a:solidFill>
+                        <a:uFillTx/>
+                        <a:latin typeface="Consolas" pitchFamily="49"/>
+                        <a:ea typeface="微软雅黑" pitchFamily="34"/>
+                      </a:endParaRPr>
+                    </a:p>
+                  </a:txBody>
+                  <a:tcPr/>
+                </a:tc>
+                <a:tc>
+                  <a:txBody>
+                    <a:bodyPr/>
+                    <a:lstStyle/>
+                    <a:p>
+                      <a:pPr marL="0" marR="0" lvl="0" indent="0" algn="ctr" defTabSz="539998" rtl="0" fontAlgn="auto" hangingPunct="1">
+                        <a:lnSpc>
+                          <a:spcPct val="90000"/>
+                        </a:lnSpc>
+                        <a:spcBef>
+                          <a:spcPts val="1000"/>
+                        </a:spcBef>
+                        <a:spcAft>
+                          <a:spcPts val="0"/>
+                        </a:spcAft>
+                        <a:buSzPct val="100000"/>
+                        <a:buFont typeface="Arial" pitchFamily="34"/>
+                        <a:buNone/>
+                        <a:tabLst/>
+                      </a:pPr>
+                      <a:r>
+                        <a:rPr lang="en-US" altLang="zh-CN" sz="1800" b="0" i="0" u="none" strike="noStrike" kern="1200" cap="none" spc="0" baseline="0">
+                          <a:solidFill>
+                            <a:srgbClr val="000000"/>
+                          </a:solidFill>
+                          <a:uFillTx/>
+                          <a:latin typeface="Consolas" pitchFamily="49"/>
+                          <a:ea typeface="微软雅黑" pitchFamily="34"/>
+                        </a:rPr>
+                        <a:t>TCG</a:t>
+                      </a:r>
+                      <a:endParaRPr lang="zh-CN" altLang="en-US" sz="1800" b="0" i="0" u="none" strike="noStrike" kern="1200" cap="none" spc="0" baseline="0">
+                        <a:solidFill>
+                          <a:srgbClr val="000000"/>
+                        </a:solidFill>
+                        <a:uFillTx/>
+                        <a:latin typeface="Consolas" pitchFamily="49"/>
+                        <a:ea typeface="微软雅黑" pitchFamily="34"/>
+                      </a:endParaRPr>
+                    </a:p>
+                  </a:txBody>
+                  <a:tcPr/>
+                </a:tc>
+                <a:tc>
+                  <a:txBody>
+                    <a:bodyPr/>
+                    <a:lstStyle/>
+                    <a:p>
+                      <a:pPr marL="0" marR="0" lvl="0" indent="0" algn="ctr" defTabSz="539998" rtl="0" fontAlgn="auto" hangingPunct="1">
+                        <a:lnSpc>
+                          <a:spcPct val="90000"/>
+                        </a:lnSpc>
+                        <a:spcBef>
+                          <a:spcPts val="1000"/>
+                        </a:spcBef>
+                        <a:spcAft>
+                          <a:spcPts val="0"/>
+                        </a:spcAft>
+                        <a:buSzPct val="100000"/>
+                        <a:buFont typeface="Arial" pitchFamily="34"/>
+                        <a:buNone/>
+                        <a:tabLst/>
+                      </a:pPr>
+                      <a:r>
+                        <a:rPr lang="en-US" altLang="zh-CN" sz="1800" b="0" i="0" u="none" strike="noStrike" kern="1200" cap="none" spc="0" baseline="0">
+                          <a:solidFill>
+                            <a:srgbClr val="000000"/>
+                          </a:solidFill>
+                          <a:uFillTx/>
+                          <a:latin typeface="Consolas" pitchFamily="49"/>
+                          <a:ea typeface="微软雅黑" pitchFamily="34"/>
+                        </a:rPr>
+                        <a:t>T</a:t>
+                      </a:r>
+                      <a:endParaRPr lang="zh-CN" altLang="en-US" sz="1800" b="0" i="0" u="none" strike="noStrike" kern="1200" cap="none" spc="0" baseline="0">
+                        <a:solidFill>
+                          <a:srgbClr val="000000"/>
+                        </a:solidFill>
+                        <a:uFillTx/>
+                        <a:latin typeface="Consolas" pitchFamily="49"/>
+                        <a:ea typeface="微软雅黑" pitchFamily="34"/>
+                      </a:endParaRPr>
+                    </a:p>
+                  </a:txBody>
+                  <a:tcPr/>
+                </a:tc>
+                <a:tc>
+                  <a:txBody>
+                    <a:bodyPr/>
+                    <a:lstStyle/>
+                    <a:p>
+                      <a:pPr marL="0" marR="0" lvl="0" indent="0" algn="ctr" defTabSz="539998" rtl="0" fontAlgn="auto" hangingPunct="1">
+                        <a:lnSpc>
+                          <a:spcPct val="90000"/>
+                        </a:lnSpc>
+                        <a:spcBef>
+                          <a:spcPts val="1000"/>
+                        </a:spcBef>
+                        <a:spcAft>
+                          <a:spcPts val="0"/>
+                        </a:spcAft>
+                        <a:buSzPct val="100000"/>
+                        <a:buFont typeface="Arial" pitchFamily="34"/>
+                        <a:buNone/>
+                        <a:tabLst/>
+                      </a:pPr>
+                      <a:r>
+                        <a:rPr lang="en-US" altLang="zh-CN" sz="1800" b="0" i="0" u="none" strike="noStrike" kern="1200" cap="none" spc="0" baseline="0">
+                          <a:solidFill>
+                            <a:srgbClr val="000000"/>
+                          </a:solidFill>
+                          <a:uFillTx/>
+                          <a:latin typeface="Consolas" pitchFamily="49"/>
+                          <a:ea typeface="微软雅黑" pitchFamily="34"/>
+                        </a:rPr>
+                        <a:t>deletion</a:t>
+                      </a:r>
+                      <a:endParaRPr lang="zh-CN" altLang="en-US" sz="1800" b="0" i="0" u="none" strike="noStrike" kern="1200" cap="none" spc="0" baseline="0">
+                        <a:solidFill>
+                          <a:srgbClr val="000000"/>
+                        </a:solidFill>
+                        <a:uFillTx/>
+                        <a:latin typeface="Consolas" pitchFamily="49"/>
+                        <a:ea typeface="微软雅黑" pitchFamily="34"/>
+                      </a:endParaRPr>
+                    </a:p>
+                  </a:txBody>
+                  <a:tcPr/>
+                </a:tc>
+                <a:extLst>
+                  <a:ext uri="{0D108BD9-81ED-4DB2-BD59-A6C34878D82A}">
+                    <a16:rowId xmlns:a16="http://schemas.microsoft.com/office/drawing/2014/main" val="4264729732"/>
+                  </a:ext>
+                </a:extLst>
+              </a:tr>
+            </a:tbl>
+          </a:graphicData>
+        </a:graphic>
+      </p:graphicFrame>
+      <p:sp>
+        <p:nvSpPr>
+          <p:cNvPr id="8" name="副标题 2">
+            <a:extLst>
+              <a:ext uri="{FF2B5EF4-FFF2-40B4-BE49-F238E27FC236}">
+                <a16:creationId xmlns:a16="http://schemas.microsoft.com/office/drawing/2014/main" id="{44454878-0297-452F-8605-93B10772F9FE}"/>
+              </a:ext>
+            </a:extLst>
+          </p:cNvPr>
+          <p:cNvSpPr txBox="1">
+            <a:spLocks/>
+          </p:cNvSpPr>
+          <p:nvPr/>
+        </p:nvSpPr>
+        <p:spPr>
+          <a:xfrm>
+            <a:off x="8220974" y="-1"/>
+            <a:ext cx="3971026" cy="313932"/>
+          </a:xfrm>
+          <a:prstGeom prst="rect">
+            <a:avLst/>
+          </a:prstGeom>
+          <a:noFill/>
+          <a:ln>
+            <a:noFill/>
+          </a:ln>
+        </p:spPr>
+        <p:txBody>
+          <a:bodyPr vert="horz" wrap="square" lIns="91440" tIns="45720" rIns="91440" bIns="45720" anchor="t" anchorCtr="1" compatLnSpc="1">
+            <a:spAutoFit/>
+          </a:bodyPr>
+          <a:lstStyle>
+            <a:lvl1pPr marL="0" marR="0" lvl="0" indent="0" algn="ctr" defTabSz="539998" rtl="0" fontAlgn="auto" hangingPunct="1">
+              <a:lnSpc>
+                <a:spcPct val="90000"/>
+              </a:lnSpc>
+              <a:spcBef>
+                <a:spcPts val="1000"/>
+              </a:spcBef>
+              <a:spcAft>
+                <a:spcPts val="0"/>
+              </a:spcAft>
+              <a:buSzPct val="100000"/>
+              <a:buFont typeface="Arial" pitchFamily="34"/>
+              <a:buNone/>
+              <a:tabLst/>
+              <a:defRPr lang="zh-CN" sz="2400" b="0" i="0" u="none" strike="noStrike" kern="1200" cap="none" spc="0" baseline="0">
+                <a:solidFill>
+                  <a:srgbClr val="000000"/>
+                </a:solidFill>
+                <a:uFillTx/>
+                <a:latin typeface="Consolas" pitchFamily="49"/>
+                <a:ea typeface="微软雅黑" pitchFamily="34"/>
+              </a:defRPr>
+            </a:lvl1pPr>
+            <a:lvl2pPr marL="685800" marR="0" lvl="1" indent="-228600" algn="l" defTabSz="539998" rtl="0" fontAlgn="auto" hangingPunct="1">
+              <a:lnSpc>
+                <a:spcPct val="90000"/>
+              </a:lnSpc>
+              <a:spcBef>
+                <a:spcPts val="500"/>
+              </a:spcBef>
+              <a:spcAft>
+                <a:spcPts val="0"/>
+              </a:spcAft>
+              <a:buSzPct val="100000"/>
+              <a:buFont typeface="Arial" pitchFamily="34"/>
+              <a:buChar char="•"/>
+              <a:tabLst/>
+              <a:defRPr lang="zh-CN" sz="2400" b="0" i="0" u="none" strike="noStrike" kern="1200" cap="none" spc="0" baseline="0">
+                <a:solidFill>
+                  <a:srgbClr val="000000"/>
+                </a:solidFill>
+                <a:uFillTx/>
+                <a:latin typeface="Consolas" pitchFamily="49"/>
+                <a:ea typeface="微软雅黑" pitchFamily="34"/>
+              </a:defRPr>
+            </a:lvl2pPr>
+            <a:lvl3pPr marL="1143000" marR="0" lvl="2" indent="-228600" algn="l" defTabSz="539998" rtl="0" fontAlgn="auto" hangingPunct="1">
+              <a:lnSpc>
+                <a:spcPct val="90000"/>
+              </a:lnSpc>
+              <a:spcBef>
+                <a:spcPts val="500"/>
+              </a:spcBef>
+              <a:spcAft>
+                <a:spcPts val="0"/>
+              </a:spcAft>
+              <a:buSzPct val="100000"/>
+              <a:buFont typeface="Arial" pitchFamily="34"/>
+              <a:buChar char="•"/>
+              <a:tabLst/>
+              <a:defRPr lang="zh-CN" sz="2000" b="0" i="0" u="none" strike="noStrike" kern="1200" cap="none" spc="0" baseline="0">
+                <a:solidFill>
+                  <a:srgbClr val="000000"/>
+                </a:solidFill>
+                <a:uFillTx/>
+                <a:latin typeface="Consolas" pitchFamily="49"/>
+                <a:ea typeface="微软雅黑" pitchFamily="34"/>
+              </a:defRPr>
+            </a:lvl3pPr>
+            <a:lvl4pPr marL="1600200" marR="0" lvl="3" indent="-228600" algn="l" defTabSz="539998" rtl="0" fontAlgn="auto" hangingPunct="1">
+              <a:lnSpc>
+                <a:spcPct val="90000"/>
+              </a:lnSpc>
+              <a:spcBef>
+                <a:spcPts val="500"/>
+              </a:spcBef>
+              <a:spcAft>
+                <a:spcPts val="0"/>
+              </a:spcAft>
+              <a:buSzPct val="100000"/>
+              <a:buFont typeface="Arial" pitchFamily="34"/>
+              <a:buChar char="•"/>
+              <a:tabLst/>
+              <a:defRPr lang="zh-CN" sz="1800" b="0" i="0" u="none" strike="noStrike" kern="1200" cap="none" spc="0" baseline="0">
+                <a:solidFill>
+                  <a:srgbClr val="000000"/>
+                </a:solidFill>
+                <a:uFillTx/>
+                <a:latin typeface="Consolas" pitchFamily="49"/>
+                <a:ea typeface="微软雅黑" pitchFamily="34"/>
+              </a:defRPr>
+            </a:lvl4pPr>
+            <a:lvl5pPr marL="2057400" marR="0" lvl="4" indent="-228600" algn="l" defTabSz="539998" rtl="0" fontAlgn="auto" hangingPunct="1">
+              <a:lnSpc>
+                <a:spcPct val="90000"/>
+              </a:lnSpc>
+              <a:spcBef>
+                <a:spcPts val="500"/>
+              </a:spcBef>
+              <a:spcAft>
+                <a:spcPts val="0"/>
+              </a:spcAft>
+              <a:buSzPct val="100000"/>
+              <a:buFont typeface="Arial" pitchFamily="34"/>
+              <a:buChar char="•"/>
+              <a:tabLst/>
+              <a:defRPr lang="zh-CN" sz="1800" b="0" i="0" u="none" strike="noStrike" kern="1200" cap="none" spc="0" baseline="0">
+                <a:solidFill>
+                  <a:srgbClr val="000000"/>
+                </a:solidFill>
+                <a:uFillTx/>
+                <a:latin typeface="Consolas" pitchFamily="49"/>
+                <a:ea typeface="微软雅黑" pitchFamily="34"/>
+              </a:defRPr>
+            </a:lvl5pPr>
+            <a:lvl6pPr marL="2514600" indent="-228600" algn="l" defTabSz="914400" rtl="0" eaLnBrk="1" latinLnBrk="0" hangingPunct="1">
+              <a:lnSpc>
+                <a:spcPct val="90000"/>
+              </a:lnSpc>
+              <a:spcBef>
+                <a:spcPts val="500"/>
+              </a:spcBef>
+              <a:buFont typeface="Arial" panose="020B0604020202020204" pitchFamily="34" charset="0"/>
+              <a:buChar char="•"/>
+              <a:defRPr sz="1800" kern="1200">
+                <a:solidFill>
+                  <a:schemeClr val="tx1"/>
+                </a:solidFill>
+                <a:latin typeface="+mn-lt"/>
+                <a:ea typeface="+mn-ea"/>
+                <a:cs typeface="+mn-cs"/>
+              </a:defRPr>
+            </a:lvl6pPr>
+            <a:lvl7pPr marL="2971800" indent="-228600" algn="l" defTabSz="914400" rtl="0" eaLnBrk="1" latinLnBrk="0" hangingPunct="1">
+              <a:lnSpc>
+                <a:spcPct val="90000"/>
+              </a:lnSpc>
+              <a:spcBef>
+                <a:spcPts val="500"/>
+              </a:spcBef>
+              <a:buFont typeface="Arial" panose="020B0604020202020204" pitchFamily="34" charset="0"/>
+              <a:buChar char="•"/>
+              <a:defRPr sz="1800" kern="1200">
+                <a:solidFill>
+                  <a:schemeClr val="tx1"/>
+                </a:solidFill>
+                <a:latin typeface="+mn-lt"/>
+                <a:ea typeface="+mn-ea"/>
+                <a:cs typeface="+mn-cs"/>
+              </a:defRPr>
+            </a:lvl7pPr>
+            <a:lvl8pPr marL="3429000" indent="-228600" algn="l" defTabSz="914400" rtl="0" eaLnBrk="1" latinLnBrk="0" hangingPunct="1">
+              <a:lnSpc>
+                <a:spcPct val="90000"/>
+              </a:lnSpc>
+              <a:spcBef>
+                <a:spcPts val="500"/>
+              </a:spcBef>
+              <a:buFont typeface="Arial" panose="020B0604020202020204" pitchFamily="34" charset="0"/>
+              <a:buChar char="•"/>
+              <a:defRPr sz="1800" kern="1200">
+                <a:solidFill>
+                  <a:schemeClr val="tx1"/>
+                </a:solidFill>
+                <a:latin typeface="+mn-lt"/>
+                <a:ea typeface="+mn-ea"/>
+                <a:cs typeface="+mn-cs"/>
+              </a:defRPr>
+            </a:lvl8pPr>
+            <a:lvl9pPr marL="3886200" indent="-228600" algn="l" defTabSz="914400" rtl="0" eaLnBrk="1" latinLnBrk="0" hangingPunct="1">
+              <a:lnSpc>
+                <a:spcPct val="90000"/>
+              </a:lnSpc>
+              <a:spcBef>
+                <a:spcPts val="500"/>
+              </a:spcBef>
+              <a:buFont typeface="Arial" panose="020B0604020202020204" pitchFamily="34" charset="0"/>
+              <a:buChar char="•"/>
+              <a:defRPr sz="1800" kern="1200">
+                <a:solidFill>
+                  <a:schemeClr val="tx1"/>
+                </a:solidFill>
+                <a:latin typeface="+mn-lt"/>
+                <a:ea typeface="+mn-ea"/>
+                <a:cs typeface="+mn-cs"/>
+              </a:defRPr>
+            </a:lvl9pPr>
+          </a:lstStyle>
+          <a:p>
+            <a:r>
+              <a:rPr lang="en-US" sz="1600"/>
+              <a:t>Length of Given Reads: 70bp</a:t>
+            </a:r>
+          </a:p>
+        </p:txBody>
+      </p:sp>
+      <p:graphicFrame>
+        <p:nvGraphicFramePr>
+          <p:cNvPr id="9" name="表格 7">
+            <a:extLst>
+              <a:ext uri="{FF2B5EF4-FFF2-40B4-BE49-F238E27FC236}">
+                <a16:creationId xmlns:a16="http://schemas.microsoft.com/office/drawing/2014/main" id="{660C7F5E-436F-4EC4-86FD-4BC2C184E58C}"/>
+              </a:ext>
+            </a:extLst>
+          </p:cNvPr>
+          <p:cNvGraphicFramePr>
+            <a:graphicFrameLocks noGrp="1"/>
+          </p:cNvGraphicFramePr>
+          <p:nvPr>
+            <p:extLst>
+              <p:ext uri="{D42A27DB-BD31-4B8C-83A1-F6EECF244321}">
+                <p14:modId xmlns:p14="http://schemas.microsoft.com/office/powerpoint/2010/main" val="4020873121"/>
+              </p:ext>
+            </p:extLst>
+          </p:nvPr>
+        </p:nvGraphicFramePr>
+        <p:xfrm>
+          <a:off x="1637506" y="4583334"/>
+          <a:ext cx="10153290" cy="1697736"/>
+        </p:xfrm>
+        <a:graphic>
+          <a:graphicData uri="http://schemas.openxmlformats.org/drawingml/2006/table">
+            <a:tbl>
+              <a:tblPr firstRow="1" bandRow="1">
+                <a:tableStyleId>{5940675A-B579-460E-94D1-54222C63F5DA}</a:tableStyleId>
+              </a:tblPr>
+              <a:tblGrid>
+                <a:gridCol w="1725284">
+                  <a:extLst>
+                    <a:ext uri="{9D8B030D-6E8A-4147-A177-3AD203B41FA5}">
+                      <a16:colId xmlns:a16="http://schemas.microsoft.com/office/drawing/2014/main" val="1396362083"/>
+                    </a:ext>
+                  </a:extLst>
+                </a:gridCol>
+                <a:gridCol w="4214003">
+                  <a:extLst>
+                    <a:ext uri="{9D8B030D-6E8A-4147-A177-3AD203B41FA5}">
+                      <a16:colId xmlns:a16="http://schemas.microsoft.com/office/drawing/2014/main" val="1498236489"/>
+                    </a:ext>
+                  </a:extLst>
+                </a:gridCol>
+                <a:gridCol w="4214003">
+                  <a:extLst>
+                    <a:ext uri="{9D8B030D-6E8A-4147-A177-3AD203B41FA5}">
+                      <a16:colId xmlns:a16="http://schemas.microsoft.com/office/drawing/2014/main" val="1292628694"/>
+                    </a:ext>
+                  </a:extLst>
+                </a:gridCol>
+              </a:tblGrid>
+              <a:tr h="370840">
+                <a:tc>
+                  <a:txBody>
+                    <a:bodyPr/>
+                    <a:lstStyle/>
+                    <a:p>
+                      <a:pPr marL="0" marR="0" lvl="0" indent="0" algn="ctr" defTabSz="539998" rtl="0" fontAlgn="auto" hangingPunct="1">
+                        <a:lnSpc>
+                          <a:spcPct val="90000"/>
+                        </a:lnSpc>
+                        <a:spcBef>
+                          <a:spcPts val="1000"/>
+                        </a:spcBef>
+                        <a:spcAft>
+                          <a:spcPts val="0"/>
+                        </a:spcAft>
+                        <a:buSzPct val="100000"/>
+                        <a:buFont typeface="Arial" pitchFamily="34"/>
+                        <a:buNone/>
+                        <a:tabLst/>
+                      </a:pPr>
+                      <a:r>
+                        <a:rPr lang="en-US" altLang="zh-CN" sz="1800" b="0" i="0" u="none" strike="noStrike" kern="1200" cap="none" spc="0" baseline="0">
+                          <a:solidFill>
+                            <a:schemeClr val="bg1"/>
+                          </a:solidFill>
+                          <a:uFillTx/>
+                          <a:latin typeface="Consolas" pitchFamily="49"/>
+                          <a:ea typeface="微软雅黑" pitchFamily="34"/>
+                        </a:rPr>
+                        <a:t>id</a:t>
+                      </a:r>
+                      <a:endParaRPr lang="zh-CN" altLang="en-US" sz="1800" b="0" i="0" u="none" strike="noStrike" kern="1200" cap="none" spc="0" baseline="0">
+                        <a:solidFill>
+                          <a:schemeClr val="bg1"/>
+                        </a:solidFill>
+                        <a:uFillTx/>
+                        <a:latin typeface="Consolas" pitchFamily="49"/>
+                        <a:ea typeface="微软雅黑" pitchFamily="34"/>
+                      </a:endParaRPr>
+                    </a:p>
+                  </a:txBody>
+                  <a:tcPr>
+                    <a:solidFill>
+                      <a:srgbClr val="1CB0A2"/>
+                    </a:solidFill>
+                  </a:tcPr>
+                </a:tc>
+                <a:tc>
+                  <a:txBody>
+                    <a:bodyPr/>
+                    <a:lstStyle/>
+                    <a:p>
+                      <a:pPr marL="0" marR="0" lvl="0" indent="0" algn="ctr" defTabSz="539998" rtl="0" fontAlgn="auto" hangingPunct="1">
+                        <a:lnSpc>
+                          <a:spcPct val="90000"/>
+                        </a:lnSpc>
+                        <a:spcBef>
+                          <a:spcPts val="1000"/>
+                        </a:spcBef>
+                        <a:spcAft>
+                          <a:spcPts val="0"/>
+                        </a:spcAft>
+                        <a:buSzPct val="100000"/>
+                        <a:buFont typeface="Arial" pitchFamily="34"/>
+                        <a:buNone/>
+                        <a:tabLst/>
+                      </a:pPr>
+                      <a:r>
+                        <a:rPr lang="en-US" altLang="zh-CN" sz="1800" b="0" i="0" u="none" strike="noStrike" kern="1200" cap="none" spc="0" baseline="0">
+                          <a:solidFill>
+                            <a:schemeClr val="bg1"/>
+                          </a:solidFill>
+                          <a:uFillTx/>
+                          <a:latin typeface="Consolas" pitchFamily="49"/>
+                          <a:ea typeface="微软雅黑" pitchFamily="34"/>
+                        </a:rPr>
+                        <a:t>bases around pos before integration</a:t>
+                      </a:r>
+                      <a:endParaRPr lang="zh-CN" altLang="en-US" sz="1800" b="0" i="0" u="none" strike="noStrike" kern="1200" cap="none" spc="0" baseline="0">
+                        <a:solidFill>
+                          <a:schemeClr val="bg1"/>
+                        </a:solidFill>
+                        <a:uFillTx/>
+                        <a:latin typeface="Consolas" pitchFamily="49"/>
+                        <a:ea typeface="微软雅黑" pitchFamily="34"/>
+                      </a:endParaRPr>
+                    </a:p>
+                  </a:txBody>
+                  <a:tcPr>
+                    <a:solidFill>
+                      <a:srgbClr val="1CB0A2"/>
+                    </a:solidFill>
+                  </a:tcPr>
+                </a:tc>
+                <a:tc>
+                  <a:txBody>
+                    <a:bodyPr/>
+                    <a:lstStyle/>
+                    <a:p>
+                      <a:pPr marL="0" marR="0" lvl="0" indent="0" algn="ctr" defTabSz="539998" rtl="0" fontAlgn="auto" hangingPunct="1">
+                        <a:lnSpc>
+                          <a:spcPct val="90000"/>
+                        </a:lnSpc>
+                        <a:spcBef>
+                          <a:spcPts val="1000"/>
+                        </a:spcBef>
+                        <a:spcAft>
+                          <a:spcPts val="0"/>
+                        </a:spcAft>
+                        <a:buSzPct val="100000"/>
+                        <a:buFont typeface="Arial" pitchFamily="34"/>
+                        <a:buNone/>
+                        <a:tabLst/>
+                      </a:pPr>
+                      <a:r>
+                        <a:rPr lang="en-US" altLang="zh-CN" sz="1800" b="0" i="0" u="none" strike="noStrike" kern="1200" cap="none" spc="0" baseline="0">
+                          <a:solidFill>
+                            <a:schemeClr val="bg1"/>
+                          </a:solidFill>
+                          <a:uFillTx/>
+                          <a:latin typeface="Consolas" pitchFamily="49"/>
+                          <a:ea typeface="微软雅黑" pitchFamily="34"/>
+                        </a:rPr>
+                        <a:t>bases around pos after integration</a:t>
+                      </a:r>
+                      <a:endParaRPr lang="zh-CN" altLang="en-US" sz="1800" b="0" i="0" u="none" strike="noStrike" kern="1200" cap="none" spc="0" baseline="0">
+                        <a:solidFill>
+                          <a:schemeClr val="bg1"/>
+                        </a:solidFill>
+                        <a:uFillTx/>
+                        <a:latin typeface="Consolas" pitchFamily="49"/>
+                        <a:ea typeface="微软雅黑" pitchFamily="34"/>
+                      </a:endParaRPr>
+                    </a:p>
+                  </a:txBody>
+                  <a:tcPr>
+                    <a:solidFill>
+                      <a:srgbClr val="1CB0A2"/>
+                    </a:solidFill>
+                  </a:tcPr>
+                </a:tc>
+                <a:extLst>
+                  <a:ext uri="{0D108BD9-81ED-4DB2-BD59-A6C34878D82A}">
+                    <a16:rowId xmlns:a16="http://schemas.microsoft.com/office/drawing/2014/main" val="3671342572"/>
+                  </a:ext>
+                </a:extLst>
+              </a:tr>
+              <a:tr h="370840">
+                <a:tc>
+                  <a:txBody>
+                    <a:bodyPr/>
+                    <a:lstStyle/>
+                    <a:p>
+                      <a:pPr marL="0" marR="0" lvl="0" indent="0" algn="ctr" defTabSz="539998" rtl="0" fontAlgn="auto" hangingPunct="1">
+                        <a:lnSpc>
+                          <a:spcPct val="90000"/>
+                        </a:lnSpc>
+                        <a:spcBef>
+                          <a:spcPts val="1000"/>
+                        </a:spcBef>
+                        <a:spcAft>
+                          <a:spcPts val="0"/>
+                        </a:spcAft>
+                        <a:buSzPct val="100000"/>
+                        <a:buFont typeface="Arial" pitchFamily="34"/>
+                        <a:buNone/>
+                        <a:tabLst/>
+                      </a:pPr>
+                      <a:r>
+                        <a:rPr lang="en-US" altLang="zh-CN" sz="1800" b="0" i="0" u="none" strike="noStrike" kern="1200" cap="none" spc="0" baseline="0">
+                          <a:solidFill>
+                            <a:srgbClr val="000000"/>
+                          </a:solidFill>
+                          <a:uFillTx/>
+                          <a:latin typeface="Consolas" pitchFamily="49"/>
+                          <a:ea typeface="微软雅黑" pitchFamily="34"/>
+                        </a:rPr>
+                        <a:t>1</a:t>
+                      </a:r>
+                      <a:endParaRPr lang="zh-CN" altLang="en-US" sz="1800" b="0" i="0" u="none" strike="noStrike" kern="1200" cap="none" spc="0" baseline="0">
+                        <a:solidFill>
+                          <a:srgbClr val="000000"/>
+                        </a:solidFill>
+                        <a:uFillTx/>
+                        <a:latin typeface="Consolas" pitchFamily="49"/>
+                        <a:ea typeface="微软雅黑" pitchFamily="34"/>
+                      </a:endParaRPr>
+                    </a:p>
+                  </a:txBody>
+                  <a:tcPr/>
+                </a:tc>
+                <a:tc>
+                  <a:txBody>
+                    <a:bodyPr/>
+                    <a:lstStyle/>
+                    <a:p>
+                      <a:pPr marL="0" marR="0" lvl="0" indent="0" algn="ctr" defTabSz="539998" rtl="0" fontAlgn="auto" hangingPunct="1">
+                        <a:lnSpc>
+                          <a:spcPct val="90000"/>
+                        </a:lnSpc>
+                        <a:spcBef>
+                          <a:spcPts val="1000"/>
+                        </a:spcBef>
+                        <a:spcAft>
+                          <a:spcPts val="0"/>
+                        </a:spcAft>
+                        <a:buSzPct val="100000"/>
+                        <a:buFont typeface="Arial" pitchFamily="34"/>
+                        <a:buNone/>
+                        <a:tabLst/>
+                      </a:pPr>
+                      <a:r>
+                        <a:rPr lang="en-US" altLang="zh-CN" sz="1800" b="0" i="0" u="none" strike="noStrike" kern="1200" cap="none" spc="0" baseline="0">
+                          <a:solidFill>
+                            <a:srgbClr val="000000"/>
+                          </a:solidFill>
+                          <a:uFillTx/>
+                          <a:latin typeface="Consolas" pitchFamily="49"/>
+                          <a:ea typeface="微软雅黑" pitchFamily="34"/>
+                        </a:rPr>
+                        <a:t>... XXXXXX C XXXXXX ...</a:t>
+                      </a:r>
+                      <a:endParaRPr lang="zh-CN" altLang="en-US" sz="1800" b="0" i="0" u="none" strike="noStrike" kern="1200" cap="none" spc="0" baseline="0">
+                        <a:solidFill>
+                          <a:srgbClr val="000000"/>
+                        </a:solidFill>
+                        <a:uFillTx/>
+                        <a:latin typeface="Consolas" pitchFamily="49"/>
+                        <a:ea typeface="微软雅黑" pitchFamily="34"/>
+                      </a:endParaRPr>
+                    </a:p>
+                  </a:txBody>
+                  <a:tcPr/>
+                </a:tc>
+                <a:tc>
+                  <a:txBody>
+                    <a:bodyPr/>
+                    <a:lstStyle/>
+                    <a:p>
+                      <a:pPr marL="0" marR="0" lvl="0" indent="0" algn="ctr" defTabSz="539998" rtl="0" fontAlgn="auto" hangingPunct="1">
+                        <a:lnSpc>
+                          <a:spcPct val="90000"/>
+                        </a:lnSpc>
+                        <a:spcBef>
+                          <a:spcPts val="1000"/>
+                        </a:spcBef>
+                        <a:spcAft>
+                          <a:spcPts val="0"/>
+                        </a:spcAft>
+                        <a:buSzPct val="100000"/>
+                        <a:buFont typeface="Arial" pitchFamily="34"/>
+                        <a:buNone/>
+                        <a:tabLst/>
+                      </a:pPr>
+                      <a:r>
+                        <a:rPr lang="en-US" altLang="zh-CN" sz="1800" b="0" i="0" u="none" strike="noStrike" kern="1200" cap="none" spc="0" baseline="0">
+                          <a:solidFill>
+                            <a:srgbClr val="000000"/>
+                          </a:solidFill>
+                          <a:uFillTx/>
+                          <a:latin typeface="Consolas" pitchFamily="49"/>
+                          <a:ea typeface="微软雅黑" pitchFamily="34"/>
+                        </a:rPr>
+                        <a:t>... XXXXXX T XXXXXX ...</a:t>
+                      </a:r>
+                      <a:endParaRPr lang="zh-CN" altLang="en-US" sz="1800" b="0" i="0" u="none" strike="noStrike" kern="1200" cap="none" spc="0" baseline="0">
+                        <a:solidFill>
+                          <a:srgbClr val="000000"/>
+                        </a:solidFill>
+                        <a:uFillTx/>
+                        <a:latin typeface="Consolas" pitchFamily="49"/>
+                        <a:ea typeface="微软雅黑" pitchFamily="34"/>
+                      </a:endParaRPr>
+                    </a:p>
+                  </a:txBody>
+                  <a:tcPr/>
+                </a:tc>
+                <a:extLst>
+                  <a:ext uri="{0D108BD9-81ED-4DB2-BD59-A6C34878D82A}">
+                    <a16:rowId xmlns:a16="http://schemas.microsoft.com/office/drawing/2014/main" val="4006098001"/>
+                  </a:ext>
+                </a:extLst>
+              </a:tr>
+              <a:tr h="370840">
+                <a:tc>
+                  <a:txBody>
+                    <a:bodyPr/>
+                    <a:lstStyle/>
+                    <a:p>
+                      <a:pPr marL="0" marR="0" lvl="0" indent="0" algn="ctr" defTabSz="539998" rtl="0" fontAlgn="auto" hangingPunct="1">
+                        <a:lnSpc>
+                          <a:spcPct val="90000"/>
+                        </a:lnSpc>
+                        <a:spcBef>
+                          <a:spcPts val="1000"/>
+                        </a:spcBef>
+                        <a:spcAft>
+                          <a:spcPts val="0"/>
+                        </a:spcAft>
+                        <a:buSzPct val="100000"/>
+                        <a:buFont typeface="Arial" pitchFamily="34"/>
+                        <a:buNone/>
+                        <a:tabLst/>
+                      </a:pPr>
+                      <a:r>
+                        <a:rPr lang="en-US" altLang="zh-CN" sz="1800" b="0" i="0" u="none" strike="noStrike" kern="1200" cap="none" spc="0" baseline="0">
+                          <a:solidFill>
+                            <a:srgbClr val="000000"/>
+                          </a:solidFill>
+                          <a:uFillTx/>
+                          <a:latin typeface="Consolas" pitchFamily="49"/>
+                          <a:ea typeface="微软雅黑" pitchFamily="34"/>
+                        </a:rPr>
+                        <a:t>2</a:t>
+                      </a:r>
+                      <a:endParaRPr lang="zh-CN" altLang="en-US" sz="1800" b="0" i="0" u="none" strike="noStrike" kern="1200" cap="none" spc="0" baseline="0">
+                        <a:solidFill>
+                          <a:srgbClr val="000000"/>
+                        </a:solidFill>
+                        <a:uFillTx/>
+                        <a:latin typeface="Consolas" pitchFamily="49"/>
+                        <a:ea typeface="微软雅黑" pitchFamily="34"/>
+                      </a:endParaRPr>
+                    </a:p>
+                  </a:txBody>
+                  <a:tcPr/>
+                </a:tc>
+                <a:tc>
+                  <a:txBody>
+                    <a:bodyPr/>
+                    <a:lstStyle/>
+                    <a:p>
+                      <a:pPr marL="0" marR="0" lvl="0" indent="0" algn="ctr" defTabSz="539998" rtl="0" fontAlgn="auto" hangingPunct="1">
+                        <a:lnSpc>
+                          <a:spcPct val="90000"/>
+                        </a:lnSpc>
+                        <a:spcBef>
+                          <a:spcPts val="1000"/>
+                        </a:spcBef>
+                        <a:spcAft>
+                          <a:spcPts val="0"/>
+                        </a:spcAft>
+                        <a:buSzPct val="100000"/>
+                        <a:buFont typeface="Arial" pitchFamily="34"/>
+                        <a:buNone/>
+                        <a:tabLst/>
+                      </a:pPr>
+                      <a:r>
+                        <a:rPr lang="en-US" altLang="zh-CN" sz="1800" b="0" i="0" u="none" strike="noStrike" kern="1200" cap="none" spc="0" baseline="0">
+                          <a:solidFill>
+                            <a:srgbClr val="000000"/>
+                          </a:solidFill>
+                          <a:uFillTx/>
+                          <a:latin typeface="Consolas" pitchFamily="49"/>
+                          <a:ea typeface="微软雅黑" pitchFamily="34"/>
+                        </a:rPr>
+                        <a:t>... XXXXXX C XXXXXX ...</a:t>
+                      </a:r>
+                      <a:endParaRPr lang="zh-CN" altLang="en-US" sz="1800" b="0" i="0" u="none" strike="noStrike" kern="1200" cap="none" spc="0" baseline="0">
+                        <a:solidFill>
+                          <a:srgbClr val="000000"/>
+                        </a:solidFill>
+                        <a:uFillTx/>
+                        <a:latin typeface="Consolas" pitchFamily="49"/>
+                        <a:ea typeface="微软雅黑" pitchFamily="34"/>
+                      </a:endParaRPr>
+                    </a:p>
+                  </a:txBody>
+                  <a:tcPr/>
+                </a:tc>
+                <a:tc>
+                  <a:txBody>
+                    <a:bodyPr/>
+                    <a:lstStyle/>
+                    <a:p>
+                      <a:pPr marL="0" marR="0" lvl="0" indent="0" algn="ctr" defTabSz="539998" rtl="0" fontAlgn="auto" hangingPunct="1">
+                        <a:lnSpc>
+                          <a:spcPct val="90000"/>
+                        </a:lnSpc>
+                        <a:spcBef>
+                          <a:spcPts val="1000"/>
+                        </a:spcBef>
+                        <a:spcAft>
+                          <a:spcPts val="0"/>
+                        </a:spcAft>
+                        <a:buSzPct val="100000"/>
+                        <a:buFont typeface="Arial" pitchFamily="34"/>
+                        <a:buNone/>
+                        <a:tabLst/>
+                      </a:pPr>
+                      <a:r>
+                        <a:rPr lang="en-US" altLang="zh-CN" sz="1800" b="0" i="0" u="none" strike="noStrike" kern="1200" cap="none" spc="0" baseline="0">
+                          <a:solidFill>
+                            <a:srgbClr val="000000"/>
+                          </a:solidFill>
+                          <a:uFillTx/>
+                          <a:latin typeface="Consolas" pitchFamily="49"/>
+                          <a:ea typeface="微软雅黑" pitchFamily="34"/>
+                        </a:rPr>
+                        <a:t>... XXXXXX CTAG XXXXXX ...</a:t>
+                      </a:r>
+                      <a:endParaRPr lang="zh-CN" altLang="en-US" sz="1800" b="0" i="0" u="none" strike="noStrike" kern="1200" cap="none" spc="0" baseline="0">
+                        <a:solidFill>
+                          <a:srgbClr val="000000"/>
+                        </a:solidFill>
+                        <a:uFillTx/>
+                        <a:latin typeface="Consolas" pitchFamily="49"/>
+                        <a:ea typeface="微软雅黑" pitchFamily="34"/>
+                      </a:endParaRPr>
+                    </a:p>
+                  </a:txBody>
+                  <a:tcPr/>
+                </a:tc>
+                <a:extLst>
+                  <a:ext uri="{0D108BD9-81ED-4DB2-BD59-A6C34878D82A}">
+                    <a16:rowId xmlns:a16="http://schemas.microsoft.com/office/drawing/2014/main" val="847781996"/>
+                  </a:ext>
+                </a:extLst>
+              </a:tr>
+              <a:tr h="370840">
+                <a:tc>
+                  <a:txBody>
+                    <a:bodyPr/>
+                    <a:lstStyle/>
+                    <a:p>
+                      <a:pPr marL="0" marR="0" lvl="0" indent="0" algn="ctr" defTabSz="539998" rtl="0" fontAlgn="auto" hangingPunct="1">
+                        <a:lnSpc>
+                          <a:spcPct val="90000"/>
+                        </a:lnSpc>
+                        <a:spcBef>
+                          <a:spcPts val="1000"/>
+                        </a:spcBef>
+                        <a:spcAft>
+                          <a:spcPts val="0"/>
+                        </a:spcAft>
+                        <a:buSzPct val="100000"/>
+                        <a:buFont typeface="Arial" pitchFamily="34"/>
+                        <a:buNone/>
+                        <a:tabLst/>
+                      </a:pPr>
+                      <a:r>
+                        <a:rPr lang="en-US" altLang="zh-CN" sz="1800" b="0" i="0" u="none" strike="noStrike" kern="1200" cap="none" spc="0" baseline="0">
+                          <a:solidFill>
+                            <a:srgbClr val="000000"/>
+                          </a:solidFill>
+                          <a:uFillTx/>
+                          <a:latin typeface="Consolas" pitchFamily="49"/>
+                          <a:ea typeface="微软雅黑" pitchFamily="34"/>
+                        </a:rPr>
+                        <a:t>3</a:t>
+                      </a:r>
+                      <a:endParaRPr lang="zh-CN" altLang="en-US" sz="1800" b="0" i="0" u="none" strike="noStrike" kern="1200" cap="none" spc="0" baseline="0">
+                        <a:solidFill>
+                          <a:srgbClr val="000000"/>
+                        </a:solidFill>
+                        <a:uFillTx/>
+                        <a:latin typeface="Consolas" pitchFamily="49"/>
+                        <a:ea typeface="微软雅黑" pitchFamily="34"/>
+                      </a:endParaRPr>
+                    </a:p>
+                  </a:txBody>
+                  <a:tcPr/>
+                </a:tc>
+                <a:tc>
+                  <a:txBody>
+                    <a:bodyPr/>
+                    <a:lstStyle/>
+                    <a:p>
+                      <a:pPr marL="0" marR="0" lvl="0" indent="0" algn="ctr" defTabSz="539998" rtl="0" fontAlgn="auto" hangingPunct="1">
+                        <a:lnSpc>
+                          <a:spcPct val="90000"/>
+                        </a:lnSpc>
+                        <a:spcBef>
+                          <a:spcPts val="1000"/>
+                        </a:spcBef>
+                        <a:spcAft>
+                          <a:spcPts val="0"/>
+                        </a:spcAft>
+                        <a:buSzPct val="100000"/>
+                        <a:buFont typeface="Arial" pitchFamily="34"/>
+                        <a:buNone/>
+                        <a:tabLst/>
+                      </a:pPr>
+                      <a:r>
+                        <a:rPr lang="en-US" altLang="zh-CN" sz="1800" b="0" i="0" u="none" strike="noStrike" kern="1200" cap="none" spc="0" baseline="0">
+                          <a:solidFill>
+                            <a:srgbClr val="000000"/>
+                          </a:solidFill>
+                          <a:uFillTx/>
+                          <a:latin typeface="Consolas" pitchFamily="49"/>
+                          <a:ea typeface="微软雅黑" pitchFamily="34"/>
+                        </a:rPr>
+                        <a:t>... XXXXXX TCG XXXXXX ...</a:t>
+                      </a:r>
+                      <a:endParaRPr lang="zh-CN" altLang="en-US" sz="1800" b="0" i="0" u="none" strike="noStrike" kern="1200" cap="none" spc="0" baseline="0">
+                        <a:solidFill>
+                          <a:srgbClr val="000000"/>
+                        </a:solidFill>
+                        <a:uFillTx/>
+                        <a:latin typeface="Consolas" pitchFamily="49"/>
+                        <a:ea typeface="微软雅黑" pitchFamily="34"/>
+                      </a:endParaRPr>
+                    </a:p>
+                  </a:txBody>
+                  <a:tcPr/>
+                </a:tc>
+                <a:tc>
+                  <a:txBody>
+                    <a:bodyPr/>
+                    <a:lstStyle/>
+                    <a:p>
+                      <a:pPr marL="0" marR="0" lvl="0" indent="0" algn="ctr" defTabSz="539998" rtl="0" fontAlgn="auto" hangingPunct="1">
+                        <a:lnSpc>
+                          <a:spcPct val="90000"/>
+                        </a:lnSpc>
+                        <a:spcBef>
+                          <a:spcPts val="1000"/>
+                        </a:spcBef>
+                        <a:spcAft>
+                          <a:spcPts val="0"/>
+                        </a:spcAft>
+                        <a:buSzPct val="100000"/>
+                        <a:buFont typeface="Arial" pitchFamily="34"/>
+                        <a:buNone/>
+                        <a:tabLst/>
+                      </a:pPr>
+                      <a:r>
+                        <a:rPr lang="en-US" altLang="zh-CN" sz="1800" b="0" i="0" u="none" strike="noStrike" kern="1200" cap="none" spc="0" baseline="0">
+                          <a:solidFill>
+                            <a:srgbClr val="000000"/>
+                          </a:solidFill>
+                          <a:uFillTx/>
+                          <a:latin typeface="Consolas" pitchFamily="49"/>
+                          <a:ea typeface="微软雅黑" pitchFamily="34"/>
+                        </a:rPr>
+                        <a:t>... XXXXXX T XXXXXX ...</a:t>
+                      </a:r>
+                      <a:endParaRPr lang="zh-CN" altLang="en-US" sz="1800" b="0" i="0" u="none" strike="noStrike" kern="1200" cap="none" spc="0" baseline="0">
+                        <a:solidFill>
+                          <a:srgbClr val="000000"/>
+                        </a:solidFill>
+                        <a:uFillTx/>
+                        <a:latin typeface="Consolas" pitchFamily="49"/>
+                        <a:ea typeface="微软雅黑" pitchFamily="34"/>
+                      </a:endParaRPr>
+                    </a:p>
+                  </a:txBody>
+                  <a:tcPr/>
+                </a:tc>
+                <a:extLst>
+                  <a:ext uri="{0D108BD9-81ED-4DB2-BD59-A6C34878D82A}">
+                    <a16:rowId xmlns:a16="http://schemas.microsoft.com/office/drawing/2014/main" val="4264729732"/>
+                  </a:ext>
+                </a:extLst>
+              </a:tr>
+            </a:tbl>
+          </a:graphicData>
+        </a:graphic>
+      </p:graphicFrame>
+      <p:sp>
+        <p:nvSpPr>
+          <p:cNvPr id="14" name="副标题 2">
+            <a:extLst>
+              <a:ext uri="{FF2B5EF4-FFF2-40B4-BE49-F238E27FC236}">
+                <a16:creationId xmlns:a16="http://schemas.microsoft.com/office/drawing/2014/main" id="{9F0226C9-BA69-4865-B98F-E4CBBB38B53B}"/>
+              </a:ext>
+            </a:extLst>
+          </p:cNvPr>
+          <p:cNvSpPr txBox="1">
+            <a:spLocks/>
+          </p:cNvSpPr>
+          <p:nvPr/>
+        </p:nvSpPr>
+        <p:spPr>
+          <a:xfrm>
+            <a:off x="5277281" y="3566916"/>
+            <a:ext cx="1780674" cy="313932"/>
+          </a:xfrm>
+          <a:prstGeom prst="rect">
+            <a:avLst/>
+          </a:prstGeom>
+          <a:noFill/>
+          <a:ln>
+            <a:noFill/>
+          </a:ln>
+        </p:spPr>
+        <p:txBody>
+          <a:bodyPr vert="horz" wrap="square" lIns="91440" tIns="45720" rIns="91440" bIns="45720" anchor="t" anchorCtr="1" compatLnSpc="1">
+            <a:spAutoFit/>
+          </a:bodyPr>
+          <a:lstStyle>
+            <a:lvl1pPr marL="0" marR="0" lvl="0" indent="0" algn="ctr" defTabSz="539998" rtl="0" fontAlgn="auto" hangingPunct="1">
+              <a:lnSpc>
+                <a:spcPct val="90000"/>
+              </a:lnSpc>
+              <a:spcBef>
+                <a:spcPts val="1000"/>
+              </a:spcBef>
+              <a:spcAft>
+                <a:spcPts val="0"/>
+              </a:spcAft>
+              <a:buSzPct val="100000"/>
+              <a:buFont typeface="Arial" pitchFamily="34"/>
+              <a:buNone/>
+              <a:tabLst/>
+              <a:defRPr lang="zh-CN" sz="2400" b="0" i="0" u="none" strike="noStrike" kern="1200" cap="none" spc="0" baseline="0">
+                <a:solidFill>
+                  <a:srgbClr val="000000"/>
+                </a:solidFill>
+                <a:uFillTx/>
+                <a:latin typeface="Consolas" pitchFamily="49"/>
+                <a:ea typeface="微软雅黑" pitchFamily="34"/>
+              </a:defRPr>
+            </a:lvl1pPr>
+            <a:lvl2pPr marL="685800" marR="0" lvl="1" indent="-228600" algn="l" defTabSz="539998" rtl="0" fontAlgn="auto" hangingPunct="1">
+              <a:lnSpc>
+                <a:spcPct val="90000"/>
+              </a:lnSpc>
+              <a:spcBef>
+                <a:spcPts val="500"/>
+              </a:spcBef>
+              <a:spcAft>
+                <a:spcPts val="0"/>
+              </a:spcAft>
+              <a:buSzPct val="100000"/>
+              <a:buFont typeface="Arial" pitchFamily="34"/>
+              <a:buChar char="•"/>
+              <a:tabLst/>
+              <a:defRPr lang="zh-CN" sz="2400" b="0" i="0" u="none" strike="noStrike" kern="1200" cap="none" spc="0" baseline="0">
+                <a:solidFill>
+                  <a:srgbClr val="000000"/>
+                </a:solidFill>
+                <a:uFillTx/>
+                <a:latin typeface="Consolas" pitchFamily="49"/>
+                <a:ea typeface="微软雅黑" pitchFamily="34"/>
+              </a:defRPr>
+            </a:lvl2pPr>
+            <a:lvl3pPr marL="1143000" marR="0" lvl="2" indent="-228600" algn="l" defTabSz="539998" rtl="0" fontAlgn="auto" hangingPunct="1">
+              <a:lnSpc>
+                <a:spcPct val="90000"/>
+              </a:lnSpc>
+              <a:spcBef>
+                <a:spcPts val="500"/>
+              </a:spcBef>
+              <a:spcAft>
+                <a:spcPts val="0"/>
+              </a:spcAft>
+              <a:buSzPct val="100000"/>
+              <a:buFont typeface="Arial" pitchFamily="34"/>
+              <a:buChar char="•"/>
+              <a:tabLst/>
+              <a:defRPr lang="zh-CN" sz="2000" b="0" i="0" u="none" strike="noStrike" kern="1200" cap="none" spc="0" baseline="0">
+                <a:solidFill>
+                  <a:srgbClr val="000000"/>
+                </a:solidFill>
+                <a:uFillTx/>
+                <a:latin typeface="Consolas" pitchFamily="49"/>
+                <a:ea typeface="微软雅黑" pitchFamily="34"/>
+              </a:defRPr>
+            </a:lvl3pPr>
+            <a:lvl4pPr marL="1600200" marR="0" lvl="3" indent="-228600" algn="l" defTabSz="539998" rtl="0" fontAlgn="auto" hangingPunct="1">
+              <a:lnSpc>
+                <a:spcPct val="90000"/>
+              </a:lnSpc>
+              <a:spcBef>
+                <a:spcPts val="500"/>
+              </a:spcBef>
+              <a:spcAft>
+                <a:spcPts val="0"/>
+              </a:spcAft>
+              <a:buSzPct val="100000"/>
+              <a:buFont typeface="Arial" pitchFamily="34"/>
+              <a:buChar char="•"/>
+              <a:tabLst/>
+              <a:defRPr lang="zh-CN" sz="1800" b="0" i="0" u="none" strike="noStrike" kern="1200" cap="none" spc="0" baseline="0">
+                <a:solidFill>
+                  <a:srgbClr val="000000"/>
+                </a:solidFill>
+                <a:uFillTx/>
+                <a:latin typeface="Consolas" pitchFamily="49"/>
+                <a:ea typeface="微软雅黑" pitchFamily="34"/>
+              </a:defRPr>
+            </a:lvl4pPr>
+            <a:lvl5pPr marL="2057400" marR="0" lvl="4" indent="-228600" algn="l" defTabSz="539998" rtl="0" fontAlgn="auto" hangingPunct="1">
+              <a:lnSpc>
+                <a:spcPct val="90000"/>
+              </a:lnSpc>
+              <a:spcBef>
+                <a:spcPts val="500"/>
+              </a:spcBef>
+              <a:spcAft>
+                <a:spcPts val="0"/>
+              </a:spcAft>
+              <a:buSzPct val="100000"/>
+              <a:buFont typeface="Arial" pitchFamily="34"/>
+              <a:buChar char="•"/>
+              <a:tabLst/>
+              <a:defRPr lang="zh-CN" sz="1800" b="0" i="0" u="none" strike="noStrike" kern="1200" cap="none" spc="0" baseline="0">
+                <a:solidFill>
+                  <a:srgbClr val="000000"/>
+                </a:solidFill>
+                <a:uFillTx/>
+                <a:latin typeface="Consolas" pitchFamily="49"/>
+                <a:ea typeface="微软雅黑" pitchFamily="34"/>
+              </a:defRPr>
+            </a:lvl5pPr>
+            <a:lvl6pPr marL="2514600" indent="-228600" algn="l" defTabSz="914400" rtl="0" eaLnBrk="1" latinLnBrk="0" hangingPunct="1">
+              <a:lnSpc>
+                <a:spcPct val="90000"/>
+              </a:lnSpc>
+              <a:spcBef>
+                <a:spcPts val="500"/>
+              </a:spcBef>
+              <a:buFont typeface="Arial" panose="020B0604020202020204" pitchFamily="34" charset="0"/>
+              <a:buChar char="•"/>
+              <a:defRPr sz="1800" kern="1200">
+                <a:solidFill>
+                  <a:schemeClr val="tx1"/>
+                </a:solidFill>
+                <a:latin typeface="+mn-lt"/>
+                <a:ea typeface="+mn-ea"/>
+                <a:cs typeface="+mn-cs"/>
+              </a:defRPr>
+            </a:lvl6pPr>
+            <a:lvl7pPr marL="2971800" indent="-228600" algn="l" defTabSz="914400" rtl="0" eaLnBrk="1" latinLnBrk="0" hangingPunct="1">
+              <a:lnSpc>
+                <a:spcPct val="90000"/>
+              </a:lnSpc>
+              <a:spcBef>
+                <a:spcPts val="500"/>
+              </a:spcBef>
+              <a:buFont typeface="Arial" panose="020B0604020202020204" pitchFamily="34" charset="0"/>
+              <a:buChar char="•"/>
+              <a:defRPr sz="1800" kern="1200">
+                <a:solidFill>
+                  <a:schemeClr val="tx1"/>
+                </a:solidFill>
+                <a:latin typeface="+mn-lt"/>
+                <a:ea typeface="+mn-ea"/>
+                <a:cs typeface="+mn-cs"/>
+              </a:defRPr>
+            </a:lvl7pPr>
+            <a:lvl8pPr marL="3429000" indent="-228600" algn="l" defTabSz="914400" rtl="0" eaLnBrk="1" latinLnBrk="0" hangingPunct="1">
+              <a:lnSpc>
+                <a:spcPct val="90000"/>
+              </a:lnSpc>
+              <a:spcBef>
+                <a:spcPts val="500"/>
+              </a:spcBef>
+              <a:buFont typeface="Arial" panose="020B0604020202020204" pitchFamily="34" charset="0"/>
+              <a:buChar char="•"/>
+              <a:defRPr sz="1800" kern="1200">
+                <a:solidFill>
+                  <a:schemeClr val="tx1"/>
+                </a:solidFill>
+                <a:latin typeface="+mn-lt"/>
+                <a:ea typeface="+mn-ea"/>
+                <a:cs typeface="+mn-cs"/>
+              </a:defRPr>
+            </a:lvl8pPr>
+            <a:lvl9pPr marL="3886200" indent="-228600" algn="l" defTabSz="914400" rtl="0" eaLnBrk="1" latinLnBrk="0" hangingPunct="1">
+              <a:lnSpc>
+                <a:spcPct val="90000"/>
+              </a:lnSpc>
+              <a:spcBef>
+                <a:spcPts val="500"/>
+              </a:spcBef>
+              <a:buFont typeface="Arial" panose="020B0604020202020204" pitchFamily="34" charset="0"/>
+              <a:buChar char="•"/>
+              <a:defRPr sz="1800" kern="1200">
+                <a:solidFill>
+                  <a:schemeClr val="tx1"/>
+                </a:solidFill>
+                <a:latin typeface="+mn-lt"/>
+                <a:ea typeface="+mn-ea"/>
+                <a:cs typeface="+mn-cs"/>
+              </a:defRPr>
+            </a:lvl9pPr>
+          </a:lstStyle>
+          <a:p>
+            <a:pPr algn="l"/>
+            <a:r>
+              <a:rPr lang="en-US" sz="1600"/>
+              <a:t>xxx001+0+1</a:t>
+            </a:r>
+          </a:p>
+        </p:txBody>
+      </p:sp>
+      <p:sp>
+        <p:nvSpPr>
+          <p:cNvPr id="15" name="副标题 2">
+            <a:extLst>
+              <a:ext uri="{FF2B5EF4-FFF2-40B4-BE49-F238E27FC236}">
+                <a16:creationId xmlns:a16="http://schemas.microsoft.com/office/drawing/2014/main" id="{DABC29B2-15EB-472F-B22D-844D2A0ADEDF}"/>
+              </a:ext>
+            </a:extLst>
+          </p:cNvPr>
+          <p:cNvSpPr txBox="1">
+            <a:spLocks/>
+          </p:cNvSpPr>
+          <p:nvPr/>
+        </p:nvSpPr>
+        <p:spPr>
+          <a:xfrm>
+            <a:off x="7445605" y="3566916"/>
+            <a:ext cx="1780674" cy="313932"/>
+          </a:xfrm>
+          <a:prstGeom prst="rect">
+            <a:avLst/>
+          </a:prstGeom>
+          <a:noFill/>
+          <a:ln>
+            <a:noFill/>
+          </a:ln>
+        </p:spPr>
+        <p:txBody>
+          <a:bodyPr vert="horz" wrap="square" lIns="91440" tIns="45720" rIns="91440" bIns="45720" anchor="t" anchorCtr="1" compatLnSpc="1">
+            <a:spAutoFit/>
+          </a:bodyPr>
+          <a:lstStyle>
+            <a:lvl1pPr marL="0" marR="0" lvl="0" indent="0" algn="ctr" defTabSz="539998" rtl="0" fontAlgn="auto" hangingPunct="1">
+              <a:lnSpc>
+                <a:spcPct val="90000"/>
+              </a:lnSpc>
+              <a:spcBef>
+                <a:spcPts val="1000"/>
+              </a:spcBef>
+              <a:spcAft>
+                <a:spcPts val="0"/>
+              </a:spcAft>
+              <a:buSzPct val="100000"/>
+              <a:buFont typeface="Arial" pitchFamily="34"/>
+              <a:buNone/>
+              <a:tabLst/>
+              <a:defRPr lang="zh-CN" sz="2400" b="0" i="0" u="none" strike="noStrike" kern="1200" cap="none" spc="0" baseline="0">
+                <a:solidFill>
+                  <a:srgbClr val="000000"/>
+                </a:solidFill>
+                <a:uFillTx/>
+                <a:latin typeface="Consolas" pitchFamily="49"/>
+                <a:ea typeface="微软雅黑" pitchFamily="34"/>
+              </a:defRPr>
+            </a:lvl1pPr>
+            <a:lvl2pPr marL="685800" marR="0" lvl="1" indent="-228600" algn="l" defTabSz="539998" rtl="0" fontAlgn="auto" hangingPunct="1">
+              <a:lnSpc>
+                <a:spcPct val="90000"/>
+              </a:lnSpc>
+              <a:spcBef>
+                <a:spcPts val="500"/>
+              </a:spcBef>
+              <a:spcAft>
+                <a:spcPts val="0"/>
+              </a:spcAft>
+              <a:buSzPct val="100000"/>
+              <a:buFont typeface="Arial" pitchFamily="34"/>
+              <a:buChar char="•"/>
+              <a:tabLst/>
+              <a:defRPr lang="zh-CN" sz="2400" b="0" i="0" u="none" strike="noStrike" kern="1200" cap="none" spc="0" baseline="0">
+                <a:solidFill>
+                  <a:srgbClr val="000000"/>
+                </a:solidFill>
+                <a:uFillTx/>
+                <a:latin typeface="Consolas" pitchFamily="49"/>
+                <a:ea typeface="微软雅黑" pitchFamily="34"/>
+              </a:defRPr>
+            </a:lvl2pPr>
+            <a:lvl3pPr marL="1143000" marR="0" lvl="2" indent="-228600" algn="l" defTabSz="539998" rtl="0" fontAlgn="auto" hangingPunct="1">
+              <a:lnSpc>
+                <a:spcPct val="90000"/>
+              </a:lnSpc>
+              <a:spcBef>
+                <a:spcPts val="500"/>
+              </a:spcBef>
+              <a:spcAft>
+                <a:spcPts val="0"/>
+              </a:spcAft>
+              <a:buSzPct val="100000"/>
+              <a:buFont typeface="Arial" pitchFamily="34"/>
+              <a:buChar char="•"/>
+              <a:tabLst/>
+              <a:defRPr lang="zh-CN" sz="2000" b="0" i="0" u="none" strike="noStrike" kern="1200" cap="none" spc="0" baseline="0">
+                <a:solidFill>
+                  <a:srgbClr val="000000"/>
+                </a:solidFill>
+                <a:uFillTx/>
+                <a:latin typeface="Consolas" pitchFamily="49"/>
+                <a:ea typeface="微软雅黑" pitchFamily="34"/>
+              </a:defRPr>
+            </a:lvl3pPr>
+            <a:lvl4pPr marL="1600200" marR="0" lvl="3" indent="-228600" algn="l" defTabSz="539998" rtl="0" fontAlgn="auto" hangingPunct="1">
+              <a:lnSpc>
+                <a:spcPct val="90000"/>
+              </a:lnSpc>
+              <a:spcBef>
+                <a:spcPts val="500"/>
+              </a:spcBef>
+              <a:spcAft>
+                <a:spcPts val="0"/>
+              </a:spcAft>
+              <a:buSzPct val="100000"/>
+              <a:buFont typeface="Arial" pitchFamily="34"/>
+              <a:buChar char="•"/>
+              <a:tabLst/>
+              <a:defRPr lang="zh-CN" sz="1800" b="0" i="0" u="none" strike="noStrike" kern="1200" cap="none" spc="0" baseline="0">
+                <a:solidFill>
+                  <a:srgbClr val="000000"/>
+                </a:solidFill>
+                <a:uFillTx/>
+                <a:latin typeface="Consolas" pitchFamily="49"/>
+                <a:ea typeface="微软雅黑" pitchFamily="34"/>
+              </a:defRPr>
+            </a:lvl4pPr>
+            <a:lvl5pPr marL="2057400" marR="0" lvl="4" indent="-228600" algn="l" defTabSz="539998" rtl="0" fontAlgn="auto" hangingPunct="1">
+              <a:lnSpc>
+                <a:spcPct val="90000"/>
+              </a:lnSpc>
+              <a:spcBef>
+                <a:spcPts val="500"/>
+              </a:spcBef>
+              <a:spcAft>
+                <a:spcPts val="0"/>
+              </a:spcAft>
+              <a:buSzPct val="100000"/>
+              <a:buFont typeface="Arial" pitchFamily="34"/>
+              <a:buChar char="•"/>
+              <a:tabLst/>
+              <a:defRPr lang="zh-CN" sz="1800" b="0" i="0" u="none" strike="noStrike" kern="1200" cap="none" spc="0" baseline="0">
+                <a:solidFill>
+                  <a:srgbClr val="000000"/>
+                </a:solidFill>
+                <a:uFillTx/>
+                <a:latin typeface="Consolas" pitchFamily="49"/>
+                <a:ea typeface="微软雅黑" pitchFamily="34"/>
+              </a:defRPr>
+            </a:lvl5pPr>
+            <a:lvl6pPr marL="2514600" indent="-228600" algn="l" defTabSz="914400" rtl="0" eaLnBrk="1" latinLnBrk="0" hangingPunct="1">
+              <a:lnSpc>
+                <a:spcPct val="90000"/>
+              </a:lnSpc>
+              <a:spcBef>
+                <a:spcPts val="500"/>
+              </a:spcBef>
+              <a:buFont typeface="Arial" panose="020B0604020202020204" pitchFamily="34" charset="0"/>
+              <a:buChar char="•"/>
+              <a:defRPr sz="1800" kern="1200">
+                <a:solidFill>
+                  <a:schemeClr val="tx1"/>
+                </a:solidFill>
+                <a:latin typeface="+mn-lt"/>
+                <a:ea typeface="+mn-ea"/>
+                <a:cs typeface="+mn-cs"/>
+              </a:defRPr>
+            </a:lvl6pPr>
+            <a:lvl7pPr marL="2971800" indent="-228600" algn="l" defTabSz="914400" rtl="0" eaLnBrk="1" latinLnBrk="0" hangingPunct="1">
+              <a:lnSpc>
+                <a:spcPct val="90000"/>
+              </a:lnSpc>
+              <a:spcBef>
+                <a:spcPts val="500"/>
+              </a:spcBef>
+              <a:buFont typeface="Arial" panose="020B0604020202020204" pitchFamily="34" charset="0"/>
+              <a:buChar char="•"/>
+              <a:defRPr sz="1800" kern="1200">
+                <a:solidFill>
+                  <a:schemeClr val="tx1"/>
+                </a:solidFill>
+                <a:latin typeface="+mn-lt"/>
+                <a:ea typeface="+mn-ea"/>
+                <a:cs typeface="+mn-cs"/>
+              </a:defRPr>
+            </a:lvl7pPr>
+            <a:lvl8pPr marL="3429000" indent="-228600" algn="l" defTabSz="914400" rtl="0" eaLnBrk="1" latinLnBrk="0" hangingPunct="1">
+              <a:lnSpc>
+                <a:spcPct val="90000"/>
+              </a:lnSpc>
+              <a:spcBef>
+                <a:spcPts val="500"/>
+              </a:spcBef>
+              <a:buFont typeface="Arial" panose="020B0604020202020204" pitchFamily="34" charset="0"/>
+              <a:buChar char="•"/>
+              <a:defRPr sz="1800" kern="1200">
+                <a:solidFill>
+                  <a:schemeClr val="tx1"/>
+                </a:solidFill>
+                <a:latin typeface="+mn-lt"/>
+                <a:ea typeface="+mn-ea"/>
+                <a:cs typeface="+mn-cs"/>
+              </a:defRPr>
+            </a:lvl8pPr>
+            <a:lvl9pPr marL="3886200" indent="-228600" algn="l" defTabSz="914400" rtl="0" eaLnBrk="1" latinLnBrk="0" hangingPunct="1">
+              <a:lnSpc>
+                <a:spcPct val="90000"/>
+              </a:lnSpc>
+              <a:spcBef>
+                <a:spcPts val="500"/>
+              </a:spcBef>
+              <a:buFont typeface="Arial" panose="020B0604020202020204" pitchFamily="34" charset="0"/>
+              <a:buChar char="•"/>
+              <a:defRPr sz="1800" kern="1200">
+                <a:solidFill>
+                  <a:schemeClr val="tx1"/>
+                </a:solidFill>
+                <a:latin typeface="+mn-lt"/>
+                <a:ea typeface="+mn-ea"/>
+                <a:cs typeface="+mn-cs"/>
+              </a:defRPr>
+            </a:lvl9pPr>
+          </a:lstStyle>
+          <a:p>
+            <a:pPr algn="l"/>
+            <a:r>
+              <a:rPr lang="en-US" sz="1600"/>
+              <a:t>xxx050+(4-3)+1</a:t>
+            </a:r>
+          </a:p>
+        </p:txBody>
+      </p:sp>
+      <p:sp>
+        <p:nvSpPr>
+          <p:cNvPr id="17" name="副标题 2">
+            <a:extLst>
+              <a:ext uri="{FF2B5EF4-FFF2-40B4-BE49-F238E27FC236}">
+                <a16:creationId xmlns:a16="http://schemas.microsoft.com/office/drawing/2014/main" id="{EB4D56CC-1F68-43C5-B38E-71175B12C5AA}"/>
+              </a:ext>
+            </a:extLst>
+          </p:cNvPr>
+          <p:cNvSpPr txBox="1">
+            <a:spLocks/>
+          </p:cNvSpPr>
+          <p:nvPr/>
+        </p:nvSpPr>
+        <p:spPr>
+          <a:xfrm>
+            <a:off x="9713622" y="3566916"/>
+            <a:ext cx="1470931" cy="313932"/>
+          </a:xfrm>
+          <a:prstGeom prst="rect">
+            <a:avLst/>
+          </a:prstGeom>
+          <a:noFill/>
+          <a:ln>
+            <a:noFill/>
+          </a:ln>
+        </p:spPr>
+        <p:txBody>
+          <a:bodyPr vert="horz" wrap="square" lIns="91440" tIns="45720" rIns="91440" bIns="45720" anchor="t" anchorCtr="1" compatLnSpc="1">
+            <a:spAutoFit/>
+          </a:bodyPr>
+          <a:lstStyle>
+            <a:lvl1pPr marL="0" marR="0" lvl="0" indent="0" algn="ctr" defTabSz="539998" rtl="0" fontAlgn="auto" hangingPunct="1">
+              <a:lnSpc>
+                <a:spcPct val="90000"/>
+              </a:lnSpc>
+              <a:spcBef>
+                <a:spcPts val="1000"/>
+              </a:spcBef>
+              <a:spcAft>
+                <a:spcPts val="0"/>
+              </a:spcAft>
+              <a:buSzPct val="100000"/>
+              <a:buFont typeface="Arial" pitchFamily="34"/>
+              <a:buNone/>
+              <a:tabLst/>
+              <a:defRPr lang="zh-CN" sz="2400" b="0" i="0" u="none" strike="noStrike" kern="1200" cap="none" spc="0" baseline="0">
+                <a:solidFill>
+                  <a:srgbClr val="000000"/>
+                </a:solidFill>
+                <a:uFillTx/>
+                <a:latin typeface="Consolas" pitchFamily="49"/>
+                <a:ea typeface="微软雅黑" pitchFamily="34"/>
+              </a:defRPr>
+            </a:lvl1pPr>
+            <a:lvl2pPr marL="685800" marR="0" lvl="1" indent="-228600" algn="l" defTabSz="539998" rtl="0" fontAlgn="auto" hangingPunct="1">
+              <a:lnSpc>
+                <a:spcPct val="90000"/>
+              </a:lnSpc>
+              <a:spcBef>
+                <a:spcPts val="500"/>
+              </a:spcBef>
+              <a:spcAft>
+                <a:spcPts val="0"/>
+              </a:spcAft>
+              <a:buSzPct val="100000"/>
+              <a:buFont typeface="Arial" pitchFamily="34"/>
+              <a:buChar char="•"/>
+              <a:tabLst/>
+              <a:defRPr lang="zh-CN" sz="2400" b="0" i="0" u="none" strike="noStrike" kern="1200" cap="none" spc="0" baseline="0">
+                <a:solidFill>
+                  <a:srgbClr val="000000"/>
+                </a:solidFill>
+                <a:uFillTx/>
+                <a:latin typeface="Consolas" pitchFamily="49"/>
+                <a:ea typeface="微软雅黑" pitchFamily="34"/>
+              </a:defRPr>
+            </a:lvl2pPr>
+            <a:lvl3pPr marL="1143000" marR="0" lvl="2" indent="-228600" algn="l" defTabSz="539998" rtl="0" fontAlgn="auto" hangingPunct="1">
+              <a:lnSpc>
+                <a:spcPct val="90000"/>
+              </a:lnSpc>
+              <a:spcBef>
+                <a:spcPts val="500"/>
+              </a:spcBef>
+              <a:spcAft>
+                <a:spcPts val="0"/>
+              </a:spcAft>
+              <a:buSzPct val="100000"/>
+              <a:buFont typeface="Arial" pitchFamily="34"/>
+              <a:buChar char="•"/>
+              <a:tabLst/>
+              <a:defRPr lang="zh-CN" sz="2000" b="0" i="0" u="none" strike="noStrike" kern="1200" cap="none" spc="0" baseline="0">
+                <a:solidFill>
+                  <a:srgbClr val="000000"/>
+                </a:solidFill>
+                <a:uFillTx/>
+                <a:latin typeface="Consolas" pitchFamily="49"/>
+                <a:ea typeface="微软雅黑" pitchFamily="34"/>
+              </a:defRPr>
+            </a:lvl3pPr>
+            <a:lvl4pPr marL="1600200" marR="0" lvl="3" indent="-228600" algn="l" defTabSz="539998" rtl="0" fontAlgn="auto" hangingPunct="1">
+              <a:lnSpc>
+                <a:spcPct val="90000"/>
+              </a:lnSpc>
+              <a:spcBef>
+                <a:spcPts val="500"/>
+              </a:spcBef>
+              <a:spcAft>
+                <a:spcPts val="0"/>
+              </a:spcAft>
+              <a:buSzPct val="100000"/>
+              <a:buFont typeface="Arial" pitchFamily="34"/>
+              <a:buChar char="•"/>
+              <a:tabLst/>
+              <a:defRPr lang="zh-CN" sz="1800" b="0" i="0" u="none" strike="noStrike" kern="1200" cap="none" spc="0" baseline="0">
+                <a:solidFill>
+                  <a:srgbClr val="000000"/>
+                </a:solidFill>
+                <a:uFillTx/>
+                <a:latin typeface="Consolas" pitchFamily="49"/>
+                <a:ea typeface="微软雅黑" pitchFamily="34"/>
+              </a:defRPr>
+            </a:lvl4pPr>
+            <a:lvl5pPr marL="2057400" marR="0" lvl="4" indent="-228600" algn="l" defTabSz="539998" rtl="0" fontAlgn="auto" hangingPunct="1">
+              <a:lnSpc>
+                <a:spcPct val="90000"/>
+              </a:lnSpc>
+              <a:spcBef>
+                <a:spcPts val="500"/>
+              </a:spcBef>
+              <a:spcAft>
+                <a:spcPts val="0"/>
+              </a:spcAft>
+              <a:buSzPct val="100000"/>
+              <a:buFont typeface="Arial" pitchFamily="34"/>
+              <a:buChar char="•"/>
+              <a:tabLst/>
+              <a:defRPr lang="zh-CN" sz="1800" b="0" i="0" u="none" strike="noStrike" kern="1200" cap="none" spc="0" baseline="0">
+                <a:solidFill>
+                  <a:srgbClr val="000000"/>
+                </a:solidFill>
+                <a:uFillTx/>
+                <a:latin typeface="Consolas" pitchFamily="49"/>
+                <a:ea typeface="微软雅黑" pitchFamily="34"/>
+              </a:defRPr>
+            </a:lvl5pPr>
+            <a:lvl6pPr marL="2514600" indent="-228600" algn="l" defTabSz="914400" rtl="0" eaLnBrk="1" latinLnBrk="0" hangingPunct="1">
+              <a:lnSpc>
+                <a:spcPct val="90000"/>
+              </a:lnSpc>
+              <a:spcBef>
+                <a:spcPts val="500"/>
+              </a:spcBef>
+              <a:buFont typeface="Arial" panose="020B0604020202020204" pitchFamily="34" charset="0"/>
+              <a:buChar char="•"/>
+              <a:defRPr sz="1800" kern="1200">
+                <a:solidFill>
+                  <a:schemeClr val="tx1"/>
+                </a:solidFill>
+                <a:latin typeface="+mn-lt"/>
+                <a:ea typeface="+mn-ea"/>
+                <a:cs typeface="+mn-cs"/>
+              </a:defRPr>
+            </a:lvl6pPr>
+            <a:lvl7pPr marL="2971800" indent="-228600" algn="l" defTabSz="914400" rtl="0" eaLnBrk="1" latinLnBrk="0" hangingPunct="1">
+              <a:lnSpc>
+                <a:spcPct val="90000"/>
+              </a:lnSpc>
+              <a:spcBef>
+                <a:spcPts val="500"/>
+              </a:spcBef>
+              <a:buFont typeface="Arial" panose="020B0604020202020204" pitchFamily="34" charset="0"/>
+              <a:buChar char="•"/>
+              <a:defRPr sz="1800" kern="1200">
+                <a:solidFill>
+                  <a:schemeClr val="tx1"/>
+                </a:solidFill>
+                <a:latin typeface="+mn-lt"/>
+                <a:ea typeface="+mn-ea"/>
+                <a:cs typeface="+mn-cs"/>
+              </a:defRPr>
+            </a:lvl7pPr>
+            <a:lvl8pPr marL="3429000" indent="-228600" algn="l" defTabSz="914400" rtl="0" eaLnBrk="1" latinLnBrk="0" hangingPunct="1">
+              <a:lnSpc>
+                <a:spcPct val="90000"/>
+              </a:lnSpc>
+              <a:spcBef>
+                <a:spcPts val="500"/>
+              </a:spcBef>
+              <a:buFont typeface="Arial" panose="020B0604020202020204" pitchFamily="34" charset="0"/>
+              <a:buChar char="•"/>
+              <a:defRPr sz="1800" kern="1200">
+                <a:solidFill>
+                  <a:schemeClr val="tx1"/>
+                </a:solidFill>
+                <a:latin typeface="+mn-lt"/>
+                <a:ea typeface="+mn-ea"/>
+                <a:cs typeface="+mn-cs"/>
+              </a:defRPr>
+            </a:lvl8pPr>
+            <a:lvl9pPr marL="3886200" indent="-228600" algn="l" defTabSz="914400" rtl="0" eaLnBrk="1" latinLnBrk="0" hangingPunct="1">
+              <a:lnSpc>
+                <a:spcPct val="90000"/>
+              </a:lnSpc>
+              <a:spcBef>
+                <a:spcPts val="500"/>
+              </a:spcBef>
+              <a:buFont typeface="Arial" panose="020B0604020202020204" pitchFamily="34" charset="0"/>
+              <a:buChar char="•"/>
+              <a:defRPr sz="1800" kern="1200">
+                <a:solidFill>
+                  <a:schemeClr val="tx1"/>
+                </a:solidFill>
+                <a:latin typeface="+mn-lt"/>
+                <a:ea typeface="+mn-ea"/>
+                <a:cs typeface="+mn-cs"/>
+              </a:defRPr>
+            </a:lvl9pPr>
+          </a:lstStyle>
+          <a:p>
+            <a:pPr algn="l"/>
+            <a:r>
+              <a:rPr lang="en-US" sz="1600"/>
+              <a:t>xxx100+0+1</a:t>
+            </a:r>
+          </a:p>
+        </p:txBody>
+      </p:sp>
+      <p:sp>
+        <p:nvSpPr>
+          <p:cNvPr id="18" name="副标题 2">
+            <a:extLst>
+              <a:ext uri="{FF2B5EF4-FFF2-40B4-BE49-F238E27FC236}">
+                <a16:creationId xmlns:a16="http://schemas.microsoft.com/office/drawing/2014/main" id="{4F2E6668-967E-46BD-9DC7-7A11753BBBCB}"/>
+              </a:ext>
+            </a:extLst>
+          </p:cNvPr>
+          <p:cNvSpPr txBox="1">
+            <a:spLocks/>
+          </p:cNvSpPr>
+          <p:nvPr/>
+        </p:nvSpPr>
+        <p:spPr>
+          <a:xfrm>
+            <a:off x="2888572" y="3258968"/>
+            <a:ext cx="2188222" cy="663771"/>
+          </a:xfrm>
+          <a:prstGeom prst="rect">
+            <a:avLst/>
+          </a:prstGeom>
+          <a:noFill/>
+          <a:ln>
+            <a:noFill/>
+          </a:ln>
+        </p:spPr>
+        <p:txBody>
+          <a:bodyPr vert="horz" wrap="square" lIns="91440" tIns="45720" rIns="91440" bIns="45720" anchor="t" anchorCtr="1" compatLnSpc="1">
+            <a:spAutoFit/>
+          </a:bodyPr>
+          <a:lstStyle>
+            <a:lvl1pPr marL="0" marR="0" lvl="0" indent="0" algn="ctr" defTabSz="539998" rtl="0" fontAlgn="auto" hangingPunct="1">
+              <a:lnSpc>
+                <a:spcPct val="90000"/>
+              </a:lnSpc>
+              <a:spcBef>
+                <a:spcPts val="1000"/>
+              </a:spcBef>
+              <a:spcAft>
+                <a:spcPts val="0"/>
+              </a:spcAft>
+              <a:buSzPct val="100000"/>
+              <a:buFont typeface="Arial" pitchFamily="34"/>
+              <a:buNone/>
+              <a:tabLst/>
+              <a:defRPr lang="zh-CN" sz="2400" b="0" i="0" u="none" strike="noStrike" kern="1200" cap="none" spc="0" baseline="0">
+                <a:solidFill>
+                  <a:srgbClr val="000000"/>
+                </a:solidFill>
+                <a:uFillTx/>
+                <a:latin typeface="Consolas" pitchFamily="49"/>
+                <a:ea typeface="微软雅黑" pitchFamily="34"/>
+              </a:defRPr>
+            </a:lvl1pPr>
+            <a:lvl2pPr marL="685800" marR="0" lvl="1" indent="-228600" algn="l" defTabSz="539998" rtl="0" fontAlgn="auto" hangingPunct="1">
+              <a:lnSpc>
+                <a:spcPct val="90000"/>
+              </a:lnSpc>
+              <a:spcBef>
+                <a:spcPts val="500"/>
+              </a:spcBef>
+              <a:spcAft>
+                <a:spcPts val="0"/>
+              </a:spcAft>
+              <a:buSzPct val="100000"/>
+              <a:buFont typeface="Arial" pitchFamily="34"/>
+              <a:buChar char="•"/>
+              <a:tabLst/>
+              <a:defRPr lang="zh-CN" sz="2400" b="0" i="0" u="none" strike="noStrike" kern="1200" cap="none" spc="0" baseline="0">
+                <a:solidFill>
+                  <a:srgbClr val="000000"/>
+                </a:solidFill>
+                <a:uFillTx/>
+                <a:latin typeface="Consolas" pitchFamily="49"/>
+                <a:ea typeface="微软雅黑" pitchFamily="34"/>
+              </a:defRPr>
+            </a:lvl2pPr>
+            <a:lvl3pPr marL="1143000" marR="0" lvl="2" indent="-228600" algn="l" defTabSz="539998" rtl="0" fontAlgn="auto" hangingPunct="1">
+              <a:lnSpc>
+                <a:spcPct val="90000"/>
+              </a:lnSpc>
+              <a:spcBef>
+                <a:spcPts val="500"/>
+              </a:spcBef>
+              <a:spcAft>
+                <a:spcPts val="0"/>
+              </a:spcAft>
+              <a:buSzPct val="100000"/>
+              <a:buFont typeface="Arial" pitchFamily="34"/>
+              <a:buChar char="•"/>
+              <a:tabLst/>
+              <a:defRPr lang="zh-CN" sz="2000" b="0" i="0" u="none" strike="noStrike" kern="1200" cap="none" spc="0" baseline="0">
+                <a:solidFill>
+                  <a:srgbClr val="000000"/>
+                </a:solidFill>
+                <a:uFillTx/>
+                <a:latin typeface="Consolas" pitchFamily="49"/>
+                <a:ea typeface="微软雅黑" pitchFamily="34"/>
+              </a:defRPr>
+            </a:lvl3pPr>
+            <a:lvl4pPr marL="1600200" marR="0" lvl="3" indent="-228600" algn="l" defTabSz="539998" rtl="0" fontAlgn="auto" hangingPunct="1">
+              <a:lnSpc>
+                <a:spcPct val="90000"/>
+              </a:lnSpc>
+              <a:spcBef>
+                <a:spcPts val="500"/>
+              </a:spcBef>
+              <a:spcAft>
+                <a:spcPts val="0"/>
+              </a:spcAft>
+              <a:buSzPct val="100000"/>
+              <a:buFont typeface="Arial" pitchFamily="34"/>
+              <a:buChar char="•"/>
+              <a:tabLst/>
+              <a:defRPr lang="zh-CN" sz="1800" b="0" i="0" u="none" strike="noStrike" kern="1200" cap="none" spc="0" baseline="0">
+                <a:solidFill>
+                  <a:srgbClr val="000000"/>
+                </a:solidFill>
+                <a:uFillTx/>
+                <a:latin typeface="Consolas" pitchFamily="49"/>
+                <a:ea typeface="微软雅黑" pitchFamily="34"/>
+              </a:defRPr>
+            </a:lvl4pPr>
+            <a:lvl5pPr marL="2057400" marR="0" lvl="4" indent="-228600" algn="l" defTabSz="539998" rtl="0" fontAlgn="auto" hangingPunct="1">
+              <a:lnSpc>
+                <a:spcPct val="90000"/>
+              </a:lnSpc>
+              <a:spcBef>
+                <a:spcPts val="500"/>
+              </a:spcBef>
+              <a:spcAft>
+                <a:spcPts val="0"/>
+              </a:spcAft>
+              <a:buSzPct val="100000"/>
+              <a:buFont typeface="Arial" pitchFamily="34"/>
+              <a:buChar char="•"/>
+              <a:tabLst/>
+              <a:defRPr lang="zh-CN" sz="1800" b="0" i="0" u="none" strike="noStrike" kern="1200" cap="none" spc="0" baseline="0">
+                <a:solidFill>
+                  <a:srgbClr val="000000"/>
+                </a:solidFill>
+                <a:uFillTx/>
+                <a:latin typeface="Consolas" pitchFamily="49"/>
+                <a:ea typeface="微软雅黑" pitchFamily="34"/>
+              </a:defRPr>
+            </a:lvl5pPr>
+            <a:lvl6pPr marL="2514600" indent="-228600" algn="l" defTabSz="914400" rtl="0" eaLnBrk="1" latinLnBrk="0" hangingPunct="1">
+              <a:lnSpc>
+                <a:spcPct val="90000"/>
+              </a:lnSpc>
+              <a:spcBef>
+                <a:spcPts val="500"/>
+              </a:spcBef>
+              <a:buFont typeface="Arial" panose="020B0604020202020204" pitchFamily="34" charset="0"/>
+              <a:buChar char="•"/>
+              <a:defRPr sz="1800" kern="1200">
+                <a:solidFill>
+                  <a:schemeClr val="tx1"/>
+                </a:solidFill>
+                <a:latin typeface="+mn-lt"/>
+                <a:ea typeface="+mn-ea"/>
+                <a:cs typeface="+mn-cs"/>
+              </a:defRPr>
+            </a:lvl6pPr>
+            <a:lvl7pPr marL="2971800" indent="-228600" algn="l" defTabSz="914400" rtl="0" eaLnBrk="1" latinLnBrk="0" hangingPunct="1">
+              <a:lnSpc>
+                <a:spcPct val="90000"/>
+              </a:lnSpc>
+              <a:spcBef>
+                <a:spcPts val="500"/>
+              </a:spcBef>
+              <a:buFont typeface="Arial" panose="020B0604020202020204" pitchFamily="34" charset="0"/>
+              <a:buChar char="•"/>
+              <a:defRPr sz="1800" kern="1200">
+                <a:solidFill>
+                  <a:schemeClr val="tx1"/>
+                </a:solidFill>
+                <a:latin typeface="+mn-lt"/>
+                <a:ea typeface="+mn-ea"/>
+                <a:cs typeface="+mn-cs"/>
+              </a:defRPr>
+            </a:lvl7pPr>
+            <a:lvl8pPr marL="3429000" indent="-228600" algn="l" defTabSz="914400" rtl="0" eaLnBrk="1" latinLnBrk="0" hangingPunct="1">
+              <a:lnSpc>
+                <a:spcPct val="90000"/>
+              </a:lnSpc>
+              <a:spcBef>
+                <a:spcPts val="500"/>
+              </a:spcBef>
+              <a:buFont typeface="Arial" panose="020B0604020202020204" pitchFamily="34" charset="0"/>
+              <a:buChar char="•"/>
+              <a:defRPr sz="1800" kern="1200">
+                <a:solidFill>
+                  <a:schemeClr val="tx1"/>
+                </a:solidFill>
+                <a:latin typeface="+mn-lt"/>
+                <a:ea typeface="+mn-ea"/>
+                <a:cs typeface="+mn-cs"/>
+              </a:defRPr>
+            </a:lvl8pPr>
+            <a:lvl9pPr marL="3886200" indent="-228600" algn="l" defTabSz="914400" rtl="0" eaLnBrk="1" latinLnBrk="0" hangingPunct="1">
+              <a:lnSpc>
+                <a:spcPct val="90000"/>
+              </a:lnSpc>
+              <a:spcBef>
+                <a:spcPts val="500"/>
+              </a:spcBef>
+              <a:buFont typeface="Arial" panose="020B0604020202020204" pitchFamily="34" charset="0"/>
+              <a:buChar char="•"/>
+              <a:defRPr sz="1800" kern="1200">
+                <a:solidFill>
+                  <a:schemeClr val="tx1"/>
+                </a:solidFill>
+                <a:latin typeface="+mn-lt"/>
+                <a:ea typeface="+mn-ea"/>
+                <a:cs typeface="+mn-cs"/>
+              </a:defRPr>
+            </a:lvl9pPr>
+          </a:lstStyle>
+          <a:p>
+            <a:pPr algn="l"/>
+            <a:r>
+              <a:rPr lang="en-US" sz="1600"/>
+              <a:t>pos of next base</a:t>
+            </a:r>
+          </a:p>
+          <a:p>
+            <a:pPr algn="l"/>
+            <a:r>
+              <a:rPr lang="en-US" sz="1600"/>
+              <a:t>(pos+offset+1)</a:t>
+            </a:r>
+          </a:p>
+        </p:txBody>
+      </p:sp>
+      <p:sp>
+        <p:nvSpPr>
+          <p:cNvPr id="19" name="副标题 2">
+            <a:extLst>
+              <a:ext uri="{FF2B5EF4-FFF2-40B4-BE49-F238E27FC236}">
+                <a16:creationId xmlns:a16="http://schemas.microsoft.com/office/drawing/2014/main" id="{F86C55FF-396E-4F31-A459-64EBAD10C845}"/>
+              </a:ext>
+            </a:extLst>
+          </p:cNvPr>
+          <p:cNvSpPr txBox="1">
+            <a:spLocks/>
+          </p:cNvSpPr>
+          <p:nvPr/>
+        </p:nvSpPr>
+        <p:spPr>
+          <a:xfrm>
+            <a:off x="4986977" y="3272034"/>
+            <a:ext cx="6803819" cy="313932"/>
+          </a:xfrm>
+          <a:prstGeom prst="rect">
+            <a:avLst/>
+          </a:prstGeom>
+          <a:noFill/>
+          <a:ln>
+            <a:noFill/>
+          </a:ln>
+        </p:spPr>
+        <p:txBody>
+          <a:bodyPr vert="horz" wrap="square" lIns="91440" tIns="45720" rIns="91440" bIns="45720" anchor="t" anchorCtr="1" compatLnSpc="1">
+            <a:spAutoFit/>
+          </a:bodyPr>
+          <a:lstStyle>
+            <a:lvl1pPr marL="0" marR="0" lvl="0" indent="0" algn="ctr" defTabSz="539998" rtl="0" fontAlgn="auto" hangingPunct="1">
+              <a:lnSpc>
+                <a:spcPct val="90000"/>
+              </a:lnSpc>
+              <a:spcBef>
+                <a:spcPts val="1000"/>
+              </a:spcBef>
+              <a:spcAft>
+                <a:spcPts val="0"/>
+              </a:spcAft>
+              <a:buSzPct val="100000"/>
+              <a:buFont typeface="Arial" pitchFamily="34"/>
+              <a:buNone/>
+              <a:tabLst/>
+              <a:defRPr lang="zh-CN" sz="2400" b="0" i="0" u="none" strike="noStrike" kern="1200" cap="none" spc="0" baseline="0">
+                <a:solidFill>
+                  <a:srgbClr val="000000"/>
+                </a:solidFill>
+                <a:uFillTx/>
+                <a:latin typeface="Consolas" pitchFamily="49"/>
+                <a:ea typeface="微软雅黑" pitchFamily="34"/>
+              </a:defRPr>
+            </a:lvl1pPr>
+            <a:lvl2pPr marL="685800" marR="0" lvl="1" indent="-228600" algn="l" defTabSz="539998" rtl="0" fontAlgn="auto" hangingPunct="1">
+              <a:lnSpc>
+                <a:spcPct val="90000"/>
+              </a:lnSpc>
+              <a:spcBef>
+                <a:spcPts val="500"/>
+              </a:spcBef>
+              <a:spcAft>
+                <a:spcPts val="0"/>
+              </a:spcAft>
+              <a:buSzPct val="100000"/>
+              <a:buFont typeface="Arial" pitchFamily="34"/>
+              <a:buChar char="•"/>
+              <a:tabLst/>
+              <a:defRPr lang="zh-CN" sz="2400" b="0" i="0" u="none" strike="noStrike" kern="1200" cap="none" spc="0" baseline="0">
+                <a:solidFill>
+                  <a:srgbClr val="000000"/>
+                </a:solidFill>
+                <a:uFillTx/>
+                <a:latin typeface="Consolas" pitchFamily="49"/>
+                <a:ea typeface="微软雅黑" pitchFamily="34"/>
+              </a:defRPr>
+            </a:lvl2pPr>
+            <a:lvl3pPr marL="1143000" marR="0" lvl="2" indent="-228600" algn="l" defTabSz="539998" rtl="0" fontAlgn="auto" hangingPunct="1">
+              <a:lnSpc>
+                <a:spcPct val="90000"/>
+              </a:lnSpc>
+              <a:spcBef>
+                <a:spcPts val="500"/>
+              </a:spcBef>
+              <a:spcAft>
+                <a:spcPts val="0"/>
+              </a:spcAft>
+              <a:buSzPct val="100000"/>
+              <a:buFont typeface="Arial" pitchFamily="34"/>
+              <a:buChar char="•"/>
+              <a:tabLst/>
+              <a:defRPr lang="zh-CN" sz="2000" b="0" i="0" u="none" strike="noStrike" kern="1200" cap="none" spc="0" baseline="0">
+                <a:solidFill>
+                  <a:srgbClr val="000000"/>
+                </a:solidFill>
+                <a:uFillTx/>
+                <a:latin typeface="Consolas" pitchFamily="49"/>
+                <a:ea typeface="微软雅黑" pitchFamily="34"/>
+              </a:defRPr>
+            </a:lvl3pPr>
+            <a:lvl4pPr marL="1600200" marR="0" lvl="3" indent="-228600" algn="l" defTabSz="539998" rtl="0" fontAlgn="auto" hangingPunct="1">
+              <a:lnSpc>
+                <a:spcPct val="90000"/>
+              </a:lnSpc>
+              <a:spcBef>
+                <a:spcPts val="500"/>
+              </a:spcBef>
+              <a:spcAft>
+                <a:spcPts val="0"/>
+              </a:spcAft>
+              <a:buSzPct val="100000"/>
+              <a:buFont typeface="Arial" pitchFamily="34"/>
+              <a:buChar char="•"/>
+              <a:tabLst/>
+              <a:defRPr lang="zh-CN" sz="1800" b="0" i="0" u="none" strike="noStrike" kern="1200" cap="none" spc="0" baseline="0">
+                <a:solidFill>
+                  <a:srgbClr val="000000"/>
+                </a:solidFill>
+                <a:uFillTx/>
+                <a:latin typeface="Consolas" pitchFamily="49"/>
+                <a:ea typeface="微软雅黑" pitchFamily="34"/>
+              </a:defRPr>
+            </a:lvl4pPr>
+            <a:lvl5pPr marL="2057400" marR="0" lvl="4" indent="-228600" algn="l" defTabSz="539998" rtl="0" fontAlgn="auto" hangingPunct="1">
+              <a:lnSpc>
+                <a:spcPct val="90000"/>
+              </a:lnSpc>
+              <a:spcBef>
+                <a:spcPts val="500"/>
+              </a:spcBef>
+              <a:spcAft>
+                <a:spcPts val="0"/>
+              </a:spcAft>
+              <a:buSzPct val="100000"/>
+              <a:buFont typeface="Arial" pitchFamily="34"/>
+              <a:buChar char="•"/>
+              <a:tabLst/>
+              <a:defRPr lang="zh-CN" sz="1800" b="0" i="0" u="none" strike="noStrike" kern="1200" cap="none" spc="0" baseline="0">
+                <a:solidFill>
+                  <a:srgbClr val="000000"/>
+                </a:solidFill>
+                <a:uFillTx/>
+                <a:latin typeface="Consolas" pitchFamily="49"/>
+                <a:ea typeface="微软雅黑" pitchFamily="34"/>
+              </a:defRPr>
+            </a:lvl5pPr>
+            <a:lvl6pPr marL="2514600" indent="-228600" algn="l" defTabSz="914400" rtl="0" eaLnBrk="1" latinLnBrk="0" hangingPunct="1">
+              <a:lnSpc>
+                <a:spcPct val="90000"/>
+              </a:lnSpc>
+              <a:spcBef>
+                <a:spcPts val="500"/>
+              </a:spcBef>
+              <a:buFont typeface="Arial" panose="020B0604020202020204" pitchFamily="34" charset="0"/>
+              <a:buChar char="•"/>
+              <a:defRPr sz="1800" kern="1200">
+                <a:solidFill>
+                  <a:schemeClr val="tx1"/>
+                </a:solidFill>
+                <a:latin typeface="+mn-lt"/>
+                <a:ea typeface="+mn-ea"/>
+                <a:cs typeface="+mn-cs"/>
+              </a:defRPr>
+            </a:lvl6pPr>
+            <a:lvl7pPr marL="2971800" indent="-228600" algn="l" defTabSz="914400" rtl="0" eaLnBrk="1" latinLnBrk="0" hangingPunct="1">
+              <a:lnSpc>
+                <a:spcPct val="90000"/>
+              </a:lnSpc>
+              <a:spcBef>
+                <a:spcPts val="500"/>
+              </a:spcBef>
+              <a:buFont typeface="Arial" panose="020B0604020202020204" pitchFamily="34" charset="0"/>
+              <a:buChar char="•"/>
+              <a:defRPr sz="1800" kern="1200">
+                <a:solidFill>
+                  <a:schemeClr val="tx1"/>
+                </a:solidFill>
+                <a:latin typeface="+mn-lt"/>
+                <a:ea typeface="+mn-ea"/>
+                <a:cs typeface="+mn-cs"/>
+              </a:defRPr>
+            </a:lvl7pPr>
+            <a:lvl8pPr marL="3429000" indent="-228600" algn="l" defTabSz="914400" rtl="0" eaLnBrk="1" latinLnBrk="0" hangingPunct="1">
+              <a:lnSpc>
+                <a:spcPct val="90000"/>
+              </a:lnSpc>
+              <a:spcBef>
+                <a:spcPts val="500"/>
+              </a:spcBef>
+              <a:buFont typeface="Arial" panose="020B0604020202020204" pitchFamily="34" charset="0"/>
+              <a:buChar char="•"/>
+              <a:defRPr sz="1800" kern="1200">
+                <a:solidFill>
+                  <a:schemeClr val="tx1"/>
+                </a:solidFill>
+                <a:latin typeface="+mn-lt"/>
+                <a:ea typeface="+mn-ea"/>
+                <a:cs typeface="+mn-cs"/>
+              </a:defRPr>
+            </a:lvl8pPr>
+            <a:lvl9pPr marL="3886200" indent="-228600" algn="l" defTabSz="914400" rtl="0" eaLnBrk="1" latinLnBrk="0" hangingPunct="1">
+              <a:lnSpc>
+                <a:spcPct val="90000"/>
+              </a:lnSpc>
+              <a:spcBef>
+                <a:spcPts val="500"/>
+              </a:spcBef>
+              <a:buFont typeface="Arial" panose="020B0604020202020204" pitchFamily="34" charset="0"/>
+              <a:buChar char="•"/>
+              <a:defRPr sz="1800" kern="1200">
+                <a:solidFill>
+                  <a:schemeClr val="tx1"/>
+                </a:solidFill>
+                <a:latin typeface="+mn-lt"/>
+                <a:ea typeface="+mn-ea"/>
+                <a:cs typeface="+mn-cs"/>
+              </a:defRPr>
+            </a:lvl9pPr>
+          </a:lstStyle>
+          <a:p>
+            <a:pPr algn="l"/>
+            <a:r>
+              <a:rPr lang="en-US" sz="1600"/>
+              <a:t>offset: 0(mismatch, deletion), length(alt-ref)(insertion)</a:t>
+            </a:r>
+          </a:p>
+        </p:txBody>
+      </p:sp>
+      <p:sp>
+        <p:nvSpPr>
+          <p:cNvPr id="21" name="文本框 20">
+            <a:extLst>
+              <a:ext uri="{FF2B5EF4-FFF2-40B4-BE49-F238E27FC236}">
+                <a16:creationId xmlns:a16="http://schemas.microsoft.com/office/drawing/2014/main" id="{C158484A-C255-4192-AA77-FC1F1E9E6223}"/>
+              </a:ext>
+            </a:extLst>
+          </p:cNvPr>
+          <p:cNvSpPr txBox="1"/>
+          <p:nvPr/>
+        </p:nvSpPr>
+        <p:spPr>
+          <a:xfrm>
+            <a:off x="3078154" y="4257982"/>
+            <a:ext cx="8712642" cy="313932"/>
+          </a:xfrm>
+          <a:prstGeom prst="rect">
+            <a:avLst/>
+          </a:prstGeom>
+          <a:noFill/>
+        </p:spPr>
+        <p:txBody>
+          <a:bodyPr wrap="none" rtlCol="0">
+            <a:spAutoFit/>
+          </a:bodyPr>
+          <a:lstStyle/>
+          <a:p>
+            <a:pPr lvl="0" algn="r" defTabSz="539998">
+              <a:lnSpc>
+                <a:spcPct val="90000"/>
+              </a:lnSpc>
+              <a:spcBef>
+                <a:spcPts val="1000"/>
+              </a:spcBef>
+              <a:buClrTx/>
+              <a:buSzPct val="100000"/>
+              <a:defRPr/>
+            </a:pPr>
+            <a:r>
+              <a:rPr lang="en-US" altLang="zh-CN" sz="1600">
+                <a:solidFill>
+                  <a:srgbClr val="000000"/>
+                </a:solidFill>
+                <a:latin typeface="Consolas" pitchFamily="49"/>
+                <a:ea typeface="微软雅黑" pitchFamily="34"/>
+              </a:rPr>
+              <a:t>integrated ref: ... XXXXX T XXXXX ... XXXXX CTAG XXXXX ... XXXXX T XXXXX ...</a:t>
+            </a:r>
+          </a:p>
+        </p:txBody>
+      </p:sp>
+      <p:sp>
+        <p:nvSpPr>
+          <p:cNvPr id="22" name="文本框 21">
+            <a:extLst>
+              <a:ext uri="{FF2B5EF4-FFF2-40B4-BE49-F238E27FC236}">
+                <a16:creationId xmlns:a16="http://schemas.microsoft.com/office/drawing/2014/main" id="{84099389-3FAC-4ABD-A6C1-D40489E748E2}"/>
+              </a:ext>
+            </a:extLst>
+          </p:cNvPr>
+          <p:cNvSpPr txBox="1"/>
+          <p:nvPr/>
+        </p:nvSpPr>
+        <p:spPr>
+          <a:xfrm>
+            <a:off x="3078154" y="3921209"/>
+            <a:ext cx="8712642" cy="313932"/>
+          </a:xfrm>
+          <a:prstGeom prst="rect">
+            <a:avLst/>
+          </a:prstGeom>
+          <a:noFill/>
+        </p:spPr>
+        <p:txBody>
+          <a:bodyPr wrap="square" rtlCol="0">
+            <a:spAutoFit/>
+          </a:bodyPr>
+          <a:lstStyle/>
+          <a:p>
+            <a:pPr lvl="0" algn="r" defTabSz="539998">
+              <a:lnSpc>
+                <a:spcPct val="90000"/>
+              </a:lnSpc>
+              <a:spcBef>
+                <a:spcPts val="1000"/>
+              </a:spcBef>
+              <a:buClrTx/>
+              <a:buSzPct val="100000"/>
+              <a:defRPr/>
+            </a:pPr>
+            <a:r>
+              <a:rPr lang="en-US" altLang="zh-CN" sz="1600">
+                <a:solidFill>
+                  <a:srgbClr val="000000"/>
+                </a:solidFill>
+                <a:latin typeface="Consolas" pitchFamily="49"/>
+                <a:ea typeface="微软雅黑" pitchFamily="34"/>
+              </a:rPr>
+              <a:t>original ref: ... XXXXX C XXXXX ... XXXXX C XXXXX ... XXXXX TCG XXXXX ...</a:t>
+            </a:r>
+          </a:p>
+        </p:txBody>
+      </p:sp>
+      <p:sp>
+        <p:nvSpPr>
+          <p:cNvPr id="24" name="文本框 23">
+            <a:extLst>
+              <a:ext uri="{FF2B5EF4-FFF2-40B4-BE49-F238E27FC236}">
+                <a16:creationId xmlns:a16="http://schemas.microsoft.com/office/drawing/2014/main" id="{6693B580-A446-44B9-9296-0FCEDA11CFB9}"/>
+              </a:ext>
+            </a:extLst>
+          </p:cNvPr>
+          <p:cNvSpPr txBox="1"/>
+          <p:nvPr/>
+        </p:nvSpPr>
+        <p:spPr>
+          <a:xfrm>
+            <a:off x="0" y="789134"/>
+            <a:ext cx="4754771" cy="1200329"/>
+          </a:xfrm>
+          <a:prstGeom prst="rect">
+            <a:avLst/>
+          </a:prstGeom>
+          <a:noFill/>
+        </p:spPr>
+        <p:txBody>
+          <a:bodyPr wrap="square" rtlCol="0">
+            <a:spAutoFit/>
+          </a:bodyPr>
+          <a:lstStyle/>
+          <a:p>
+            <a:pPr lvl="0" defTabSz="539998">
+              <a:lnSpc>
+                <a:spcPct val="90000"/>
+              </a:lnSpc>
+              <a:spcBef>
+                <a:spcPts val="1000"/>
+              </a:spcBef>
+              <a:buClrTx/>
+              <a:buSzPct val="100000"/>
+              <a:defRPr/>
+            </a:pPr>
+            <a:r>
+              <a:rPr lang="en-US" altLang="zh-CN" sz="1600">
+                <a:solidFill>
+                  <a:srgbClr val="000000"/>
+                </a:solidFill>
+                <a:latin typeface="Consolas" pitchFamily="49"/>
+                <a:ea typeface="微软雅黑" pitchFamily="34"/>
+              </a:rPr>
+              <a:t>- SNP</a:t>
+            </a:r>
+            <a:r>
+              <a:rPr lang="zh-CN" altLang="en-US" sz="1600">
+                <a:solidFill>
+                  <a:srgbClr val="000000"/>
+                </a:solidFill>
+                <a:latin typeface="Consolas" pitchFamily="49"/>
+                <a:ea typeface="微软雅黑" pitchFamily="34"/>
+              </a:rPr>
+              <a:t>的形式：如右图所示，虽然可以按照沿着</a:t>
+            </a:r>
+            <a:r>
+              <a:rPr lang="en-US" altLang="zh-CN" sz="1600">
+                <a:solidFill>
+                  <a:srgbClr val="000000"/>
+                </a:solidFill>
+                <a:latin typeface="Consolas" pitchFamily="49"/>
+                <a:ea typeface="微软雅黑" pitchFamily="34"/>
+              </a:rPr>
+              <a:t>vcf</a:t>
+            </a:r>
+            <a:r>
+              <a:rPr lang="zh-CN" altLang="en-US" sz="1600">
+                <a:solidFill>
+                  <a:srgbClr val="000000"/>
+                </a:solidFill>
+                <a:latin typeface="Consolas" pitchFamily="49"/>
+                <a:ea typeface="微软雅黑" pitchFamily="34"/>
+              </a:rPr>
+              <a:t>记录的</a:t>
+            </a:r>
+            <a:r>
+              <a:rPr lang="en-US" altLang="zh-CN" sz="1600">
+                <a:solidFill>
+                  <a:srgbClr val="000000"/>
+                </a:solidFill>
+                <a:latin typeface="Consolas" pitchFamily="49"/>
+                <a:ea typeface="微软雅黑" pitchFamily="34"/>
+              </a:rPr>
+              <a:t>id</a:t>
+            </a:r>
+            <a:r>
+              <a:rPr lang="zh-CN" altLang="en-US" sz="1600">
+                <a:solidFill>
+                  <a:srgbClr val="000000"/>
+                </a:solidFill>
+                <a:latin typeface="Consolas" pitchFamily="49"/>
+                <a:ea typeface="微软雅黑" pitchFamily="34"/>
+              </a:rPr>
+              <a:t>进行整合，但是为了更加有策略性和性能上的改进，需要对</a:t>
+            </a:r>
+            <a:r>
+              <a:rPr lang="en-US" altLang="zh-CN" sz="1600">
+                <a:solidFill>
+                  <a:srgbClr val="000000"/>
+                </a:solidFill>
+                <a:latin typeface="Consolas" pitchFamily="49"/>
+                <a:ea typeface="微软雅黑" pitchFamily="34"/>
+              </a:rPr>
+              <a:t>vcf</a:t>
+            </a:r>
+            <a:r>
+              <a:rPr lang="zh-CN" altLang="en-US" sz="1600">
+                <a:solidFill>
+                  <a:srgbClr val="000000"/>
+                </a:solidFill>
+                <a:latin typeface="Consolas" pitchFamily="49"/>
+                <a:ea typeface="微软雅黑" pitchFamily="34"/>
+              </a:rPr>
+              <a:t>的记录进行索引。对于</a:t>
+            </a:r>
+            <a:r>
+              <a:rPr lang="en-US" altLang="zh-CN" sz="1600">
+                <a:solidFill>
+                  <a:srgbClr val="000000"/>
+                </a:solidFill>
+                <a:latin typeface="Consolas" pitchFamily="49"/>
+                <a:ea typeface="微软雅黑" pitchFamily="34"/>
+              </a:rPr>
+              <a:t>SNP</a:t>
+            </a:r>
+            <a:r>
+              <a:rPr lang="zh-CN" altLang="en-US" sz="1600">
+                <a:solidFill>
+                  <a:srgbClr val="000000"/>
+                </a:solidFill>
+                <a:latin typeface="Consolas" pitchFamily="49"/>
+                <a:ea typeface="微软雅黑" pitchFamily="34"/>
+              </a:rPr>
+              <a:t>来说，需要至少能够根据</a:t>
+            </a:r>
+            <a:r>
+              <a:rPr lang="en-US" altLang="zh-CN" sz="1600">
+                <a:solidFill>
+                  <a:srgbClr val="000000"/>
+                </a:solidFill>
+                <a:latin typeface="Consolas" pitchFamily="49"/>
+                <a:ea typeface="微软雅黑" pitchFamily="34"/>
+              </a:rPr>
+              <a:t>pos</a:t>
+            </a:r>
+            <a:r>
+              <a:rPr lang="zh-CN" altLang="en-US" sz="1600">
+                <a:solidFill>
+                  <a:srgbClr val="000000"/>
+                </a:solidFill>
+                <a:latin typeface="Consolas" pitchFamily="49"/>
+                <a:ea typeface="微软雅黑" pitchFamily="34"/>
+              </a:rPr>
+              <a:t>索引查询某条特定的</a:t>
+            </a:r>
+            <a:r>
+              <a:rPr lang="en-US" altLang="zh-CN" sz="1600">
+                <a:solidFill>
+                  <a:srgbClr val="000000"/>
+                </a:solidFill>
+                <a:latin typeface="Consolas" pitchFamily="49"/>
+                <a:ea typeface="微软雅黑" pitchFamily="34"/>
+              </a:rPr>
+              <a:t>vcf</a:t>
+            </a:r>
+            <a:r>
+              <a:rPr lang="zh-CN" altLang="en-US" sz="1600">
+                <a:solidFill>
+                  <a:srgbClr val="000000"/>
+                </a:solidFill>
+                <a:latin typeface="Consolas" pitchFamily="49"/>
+                <a:ea typeface="微软雅黑" pitchFamily="34"/>
+              </a:rPr>
+              <a:t>记录</a:t>
+            </a:r>
+            <a:endParaRPr lang="en-US" altLang="zh-CN" sz="1600">
+              <a:solidFill>
+                <a:srgbClr val="000000"/>
+              </a:solidFill>
+              <a:latin typeface="Consolas" pitchFamily="49"/>
+              <a:ea typeface="微软雅黑" pitchFamily="34"/>
+            </a:endParaRPr>
+          </a:p>
+        </p:txBody>
+      </p:sp>
+    </p:spTree>
+    <p:extLst>
+      <p:ext uri="{BB962C8B-B14F-4D97-AF65-F5344CB8AC3E}">
+        <p14:creationId xmlns:p14="http://schemas.microsoft.com/office/powerpoint/2010/main" val="1550109148"/>
+      </p:ext>
+    </p:extLst>
+  </p:cSld>
+  <p:clrMapOvr>
+    <a:masterClrMapping/>
+  </p:clrMapOvr>
+</p:sld>
+</file>
+
+<file path=ppt/slides/slide11.xml><?xml version="1.0" encoding="utf-8"?>
+<p:sld xmlns:a="http://schemas.openxmlformats.org/drawingml/2006/main" xmlns:r="http://schemas.openxmlformats.org/officeDocument/2006/relationships" xmlns:p="http://schemas.openxmlformats.org/presentationml/2006/main">
+  <p:cSld>
+    <p:spTree>
+      <p:nvGrpSpPr>
+        <p:cNvPr id="1" name=""/>
+        <p:cNvGrpSpPr/>
+        <p:nvPr/>
+      </p:nvGrpSpPr>
+      <p:grpSpPr>
+        <a:xfrm>
+          <a:off x="0" y="0"/>
+          <a:ext cx="0" cy="0"/>
+          <a:chOff x="0" y="0"/>
+          <a:chExt cx="0" cy="0"/>
+        </a:xfrm>
+      </p:grpSpPr>
+      <p:sp>
+        <p:nvSpPr>
+          <p:cNvPr id="3" name="副标题 2">
+            <a:extLst>
+              <a:ext uri="{FF2B5EF4-FFF2-40B4-BE49-F238E27FC236}">
+                <a16:creationId xmlns:a16="http://schemas.microsoft.com/office/drawing/2014/main" id="{A441A99D-7B3C-47B9-8393-DBA04906446D}"/>
+              </a:ext>
+            </a:extLst>
+          </p:cNvPr>
+          <p:cNvSpPr txBox="1">
+            <a:spLocks noGrp="1"/>
+          </p:cNvSpPr>
+          <p:nvPr>
+            <p:ph type="subTitle" idx="1"/>
+          </p:nvPr>
+        </p:nvSpPr>
+        <p:spPr>
+          <a:xfrm>
+            <a:off x="0" y="0"/>
+            <a:ext cx="5582192" cy="424729"/>
+          </a:xfrm>
+        </p:spPr>
+        <p:txBody>
+          <a:bodyPr/>
+          <a:lstStyle/>
+          <a:p>
+            <a:pPr lvl="0"/>
+            <a:r>
+              <a:rPr lang="en-US" altLang="zh-CN"/>
+              <a:t>Integration of Variations - SV</a:t>
+            </a:r>
+            <a:endParaRPr lang="zh-CN"/>
+          </a:p>
+        </p:txBody>
+      </p:sp>
+      <p:graphicFrame>
+        <p:nvGraphicFramePr>
+          <p:cNvPr id="7" name="表格 7">
+            <a:extLst>
+              <a:ext uri="{FF2B5EF4-FFF2-40B4-BE49-F238E27FC236}">
+                <a16:creationId xmlns:a16="http://schemas.microsoft.com/office/drawing/2014/main" id="{03B16ABC-0E9B-4A9A-AC3A-9700D8CC02DC}"/>
+              </a:ext>
+            </a:extLst>
+          </p:cNvPr>
+          <p:cNvGraphicFramePr>
+            <a:graphicFrameLocks noGrp="1"/>
+          </p:cNvGraphicFramePr>
+          <p:nvPr>
+            <p:extLst>
+              <p:ext uri="{D42A27DB-BD31-4B8C-83A1-F6EECF244321}">
+                <p14:modId xmlns:p14="http://schemas.microsoft.com/office/powerpoint/2010/main" val="1107639694"/>
+              </p:ext>
+            </p:extLst>
+          </p:nvPr>
+        </p:nvGraphicFramePr>
+        <p:xfrm>
+          <a:off x="4136620" y="2585972"/>
+          <a:ext cx="7036025" cy="1854200"/>
+        </p:xfrm>
+        <a:graphic>
+          <a:graphicData uri="http://schemas.openxmlformats.org/drawingml/2006/table">
+            <a:tbl>
+              <a:tblPr firstRow="1" bandRow="1">
+                <a:tableStyleId>{5940675A-B579-460E-94D1-54222C63F5DA}</a:tableStyleId>
+              </a:tblPr>
+              <a:tblGrid>
+                <a:gridCol w="1407205">
+                  <a:extLst>
+                    <a:ext uri="{9D8B030D-6E8A-4147-A177-3AD203B41FA5}">
+                      <a16:colId xmlns:a16="http://schemas.microsoft.com/office/drawing/2014/main" val="2357999398"/>
+                    </a:ext>
+                  </a:extLst>
+                </a:gridCol>
+                <a:gridCol w="1407205">
+                  <a:extLst>
+                    <a:ext uri="{9D8B030D-6E8A-4147-A177-3AD203B41FA5}">
+                      <a16:colId xmlns:a16="http://schemas.microsoft.com/office/drawing/2014/main" val="1396362083"/>
+                    </a:ext>
+                  </a:extLst>
+                </a:gridCol>
+                <a:gridCol w="1407205">
+                  <a:extLst>
+                    <a:ext uri="{9D8B030D-6E8A-4147-A177-3AD203B41FA5}">
+                      <a16:colId xmlns:a16="http://schemas.microsoft.com/office/drawing/2014/main" val="1292628694"/>
+                    </a:ext>
+                  </a:extLst>
+                </a:gridCol>
+                <a:gridCol w="1407205">
+                  <a:extLst>
+                    <a:ext uri="{9D8B030D-6E8A-4147-A177-3AD203B41FA5}">
+                      <a16:colId xmlns:a16="http://schemas.microsoft.com/office/drawing/2014/main" val="611556075"/>
+                    </a:ext>
+                  </a:extLst>
+                </a:gridCol>
+                <a:gridCol w="1407205">
+                  <a:extLst>
+                    <a:ext uri="{9D8B030D-6E8A-4147-A177-3AD203B41FA5}">
+                      <a16:colId xmlns:a16="http://schemas.microsoft.com/office/drawing/2014/main" val="2358634977"/>
+                    </a:ext>
+                  </a:extLst>
+                </a:gridCol>
+              </a:tblGrid>
+              <a:tr h="370840">
+                <a:tc gridSpan="4">
+                  <a:txBody>
+                    <a:bodyPr/>
+                    <a:lstStyle/>
+                    <a:p>
+                      <a:pPr marL="0" marR="0" lvl="0" indent="0" algn="ctr" defTabSz="539998" rtl="0" fontAlgn="auto" hangingPunct="1">
+                        <a:lnSpc>
+                          <a:spcPct val="90000"/>
+                        </a:lnSpc>
+                        <a:spcBef>
+                          <a:spcPts val="1000"/>
+                        </a:spcBef>
+                        <a:spcAft>
+                          <a:spcPts val="0"/>
+                        </a:spcAft>
+                        <a:buSzPct val="100000"/>
+                        <a:buFont typeface="Arial" pitchFamily="34"/>
+                        <a:buNone/>
+                        <a:tabLst/>
+                      </a:pPr>
+                      <a:r>
+                        <a:rPr lang="en-US" altLang="zh-CN" sz="1800" b="0" i="0" u="none" strike="noStrike" kern="1200" cap="none" spc="0" baseline="0">
+                          <a:solidFill>
+                            <a:schemeClr val="bg1"/>
+                          </a:solidFill>
+                          <a:uFillTx/>
+                          <a:latin typeface="Consolas" pitchFamily="49"/>
+                          <a:ea typeface="微软雅黑" pitchFamily="34"/>
+                        </a:rPr>
+                        <a:t>Original Vcf Records Format</a:t>
+                      </a:r>
+                      <a:endParaRPr lang="zh-CN" altLang="en-US" sz="1800" b="0" i="0" u="none" strike="noStrike" kern="1200" cap="none" spc="0" baseline="0">
+                        <a:solidFill>
+                          <a:schemeClr val="bg1"/>
+                        </a:solidFill>
+                        <a:uFillTx/>
+                        <a:latin typeface="Consolas" pitchFamily="49"/>
+                        <a:ea typeface="微软雅黑" pitchFamily="34"/>
+                      </a:endParaRPr>
+                    </a:p>
+                  </a:txBody>
+                  <a:tcPr>
+                    <a:solidFill>
+                      <a:srgbClr val="1CB0A2"/>
+                    </a:solidFill>
+                  </a:tcPr>
+                </a:tc>
+                <a:tc hMerge="1">
+                  <a:txBody>
+                    <a:bodyPr/>
+                    <a:lstStyle/>
+                    <a:p>
+                      <a:pPr marL="0" marR="0" lvl="0" indent="0" algn="ctr" defTabSz="539998" rtl="0" fontAlgn="auto" hangingPunct="1">
+                        <a:lnSpc>
+                          <a:spcPct val="90000"/>
+                        </a:lnSpc>
+                        <a:spcBef>
+                          <a:spcPts val="1000"/>
+                        </a:spcBef>
+                        <a:spcAft>
+                          <a:spcPts val="0"/>
+                        </a:spcAft>
+                        <a:buSzPct val="100000"/>
+                        <a:buFont typeface="Arial" pitchFamily="34"/>
+                        <a:buNone/>
+                        <a:tabLst/>
+                      </a:pPr>
+                      <a:endParaRPr lang="zh-CN" altLang="en-US" sz="1800" b="0" i="0" u="none" strike="noStrike" kern="1200" cap="none" spc="0" baseline="0">
+                        <a:solidFill>
+                          <a:schemeClr val="bg1"/>
+                        </a:solidFill>
+                        <a:uFillTx/>
+                        <a:latin typeface="Consolas" pitchFamily="49"/>
+                        <a:ea typeface="微软雅黑" pitchFamily="34"/>
+                      </a:endParaRPr>
+                    </a:p>
+                  </a:txBody>
+                  <a:tcPr>
+                    <a:solidFill>
+                      <a:srgbClr val="1CB0A2"/>
+                    </a:solidFill>
+                  </a:tcPr>
+                </a:tc>
+                <a:tc hMerge="1">
+                  <a:txBody>
+                    <a:bodyPr/>
+                    <a:lstStyle/>
+                    <a:p>
+                      <a:pPr marL="0" marR="0" lvl="0" indent="0" algn="ctr" defTabSz="539998" rtl="0" fontAlgn="auto" hangingPunct="1">
+                        <a:lnSpc>
+                          <a:spcPct val="90000"/>
+                        </a:lnSpc>
+                        <a:spcBef>
+                          <a:spcPts val="1000"/>
+                        </a:spcBef>
+                        <a:spcAft>
+                          <a:spcPts val="0"/>
+                        </a:spcAft>
+                        <a:buSzPct val="100000"/>
+                        <a:buFont typeface="Arial" pitchFamily="34"/>
+                        <a:buNone/>
+                        <a:tabLst/>
+                      </a:pPr>
+                      <a:endParaRPr lang="zh-CN" altLang="en-US" sz="1800" b="0" i="0" u="none" strike="noStrike" kern="1200" cap="none" spc="0" baseline="0">
+                        <a:solidFill>
+                          <a:schemeClr val="bg1"/>
+                        </a:solidFill>
+                        <a:uFillTx/>
+                        <a:latin typeface="Consolas" pitchFamily="49"/>
+                        <a:ea typeface="微软雅黑" pitchFamily="34"/>
+                      </a:endParaRPr>
+                    </a:p>
+                  </a:txBody>
+                  <a:tcPr>
+                    <a:solidFill>
+                      <a:srgbClr val="1CB0A2"/>
+                    </a:solidFill>
+                  </a:tcPr>
+                </a:tc>
+                <a:tc hMerge="1">
+                  <a:txBody>
+                    <a:bodyPr/>
+                    <a:lstStyle/>
+                    <a:p>
+                      <a:pPr marL="0" marR="0" lvl="0" indent="0" algn="ctr" defTabSz="539998" rtl="0" fontAlgn="auto" hangingPunct="1">
+                        <a:lnSpc>
+                          <a:spcPct val="90000"/>
+                        </a:lnSpc>
+                        <a:spcBef>
+                          <a:spcPts val="1000"/>
+                        </a:spcBef>
+                        <a:spcAft>
+                          <a:spcPts val="0"/>
+                        </a:spcAft>
+                        <a:buSzPct val="100000"/>
+                        <a:buFont typeface="Arial" pitchFamily="34"/>
+                        <a:buNone/>
+                        <a:tabLst/>
+                      </a:pPr>
+                      <a:endParaRPr lang="zh-CN" altLang="en-US" sz="1800" b="0" i="0" u="none" strike="noStrike" kern="1200" cap="none" spc="0" baseline="0">
+                        <a:solidFill>
+                          <a:schemeClr val="bg1"/>
+                        </a:solidFill>
+                        <a:uFillTx/>
+                        <a:latin typeface="Consolas" pitchFamily="49"/>
+                        <a:ea typeface="微软雅黑" pitchFamily="34"/>
+                      </a:endParaRPr>
+                    </a:p>
+                  </a:txBody>
+                  <a:tcPr>
+                    <a:solidFill>
+                      <a:srgbClr val="1CB0A2"/>
+                    </a:solidFill>
+                  </a:tcPr>
+                </a:tc>
+                <a:tc>
+                  <a:txBody>
+                    <a:bodyPr/>
+                    <a:lstStyle/>
+                    <a:p>
+                      <a:pPr marL="0" marR="0" lvl="0" indent="0" algn="ctr" defTabSz="539998" rtl="0" fontAlgn="auto" hangingPunct="1">
+                        <a:lnSpc>
+                          <a:spcPct val="90000"/>
+                        </a:lnSpc>
+                        <a:spcBef>
+                          <a:spcPts val="1000"/>
+                        </a:spcBef>
+                        <a:spcAft>
+                          <a:spcPts val="0"/>
+                        </a:spcAft>
+                        <a:buSzPct val="100000"/>
+                        <a:buFont typeface="Arial" pitchFamily="34"/>
+                        <a:buNone/>
+                        <a:tabLst/>
+                      </a:pPr>
+                      <a:endParaRPr lang="zh-CN" altLang="en-US" sz="1800" b="0" i="0" u="none" strike="noStrike" kern="1200" cap="none" spc="0" baseline="0">
+                        <a:solidFill>
+                          <a:schemeClr val="bg1"/>
+                        </a:solidFill>
+                        <a:uFillTx/>
+                        <a:latin typeface="Consolas" pitchFamily="49"/>
+                        <a:ea typeface="微软雅黑" pitchFamily="34"/>
+                      </a:endParaRPr>
+                    </a:p>
+                  </a:txBody>
+                  <a:tcPr>
+                    <a:solidFill>
+                      <a:srgbClr val="1CB0A2"/>
+                    </a:solidFill>
+                  </a:tcPr>
+                </a:tc>
+                <a:extLst>
+                  <a:ext uri="{0D108BD9-81ED-4DB2-BD59-A6C34878D82A}">
+                    <a16:rowId xmlns:a16="http://schemas.microsoft.com/office/drawing/2014/main" val="1946593644"/>
+                  </a:ext>
+                </a:extLst>
+              </a:tr>
+              <a:tr h="370840">
+                <a:tc>
+                  <a:txBody>
+                    <a:bodyPr/>
+                    <a:lstStyle/>
+                    <a:p>
+                      <a:pPr marL="0" marR="0" lvl="0" indent="0" algn="ctr" defTabSz="539998" rtl="0" fontAlgn="auto" hangingPunct="1">
+                        <a:lnSpc>
+                          <a:spcPct val="90000"/>
+                        </a:lnSpc>
+                        <a:spcBef>
+                          <a:spcPts val="1000"/>
+                        </a:spcBef>
+                        <a:spcAft>
+                          <a:spcPts val="0"/>
+                        </a:spcAft>
+                        <a:buSzPct val="100000"/>
+                        <a:buFont typeface="Arial" pitchFamily="34"/>
+                        <a:buNone/>
+                        <a:tabLst/>
+                      </a:pPr>
+                      <a:r>
+                        <a:rPr lang="en-US" altLang="zh-CN" sz="1800" b="0" i="0" u="none" strike="noStrike" kern="1200" cap="none" spc="0" baseline="0">
+                          <a:solidFill>
+                            <a:schemeClr val="bg1"/>
+                          </a:solidFill>
+                          <a:uFillTx/>
+                          <a:latin typeface="Consolas" pitchFamily="49"/>
+                          <a:ea typeface="微软雅黑" pitchFamily="34"/>
+                        </a:rPr>
+                        <a:t>id</a:t>
+                      </a:r>
+                      <a:endParaRPr lang="zh-CN" altLang="en-US" sz="1800" b="0" i="0" u="none" strike="noStrike" kern="1200" cap="none" spc="0" baseline="0">
+                        <a:solidFill>
+                          <a:schemeClr val="bg1"/>
+                        </a:solidFill>
+                        <a:uFillTx/>
+                        <a:latin typeface="Consolas" pitchFamily="49"/>
+                        <a:ea typeface="微软雅黑" pitchFamily="34"/>
+                      </a:endParaRPr>
+                    </a:p>
+                  </a:txBody>
+                  <a:tcPr>
+                    <a:solidFill>
+                      <a:srgbClr val="1CB0A2"/>
+                    </a:solidFill>
+                  </a:tcPr>
+                </a:tc>
+                <a:tc>
+                  <a:txBody>
+                    <a:bodyPr/>
+                    <a:lstStyle/>
+                    <a:p>
+                      <a:pPr marL="0" marR="0" lvl="0" indent="0" algn="ctr" defTabSz="539998" rtl="0" fontAlgn="auto" hangingPunct="1">
+                        <a:lnSpc>
+                          <a:spcPct val="90000"/>
+                        </a:lnSpc>
+                        <a:spcBef>
+                          <a:spcPts val="1000"/>
+                        </a:spcBef>
+                        <a:spcAft>
+                          <a:spcPts val="0"/>
+                        </a:spcAft>
+                        <a:buSzPct val="100000"/>
+                        <a:buFont typeface="Arial" pitchFamily="34"/>
+                        <a:buNone/>
+                        <a:tabLst/>
+                      </a:pPr>
+                      <a:r>
+                        <a:rPr lang="en-US" altLang="zh-CN" sz="1800" b="0" i="0" u="none" strike="noStrike" kern="1200" cap="none" spc="0" baseline="0">
+                          <a:solidFill>
+                            <a:schemeClr val="bg1"/>
+                          </a:solidFill>
+                          <a:uFillTx/>
+                          <a:latin typeface="Consolas" pitchFamily="49"/>
+                          <a:ea typeface="微软雅黑" pitchFamily="34"/>
+                        </a:rPr>
+                        <a:t>pos</a:t>
+                      </a:r>
+                      <a:endParaRPr lang="zh-CN" altLang="en-US" sz="1800" b="0" i="0" u="none" strike="noStrike" kern="1200" cap="none" spc="0" baseline="0">
+                        <a:solidFill>
+                          <a:schemeClr val="bg1"/>
+                        </a:solidFill>
+                        <a:uFillTx/>
+                        <a:latin typeface="Consolas" pitchFamily="49"/>
+                        <a:ea typeface="微软雅黑" pitchFamily="34"/>
+                      </a:endParaRPr>
+                    </a:p>
+                  </a:txBody>
+                  <a:tcPr>
+                    <a:solidFill>
+                      <a:srgbClr val="1CB0A2"/>
+                    </a:solidFill>
+                  </a:tcPr>
+                </a:tc>
+                <a:tc>
+                  <a:txBody>
+                    <a:bodyPr/>
+                    <a:lstStyle/>
+                    <a:p>
+                      <a:pPr marL="0" marR="0" lvl="0" indent="0" algn="ctr" defTabSz="539998" rtl="0" fontAlgn="auto" hangingPunct="1">
+                        <a:lnSpc>
+                          <a:spcPct val="90000"/>
+                        </a:lnSpc>
+                        <a:spcBef>
+                          <a:spcPts val="1000"/>
+                        </a:spcBef>
+                        <a:spcAft>
+                          <a:spcPts val="0"/>
+                        </a:spcAft>
+                        <a:buSzPct val="100000"/>
+                        <a:buFont typeface="Arial" pitchFamily="34"/>
+                        <a:buNone/>
+                        <a:tabLst/>
+                      </a:pPr>
+                      <a:r>
+                        <a:rPr lang="en-US" altLang="zh-CN" sz="1800" b="0" i="0" u="none" strike="noStrike" kern="1200" cap="none" spc="0" baseline="0">
+                          <a:solidFill>
+                            <a:schemeClr val="bg1"/>
+                          </a:solidFill>
+                          <a:uFillTx/>
+                          <a:latin typeface="Consolas" pitchFamily="49"/>
+                          <a:ea typeface="微软雅黑" pitchFamily="34"/>
+                        </a:rPr>
+                        <a:t>ref</a:t>
+                      </a:r>
+                      <a:endParaRPr lang="zh-CN" altLang="en-US" sz="1800" b="0" i="0" u="none" strike="noStrike" kern="1200" cap="none" spc="0" baseline="0">
+                        <a:solidFill>
+                          <a:schemeClr val="bg1"/>
+                        </a:solidFill>
+                        <a:uFillTx/>
+                        <a:latin typeface="Consolas" pitchFamily="49"/>
+                        <a:ea typeface="微软雅黑" pitchFamily="34"/>
+                      </a:endParaRPr>
+                    </a:p>
+                  </a:txBody>
+                  <a:tcPr>
+                    <a:solidFill>
+                      <a:srgbClr val="1CB0A2"/>
+                    </a:solidFill>
+                  </a:tcPr>
+                </a:tc>
+                <a:tc>
+                  <a:txBody>
+                    <a:bodyPr/>
+                    <a:lstStyle/>
+                    <a:p>
+                      <a:pPr marL="0" marR="0" lvl="0" indent="0" algn="ctr" defTabSz="539998" rtl="0" fontAlgn="auto" hangingPunct="1">
+                        <a:lnSpc>
+                          <a:spcPct val="90000"/>
+                        </a:lnSpc>
+                        <a:spcBef>
+                          <a:spcPts val="1000"/>
+                        </a:spcBef>
+                        <a:spcAft>
+                          <a:spcPts val="0"/>
+                        </a:spcAft>
+                        <a:buSzPct val="100000"/>
+                        <a:buFont typeface="Arial" pitchFamily="34"/>
+                        <a:buNone/>
+                        <a:tabLst/>
+                      </a:pPr>
+                      <a:r>
+                        <a:rPr lang="en-US" altLang="zh-CN" sz="1800" b="0" i="0" u="none" strike="noStrike" kern="1200" cap="none" spc="0" baseline="0">
+                          <a:solidFill>
+                            <a:schemeClr val="bg1"/>
+                          </a:solidFill>
+                          <a:uFillTx/>
+                          <a:latin typeface="Consolas" pitchFamily="49"/>
+                          <a:ea typeface="微软雅黑" pitchFamily="34"/>
+                        </a:rPr>
+                        <a:t>alt</a:t>
+                      </a:r>
+                      <a:endParaRPr lang="zh-CN" altLang="en-US" sz="1800" b="0" i="0" u="none" strike="noStrike" kern="1200" cap="none" spc="0" baseline="0">
+                        <a:solidFill>
+                          <a:schemeClr val="bg1"/>
+                        </a:solidFill>
+                        <a:uFillTx/>
+                        <a:latin typeface="Consolas" pitchFamily="49"/>
+                        <a:ea typeface="微软雅黑" pitchFamily="34"/>
+                      </a:endParaRPr>
+                    </a:p>
+                  </a:txBody>
+                  <a:tcPr>
+                    <a:solidFill>
+                      <a:srgbClr val="1CB0A2"/>
+                    </a:solidFill>
+                  </a:tcPr>
+                </a:tc>
+                <a:tc>
+                  <a:txBody>
+                    <a:bodyPr/>
+                    <a:lstStyle/>
+                    <a:p>
+                      <a:pPr marL="0" marR="0" lvl="0" indent="0" algn="ctr" defTabSz="539998" rtl="0" fontAlgn="auto" hangingPunct="1">
+                        <a:lnSpc>
+                          <a:spcPct val="90000"/>
+                        </a:lnSpc>
+                        <a:spcBef>
+                          <a:spcPts val="1000"/>
+                        </a:spcBef>
+                        <a:spcAft>
+                          <a:spcPts val="0"/>
+                        </a:spcAft>
+                        <a:buSzPct val="100000"/>
+                        <a:buFont typeface="Arial" pitchFamily="34"/>
+                        <a:buNone/>
+                        <a:tabLst/>
+                      </a:pPr>
+                      <a:r>
+                        <a:rPr lang="en-US" altLang="zh-CN" sz="1800" b="0" i="0" u="none" strike="noStrike" kern="1200" cap="none" spc="0" baseline="0">
+                          <a:solidFill>
+                            <a:schemeClr val="bg1"/>
+                          </a:solidFill>
+                          <a:uFillTx/>
+                          <a:latin typeface="Consolas" pitchFamily="49"/>
+                          <a:ea typeface="微软雅黑" pitchFamily="34"/>
+                        </a:rPr>
+                        <a:t>&lt;type&gt;</a:t>
+                      </a:r>
+                      <a:endParaRPr lang="zh-CN" altLang="en-US" sz="1800" b="0" i="0" u="none" strike="noStrike" kern="1200" cap="none" spc="0" baseline="0">
+                        <a:solidFill>
+                          <a:schemeClr val="bg1"/>
+                        </a:solidFill>
+                        <a:uFillTx/>
+                        <a:latin typeface="Consolas" pitchFamily="49"/>
+                        <a:ea typeface="微软雅黑" pitchFamily="34"/>
+                      </a:endParaRPr>
+                    </a:p>
+                  </a:txBody>
+                  <a:tcPr>
+                    <a:solidFill>
+                      <a:srgbClr val="1CB0A2"/>
+                    </a:solidFill>
+                  </a:tcPr>
+                </a:tc>
+                <a:extLst>
+                  <a:ext uri="{0D108BD9-81ED-4DB2-BD59-A6C34878D82A}">
+                    <a16:rowId xmlns:a16="http://schemas.microsoft.com/office/drawing/2014/main" val="3671342572"/>
+                  </a:ext>
+                </a:extLst>
+              </a:tr>
+              <a:tr h="370840">
+                <a:tc>
+                  <a:txBody>
+                    <a:bodyPr/>
+                    <a:lstStyle/>
+                    <a:p>
+                      <a:pPr marL="0" marR="0" lvl="0" indent="0" algn="ctr" defTabSz="539998" rtl="0" fontAlgn="auto" hangingPunct="1">
+                        <a:lnSpc>
+                          <a:spcPct val="90000"/>
+                        </a:lnSpc>
+                        <a:spcBef>
+                          <a:spcPts val="1000"/>
+                        </a:spcBef>
+                        <a:spcAft>
+                          <a:spcPts val="0"/>
+                        </a:spcAft>
+                        <a:buSzPct val="100000"/>
+                        <a:buFont typeface="Arial" pitchFamily="34"/>
+                        <a:buNone/>
+                        <a:tabLst/>
+                      </a:pPr>
+                      <a:r>
+                        <a:rPr lang="en-US" altLang="zh-CN" sz="1800" b="0" i="0" u="none" strike="noStrike" kern="1200" cap="none" spc="0" baseline="0">
+                          <a:solidFill>
+                            <a:srgbClr val="000000"/>
+                          </a:solidFill>
+                          <a:uFillTx/>
+                          <a:latin typeface="Consolas" pitchFamily="49"/>
+                          <a:ea typeface="微软雅黑" pitchFamily="34"/>
+                        </a:rPr>
+                        <a:t>1</a:t>
+                      </a:r>
+                      <a:endParaRPr lang="zh-CN" altLang="en-US" sz="1800" b="0" i="0" u="none" strike="noStrike" kern="1200" cap="none" spc="0" baseline="0">
+                        <a:solidFill>
+                          <a:srgbClr val="000000"/>
+                        </a:solidFill>
+                        <a:uFillTx/>
+                        <a:latin typeface="Consolas" pitchFamily="49"/>
+                        <a:ea typeface="微软雅黑" pitchFamily="34"/>
+                      </a:endParaRPr>
+                    </a:p>
+                  </a:txBody>
+                  <a:tcPr/>
+                </a:tc>
+                <a:tc>
+                  <a:txBody>
+                    <a:bodyPr/>
+                    <a:lstStyle/>
+                    <a:p>
+                      <a:pPr marL="0" marR="0" lvl="0" indent="0" algn="ctr" defTabSz="539998" rtl="0" fontAlgn="auto" hangingPunct="1">
+                        <a:lnSpc>
+                          <a:spcPct val="90000"/>
+                        </a:lnSpc>
+                        <a:spcBef>
+                          <a:spcPts val="1000"/>
+                        </a:spcBef>
+                        <a:spcAft>
+                          <a:spcPts val="0"/>
+                        </a:spcAft>
+                        <a:buSzPct val="100000"/>
+                        <a:buFont typeface="Arial" pitchFamily="34"/>
+                        <a:buNone/>
+                        <a:tabLst/>
+                      </a:pPr>
+                      <a:r>
+                        <a:rPr lang="en-US" altLang="zh-CN" sz="1800" b="0" i="0" u="none" strike="noStrike" kern="1200" cap="none" spc="0" baseline="0">
+                          <a:solidFill>
+                            <a:srgbClr val="000000"/>
+                          </a:solidFill>
+                          <a:uFillTx/>
+                          <a:latin typeface="Consolas" pitchFamily="49"/>
+                          <a:ea typeface="微软雅黑" pitchFamily="34"/>
+                        </a:rPr>
+                        <a:t>xxx001</a:t>
+                      </a:r>
+                      <a:endParaRPr lang="zh-CN" altLang="en-US" sz="1800" b="0" i="0" u="none" strike="noStrike" kern="1200" cap="none" spc="0" baseline="0">
+                        <a:solidFill>
+                          <a:srgbClr val="000000"/>
+                        </a:solidFill>
+                        <a:uFillTx/>
+                        <a:latin typeface="Consolas" pitchFamily="49"/>
+                        <a:ea typeface="微软雅黑" pitchFamily="34"/>
+                      </a:endParaRPr>
+                    </a:p>
+                  </a:txBody>
+                  <a:tcPr/>
+                </a:tc>
+                <a:tc>
+                  <a:txBody>
+                    <a:bodyPr/>
+                    <a:lstStyle/>
+                    <a:p>
+                      <a:pPr marL="0" marR="0" lvl="0" indent="0" algn="ctr" defTabSz="539998" rtl="0" fontAlgn="auto" hangingPunct="1">
+                        <a:lnSpc>
+                          <a:spcPct val="90000"/>
+                        </a:lnSpc>
+                        <a:spcBef>
+                          <a:spcPts val="1000"/>
+                        </a:spcBef>
+                        <a:spcAft>
+                          <a:spcPts val="0"/>
+                        </a:spcAft>
+                        <a:buSzPct val="100000"/>
+                        <a:buFont typeface="Arial" pitchFamily="34"/>
+                        <a:buNone/>
+                        <a:tabLst/>
+                      </a:pPr>
+                      <a:r>
+                        <a:rPr lang="en-US" altLang="zh-CN" sz="1800" b="0" i="0" u="none" strike="noStrike" kern="1200" cap="none" spc="0" baseline="0">
+                          <a:solidFill>
+                            <a:srgbClr val="000000"/>
+                          </a:solidFill>
+                          <a:uFillTx/>
+                          <a:latin typeface="Consolas" pitchFamily="49"/>
+                          <a:ea typeface="微软雅黑" pitchFamily="34"/>
+                        </a:rPr>
+                        <a:t>C</a:t>
+                      </a:r>
+                      <a:endParaRPr lang="zh-CN" altLang="en-US" sz="1800" b="0" i="0" u="none" strike="noStrike" kern="1200" cap="none" spc="0" baseline="0">
+                        <a:solidFill>
+                          <a:srgbClr val="000000"/>
+                        </a:solidFill>
+                        <a:uFillTx/>
+                        <a:latin typeface="Consolas" pitchFamily="49"/>
+                        <a:ea typeface="微软雅黑" pitchFamily="34"/>
+                      </a:endParaRPr>
+                    </a:p>
+                  </a:txBody>
+                  <a:tcPr/>
+                </a:tc>
+                <a:tc>
+                  <a:txBody>
+                    <a:bodyPr/>
+                    <a:lstStyle/>
+                    <a:p>
+                      <a:pPr marL="0" marR="0" lvl="0" indent="0" algn="ctr" defTabSz="539998" rtl="0" fontAlgn="auto" hangingPunct="1">
+                        <a:lnSpc>
+                          <a:spcPct val="90000"/>
+                        </a:lnSpc>
+                        <a:spcBef>
+                          <a:spcPts val="1000"/>
+                        </a:spcBef>
+                        <a:spcAft>
+                          <a:spcPts val="0"/>
+                        </a:spcAft>
+                        <a:buSzPct val="100000"/>
+                        <a:buFont typeface="Arial" pitchFamily="34"/>
+                        <a:buNone/>
+                        <a:tabLst/>
+                      </a:pPr>
+                      <a:r>
+                        <a:rPr lang="en-US" altLang="zh-CN" sz="1800" b="0" i="0" u="none" strike="noStrike" kern="1200" cap="none" spc="0" baseline="0">
+                          <a:solidFill>
+                            <a:srgbClr val="000000"/>
+                          </a:solidFill>
+                          <a:uFillTx/>
+                          <a:latin typeface="Consolas" pitchFamily="49"/>
+                          <a:ea typeface="微软雅黑" pitchFamily="34"/>
+                        </a:rPr>
+                        <a:t>T</a:t>
+                      </a:r>
+                      <a:endParaRPr lang="zh-CN" altLang="en-US" sz="1800" b="0" i="0" u="none" strike="noStrike" kern="1200" cap="none" spc="0" baseline="0">
+                        <a:solidFill>
+                          <a:srgbClr val="000000"/>
+                        </a:solidFill>
+                        <a:uFillTx/>
+                        <a:latin typeface="Consolas" pitchFamily="49"/>
+                        <a:ea typeface="微软雅黑" pitchFamily="34"/>
+                      </a:endParaRPr>
+                    </a:p>
+                  </a:txBody>
+                  <a:tcPr/>
+                </a:tc>
+                <a:tc>
+                  <a:txBody>
+                    <a:bodyPr/>
+                    <a:lstStyle/>
+                    <a:p>
+                      <a:pPr marL="0" marR="0" lvl="0" indent="0" algn="ctr" defTabSz="539998" rtl="0" fontAlgn="auto" hangingPunct="1">
+                        <a:lnSpc>
+                          <a:spcPct val="90000"/>
+                        </a:lnSpc>
+                        <a:spcBef>
+                          <a:spcPts val="1000"/>
+                        </a:spcBef>
+                        <a:spcAft>
+                          <a:spcPts val="0"/>
+                        </a:spcAft>
+                        <a:buSzPct val="100000"/>
+                        <a:buFont typeface="Arial" pitchFamily="34"/>
+                        <a:buNone/>
+                        <a:tabLst/>
+                      </a:pPr>
+                      <a:r>
+                        <a:rPr lang="en-US" altLang="zh-CN" sz="1800" b="0" i="0" u="none" strike="noStrike" kern="1200" cap="none" spc="0" baseline="0">
+                          <a:solidFill>
+                            <a:srgbClr val="000000"/>
+                          </a:solidFill>
+                          <a:uFillTx/>
+                          <a:latin typeface="Consolas" pitchFamily="49"/>
+                          <a:ea typeface="微软雅黑" pitchFamily="34"/>
+                        </a:rPr>
+                        <a:t>mismatch</a:t>
+                      </a:r>
+                      <a:endParaRPr lang="zh-CN" altLang="en-US" sz="1800" b="0" i="0" u="none" strike="noStrike" kern="1200" cap="none" spc="0" baseline="0">
+                        <a:solidFill>
+                          <a:srgbClr val="000000"/>
+                        </a:solidFill>
+                        <a:uFillTx/>
+                        <a:latin typeface="Consolas" pitchFamily="49"/>
+                        <a:ea typeface="微软雅黑" pitchFamily="34"/>
+                      </a:endParaRPr>
+                    </a:p>
+                  </a:txBody>
+                  <a:tcPr/>
+                </a:tc>
+                <a:extLst>
+                  <a:ext uri="{0D108BD9-81ED-4DB2-BD59-A6C34878D82A}">
+                    <a16:rowId xmlns:a16="http://schemas.microsoft.com/office/drawing/2014/main" val="4006098001"/>
+                  </a:ext>
+                </a:extLst>
+              </a:tr>
+              <a:tr h="370840">
+                <a:tc>
+                  <a:txBody>
+                    <a:bodyPr/>
+                    <a:lstStyle/>
+                    <a:p>
+                      <a:pPr marL="0" marR="0" lvl="0" indent="0" algn="ctr" defTabSz="539998" rtl="0" fontAlgn="auto" hangingPunct="1">
+                        <a:lnSpc>
+                          <a:spcPct val="90000"/>
+                        </a:lnSpc>
+                        <a:spcBef>
+                          <a:spcPts val="1000"/>
+                        </a:spcBef>
+                        <a:spcAft>
+                          <a:spcPts val="0"/>
+                        </a:spcAft>
+                        <a:buSzPct val="100000"/>
+                        <a:buFont typeface="Arial" pitchFamily="34"/>
+                        <a:buNone/>
+                        <a:tabLst/>
+                      </a:pPr>
+                      <a:r>
+                        <a:rPr lang="en-US" altLang="zh-CN" sz="1800" b="0" i="0" u="none" strike="noStrike" kern="1200" cap="none" spc="0" baseline="0">
+                          <a:solidFill>
+                            <a:srgbClr val="000000"/>
+                          </a:solidFill>
+                          <a:uFillTx/>
+                          <a:latin typeface="Consolas" pitchFamily="49"/>
+                          <a:ea typeface="微软雅黑" pitchFamily="34"/>
+                        </a:rPr>
+                        <a:t>2</a:t>
+                      </a:r>
+                      <a:endParaRPr lang="zh-CN" altLang="en-US" sz="1800" b="0" i="0" u="none" strike="noStrike" kern="1200" cap="none" spc="0" baseline="0">
+                        <a:solidFill>
+                          <a:srgbClr val="000000"/>
+                        </a:solidFill>
+                        <a:uFillTx/>
+                        <a:latin typeface="Consolas" pitchFamily="49"/>
+                        <a:ea typeface="微软雅黑" pitchFamily="34"/>
+                      </a:endParaRPr>
+                    </a:p>
+                  </a:txBody>
+                  <a:tcPr/>
+                </a:tc>
+                <a:tc>
+                  <a:txBody>
+                    <a:bodyPr/>
+                    <a:lstStyle/>
+                    <a:p>
+                      <a:pPr marL="0" marR="0" lvl="0" indent="0" algn="ctr" defTabSz="539998" rtl="0" fontAlgn="auto" hangingPunct="1">
+                        <a:lnSpc>
+                          <a:spcPct val="90000"/>
+                        </a:lnSpc>
+                        <a:spcBef>
+                          <a:spcPts val="1000"/>
+                        </a:spcBef>
+                        <a:spcAft>
+                          <a:spcPts val="0"/>
+                        </a:spcAft>
+                        <a:buSzPct val="100000"/>
+                        <a:buFont typeface="Arial" pitchFamily="34"/>
+                        <a:buNone/>
+                        <a:tabLst/>
+                      </a:pPr>
+                      <a:r>
+                        <a:rPr lang="en-US" altLang="zh-CN" sz="1800" b="0" i="0" u="none" strike="noStrike" kern="1200" cap="none" spc="0" baseline="0">
+                          <a:solidFill>
+                            <a:srgbClr val="000000"/>
+                          </a:solidFill>
+                          <a:uFillTx/>
+                          <a:latin typeface="Consolas" pitchFamily="49"/>
+                          <a:ea typeface="微软雅黑" pitchFamily="34"/>
+                        </a:rPr>
+                        <a:t>xxx050</a:t>
+                      </a:r>
+                      <a:endParaRPr lang="zh-CN" altLang="en-US" sz="1800" b="0" i="0" u="none" strike="noStrike" kern="1200" cap="none" spc="0" baseline="0">
+                        <a:solidFill>
+                          <a:srgbClr val="000000"/>
+                        </a:solidFill>
+                        <a:uFillTx/>
+                        <a:latin typeface="Consolas" pitchFamily="49"/>
+                        <a:ea typeface="微软雅黑" pitchFamily="34"/>
+                      </a:endParaRPr>
+                    </a:p>
+                  </a:txBody>
+                  <a:tcPr/>
+                </a:tc>
+                <a:tc>
+                  <a:txBody>
+                    <a:bodyPr/>
+                    <a:lstStyle/>
+                    <a:p>
+                      <a:pPr marL="0" marR="0" lvl="0" indent="0" algn="ctr" defTabSz="539998" rtl="0" fontAlgn="auto" hangingPunct="1">
+                        <a:lnSpc>
+                          <a:spcPct val="90000"/>
+                        </a:lnSpc>
+                        <a:spcBef>
+                          <a:spcPts val="1000"/>
+                        </a:spcBef>
+                        <a:spcAft>
+                          <a:spcPts val="0"/>
+                        </a:spcAft>
+                        <a:buSzPct val="100000"/>
+                        <a:buFont typeface="Arial" pitchFamily="34"/>
+                        <a:buNone/>
+                        <a:tabLst/>
+                      </a:pPr>
+                      <a:r>
+                        <a:rPr lang="en-US" altLang="zh-CN" sz="1800" b="0" i="0" u="none" strike="noStrike" kern="1200" cap="none" spc="0" baseline="0">
+                          <a:solidFill>
+                            <a:srgbClr val="000000"/>
+                          </a:solidFill>
+                          <a:uFillTx/>
+                          <a:latin typeface="Consolas" pitchFamily="49"/>
+                          <a:ea typeface="微软雅黑" pitchFamily="34"/>
+                        </a:rPr>
+                        <a:t>C</a:t>
+                      </a:r>
+                      <a:endParaRPr lang="zh-CN" altLang="en-US" sz="1800" b="0" i="0" u="none" strike="noStrike" kern="1200" cap="none" spc="0" baseline="0">
+                        <a:solidFill>
+                          <a:srgbClr val="000000"/>
+                        </a:solidFill>
+                        <a:uFillTx/>
+                        <a:latin typeface="Consolas" pitchFamily="49"/>
+                        <a:ea typeface="微软雅黑" pitchFamily="34"/>
+                      </a:endParaRPr>
+                    </a:p>
+                  </a:txBody>
+                  <a:tcPr/>
+                </a:tc>
+                <a:tc>
+                  <a:txBody>
+                    <a:bodyPr/>
+                    <a:lstStyle/>
+                    <a:p>
+                      <a:pPr marL="0" marR="0" lvl="0" indent="0" algn="ctr" defTabSz="539998" rtl="0" fontAlgn="auto" hangingPunct="1">
+                        <a:lnSpc>
+                          <a:spcPct val="90000"/>
+                        </a:lnSpc>
+                        <a:spcBef>
+                          <a:spcPts val="1000"/>
+                        </a:spcBef>
+                        <a:spcAft>
+                          <a:spcPts val="0"/>
+                        </a:spcAft>
+                        <a:buSzPct val="100000"/>
+                        <a:buFont typeface="Arial" pitchFamily="34"/>
+                        <a:buNone/>
+                        <a:tabLst/>
+                      </a:pPr>
+                      <a:r>
+                        <a:rPr lang="en-US" altLang="zh-CN" sz="1800" b="0" i="0" u="none" strike="noStrike" kern="1200" cap="none" spc="0" baseline="0">
+                          <a:solidFill>
+                            <a:srgbClr val="000000"/>
+                          </a:solidFill>
+                          <a:uFillTx/>
+                          <a:latin typeface="Consolas" pitchFamily="49"/>
+                          <a:ea typeface="微软雅黑" pitchFamily="34"/>
+                        </a:rPr>
+                        <a:t>CTAG</a:t>
+                      </a:r>
+                      <a:endParaRPr lang="zh-CN" altLang="en-US" sz="1800" b="0" i="0" u="none" strike="noStrike" kern="1200" cap="none" spc="0" baseline="0">
+                        <a:solidFill>
+                          <a:srgbClr val="000000"/>
+                        </a:solidFill>
+                        <a:uFillTx/>
+                        <a:latin typeface="Consolas" pitchFamily="49"/>
+                        <a:ea typeface="微软雅黑" pitchFamily="34"/>
+                      </a:endParaRPr>
+                    </a:p>
+                  </a:txBody>
+                  <a:tcPr/>
+                </a:tc>
+                <a:tc>
+                  <a:txBody>
+                    <a:bodyPr/>
+                    <a:lstStyle/>
+                    <a:p>
+                      <a:pPr marL="0" marR="0" lvl="0" indent="0" algn="ctr" defTabSz="539998" rtl="0" fontAlgn="auto" hangingPunct="1">
+                        <a:lnSpc>
+                          <a:spcPct val="90000"/>
+                        </a:lnSpc>
+                        <a:spcBef>
+                          <a:spcPts val="1000"/>
+                        </a:spcBef>
+                        <a:spcAft>
+                          <a:spcPts val="0"/>
+                        </a:spcAft>
+                        <a:buSzPct val="100000"/>
+                        <a:buFont typeface="Arial" pitchFamily="34"/>
+                        <a:buNone/>
+                        <a:tabLst/>
+                      </a:pPr>
+                      <a:r>
+                        <a:rPr lang="en-US" altLang="zh-CN" sz="1800" b="0" i="0" u="none" strike="noStrike" kern="1200" cap="none" spc="0" baseline="0">
+                          <a:solidFill>
+                            <a:srgbClr val="000000"/>
+                          </a:solidFill>
+                          <a:uFillTx/>
+                          <a:latin typeface="Consolas" pitchFamily="49"/>
+                          <a:ea typeface="微软雅黑" pitchFamily="34"/>
+                        </a:rPr>
+                        <a:t>insertion</a:t>
+                      </a:r>
+                      <a:endParaRPr lang="zh-CN" altLang="en-US" sz="1800" b="0" i="0" u="none" strike="noStrike" kern="1200" cap="none" spc="0" baseline="0">
+                        <a:solidFill>
+                          <a:srgbClr val="000000"/>
+                        </a:solidFill>
+                        <a:uFillTx/>
+                        <a:latin typeface="Consolas" pitchFamily="49"/>
+                        <a:ea typeface="微软雅黑" pitchFamily="34"/>
+                      </a:endParaRPr>
+                    </a:p>
+                  </a:txBody>
+                  <a:tcPr/>
+                </a:tc>
+                <a:extLst>
+                  <a:ext uri="{0D108BD9-81ED-4DB2-BD59-A6C34878D82A}">
+                    <a16:rowId xmlns:a16="http://schemas.microsoft.com/office/drawing/2014/main" val="847781996"/>
+                  </a:ext>
+                </a:extLst>
+              </a:tr>
+              <a:tr h="370840">
+                <a:tc>
+                  <a:txBody>
+                    <a:bodyPr/>
+                    <a:lstStyle/>
+                    <a:p>
+                      <a:pPr marL="0" marR="0" lvl="0" indent="0" algn="ctr" defTabSz="539998" rtl="0" fontAlgn="auto" hangingPunct="1">
+                        <a:lnSpc>
+                          <a:spcPct val="90000"/>
+                        </a:lnSpc>
+                        <a:spcBef>
+                          <a:spcPts val="1000"/>
+                        </a:spcBef>
+                        <a:spcAft>
+                          <a:spcPts val="0"/>
+                        </a:spcAft>
+                        <a:buSzPct val="100000"/>
+                        <a:buFont typeface="Arial" pitchFamily="34"/>
+                        <a:buNone/>
+                        <a:tabLst/>
+                      </a:pPr>
+                      <a:r>
+                        <a:rPr lang="en-US" altLang="zh-CN" sz="1800" b="0" i="0" u="none" strike="noStrike" kern="1200" cap="none" spc="0" baseline="0">
+                          <a:solidFill>
+                            <a:srgbClr val="000000"/>
+                          </a:solidFill>
+                          <a:uFillTx/>
+                          <a:latin typeface="Consolas" pitchFamily="49"/>
+                          <a:ea typeface="微软雅黑" pitchFamily="34"/>
+                        </a:rPr>
+                        <a:t>3</a:t>
+                      </a:r>
+                      <a:endParaRPr lang="zh-CN" altLang="en-US" sz="1800" b="0" i="0" u="none" strike="noStrike" kern="1200" cap="none" spc="0" baseline="0">
+                        <a:solidFill>
+                          <a:srgbClr val="000000"/>
+                        </a:solidFill>
+                        <a:uFillTx/>
+                        <a:latin typeface="Consolas" pitchFamily="49"/>
+                        <a:ea typeface="微软雅黑" pitchFamily="34"/>
+                      </a:endParaRPr>
+                    </a:p>
+                  </a:txBody>
+                  <a:tcPr/>
+                </a:tc>
+                <a:tc>
+                  <a:txBody>
+                    <a:bodyPr/>
+                    <a:lstStyle/>
+                    <a:p>
+                      <a:pPr marL="0" marR="0" lvl="0" indent="0" algn="ctr" defTabSz="539998" rtl="0" fontAlgn="auto" hangingPunct="1">
+                        <a:lnSpc>
+                          <a:spcPct val="90000"/>
+                        </a:lnSpc>
+                        <a:spcBef>
+                          <a:spcPts val="1000"/>
+                        </a:spcBef>
+                        <a:spcAft>
+                          <a:spcPts val="0"/>
+                        </a:spcAft>
+                        <a:buSzPct val="100000"/>
+                        <a:buFont typeface="Arial" pitchFamily="34"/>
+                        <a:buNone/>
+                        <a:tabLst/>
+                      </a:pPr>
+                      <a:r>
+                        <a:rPr lang="en-US" altLang="zh-CN" sz="1800" b="0" i="0" u="none" strike="noStrike" kern="1200" cap="none" spc="0" baseline="0">
+                          <a:solidFill>
+                            <a:srgbClr val="000000"/>
+                          </a:solidFill>
+                          <a:uFillTx/>
+                          <a:latin typeface="Consolas" pitchFamily="49"/>
+                          <a:ea typeface="微软雅黑" pitchFamily="34"/>
+                        </a:rPr>
+                        <a:t>xxx100</a:t>
+                      </a:r>
+                      <a:endParaRPr lang="zh-CN" altLang="en-US" sz="1800" b="0" i="0" u="none" strike="noStrike" kern="1200" cap="none" spc="0" baseline="0">
+                        <a:solidFill>
+                          <a:srgbClr val="000000"/>
+                        </a:solidFill>
+                        <a:uFillTx/>
+                        <a:latin typeface="Consolas" pitchFamily="49"/>
+                        <a:ea typeface="微软雅黑" pitchFamily="34"/>
+                      </a:endParaRPr>
+                    </a:p>
+                  </a:txBody>
+                  <a:tcPr/>
+                </a:tc>
+                <a:tc>
+                  <a:txBody>
+                    <a:bodyPr/>
+                    <a:lstStyle/>
+                    <a:p>
+                      <a:pPr marL="0" marR="0" lvl="0" indent="0" algn="ctr" defTabSz="539998" rtl="0" fontAlgn="auto" hangingPunct="1">
+                        <a:lnSpc>
+                          <a:spcPct val="90000"/>
+                        </a:lnSpc>
+                        <a:spcBef>
+                          <a:spcPts val="1000"/>
+                        </a:spcBef>
+                        <a:spcAft>
+                          <a:spcPts val="0"/>
+                        </a:spcAft>
+                        <a:buSzPct val="100000"/>
+                        <a:buFont typeface="Arial" pitchFamily="34"/>
+                        <a:buNone/>
+                        <a:tabLst/>
+                      </a:pPr>
+                      <a:r>
+                        <a:rPr lang="en-US" altLang="zh-CN" sz="1800" b="0" i="0" u="none" strike="noStrike" kern="1200" cap="none" spc="0" baseline="0">
+                          <a:solidFill>
+                            <a:srgbClr val="000000"/>
+                          </a:solidFill>
+                          <a:uFillTx/>
+                          <a:latin typeface="Consolas" pitchFamily="49"/>
+                          <a:ea typeface="微软雅黑" pitchFamily="34"/>
+                        </a:rPr>
+                        <a:t>TCG</a:t>
+                      </a:r>
+                      <a:endParaRPr lang="zh-CN" altLang="en-US" sz="1800" b="0" i="0" u="none" strike="noStrike" kern="1200" cap="none" spc="0" baseline="0">
+                        <a:solidFill>
+                          <a:srgbClr val="000000"/>
+                        </a:solidFill>
+                        <a:uFillTx/>
+                        <a:latin typeface="Consolas" pitchFamily="49"/>
+                        <a:ea typeface="微软雅黑" pitchFamily="34"/>
+                      </a:endParaRPr>
+                    </a:p>
+                  </a:txBody>
+                  <a:tcPr/>
+                </a:tc>
+                <a:tc>
+                  <a:txBody>
+                    <a:bodyPr/>
+                    <a:lstStyle/>
+                    <a:p>
+                      <a:pPr marL="0" marR="0" lvl="0" indent="0" algn="ctr" defTabSz="539998" rtl="0" fontAlgn="auto" hangingPunct="1">
+                        <a:lnSpc>
+                          <a:spcPct val="90000"/>
+                        </a:lnSpc>
+                        <a:spcBef>
+                          <a:spcPts val="1000"/>
+                        </a:spcBef>
+                        <a:spcAft>
+                          <a:spcPts val="0"/>
+                        </a:spcAft>
+                        <a:buSzPct val="100000"/>
+                        <a:buFont typeface="Arial" pitchFamily="34"/>
+                        <a:buNone/>
+                        <a:tabLst/>
+                      </a:pPr>
+                      <a:r>
+                        <a:rPr lang="en-US" altLang="zh-CN" sz="1800" b="0" i="0" u="none" strike="noStrike" kern="1200" cap="none" spc="0" baseline="0">
+                          <a:solidFill>
+                            <a:srgbClr val="000000"/>
+                          </a:solidFill>
+                          <a:uFillTx/>
+                          <a:latin typeface="Consolas" pitchFamily="49"/>
+                          <a:ea typeface="微软雅黑" pitchFamily="34"/>
+                        </a:rPr>
+                        <a:t>T</a:t>
+                      </a:r>
+                      <a:endParaRPr lang="zh-CN" altLang="en-US" sz="1800" b="0" i="0" u="none" strike="noStrike" kern="1200" cap="none" spc="0" baseline="0">
+                        <a:solidFill>
+                          <a:srgbClr val="000000"/>
+                        </a:solidFill>
+                        <a:uFillTx/>
+                        <a:latin typeface="Consolas" pitchFamily="49"/>
+                        <a:ea typeface="微软雅黑" pitchFamily="34"/>
+                      </a:endParaRPr>
+                    </a:p>
+                  </a:txBody>
+                  <a:tcPr/>
+                </a:tc>
+                <a:tc>
+                  <a:txBody>
+                    <a:bodyPr/>
+                    <a:lstStyle/>
+                    <a:p>
+                      <a:pPr marL="0" marR="0" lvl="0" indent="0" algn="ctr" defTabSz="539998" rtl="0" fontAlgn="auto" hangingPunct="1">
+                        <a:lnSpc>
+                          <a:spcPct val="90000"/>
+                        </a:lnSpc>
+                        <a:spcBef>
+                          <a:spcPts val="1000"/>
+                        </a:spcBef>
+                        <a:spcAft>
+                          <a:spcPts val="0"/>
+                        </a:spcAft>
+                        <a:buSzPct val="100000"/>
+                        <a:buFont typeface="Arial" pitchFamily="34"/>
+                        <a:buNone/>
+                        <a:tabLst/>
+                      </a:pPr>
+                      <a:r>
+                        <a:rPr lang="en-US" altLang="zh-CN" sz="1800" b="0" i="0" u="none" strike="noStrike" kern="1200" cap="none" spc="0" baseline="0">
+                          <a:solidFill>
+                            <a:srgbClr val="000000"/>
+                          </a:solidFill>
+                          <a:uFillTx/>
+                          <a:latin typeface="Consolas" pitchFamily="49"/>
+                          <a:ea typeface="微软雅黑" pitchFamily="34"/>
+                        </a:rPr>
+                        <a:t>deletion</a:t>
+                      </a:r>
+                      <a:endParaRPr lang="zh-CN" altLang="en-US" sz="1800" b="0" i="0" u="none" strike="noStrike" kern="1200" cap="none" spc="0" baseline="0">
+                        <a:solidFill>
+                          <a:srgbClr val="000000"/>
+                        </a:solidFill>
+                        <a:uFillTx/>
+                        <a:latin typeface="Consolas" pitchFamily="49"/>
+                        <a:ea typeface="微软雅黑" pitchFamily="34"/>
+                      </a:endParaRPr>
+                    </a:p>
+                  </a:txBody>
+                  <a:tcPr/>
+                </a:tc>
+                <a:extLst>
+                  <a:ext uri="{0D108BD9-81ED-4DB2-BD59-A6C34878D82A}">
+                    <a16:rowId xmlns:a16="http://schemas.microsoft.com/office/drawing/2014/main" val="4264729732"/>
+                  </a:ext>
+                </a:extLst>
+              </a:tr>
+            </a:tbl>
+          </a:graphicData>
+        </a:graphic>
+      </p:graphicFrame>
+      <p:sp>
+        <p:nvSpPr>
+          <p:cNvPr id="8" name="副标题 2">
+            <a:extLst>
+              <a:ext uri="{FF2B5EF4-FFF2-40B4-BE49-F238E27FC236}">
+                <a16:creationId xmlns:a16="http://schemas.microsoft.com/office/drawing/2014/main" id="{44454878-0297-452F-8605-93B10772F9FE}"/>
+              </a:ext>
+            </a:extLst>
+          </p:cNvPr>
+          <p:cNvSpPr txBox="1">
+            <a:spLocks/>
+          </p:cNvSpPr>
+          <p:nvPr/>
+        </p:nvSpPr>
+        <p:spPr>
+          <a:xfrm>
+            <a:off x="8220974" y="-1"/>
+            <a:ext cx="3971026" cy="313932"/>
+          </a:xfrm>
+          <a:prstGeom prst="rect">
+            <a:avLst/>
+          </a:prstGeom>
+          <a:noFill/>
+          <a:ln>
+            <a:noFill/>
+          </a:ln>
+        </p:spPr>
+        <p:txBody>
+          <a:bodyPr vert="horz" wrap="square" lIns="91440" tIns="45720" rIns="91440" bIns="45720" anchor="t" anchorCtr="1" compatLnSpc="1">
+            <a:spAutoFit/>
+          </a:bodyPr>
+          <a:lstStyle>
+            <a:lvl1pPr marL="0" marR="0" lvl="0" indent="0" algn="ctr" defTabSz="539998" rtl="0" fontAlgn="auto" hangingPunct="1">
+              <a:lnSpc>
+                <a:spcPct val="90000"/>
+              </a:lnSpc>
+              <a:spcBef>
+                <a:spcPts val="1000"/>
+              </a:spcBef>
+              <a:spcAft>
+                <a:spcPts val="0"/>
+              </a:spcAft>
+              <a:buSzPct val="100000"/>
+              <a:buFont typeface="Arial" pitchFamily="34"/>
+              <a:buNone/>
+              <a:tabLst/>
+              <a:defRPr lang="zh-CN" sz="2400" b="0" i="0" u="none" strike="noStrike" kern="1200" cap="none" spc="0" baseline="0">
+                <a:solidFill>
+                  <a:srgbClr val="000000"/>
+                </a:solidFill>
+                <a:uFillTx/>
+                <a:latin typeface="Consolas" pitchFamily="49"/>
+                <a:ea typeface="微软雅黑" pitchFamily="34"/>
+              </a:defRPr>
+            </a:lvl1pPr>
+            <a:lvl2pPr marL="685800" marR="0" lvl="1" indent="-228600" algn="l" defTabSz="539998" rtl="0" fontAlgn="auto" hangingPunct="1">
+              <a:lnSpc>
+                <a:spcPct val="90000"/>
+              </a:lnSpc>
+              <a:spcBef>
+                <a:spcPts val="500"/>
+              </a:spcBef>
+              <a:spcAft>
+                <a:spcPts val="0"/>
+              </a:spcAft>
+              <a:buSzPct val="100000"/>
+              <a:buFont typeface="Arial" pitchFamily="34"/>
+              <a:buChar char="•"/>
+              <a:tabLst/>
+              <a:defRPr lang="zh-CN" sz="2400" b="0" i="0" u="none" strike="noStrike" kern="1200" cap="none" spc="0" baseline="0">
+                <a:solidFill>
+                  <a:srgbClr val="000000"/>
+                </a:solidFill>
+                <a:uFillTx/>
+                <a:latin typeface="Consolas" pitchFamily="49"/>
+                <a:ea typeface="微软雅黑" pitchFamily="34"/>
+              </a:defRPr>
+            </a:lvl2pPr>
+            <a:lvl3pPr marL="1143000" marR="0" lvl="2" indent="-228600" algn="l" defTabSz="539998" rtl="0" fontAlgn="auto" hangingPunct="1">
+              <a:lnSpc>
+                <a:spcPct val="90000"/>
+              </a:lnSpc>
+              <a:spcBef>
+                <a:spcPts val="500"/>
+              </a:spcBef>
+              <a:spcAft>
+                <a:spcPts val="0"/>
+              </a:spcAft>
+              <a:buSzPct val="100000"/>
+              <a:buFont typeface="Arial" pitchFamily="34"/>
+              <a:buChar char="•"/>
+              <a:tabLst/>
+              <a:defRPr lang="zh-CN" sz="2000" b="0" i="0" u="none" strike="noStrike" kern="1200" cap="none" spc="0" baseline="0">
+                <a:solidFill>
+                  <a:srgbClr val="000000"/>
+                </a:solidFill>
+                <a:uFillTx/>
+                <a:latin typeface="Consolas" pitchFamily="49"/>
+                <a:ea typeface="微软雅黑" pitchFamily="34"/>
+              </a:defRPr>
+            </a:lvl3pPr>
+            <a:lvl4pPr marL="1600200" marR="0" lvl="3" indent="-228600" algn="l" defTabSz="539998" rtl="0" fontAlgn="auto" hangingPunct="1">
+              <a:lnSpc>
+                <a:spcPct val="90000"/>
+              </a:lnSpc>
+              <a:spcBef>
+                <a:spcPts val="500"/>
+              </a:spcBef>
+              <a:spcAft>
+                <a:spcPts val="0"/>
+              </a:spcAft>
+              <a:buSzPct val="100000"/>
+              <a:buFont typeface="Arial" pitchFamily="34"/>
+              <a:buChar char="•"/>
+              <a:tabLst/>
+              <a:defRPr lang="zh-CN" sz="1800" b="0" i="0" u="none" strike="noStrike" kern="1200" cap="none" spc="0" baseline="0">
+                <a:solidFill>
+                  <a:srgbClr val="000000"/>
+                </a:solidFill>
+                <a:uFillTx/>
+                <a:latin typeface="Consolas" pitchFamily="49"/>
+                <a:ea typeface="微软雅黑" pitchFamily="34"/>
+              </a:defRPr>
+            </a:lvl4pPr>
+            <a:lvl5pPr marL="2057400" marR="0" lvl="4" indent="-228600" algn="l" defTabSz="539998" rtl="0" fontAlgn="auto" hangingPunct="1">
+              <a:lnSpc>
+                <a:spcPct val="90000"/>
+              </a:lnSpc>
+              <a:spcBef>
+                <a:spcPts val="500"/>
+              </a:spcBef>
+              <a:spcAft>
+                <a:spcPts val="0"/>
+              </a:spcAft>
+              <a:buSzPct val="100000"/>
+              <a:buFont typeface="Arial" pitchFamily="34"/>
+              <a:buChar char="•"/>
+              <a:tabLst/>
+              <a:defRPr lang="zh-CN" sz="1800" b="0" i="0" u="none" strike="noStrike" kern="1200" cap="none" spc="0" baseline="0">
+                <a:solidFill>
+                  <a:srgbClr val="000000"/>
+                </a:solidFill>
+                <a:uFillTx/>
+                <a:latin typeface="Consolas" pitchFamily="49"/>
+                <a:ea typeface="微软雅黑" pitchFamily="34"/>
+              </a:defRPr>
+            </a:lvl5pPr>
+            <a:lvl6pPr marL="2514600" indent="-228600" algn="l" defTabSz="914400" rtl="0" eaLnBrk="1" latinLnBrk="0" hangingPunct="1">
+              <a:lnSpc>
+                <a:spcPct val="90000"/>
+              </a:lnSpc>
+              <a:spcBef>
+                <a:spcPts val="500"/>
+              </a:spcBef>
+              <a:buFont typeface="Arial" panose="020B0604020202020204" pitchFamily="34" charset="0"/>
+              <a:buChar char="•"/>
+              <a:defRPr sz="1800" kern="1200">
+                <a:solidFill>
+                  <a:schemeClr val="tx1"/>
+                </a:solidFill>
+                <a:latin typeface="+mn-lt"/>
+                <a:ea typeface="+mn-ea"/>
+                <a:cs typeface="+mn-cs"/>
+              </a:defRPr>
+            </a:lvl6pPr>
+            <a:lvl7pPr marL="2971800" indent="-228600" algn="l" defTabSz="914400" rtl="0" eaLnBrk="1" latinLnBrk="0" hangingPunct="1">
+              <a:lnSpc>
+                <a:spcPct val="90000"/>
+              </a:lnSpc>
+              <a:spcBef>
+                <a:spcPts val="500"/>
+              </a:spcBef>
+              <a:buFont typeface="Arial" panose="020B0604020202020204" pitchFamily="34" charset="0"/>
+              <a:buChar char="•"/>
+              <a:defRPr sz="1800" kern="1200">
+                <a:solidFill>
+                  <a:schemeClr val="tx1"/>
+                </a:solidFill>
+                <a:latin typeface="+mn-lt"/>
+                <a:ea typeface="+mn-ea"/>
+                <a:cs typeface="+mn-cs"/>
+              </a:defRPr>
+            </a:lvl7pPr>
+            <a:lvl8pPr marL="3429000" indent="-228600" algn="l" defTabSz="914400" rtl="0" eaLnBrk="1" latinLnBrk="0" hangingPunct="1">
+              <a:lnSpc>
+                <a:spcPct val="90000"/>
+              </a:lnSpc>
+              <a:spcBef>
+                <a:spcPts val="500"/>
+              </a:spcBef>
+              <a:buFont typeface="Arial" panose="020B0604020202020204" pitchFamily="34" charset="0"/>
+              <a:buChar char="•"/>
+              <a:defRPr sz="1800" kern="1200">
+                <a:solidFill>
+                  <a:schemeClr val="tx1"/>
+                </a:solidFill>
+                <a:latin typeface="+mn-lt"/>
+                <a:ea typeface="+mn-ea"/>
+                <a:cs typeface="+mn-cs"/>
+              </a:defRPr>
+            </a:lvl8pPr>
+            <a:lvl9pPr marL="3886200" indent="-228600" algn="l" defTabSz="914400" rtl="0" eaLnBrk="1" latinLnBrk="0" hangingPunct="1">
+              <a:lnSpc>
+                <a:spcPct val="90000"/>
+              </a:lnSpc>
+              <a:spcBef>
+                <a:spcPts val="500"/>
+              </a:spcBef>
+              <a:buFont typeface="Arial" panose="020B0604020202020204" pitchFamily="34" charset="0"/>
+              <a:buChar char="•"/>
+              <a:defRPr sz="1800" kern="1200">
+                <a:solidFill>
+                  <a:schemeClr val="tx1"/>
+                </a:solidFill>
+                <a:latin typeface="+mn-lt"/>
+                <a:ea typeface="+mn-ea"/>
+                <a:cs typeface="+mn-cs"/>
+              </a:defRPr>
+            </a:lvl9pPr>
+          </a:lstStyle>
+          <a:p>
+            <a:r>
+              <a:rPr lang="en-US" sz="1600"/>
+              <a:t>Length of Given Reads: 70bp</a:t>
+            </a:r>
+          </a:p>
+        </p:txBody>
+      </p:sp>
+      <p:graphicFrame>
+        <p:nvGraphicFramePr>
+          <p:cNvPr id="9" name="表格 7">
+            <a:extLst>
+              <a:ext uri="{FF2B5EF4-FFF2-40B4-BE49-F238E27FC236}">
+                <a16:creationId xmlns:a16="http://schemas.microsoft.com/office/drawing/2014/main" id="{660C7F5E-436F-4EC4-86FD-4BC2C184E58C}"/>
+              </a:ext>
+            </a:extLst>
+          </p:cNvPr>
+          <p:cNvGraphicFramePr>
+            <a:graphicFrameLocks noGrp="1"/>
+          </p:cNvGraphicFramePr>
+          <p:nvPr/>
+        </p:nvGraphicFramePr>
+        <p:xfrm>
+          <a:off x="1019355" y="4583334"/>
+          <a:ext cx="10153290" cy="1697736"/>
+        </p:xfrm>
+        <a:graphic>
+          <a:graphicData uri="http://schemas.openxmlformats.org/drawingml/2006/table">
+            <a:tbl>
+              <a:tblPr firstRow="1" bandRow="1">
+                <a:tableStyleId>{5940675A-B579-460E-94D1-54222C63F5DA}</a:tableStyleId>
+              </a:tblPr>
+              <a:tblGrid>
+                <a:gridCol w="1725284">
+                  <a:extLst>
+                    <a:ext uri="{9D8B030D-6E8A-4147-A177-3AD203B41FA5}">
+                      <a16:colId xmlns:a16="http://schemas.microsoft.com/office/drawing/2014/main" val="1396362083"/>
+                    </a:ext>
+                  </a:extLst>
+                </a:gridCol>
+                <a:gridCol w="4214003">
+                  <a:extLst>
+                    <a:ext uri="{9D8B030D-6E8A-4147-A177-3AD203B41FA5}">
+                      <a16:colId xmlns:a16="http://schemas.microsoft.com/office/drawing/2014/main" val="1498236489"/>
+                    </a:ext>
+                  </a:extLst>
+                </a:gridCol>
+                <a:gridCol w="4214003">
+                  <a:extLst>
+                    <a:ext uri="{9D8B030D-6E8A-4147-A177-3AD203B41FA5}">
+                      <a16:colId xmlns:a16="http://schemas.microsoft.com/office/drawing/2014/main" val="1292628694"/>
+                    </a:ext>
+                  </a:extLst>
+                </a:gridCol>
+              </a:tblGrid>
+              <a:tr h="370840">
+                <a:tc>
+                  <a:txBody>
+                    <a:bodyPr/>
+                    <a:lstStyle/>
+                    <a:p>
+                      <a:pPr marL="0" marR="0" lvl="0" indent="0" algn="ctr" defTabSz="539998" rtl="0" fontAlgn="auto" hangingPunct="1">
+                        <a:lnSpc>
+                          <a:spcPct val="90000"/>
+                        </a:lnSpc>
+                        <a:spcBef>
+                          <a:spcPts val="1000"/>
+                        </a:spcBef>
+                        <a:spcAft>
+                          <a:spcPts val="0"/>
+                        </a:spcAft>
+                        <a:buSzPct val="100000"/>
+                        <a:buFont typeface="Arial" pitchFamily="34"/>
+                        <a:buNone/>
+                        <a:tabLst/>
+                      </a:pPr>
+                      <a:r>
+                        <a:rPr lang="en-US" altLang="zh-CN" sz="1800" b="0" i="0" u="none" strike="noStrike" kern="1200" cap="none" spc="0" baseline="0">
+                          <a:solidFill>
+                            <a:schemeClr val="bg1"/>
+                          </a:solidFill>
+                          <a:uFillTx/>
+                          <a:latin typeface="Consolas" pitchFamily="49"/>
+                          <a:ea typeface="微软雅黑" pitchFamily="34"/>
+                        </a:rPr>
+                        <a:t>id</a:t>
+                      </a:r>
+                      <a:endParaRPr lang="zh-CN" altLang="en-US" sz="1800" b="0" i="0" u="none" strike="noStrike" kern="1200" cap="none" spc="0" baseline="0">
+                        <a:solidFill>
+                          <a:schemeClr val="bg1"/>
+                        </a:solidFill>
+                        <a:uFillTx/>
+                        <a:latin typeface="Consolas" pitchFamily="49"/>
+                        <a:ea typeface="微软雅黑" pitchFamily="34"/>
+                      </a:endParaRPr>
+                    </a:p>
+                  </a:txBody>
+                  <a:tcPr>
+                    <a:solidFill>
+                      <a:srgbClr val="1CB0A2"/>
+                    </a:solidFill>
+                  </a:tcPr>
+                </a:tc>
+                <a:tc>
+                  <a:txBody>
+                    <a:bodyPr/>
+                    <a:lstStyle/>
+                    <a:p>
+                      <a:pPr marL="0" marR="0" lvl="0" indent="0" algn="ctr" defTabSz="539998" rtl="0" fontAlgn="auto" hangingPunct="1">
+                        <a:lnSpc>
+                          <a:spcPct val="90000"/>
+                        </a:lnSpc>
+                        <a:spcBef>
+                          <a:spcPts val="1000"/>
+                        </a:spcBef>
+                        <a:spcAft>
+                          <a:spcPts val="0"/>
+                        </a:spcAft>
+                        <a:buSzPct val="100000"/>
+                        <a:buFont typeface="Arial" pitchFamily="34"/>
+                        <a:buNone/>
+                        <a:tabLst/>
+                      </a:pPr>
+                      <a:r>
+                        <a:rPr lang="en-US" altLang="zh-CN" sz="1800" b="0" i="0" u="none" strike="noStrike" kern="1200" cap="none" spc="0" baseline="0">
+                          <a:solidFill>
+                            <a:schemeClr val="bg1"/>
+                          </a:solidFill>
+                          <a:uFillTx/>
+                          <a:latin typeface="Consolas" pitchFamily="49"/>
+                          <a:ea typeface="微软雅黑" pitchFamily="34"/>
+                        </a:rPr>
+                        <a:t>bases around pos before integration</a:t>
+                      </a:r>
+                      <a:endParaRPr lang="zh-CN" altLang="en-US" sz="1800" b="0" i="0" u="none" strike="noStrike" kern="1200" cap="none" spc="0" baseline="0">
+                        <a:solidFill>
+                          <a:schemeClr val="bg1"/>
+                        </a:solidFill>
+                        <a:uFillTx/>
+                        <a:latin typeface="Consolas" pitchFamily="49"/>
+                        <a:ea typeface="微软雅黑" pitchFamily="34"/>
+                      </a:endParaRPr>
+                    </a:p>
+                  </a:txBody>
+                  <a:tcPr>
+                    <a:solidFill>
+                      <a:srgbClr val="1CB0A2"/>
+                    </a:solidFill>
+                  </a:tcPr>
+                </a:tc>
+                <a:tc>
+                  <a:txBody>
+                    <a:bodyPr/>
+                    <a:lstStyle/>
+                    <a:p>
+                      <a:pPr marL="0" marR="0" lvl="0" indent="0" algn="ctr" defTabSz="539998" rtl="0" fontAlgn="auto" hangingPunct="1">
+                        <a:lnSpc>
+                          <a:spcPct val="90000"/>
+                        </a:lnSpc>
+                        <a:spcBef>
+                          <a:spcPts val="1000"/>
+                        </a:spcBef>
+                        <a:spcAft>
+                          <a:spcPts val="0"/>
+                        </a:spcAft>
+                        <a:buSzPct val="100000"/>
+                        <a:buFont typeface="Arial" pitchFamily="34"/>
+                        <a:buNone/>
+                        <a:tabLst/>
+                      </a:pPr>
+                      <a:r>
+                        <a:rPr lang="en-US" altLang="zh-CN" sz="1800" b="0" i="0" u="none" strike="noStrike" kern="1200" cap="none" spc="0" baseline="0">
+                          <a:solidFill>
+                            <a:schemeClr val="bg1"/>
+                          </a:solidFill>
+                          <a:uFillTx/>
+                          <a:latin typeface="Consolas" pitchFamily="49"/>
+                          <a:ea typeface="微软雅黑" pitchFamily="34"/>
+                        </a:rPr>
+                        <a:t>bases around pos after integration</a:t>
+                      </a:r>
+                      <a:endParaRPr lang="zh-CN" altLang="en-US" sz="1800" b="0" i="0" u="none" strike="noStrike" kern="1200" cap="none" spc="0" baseline="0">
+                        <a:solidFill>
+                          <a:schemeClr val="bg1"/>
+                        </a:solidFill>
+                        <a:uFillTx/>
+                        <a:latin typeface="Consolas" pitchFamily="49"/>
+                        <a:ea typeface="微软雅黑" pitchFamily="34"/>
+                      </a:endParaRPr>
+                    </a:p>
+                  </a:txBody>
+                  <a:tcPr>
+                    <a:solidFill>
+                      <a:srgbClr val="1CB0A2"/>
+                    </a:solidFill>
+                  </a:tcPr>
+                </a:tc>
+                <a:extLst>
+                  <a:ext uri="{0D108BD9-81ED-4DB2-BD59-A6C34878D82A}">
+                    <a16:rowId xmlns:a16="http://schemas.microsoft.com/office/drawing/2014/main" val="3671342572"/>
+                  </a:ext>
+                </a:extLst>
+              </a:tr>
+              <a:tr h="370840">
+                <a:tc>
+                  <a:txBody>
+                    <a:bodyPr/>
+                    <a:lstStyle/>
+                    <a:p>
+                      <a:pPr marL="0" marR="0" lvl="0" indent="0" algn="ctr" defTabSz="539998" rtl="0" fontAlgn="auto" hangingPunct="1">
+                        <a:lnSpc>
+                          <a:spcPct val="90000"/>
+                        </a:lnSpc>
+                        <a:spcBef>
+                          <a:spcPts val="1000"/>
+                        </a:spcBef>
+                        <a:spcAft>
+                          <a:spcPts val="0"/>
+                        </a:spcAft>
+                        <a:buSzPct val="100000"/>
+                        <a:buFont typeface="Arial" pitchFamily="34"/>
+                        <a:buNone/>
+                        <a:tabLst/>
+                      </a:pPr>
+                      <a:r>
+                        <a:rPr lang="en-US" altLang="zh-CN" sz="1800" b="0" i="0" u="none" strike="noStrike" kern="1200" cap="none" spc="0" baseline="0">
+                          <a:solidFill>
+                            <a:srgbClr val="000000"/>
+                          </a:solidFill>
+                          <a:uFillTx/>
+                          <a:latin typeface="Consolas" pitchFamily="49"/>
+                          <a:ea typeface="微软雅黑" pitchFamily="34"/>
+                        </a:rPr>
+                        <a:t>1</a:t>
+                      </a:r>
+                      <a:endParaRPr lang="zh-CN" altLang="en-US" sz="1800" b="0" i="0" u="none" strike="noStrike" kern="1200" cap="none" spc="0" baseline="0">
+                        <a:solidFill>
+                          <a:srgbClr val="000000"/>
+                        </a:solidFill>
+                        <a:uFillTx/>
+                        <a:latin typeface="Consolas" pitchFamily="49"/>
+                        <a:ea typeface="微软雅黑" pitchFamily="34"/>
+                      </a:endParaRPr>
+                    </a:p>
+                  </a:txBody>
+                  <a:tcPr/>
+                </a:tc>
+                <a:tc>
+                  <a:txBody>
+                    <a:bodyPr/>
+                    <a:lstStyle/>
+                    <a:p>
+                      <a:pPr marL="0" marR="0" lvl="0" indent="0" algn="ctr" defTabSz="539998" rtl="0" fontAlgn="auto" hangingPunct="1">
+                        <a:lnSpc>
+                          <a:spcPct val="90000"/>
+                        </a:lnSpc>
+                        <a:spcBef>
+                          <a:spcPts val="1000"/>
+                        </a:spcBef>
+                        <a:spcAft>
+                          <a:spcPts val="0"/>
+                        </a:spcAft>
+                        <a:buSzPct val="100000"/>
+                        <a:buFont typeface="Arial" pitchFamily="34"/>
+                        <a:buNone/>
+                        <a:tabLst/>
+                      </a:pPr>
+                      <a:r>
+                        <a:rPr lang="en-US" altLang="zh-CN" sz="1800" b="0" i="0" u="none" strike="noStrike" kern="1200" cap="none" spc="0" baseline="0">
+                          <a:solidFill>
+                            <a:srgbClr val="000000"/>
+                          </a:solidFill>
+                          <a:uFillTx/>
+                          <a:latin typeface="Consolas" pitchFamily="49"/>
+                          <a:ea typeface="微软雅黑" pitchFamily="34"/>
+                        </a:rPr>
+                        <a:t>... XXXXXX C XXXXXX ...</a:t>
+                      </a:r>
+                      <a:endParaRPr lang="zh-CN" altLang="en-US" sz="1800" b="0" i="0" u="none" strike="noStrike" kern="1200" cap="none" spc="0" baseline="0">
+                        <a:solidFill>
+                          <a:srgbClr val="000000"/>
+                        </a:solidFill>
+                        <a:uFillTx/>
+                        <a:latin typeface="Consolas" pitchFamily="49"/>
+                        <a:ea typeface="微软雅黑" pitchFamily="34"/>
+                      </a:endParaRPr>
+                    </a:p>
+                  </a:txBody>
+                  <a:tcPr/>
+                </a:tc>
+                <a:tc>
+                  <a:txBody>
+                    <a:bodyPr/>
+                    <a:lstStyle/>
+                    <a:p>
+                      <a:pPr marL="0" marR="0" lvl="0" indent="0" algn="ctr" defTabSz="539998" rtl="0" fontAlgn="auto" hangingPunct="1">
+                        <a:lnSpc>
+                          <a:spcPct val="90000"/>
+                        </a:lnSpc>
+                        <a:spcBef>
+                          <a:spcPts val="1000"/>
+                        </a:spcBef>
+                        <a:spcAft>
+                          <a:spcPts val="0"/>
+                        </a:spcAft>
+                        <a:buSzPct val="100000"/>
+                        <a:buFont typeface="Arial" pitchFamily="34"/>
+                        <a:buNone/>
+                        <a:tabLst/>
+                      </a:pPr>
+                      <a:r>
+                        <a:rPr lang="en-US" altLang="zh-CN" sz="1800" b="0" i="0" u="none" strike="noStrike" kern="1200" cap="none" spc="0" baseline="0">
+                          <a:solidFill>
+                            <a:srgbClr val="000000"/>
+                          </a:solidFill>
+                          <a:uFillTx/>
+                          <a:latin typeface="Consolas" pitchFamily="49"/>
+                          <a:ea typeface="微软雅黑" pitchFamily="34"/>
+                        </a:rPr>
+                        <a:t>... XXXXXX T XXXXXX ...</a:t>
+                      </a:r>
+                      <a:endParaRPr lang="zh-CN" altLang="en-US" sz="1800" b="0" i="0" u="none" strike="noStrike" kern="1200" cap="none" spc="0" baseline="0">
+                        <a:solidFill>
+                          <a:srgbClr val="000000"/>
+                        </a:solidFill>
+                        <a:uFillTx/>
+                        <a:latin typeface="Consolas" pitchFamily="49"/>
+                        <a:ea typeface="微软雅黑" pitchFamily="34"/>
+                      </a:endParaRPr>
+                    </a:p>
+                  </a:txBody>
+                  <a:tcPr/>
+                </a:tc>
+                <a:extLst>
+                  <a:ext uri="{0D108BD9-81ED-4DB2-BD59-A6C34878D82A}">
+                    <a16:rowId xmlns:a16="http://schemas.microsoft.com/office/drawing/2014/main" val="4006098001"/>
+                  </a:ext>
+                </a:extLst>
+              </a:tr>
+              <a:tr h="370840">
+                <a:tc>
+                  <a:txBody>
+                    <a:bodyPr/>
+                    <a:lstStyle/>
+                    <a:p>
+                      <a:pPr marL="0" marR="0" lvl="0" indent="0" algn="ctr" defTabSz="539998" rtl="0" fontAlgn="auto" hangingPunct="1">
+                        <a:lnSpc>
+                          <a:spcPct val="90000"/>
+                        </a:lnSpc>
+                        <a:spcBef>
+                          <a:spcPts val="1000"/>
+                        </a:spcBef>
+                        <a:spcAft>
+                          <a:spcPts val="0"/>
+                        </a:spcAft>
+                        <a:buSzPct val="100000"/>
+                        <a:buFont typeface="Arial" pitchFamily="34"/>
+                        <a:buNone/>
+                        <a:tabLst/>
+                      </a:pPr>
+                      <a:r>
+                        <a:rPr lang="en-US" altLang="zh-CN" sz="1800" b="0" i="0" u="none" strike="noStrike" kern="1200" cap="none" spc="0" baseline="0">
+                          <a:solidFill>
+                            <a:srgbClr val="000000"/>
+                          </a:solidFill>
+                          <a:uFillTx/>
+                          <a:latin typeface="Consolas" pitchFamily="49"/>
+                          <a:ea typeface="微软雅黑" pitchFamily="34"/>
+                        </a:rPr>
+                        <a:t>2</a:t>
+                      </a:r>
+                      <a:endParaRPr lang="zh-CN" altLang="en-US" sz="1800" b="0" i="0" u="none" strike="noStrike" kern="1200" cap="none" spc="0" baseline="0">
+                        <a:solidFill>
+                          <a:srgbClr val="000000"/>
+                        </a:solidFill>
+                        <a:uFillTx/>
+                        <a:latin typeface="Consolas" pitchFamily="49"/>
+                        <a:ea typeface="微软雅黑" pitchFamily="34"/>
+                      </a:endParaRPr>
+                    </a:p>
+                  </a:txBody>
+                  <a:tcPr/>
+                </a:tc>
+                <a:tc>
+                  <a:txBody>
+                    <a:bodyPr/>
+                    <a:lstStyle/>
+                    <a:p>
+                      <a:pPr marL="0" marR="0" lvl="0" indent="0" algn="ctr" defTabSz="539998" rtl="0" fontAlgn="auto" hangingPunct="1">
+                        <a:lnSpc>
+                          <a:spcPct val="90000"/>
+                        </a:lnSpc>
+                        <a:spcBef>
+                          <a:spcPts val="1000"/>
+                        </a:spcBef>
+                        <a:spcAft>
+                          <a:spcPts val="0"/>
+                        </a:spcAft>
+                        <a:buSzPct val="100000"/>
+                        <a:buFont typeface="Arial" pitchFamily="34"/>
+                        <a:buNone/>
+                        <a:tabLst/>
+                      </a:pPr>
+                      <a:r>
+                        <a:rPr lang="en-US" altLang="zh-CN" sz="1800" b="0" i="0" u="none" strike="noStrike" kern="1200" cap="none" spc="0" baseline="0">
+                          <a:solidFill>
+                            <a:srgbClr val="000000"/>
+                          </a:solidFill>
+                          <a:uFillTx/>
+                          <a:latin typeface="Consolas" pitchFamily="49"/>
+                          <a:ea typeface="微软雅黑" pitchFamily="34"/>
+                        </a:rPr>
+                        <a:t>... XXXXXX C XXXXXX ...</a:t>
+                      </a:r>
+                      <a:endParaRPr lang="zh-CN" altLang="en-US" sz="1800" b="0" i="0" u="none" strike="noStrike" kern="1200" cap="none" spc="0" baseline="0">
+                        <a:solidFill>
+                          <a:srgbClr val="000000"/>
+                        </a:solidFill>
+                        <a:uFillTx/>
+                        <a:latin typeface="Consolas" pitchFamily="49"/>
+                        <a:ea typeface="微软雅黑" pitchFamily="34"/>
+                      </a:endParaRPr>
+                    </a:p>
+                  </a:txBody>
+                  <a:tcPr/>
+                </a:tc>
+                <a:tc>
+                  <a:txBody>
+                    <a:bodyPr/>
+                    <a:lstStyle/>
+                    <a:p>
+                      <a:pPr marL="0" marR="0" lvl="0" indent="0" algn="ctr" defTabSz="539998" rtl="0" fontAlgn="auto" hangingPunct="1">
+                        <a:lnSpc>
+                          <a:spcPct val="90000"/>
+                        </a:lnSpc>
+                        <a:spcBef>
+                          <a:spcPts val="1000"/>
+                        </a:spcBef>
+                        <a:spcAft>
+                          <a:spcPts val="0"/>
+                        </a:spcAft>
+                        <a:buSzPct val="100000"/>
+                        <a:buFont typeface="Arial" pitchFamily="34"/>
+                        <a:buNone/>
+                        <a:tabLst/>
+                      </a:pPr>
+                      <a:r>
+                        <a:rPr lang="en-US" altLang="zh-CN" sz="1800" b="0" i="0" u="none" strike="noStrike" kern="1200" cap="none" spc="0" baseline="0">
+                          <a:solidFill>
+                            <a:srgbClr val="000000"/>
+                          </a:solidFill>
+                          <a:uFillTx/>
+                          <a:latin typeface="Consolas" pitchFamily="49"/>
+                          <a:ea typeface="微软雅黑" pitchFamily="34"/>
+                        </a:rPr>
+                        <a:t>... XXXXXX CTAG XXXXXX ...</a:t>
+                      </a:r>
+                      <a:endParaRPr lang="zh-CN" altLang="en-US" sz="1800" b="0" i="0" u="none" strike="noStrike" kern="1200" cap="none" spc="0" baseline="0">
+                        <a:solidFill>
+                          <a:srgbClr val="000000"/>
+                        </a:solidFill>
+                        <a:uFillTx/>
+                        <a:latin typeface="Consolas" pitchFamily="49"/>
+                        <a:ea typeface="微软雅黑" pitchFamily="34"/>
+                      </a:endParaRPr>
+                    </a:p>
+                  </a:txBody>
+                  <a:tcPr/>
+                </a:tc>
+                <a:extLst>
+                  <a:ext uri="{0D108BD9-81ED-4DB2-BD59-A6C34878D82A}">
+                    <a16:rowId xmlns:a16="http://schemas.microsoft.com/office/drawing/2014/main" val="847781996"/>
+                  </a:ext>
+                </a:extLst>
+              </a:tr>
+              <a:tr h="370840">
+                <a:tc>
+                  <a:txBody>
+                    <a:bodyPr/>
+                    <a:lstStyle/>
+                    <a:p>
+                      <a:pPr marL="0" marR="0" lvl="0" indent="0" algn="ctr" defTabSz="539998" rtl="0" fontAlgn="auto" hangingPunct="1">
+                        <a:lnSpc>
+                          <a:spcPct val="90000"/>
+                        </a:lnSpc>
+                        <a:spcBef>
+                          <a:spcPts val="1000"/>
+                        </a:spcBef>
+                        <a:spcAft>
+                          <a:spcPts val="0"/>
+                        </a:spcAft>
+                        <a:buSzPct val="100000"/>
+                        <a:buFont typeface="Arial" pitchFamily="34"/>
+                        <a:buNone/>
+                        <a:tabLst/>
+                      </a:pPr>
+                      <a:r>
+                        <a:rPr lang="en-US" altLang="zh-CN" sz="1800" b="0" i="0" u="none" strike="noStrike" kern="1200" cap="none" spc="0" baseline="0">
+                          <a:solidFill>
+                            <a:srgbClr val="000000"/>
+                          </a:solidFill>
+                          <a:uFillTx/>
+                          <a:latin typeface="Consolas" pitchFamily="49"/>
+                          <a:ea typeface="微软雅黑" pitchFamily="34"/>
+                        </a:rPr>
+                        <a:t>3</a:t>
+                      </a:r>
+                      <a:endParaRPr lang="zh-CN" altLang="en-US" sz="1800" b="0" i="0" u="none" strike="noStrike" kern="1200" cap="none" spc="0" baseline="0">
+                        <a:solidFill>
+                          <a:srgbClr val="000000"/>
+                        </a:solidFill>
+                        <a:uFillTx/>
+                        <a:latin typeface="Consolas" pitchFamily="49"/>
+                        <a:ea typeface="微软雅黑" pitchFamily="34"/>
+                      </a:endParaRPr>
+                    </a:p>
+                  </a:txBody>
+                  <a:tcPr/>
+                </a:tc>
+                <a:tc>
+                  <a:txBody>
+                    <a:bodyPr/>
+                    <a:lstStyle/>
+                    <a:p>
+                      <a:pPr marL="0" marR="0" lvl="0" indent="0" algn="ctr" defTabSz="539998" rtl="0" fontAlgn="auto" hangingPunct="1">
+                        <a:lnSpc>
+                          <a:spcPct val="90000"/>
+                        </a:lnSpc>
+                        <a:spcBef>
+                          <a:spcPts val="1000"/>
+                        </a:spcBef>
+                        <a:spcAft>
+                          <a:spcPts val="0"/>
+                        </a:spcAft>
+                        <a:buSzPct val="100000"/>
+                        <a:buFont typeface="Arial" pitchFamily="34"/>
+                        <a:buNone/>
+                        <a:tabLst/>
+                      </a:pPr>
+                      <a:r>
+                        <a:rPr lang="en-US" altLang="zh-CN" sz="1800" b="0" i="0" u="none" strike="noStrike" kern="1200" cap="none" spc="0" baseline="0">
+                          <a:solidFill>
+                            <a:srgbClr val="000000"/>
+                          </a:solidFill>
+                          <a:uFillTx/>
+                          <a:latin typeface="Consolas" pitchFamily="49"/>
+                          <a:ea typeface="微软雅黑" pitchFamily="34"/>
+                        </a:rPr>
+                        <a:t>... XXXXXX TCG XXXXXX ...</a:t>
+                      </a:r>
+                      <a:endParaRPr lang="zh-CN" altLang="en-US" sz="1800" b="0" i="0" u="none" strike="noStrike" kern="1200" cap="none" spc="0" baseline="0">
+                        <a:solidFill>
+                          <a:srgbClr val="000000"/>
+                        </a:solidFill>
+                        <a:uFillTx/>
+                        <a:latin typeface="Consolas" pitchFamily="49"/>
+                        <a:ea typeface="微软雅黑" pitchFamily="34"/>
+                      </a:endParaRPr>
+                    </a:p>
+                  </a:txBody>
+                  <a:tcPr/>
+                </a:tc>
+                <a:tc>
+                  <a:txBody>
+                    <a:bodyPr/>
+                    <a:lstStyle/>
+                    <a:p>
+                      <a:pPr marL="0" marR="0" lvl="0" indent="0" algn="ctr" defTabSz="539998" rtl="0" fontAlgn="auto" hangingPunct="1">
+                        <a:lnSpc>
+                          <a:spcPct val="90000"/>
+                        </a:lnSpc>
+                        <a:spcBef>
+                          <a:spcPts val="1000"/>
+                        </a:spcBef>
+                        <a:spcAft>
+                          <a:spcPts val="0"/>
+                        </a:spcAft>
+                        <a:buSzPct val="100000"/>
+                        <a:buFont typeface="Arial" pitchFamily="34"/>
+                        <a:buNone/>
+                        <a:tabLst/>
+                      </a:pPr>
+                      <a:r>
+                        <a:rPr lang="en-US" altLang="zh-CN" sz="1800" b="0" i="0" u="none" strike="noStrike" kern="1200" cap="none" spc="0" baseline="0">
+                          <a:solidFill>
+                            <a:srgbClr val="000000"/>
+                          </a:solidFill>
+                          <a:uFillTx/>
+                          <a:latin typeface="Consolas" pitchFamily="49"/>
+                          <a:ea typeface="微软雅黑" pitchFamily="34"/>
+                        </a:rPr>
+                        <a:t>... XXXXXX T XXXXXX ...</a:t>
+                      </a:r>
+                      <a:endParaRPr lang="zh-CN" altLang="en-US" sz="1800" b="0" i="0" u="none" strike="noStrike" kern="1200" cap="none" spc="0" baseline="0">
+                        <a:solidFill>
+                          <a:srgbClr val="000000"/>
+                        </a:solidFill>
+                        <a:uFillTx/>
+                        <a:latin typeface="Consolas" pitchFamily="49"/>
+                        <a:ea typeface="微软雅黑" pitchFamily="34"/>
+                      </a:endParaRPr>
+                    </a:p>
+                  </a:txBody>
+                  <a:tcPr/>
+                </a:tc>
+                <a:extLst>
+                  <a:ext uri="{0D108BD9-81ED-4DB2-BD59-A6C34878D82A}">
+                    <a16:rowId xmlns:a16="http://schemas.microsoft.com/office/drawing/2014/main" val="4264729732"/>
+                  </a:ext>
+                </a:extLst>
+              </a:tr>
+            </a:tbl>
+          </a:graphicData>
+        </a:graphic>
+      </p:graphicFrame>
+      <p:sp>
+        <p:nvSpPr>
+          <p:cNvPr id="13" name="副标题 2">
+            <a:extLst>
+              <a:ext uri="{FF2B5EF4-FFF2-40B4-BE49-F238E27FC236}">
+                <a16:creationId xmlns:a16="http://schemas.microsoft.com/office/drawing/2014/main" id="{0495A57F-D416-49CC-BA79-B7FECCC67E72}"/>
+              </a:ext>
+            </a:extLst>
+          </p:cNvPr>
+          <p:cNvSpPr txBox="1">
+            <a:spLocks/>
+          </p:cNvSpPr>
+          <p:nvPr/>
+        </p:nvSpPr>
+        <p:spPr>
+          <a:xfrm>
+            <a:off x="1" y="764402"/>
+            <a:ext cx="12192000" cy="1678408"/>
+          </a:xfrm>
+          <a:prstGeom prst="rect">
+            <a:avLst/>
+          </a:prstGeom>
+          <a:noFill/>
+          <a:ln>
+            <a:noFill/>
+          </a:ln>
+        </p:spPr>
+        <p:txBody>
+          <a:bodyPr vert="horz" wrap="square" lIns="91440" tIns="45720" rIns="91440" bIns="45720" anchor="t" anchorCtr="1" compatLnSpc="1">
+            <a:spAutoFit/>
+          </a:bodyPr>
+          <a:lstStyle>
+            <a:lvl1pPr marL="0" marR="0" lvl="0" indent="0" algn="ctr" defTabSz="539998" rtl="0" fontAlgn="auto" hangingPunct="1">
+              <a:lnSpc>
+                <a:spcPct val="90000"/>
+              </a:lnSpc>
+              <a:spcBef>
+                <a:spcPts val="1000"/>
+              </a:spcBef>
+              <a:spcAft>
+                <a:spcPts val="0"/>
+              </a:spcAft>
+              <a:buSzPct val="100000"/>
+              <a:buFont typeface="Arial" pitchFamily="34"/>
+              <a:buNone/>
+              <a:tabLst/>
+              <a:defRPr lang="zh-CN" sz="2400" b="0" i="0" u="none" strike="noStrike" kern="1200" cap="none" spc="0" baseline="0">
+                <a:solidFill>
+                  <a:srgbClr val="000000"/>
+                </a:solidFill>
+                <a:uFillTx/>
+                <a:latin typeface="Consolas" pitchFamily="49"/>
+                <a:ea typeface="微软雅黑" pitchFamily="34"/>
+              </a:defRPr>
+            </a:lvl1pPr>
+            <a:lvl2pPr marL="685800" marR="0" lvl="1" indent="-228600" algn="l" defTabSz="539998" rtl="0" fontAlgn="auto" hangingPunct="1">
+              <a:lnSpc>
+                <a:spcPct val="90000"/>
+              </a:lnSpc>
+              <a:spcBef>
+                <a:spcPts val="500"/>
+              </a:spcBef>
+              <a:spcAft>
+                <a:spcPts val="0"/>
+              </a:spcAft>
+              <a:buSzPct val="100000"/>
+              <a:buFont typeface="Arial" pitchFamily="34"/>
+              <a:buChar char="•"/>
+              <a:tabLst/>
+              <a:defRPr lang="zh-CN" sz="2400" b="0" i="0" u="none" strike="noStrike" kern="1200" cap="none" spc="0" baseline="0">
+                <a:solidFill>
+                  <a:srgbClr val="000000"/>
+                </a:solidFill>
+                <a:uFillTx/>
+                <a:latin typeface="Consolas" pitchFamily="49"/>
+                <a:ea typeface="微软雅黑" pitchFamily="34"/>
+              </a:defRPr>
+            </a:lvl2pPr>
+            <a:lvl3pPr marL="1143000" marR="0" lvl="2" indent="-228600" algn="l" defTabSz="539998" rtl="0" fontAlgn="auto" hangingPunct="1">
+              <a:lnSpc>
+                <a:spcPct val="90000"/>
+              </a:lnSpc>
+              <a:spcBef>
+                <a:spcPts val="500"/>
+              </a:spcBef>
+              <a:spcAft>
+                <a:spcPts val="0"/>
+              </a:spcAft>
+              <a:buSzPct val="100000"/>
+              <a:buFont typeface="Arial" pitchFamily="34"/>
+              <a:buChar char="•"/>
+              <a:tabLst/>
+              <a:defRPr lang="zh-CN" sz="2000" b="0" i="0" u="none" strike="noStrike" kern="1200" cap="none" spc="0" baseline="0">
+                <a:solidFill>
+                  <a:srgbClr val="000000"/>
+                </a:solidFill>
+                <a:uFillTx/>
+                <a:latin typeface="Consolas" pitchFamily="49"/>
+                <a:ea typeface="微软雅黑" pitchFamily="34"/>
+              </a:defRPr>
+            </a:lvl3pPr>
+            <a:lvl4pPr marL="1600200" marR="0" lvl="3" indent="-228600" algn="l" defTabSz="539998" rtl="0" fontAlgn="auto" hangingPunct="1">
+              <a:lnSpc>
+                <a:spcPct val="90000"/>
+              </a:lnSpc>
+              <a:spcBef>
+                <a:spcPts val="500"/>
+              </a:spcBef>
+              <a:spcAft>
+                <a:spcPts val="0"/>
+              </a:spcAft>
+              <a:buSzPct val="100000"/>
+              <a:buFont typeface="Arial" pitchFamily="34"/>
+              <a:buChar char="•"/>
+              <a:tabLst/>
+              <a:defRPr lang="zh-CN" sz="1800" b="0" i="0" u="none" strike="noStrike" kern="1200" cap="none" spc="0" baseline="0">
+                <a:solidFill>
+                  <a:srgbClr val="000000"/>
+                </a:solidFill>
+                <a:uFillTx/>
+                <a:latin typeface="Consolas" pitchFamily="49"/>
+                <a:ea typeface="微软雅黑" pitchFamily="34"/>
+              </a:defRPr>
+            </a:lvl4pPr>
+            <a:lvl5pPr marL="2057400" marR="0" lvl="4" indent="-228600" algn="l" defTabSz="539998" rtl="0" fontAlgn="auto" hangingPunct="1">
+              <a:lnSpc>
+                <a:spcPct val="90000"/>
+              </a:lnSpc>
+              <a:spcBef>
+                <a:spcPts val="500"/>
+              </a:spcBef>
+              <a:spcAft>
+                <a:spcPts val="0"/>
+              </a:spcAft>
+              <a:buSzPct val="100000"/>
+              <a:buFont typeface="Arial" pitchFamily="34"/>
+              <a:buChar char="•"/>
+              <a:tabLst/>
+              <a:defRPr lang="zh-CN" sz="1800" b="0" i="0" u="none" strike="noStrike" kern="1200" cap="none" spc="0" baseline="0">
+                <a:solidFill>
+                  <a:srgbClr val="000000"/>
+                </a:solidFill>
+                <a:uFillTx/>
+                <a:latin typeface="Consolas" pitchFamily="49"/>
+                <a:ea typeface="微软雅黑" pitchFamily="34"/>
+              </a:defRPr>
+            </a:lvl5pPr>
+            <a:lvl6pPr marL="2514600" indent="-228600" algn="l" defTabSz="914400" rtl="0" eaLnBrk="1" latinLnBrk="0" hangingPunct="1">
+              <a:lnSpc>
+                <a:spcPct val="90000"/>
+              </a:lnSpc>
+              <a:spcBef>
+                <a:spcPts val="500"/>
+              </a:spcBef>
+              <a:buFont typeface="Arial" panose="020B0604020202020204" pitchFamily="34" charset="0"/>
+              <a:buChar char="•"/>
+              <a:defRPr sz="1800" kern="1200">
+                <a:solidFill>
+                  <a:schemeClr val="tx1"/>
+                </a:solidFill>
+                <a:latin typeface="+mn-lt"/>
+                <a:ea typeface="+mn-ea"/>
+                <a:cs typeface="+mn-cs"/>
+              </a:defRPr>
+            </a:lvl6pPr>
+            <a:lvl7pPr marL="2971800" indent="-228600" algn="l" defTabSz="914400" rtl="0" eaLnBrk="1" latinLnBrk="0" hangingPunct="1">
+              <a:lnSpc>
+                <a:spcPct val="90000"/>
+              </a:lnSpc>
+              <a:spcBef>
+                <a:spcPts val="500"/>
+              </a:spcBef>
+              <a:buFont typeface="Arial" panose="020B0604020202020204" pitchFamily="34" charset="0"/>
+              <a:buChar char="•"/>
+              <a:defRPr sz="1800" kern="1200">
+                <a:solidFill>
+                  <a:schemeClr val="tx1"/>
+                </a:solidFill>
+                <a:latin typeface="+mn-lt"/>
+                <a:ea typeface="+mn-ea"/>
+                <a:cs typeface="+mn-cs"/>
+              </a:defRPr>
+            </a:lvl7pPr>
+            <a:lvl8pPr marL="3429000" indent="-228600" algn="l" defTabSz="914400" rtl="0" eaLnBrk="1" latinLnBrk="0" hangingPunct="1">
+              <a:lnSpc>
+                <a:spcPct val="90000"/>
+              </a:lnSpc>
+              <a:spcBef>
+                <a:spcPts val="500"/>
+              </a:spcBef>
+              <a:buFont typeface="Arial" panose="020B0604020202020204" pitchFamily="34" charset="0"/>
+              <a:buChar char="•"/>
+              <a:defRPr sz="1800" kern="1200">
+                <a:solidFill>
+                  <a:schemeClr val="tx1"/>
+                </a:solidFill>
+                <a:latin typeface="+mn-lt"/>
+                <a:ea typeface="+mn-ea"/>
+                <a:cs typeface="+mn-cs"/>
+              </a:defRPr>
+            </a:lvl8pPr>
+            <a:lvl9pPr marL="3886200" indent="-228600" algn="l" defTabSz="914400" rtl="0" eaLnBrk="1" latinLnBrk="0" hangingPunct="1">
+              <a:lnSpc>
+                <a:spcPct val="90000"/>
+              </a:lnSpc>
+              <a:spcBef>
+                <a:spcPts val="500"/>
+              </a:spcBef>
+              <a:buFont typeface="Arial" panose="020B0604020202020204" pitchFamily="34" charset="0"/>
+              <a:buChar char="•"/>
+              <a:defRPr sz="1800" kern="1200">
+                <a:solidFill>
+                  <a:schemeClr val="tx1"/>
+                </a:solidFill>
+                <a:latin typeface="+mn-lt"/>
+                <a:ea typeface="+mn-ea"/>
+                <a:cs typeface="+mn-cs"/>
+              </a:defRPr>
+            </a:lvl9pPr>
+          </a:lstStyle>
+          <a:p>
+            <a:pPr algn="l"/>
+            <a:r>
+              <a:rPr lang="en-US" altLang="zh-CN" sz="1600"/>
+              <a:t>- </a:t>
+            </a:r>
+            <a:r>
+              <a:rPr lang="zh-CN" altLang="en-US" sz="1600"/>
+              <a:t>简单</a:t>
+            </a:r>
+            <a:r>
+              <a:rPr lang="en-US" altLang="zh-CN" sz="1600"/>
+              <a:t>SV</a:t>
+            </a:r>
+            <a:r>
+              <a:rPr lang="zh-CN" altLang="en-US" sz="1600"/>
+              <a:t>的记录形式：</a:t>
+            </a:r>
+            <a:r>
+              <a:rPr lang="en-US" altLang="zh-CN" sz="1600"/>
+              <a:t>SV</a:t>
+            </a:r>
+            <a:r>
+              <a:rPr lang="zh-CN" altLang="en-US" sz="1600"/>
+              <a:t>类型的记录有</a:t>
+            </a:r>
+            <a:r>
+              <a:rPr lang="en-US" altLang="zh-CN" sz="1600"/>
+              <a:t>precise variation</a:t>
+            </a:r>
+            <a:r>
+              <a:rPr lang="zh-CN" altLang="en-US" sz="1600"/>
+              <a:t>和</a:t>
+            </a:r>
+            <a:r>
+              <a:rPr lang="en-US" altLang="zh-CN" sz="1600"/>
+              <a:t>imprecise variation</a:t>
+            </a:r>
+            <a:r>
+              <a:rPr lang="zh-CN" altLang="en-US" sz="1600"/>
+              <a:t>。其中</a:t>
+            </a:r>
+            <a:r>
+              <a:rPr lang="en-US" altLang="zh-CN" sz="1600"/>
+              <a:t>precise variation</a:t>
+            </a:r>
+            <a:r>
+              <a:rPr lang="zh-CN" altLang="en-US" sz="1600"/>
+              <a:t>和</a:t>
+            </a:r>
+            <a:r>
+              <a:rPr lang="en-US" altLang="zh-CN" sz="1600"/>
+              <a:t>SNP</a:t>
+            </a:r>
+            <a:r>
+              <a:rPr lang="zh-CN" altLang="en-US" sz="1600"/>
+              <a:t>的形式相同，，但是</a:t>
+            </a:r>
+            <a:r>
+              <a:rPr lang="en-US" altLang="zh-CN" sz="1600"/>
+              <a:t>imprecise variation</a:t>
+            </a:r>
+            <a:r>
+              <a:rPr lang="zh-CN" altLang="en-US" sz="1600"/>
+              <a:t>需要根据</a:t>
+            </a:r>
+            <a:r>
+              <a:rPr lang="en-US" altLang="zh-CN" sz="1600"/>
+              <a:t>vcf</a:t>
+            </a:r>
+            <a:r>
+              <a:rPr lang="zh-CN" altLang="en-US" sz="1600"/>
+              <a:t>文件的宏定义来识别，而且这类变异缺乏明确的碱基信息，所以打算将其舍弃，不做向参考基因组的整合处理</a:t>
+            </a:r>
+            <a:endParaRPr lang="en-US" altLang="zh-CN" sz="1600"/>
+          </a:p>
+          <a:p>
+            <a:pPr algn="l"/>
+            <a:r>
+              <a:rPr lang="en-US" altLang="zh-CN" sz="1600"/>
+              <a:t>- breakends</a:t>
+            </a:r>
+            <a:r>
+              <a:rPr lang="zh-CN" altLang="en-US" sz="1600"/>
+              <a:t>的记录形式：示例参考</a:t>
+            </a:r>
+            <a:r>
+              <a:rPr lang="en-US" altLang="zh-CN" sz="1600"/>
+              <a:t>official manual page 17+</a:t>
+            </a:r>
+          </a:p>
+          <a:p>
+            <a:pPr algn="l"/>
+            <a:r>
+              <a:rPr lang="zh-CN" altLang="en-US" sz="1600"/>
+              <a:t>这些记录中用到了类似</a:t>
+            </a:r>
+            <a:r>
+              <a:rPr lang="en-US" altLang="zh-CN" sz="1600"/>
+              <a:t>"C[chr2:132122["</a:t>
+            </a:r>
+            <a:r>
+              <a:rPr lang="zh-CN" altLang="en-US" sz="1600"/>
+              <a:t>的形式，表示从这条记录的位点开始接到</a:t>
+            </a:r>
+            <a:r>
+              <a:rPr lang="en-US" altLang="zh-CN" sz="1600"/>
+              <a:t>chr2</a:t>
+            </a:r>
+            <a:r>
+              <a:rPr lang="zh-CN" altLang="en-US" sz="1600"/>
+              <a:t>的</a:t>
+            </a:r>
+            <a:r>
+              <a:rPr lang="en-US" altLang="zh-CN" sz="1600"/>
+              <a:t>132122</a:t>
+            </a:r>
+            <a:r>
+              <a:rPr lang="zh-CN" altLang="en-US" sz="1600"/>
+              <a:t>往后的部分。因此也就需要实现锁定特定</a:t>
+            </a:r>
+            <a:r>
+              <a:rPr lang="en-US" altLang="zh-CN" sz="1600"/>
+              <a:t>contig</a:t>
+            </a:r>
+            <a:r>
+              <a:rPr lang="zh-CN" altLang="en-US" sz="1600"/>
+              <a:t>的特定</a:t>
+            </a:r>
+            <a:r>
+              <a:rPr lang="en-US" altLang="zh-CN" sz="1600"/>
+              <a:t>pos</a:t>
+            </a:r>
+            <a:r>
+              <a:rPr lang="zh-CN" altLang="en-US" sz="1600"/>
+              <a:t>的功能，另外</a:t>
+            </a:r>
+            <a:r>
+              <a:rPr lang="en-US" altLang="zh-CN" sz="1600"/>
+              <a:t>info</a:t>
+            </a:r>
+            <a:r>
+              <a:rPr lang="zh-CN" altLang="en-US" sz="1600"/>
+              <a:t>域中还包含类似</a:t>
+            </a:r>
+            <a:r>
+              <a:rPr lang="en-US" altLang="zh-CN" sz="1600"/>
+              <a:t>"MATED=vcf_id"</a:t>
+            </a:r>
+            <a:r>
+              <a:rPr lang="zh-CN" altLang="en-US" sz="1600"/>
+              <a:t>的形式，所以。。。实际上也需要对</a:t>
+            </a:r>
+            <a:r>
+              <a:rPr lang="en-US" altLang="zh-CN" sz="1600"/>
+              <a:t>vcf</a:t>
+            </a:r>
+            <a:r>
+              <a:rPr lang="zh-CN" altLang="en-US" sz="1600"/>
+              <a:t>的</a:t>
+            </a:r>
+            <a:r>
+              <a:rPr lang="en-US" altLang="zh-CN" sz="1600"/>
+              <a:t>id</a:t>
+            </a:r>
+            <a:r>
+              <a:rPr lang="zh-CN" altLang="en-US" sz="1600"/>
+              <a:t>建立索引</a:t>
+            </a:r>
+            <a:endParaRPr lang="en-US" altLang="zh-CN" sz="1600"/>
+          </a:p>
+        </p:txBody>
+      </p:sp>
+    </p:spTree>
+    <p:extLst>
+      <p:ext uri="{BB962C8B-B14F-4D97-AF65-F5344CB8AC3E}">
+        <p14:creationId xmlns:p14="http://schemas.microsoft.com/office/powerpoint/2010/main" val="2850171401"/>
+      </p:ext>
+    </p:extLst>
+  </p:cSld>
+  <p:clrMapOvr>
+    <a:masterClrMapping/>
+  </p:clrMapOvr>
+</p:sld>
+</file>
+
+<file path=ppt/slides/slide12.xml><?xml version="1.0" encoding="utf-8"?>
+<p:sld xmlns:a="http://schemas.openxmlformats.org/drawingml/2006/main" xmlns:r="http://schemas.openxmlformats.org/officeDocument/2006/relationships" xmlns:p="http://schemas.openxmlformats.org/presentationml/2006/main">
+  <p:cSld name="Slide12">
+    <p:spTree>
+      <p:nvGrpSpPr>
+        <p:cNvPr id="1" name=""/>
+        <p:cNvGrpSpPr/>
+        <p:nvPr/>
+      </p:nvGrpSpPr>
+      <p:grpSpPr>
+        <a:xfrm>
+          <a:off x="0" y="0"/>
+          <a:ext cx="0" cy="0"/>
+          <a:chOff x="0" y="0"/>
+          <a:chExt cx="0" cy="0"/>
+        </a:xfrm>
+      </p:grpSpPr>
+      <p:sp>
+        <p:nvSpPr>
+          <p:cNvPr id="2" name="标题 1">
+            <a:extLst>
+              <a:ext uri="{FF2B5EF4-FFF2-40B4-BE49-F238E27FC236}">
+                <a16:creationId xmlns:a16="http://schemas.microsoft.com/office/drawing/2014/main" id="{9C70E883-9AB9-4147-99F1-6683D055AF68}"/>
+              </a:ext>
+            </a:extLst>
+          </p:cNvPr>
+          <p:cNvSpPr txBox="1">
+            <a:spLocks noGrp="1"/>
+          </p:cNvSpPr>
+          <p:nvPr>
+            <p:ph type="title"/>
+          </p:nvPr>
+        </p:nvSpPr>
+        <p:spPr>
+          <a:xfrm>
+            <a:off x="2949424" y="1394807"/>
+            <a:ext cx="6293147" cy="4068385"/>
+          </a:xfrm>
+        </p:spPr>
+        <p:txBody>
+          <a:bodyPr/>
+          <a:lstStyle/>
+          <a:p>
+            <a:pPr lvl="0"/>
+            <a:r>
+              <a:rPr lang="zh-CN" sz="4400"/>
+              <a:t>分情况解决比对结果差的</a:t>
+            </a:r>
+            <a:r>
+              <a:rPr lang="en-US" sz="4400"/>
+              <a:t>reads</a:t>
+            </a:r>
+            <a:endParaRPr lang="en-US" sz="2000"/>
+          </a:p>
+        </p:txBody>
+      </p:sp>
+    </p:spTree>
+  </p:cSld>
+  <p:clrMapOvr>
+    <a:masterClrMapping/>
+  </p:clrMapOvr>
+</p:sld>
+</file>
+
+<file path=ppt/slides/slide13.xml><?xml version="1.0" encoding="utf-8"?>
 <p:sld xmlns:a="http://schemas.openxmlformats.org/drawingml/2006/main" xmlns:r="http://schemas.openxmlformats.org/officeDocument/2006/relationships" xmlns:p="http://schemas.openxmlformats.org/presentationml/2006/main">
   <p:cSld name="Slide7">
     <p:spTree>
@@ -15486,7 +21563,7 @@
 </p:sld>
 </file>
 
-<file path=ppt/slides/slide11.xml><?xml version="1.0" encoding="utf-8"?>
+<file path=ppt/slides/slide14.xml><?xml version="1.0" encoding="utf-8"?>
 <p:sld xmlns:a="http://schemas.openxmlformats.org/drawingml/2006/main" xmlns:r="http://schemas.openxmlformats.org/officeDocument/2006/relationships" xmlns:p="http://schemas.openxmlformats.org/presentationml/2006/main">
   <p:cSld name="Slide8">
     <p:spTree>
@@ -19950,7 +26027,7 @@
 
 <file path=ppt/slides/slide9.xml><?xml version="1.0" encoding="utf-8"?>
 <p:sld xmlns:a="http://schemas.openxmlformats.org/drawingml/2006/main" xmlns:r="http://schemas.openxmlformats.org/officeDocument/2006/relationships" xmlns:p="http://schemas.openxmlformats.org/presentationml/2006/main">
-  <p:cSld name="Slide12">
+  <p:cSld>
     <p:spTree>
       <p:nvGrpSpPr>
         <p:cNvPr id="1" name=""/>
@@ -19993,18 +26070,19 @@
           <a:p>
             <a:pPr lvl="0"/>
             <a:r>
-              <a:rPr lang="zh-CN" sz="4400"/>
-              <a:t>分情况解决比对结果差的</a:t>
-            </a:r>
-            <a:r>
               <a:rPr lang="en-US" sz="4400"/>
-              <a:t>reads</a:t>
+              <a:t>Integration of Variations</a:t>
             </a:r>
             <a:endParaRPr lang="en-US" sz="2000"/>
           </a:p>
         </p:txBody>
       </p:sp>
     </p:spTree>
+    <p:extLst>
+      <p:ext uri="{BB962C8B-B14F-4D97-AF65-F5344CB8AC3E}">
+        <p14:creationId xmlns:p14="http://schemas.microsoft.com/office/powerpoint/2010/main" val="1365269737"/>
+      </p:ext>
+    </p:extLst>
   </p:cSld>
   <p:clrMapOvr>
     <a:masterClrMapping/>

--- a/THE_project/design/project design.pptx
+++ b/THE_project/design/project design.pptx
@@ -13,12 +13,9 @@
     <p:sldId id="261" r:id="rId7"/>
     <p:sldId id="268" r:id="rId8"/>
     <p:sldId id="264" r:id="rId9"/>
-    <p:sldId id="269" r:id="rId10"/>
-    <p:sldId id="270" r:id="rId11"/>
-    <p:sldId id="271" r:id="rId12"/>
-    <p:sldId id="267" r:id="rId13"/>
-    <p:sldId id="262" r:id="rId14"/>
-    <p:sldId id="263" r:id="rId15"/>
+    <p:sldId id="267" r:id="rId10"/>
+    <p:sldId id="262" r:id="rId11"/>
+    <p:sldId id="263" r:id="rId12"/>
   </p:sldIdLst>
   <p:sldSz cx="12192000" cy="6858000"/>
   <p:notesSz cx="6858000" cy="9144000"/>
@@ -7835,7 +7832,7 @@
             <a:fld id="{80FD887D-7B2A-4FF4-AE30-B3638F2CCD1F}" type="datetime1">
               <a:rPr lang="en-US"/>
               <a:pPr lvl="0"/>
-              <a:t>3/12/2021</a:t>
+              <a:t>3/15/2021</a:t>
             </a:fld>
             <a:endParaRPr lang="en-US"/>
           </a:p>
@@ -8069,7 +8066,7 @@
             <a:fld id="{70BC2376-68D8-4576-8D02-782EC0B0AD99}" type="datetime1">
               <a:rPr lang="en-US"/>
               <a:pPr lvl="0"/>
-              <a:t>3/12/2021</a:t>
+              <a:t>3/15/2021</a:t>
             </a:fld>
             <a:endParaRPr lang="en-US"/>
           </a:p>
@@ -8313,7 +8310,7 @@
             <a:fld id="{577B63AE-4C27-476F-9DD5-14178397EE23}" type="datetime1">
               <a:rPr lang="en-US"/>
               <a:pPr lvl="0"/>
-              <a:t>3/12/2021</a:t>
+              <a:t>3/15/2021</a:t>
             </a:fld>
             <a:endParaRPr lang="en-US"/>
           </a:p>
@@ -8518,7 +8515,7 @@
             <a:fld id="{18BC4B44-D12F-4BD3-9C36-2F34A6473057}" type="datetime1">
               <a:rPr lang="en-US"/>
               <a:pPr lvl="0"/>
-              <a:t>3/12/2021</a:t>
+              <a:t>3/15/2021</a:t>
             </a:fld>
             <a:endParaRPr lang="en-US"/>
           </a:p>
@@ -8753,7 +8750,7 @@
             <a:fld id="{647C36D7-0E36-40DC-B070-A9F971DD9D0B}" type="datetime1">
               <a:rPr lang="en-US"/>
               <a:pPr lvl="0"/>
-              <a:t>3/12/2021</a:t>
+              <a:t>3/15/2021</a:t>
             </a:fld>
             <a:endParaRPr lang="en-US"/>
           </a:p>
@@ -8962,7 +8959,7 @@
             <a:fld id="{A5AB9408-D60C-4171-AEDB-B9C1DB4E2438}" type="datetime1">
               <a:rPr lang="en-US"/>
               <a:pPr lvl="0"/>
-              <a:t>3/12/2021</a:t>
+              <a:t>3/15/2021</a:t>
             </a:fld>
             <a:endParaRPr lang="en-US"/>
           </a:p>
@@ -9279,7 +9276,7 @@
             <a:fld id="{A3D933FD-B602-4F22-A2AD-AB146BD7B9C7}" type="datetime1">
               <a:rPr lang="en-US"/>
               <a:pPr lvl="0"/>
-              <a:t>3/12/2021</a:t>
+              <a:t>3/15/2021</a:t>
             </a:fld>
             <a:endParaRPr lang="en-US"/>
           </a:p>
@@ -9679,7 +9676,7 @@
             <a:fld id="{47CDCC9C-4F47-40E6-922D-ACC45F18D9B6}" type="datetime1">
               <a:rPr lang="en-US"/>
               <a:pPr lvl="0"/>
-              <a:t>3/12/2021</a:t>
+              <a:t>3/15/2021</a:t>
             </a:fld>
             <a:endParaRPr lang="en-US"/>
           </a:p>
@@ -9840,7 +9837,7 @@
             <a:fld id="{B1CDCF14-C412-4139-B13D-4128F1481DED}" type="datetime1">
               <a:rPr lang="en-US"/>
               <a:pPr lvl="0"/>
-              <a:t>3/12/2021</a:t>
+              <a:t>3/15/2021</a:t>
             </a:fld>
             <a:endParaRPr lang="en-US"/>
           </a:p>
@@ -9968,7 +9965,7 @@
             <a:fld id="{D3BED175-3E7C-4717-A57A-B64E5796778F}" type="datetime1">
               <a:rPr lang="en-US"/>
               <a:pPr lvl="0"/>
-              <a:t>3/12/2021</a:t>
+              <a:t>3/15/2021</a:t>
             </a:fld>
             <a:endParaRPr lang="en-US"/>
           </a:p>
@@ -10251,7 +10248,7 @@
             <a:fld id="{FEC80C48-AE9E-4AB6-9E9A-E6F7777B57EB}" type="datetime1">
               <a:rPr lang="en-US"/>
               <a:pPr lvl="0"/>
-              <a:t>3/12/2021</a:t>
+              <a:t>3/15/2021</a:t>
             </a:fld>
             <a:endParaRPr lang="en-US"/>
           </a:p>
@@ -10533,7 +10530,7 @@
             <a:fld id="{7B0BA115-79E2-4724-BA5B-CAD60422CE22}" type="datetime1">
               <a:rPr lang="en-US"/>
               <a:pPr lvl="0"/>
-              <a:t>3/12/2021</a:t>
+              <a:t>3/15/2021</a:t>
             </a:fld>
             <a:endParaRPr lang="en-US"/>
           </a:p>
@@ -11747,6068 +11744,6 @@
 </file>
 
 <file path=ppt/slides/slide10.xml><?xml version="1.0" encoding="utf-8"?>
-<p:sld xmlns:a="http://schemas.openxmlformats.org/drawingml/2006/main" xmlns:r="http://schemas.openxmlformats.org/officeDocument/2006/relationships" xmlns:p="http://schemas.openxmlformats.org/presentationml/2006/main">
-  <p:cSld>
-    <p:spTree>
-      <p:nvGrpSpPr>
-        <p:cNvPr id="1" name=""/>
-        <p:cNvGrpSpPr/>
-        <p:nvPr/>
-      </p:nvGrpSpPr>
-      <p:grpSpPr>
-        <a:xfrm>
-          <a:off x="0" y="0"/>
-          <a:ext cx="0" cy="0"/>
-          <a:chOff x="0" y="0"/>
-          <a:chExt cx="0" cy="0"/>
-        </a:xfrm>
-      </p:grpSpPr>
-      <p:sp>
-        <p:nvSpPr>
-          <p:cNvPr id="3" name="副标题 2">
-            <a:extLst>
-              <a:ext uri="{FF2B5EF4-FFF2-40B4-BE49-F238E27FC236}">
-                <a16:creationId xmlns:a16="http://schemas.microsoft.com/office/drawing/2014/main" id="{A441A99D-7B3C-47B9-8393-DBA04906446D}"/>
-              </a:ext>
-            </a:extLst>
-          </p:cNvPr>
-          <p:cNvSpPr txBox="1">
-            <a:spLocks noGrp="1"/>
-          </p:cNvSpPr>
-          <p:nvPr>
-            <p:ph type="subTitle" idx="1"/>
-          </p:nvPr>
-        </p:nvSpPr>
-        <p:spPr>
-          <a:xfrm>
-            <a:off x="0" y="0"/>
-            <a:ext cx="5582192" cy="424729"/>
-          </a:xfrm>
-        </p:spPr>
-        <p:txBody>
-          <a:bodyPr/>
-          <a:lstStyle/>
-          <a:p>
-            <a:pPr lvl="0"/>
-            <a:r>
-              <a:rPr lang="en-US" altLang="zh-CN"/>
-              <a:t>Integration of Variations - SNP</a:t>
-            </a:r>
-            <a:endParaRPr lang="zh-CN"/>
-          </a:p>
-        </p:txBody>
-      </p:sp>
-      <p:graphicFrame>
-        <p:nvGraphicFramePr>
-          <p:cNvPr id="7" name="表格 7">
-            <a:extLst>
-              <a:ext uri="{FF2B5EF4-FFF2-40B4-BE49-F238E27FC236}">
-                <a16:creationId xmlns:a16="http://schemas.microsoft.com/office/drawing/2014/main" id="{03B16ABC-0E9B-4A9A-AC3A-9700D8CC02DC}"/>
-              </a:ext>
-            </a:extLst>
-          </p:cNvPr>
-          <p:cNvGraphicFramePr>
-            <a:graphicFrameLocks noGrp="1"/>
-          </p:cNvGraphicFramePr>
-          <p:nvPr>
-            <p:extLst>
-              <p:ext uri="{D42A27DB-BD31-4B8C-83A1-F6EECF244321}">
-                <p14:modId xmlns:p14="http://schemas.microsoft.com/office/powerpoint/2010/main" val="2445019393"/>
-              </p:ext>
-            </p:extLst>
-          </p:nvPr>
-        </p:nvGraphicFramePr>
-        <p:xfrm>
-          <a:off x="4754771" y="800554"/>
-          <a:ext cx="7036025" cy="1854200"/>
-        </p:xfrm>
-        <a:graphic>
-          <a:graphicData uri="http://schemas.openxmlformats.org/drawingml/2006/table">
-            <a:tbl>
-              <a:tblPr firstRow="1" bandRow="1">
-                <a:tableStyleId>{5940675A-B579-460E-94D1-54222C63F5DA}</a:tableStyleId>
-              </a:tblPr>
-              <a:tblGrid>
-                <a:gridCol w="1407205">
-                  <a:extLst>
-                    <a:ext uri="{9D8B030D-6E8A-4147-A177-3AD203B41FA5}">
-                      <a16:colId xmlns:a16="http://schemas.microsoft.com/office/drawing/2014/main" val="2357999398"/>
-                    </a:ext>
-                  </a:extLst>
-                </a:gridCol>
-                <a:gridCol w="1407205">
-                  <a:extLst>
-                    <a:ext uri="{9D8B030D-6E8A-4147-A177-3AD203B41FA5}">
-                      <a16:colId xmlns:a16="http://schemas.microsoft.com/office/drawing/2014/main" val="1396362083"/>
-                    </a:ext>
-                  </a:extLst>
-                </a:gridCol>
-                <a:gridCol w="1407205">
-                  <a:extLst>
-                    <a:ext uri="{9D8B030D-6E8A-4147-A177-3AD203B41FA5}">
-                      <a16:colId xmlns:a16="http://schemas.microsoft.com/office/drawing/2014/main" val="1292628694"/>
-                    </a:ext>
-                  </a:extLst>
-                </a:gridCol>
-                <a:gridCol w="1407205">
-                  <a:extLst>
-                    <a:ext uri="{9D8B030D-6E8A-4147-A177-3AD203B41FA5}">
-                      <a16:colId xmlns:a16="http://schemas.microsoft.com/office/drawing/2014/main" val="611556075"/>
-                    </a:ext>
-                  </a:extLst>
-                </a:gridCol>
-                <a:gridCol w="1407205">
-                  <a:extLst>
-                    <a:ext uri="{9D8B030D-6E8A-4147-A177-3AD203B41FA5}">
-                      <a16:colId xmlns:a16="http://schemas.microsoft.com/office/drawing/2014/main" val="2358634977"/>
-                    </a:ext>
-                  </a:extLst>
-                </a:gridCol>
-              </a:tblGrid>
-              <a:tr h="370840">
-                <a:tc gridSpan="4">
-                  <a:txBody>
-                    <a:bodyPr/>
-                    <a:lstStyle/>
-                    <a:p>
-                      <a:pPr marL="0" marR="0" lvl="0" indent="0" algn="ctr" defTabSz="539998" rtl="0" fontAlgn="auto" hangingPunct="1">
-                        <a:lnSpc>
-                          <a:spcPct val="90000"/>
-                        </a:lnSpc>
-                        <a:spcBef>
-                          <a:spcPts val="1000"/>
-                        </a:spcBef>
-                        <a:spcAft>
-                          <a:spcPts val="0"/>
-                        </a:spcAft>
-                        <a:buSzPct val="100000"/>
-                        <a:buFont typeface="Arial" pitchFamily="34"/>
-                        <a:buNone/>
-                        <a:tabLst/>
-                      </a:pPr>
-                      <a:r>
-                        <a:rPr lang="en-US" altLang="zh-CN" sz="1800" b="0" i="0" u="none" strike="noStrike" kern="1200" cap="none" spc="0" baseline="0">
-                          <a:solidFill>
-                            <a:schemeClr val="bg1"/>
-                          </a:solidFill>
-                          <a:uFillTx/>
-                          <a:latin typeface="Consolas" pitchFamily="49"/>
-                          <a:ea typeface="微软雅黑" pitchFamily="34"/>
-                        </a:rPr>
-                        <a:t>Original Vcf Records Format</a:t>
-                      </a:r>
-                      <a:endParaRPr lang="zh-CN" altLang="en-US" sz="1800" b="0" i="0" u="none" strike="noStrike" kern="1200" cap="none" spc="0" baseline="0">
-                        <a:solidFill>
-                          <a:schemeClr val="bg1"/>
-                        </a:solidFill>
-                        <a:uFillTx/>
-                        <a:latin typeface="Consolas" pitchFamily="49"/>
-                        <a:ea typeface="微软雅黑" pitchFamily="34"/>
-                      </a:endParaRPr>
-                    </a:p>
-                  </a:txBody>
-                  <a:tcPr>
-                    <a:solidFill>
-                      <a:srgbClr val="1CB0A2"/>
-                    </a:solidFill>
-                  </a:tcPr>
-                </a:tc>
-                <a:tc hMerge="1">
-                  <a:txBody>
-                    <a:bodyPr/>
-                    <a:lstStyle/>
-                    <a:p>
-                      <a:pPr marL="0" marR="0" lvl="0" indent="0" algn="ctr" defTabSz="539998" rtl="0" fontAlgn="auto" hangingPunct="1">
-                        <a:lnSpc>
-                          <a:spcPct val="90000"/>
-                        </a:lnSpc>
-                        <a:spcBef>
-                          <a:spcPts val="1000"/>
-                        </a:spcBef>
-                        <a:spcAft>
-                          <a:spcPts val="0"/>
-                        </a:spcAft>
-                        <a:buSzPct val="100000"/>
-                        <a:buFont typeface="Arial" pitchFamily="34"/>
-                        <a:buNone/>
-                        <a:tabLst/>
-                      </a:pPr>
-                      <a:endParaRPr lang="zh-CN" altLang="en-US" sz="1800" b="0" i="0" u="none" strike="noStrike" kern="1200" cap="none" spc="0" baseline="0">
-                        <a:solidFill>
-                          <a:schemeClr val="bg1"/>
-                        </a:solidFill>
-                        <a:uFillTx/>
-                        <a:latin typeface="Consolas" pitchFamily="49"/>
-                        <a:ea typeface="微软雅黑" pitchFamily="34"/>
-                      </a:endParaRPr>
-                    </a:p>
-                  </a:txBody>
-                  <a:tcPr>
-                    <a:solidFill>
-                      <a:srgbClr val="1CB0A2"/>
-                    </a:solidFill>
-                  </a:tcPr>
-                </a:tc>
-                <a:tc hMerge="1">
-                  <a:txBody>
-                    <a:bodyPr/>
-                    <a:lstStyle/>
-                    <a:p>
-                      <a:pPr marL="0" marR="0" lvl="0" indent="0" algn="ctr" defTabSz="539998" rtl="0" fontAlgn="auto" hangingPunct="1">
-                        <a:lnSpc>
-                          <a:spcPct val="90000"/>
-                        </a:lnSpc>
-                        <a:spcBef>
-                          <a:spcPts val="1000"/>
-                        </a:spcBef>
-                        <a:spcAft>
-                          <a:spcPts val="0"/>
-                        </a:spcAft>
-                        <a:buSzPct val="100000"/>
-                        <a:buFont typeface="Arial" pitchFamily="34"/>
-                        <a:buNone/>
-                        <a:tabLst/>
-                      </a:pPr>
-                      <a:endParaRPr lang="zh-CN" altLang="en-US" sz="1800" b="0" i="0" u="none" strike="noStrike" kern="1200" cap="none" spc="0" baseline="0">
-                        <a:solidFill>
-                          <a:schemeClr val="bg1"/>
-                        </a:solidFill>
-                        <a:uFillTx/>
-                        <a:latin typeface="Consolas" pitchFamily="49"/>
-                        <a:ea typeface="微软雅黑" pitchFamily="34"/>
-                      </a:endParaRPr>
-                    </a:p>
-                  </a:txBody>
-                  <a:tcPr>
-                    <a:solidFill>
-                      <a:srgbClr val="1CB0A2"/>
-                    </a:solidFill>
-                  </a:tcPr>
-                </a:tc>
-                <a:tc hMerge="1">
-                  <a:txBody>
-                    <a:bodyPr/>
-                    <a:lstStyle/>
-                    <a:p>
-                      <a:pPr marL="0" marR="0" lvl="0" indent="0" algn="ctr" defTabSz="539998" rtl="0" fontAlgn="auto" hangingPunct="1">
-                        <a:lnSpc>
-                          <a:spcPct val="90000"/>
-                        </a:lnSpc>
-                        <a:spcBef>
-                          <a:spcPts val="1000"/>
-                        </a:spcBef>
-                        <a:spcAft>
-                          <a:spcPts val="0"/>
-                        </a:spcAft>
-                        <a:buSzPct val="100000"/>
-                        <a:buFont typeface="Arial" pitchFamily="34"/>
-                        <a:buNone/>
-                        <a:tabLst/>
-                      </a:pPr>
-                      <a:endParaRPr lang="zh-CN" altLang="en-US" sz="1800" b="0" i="0" u="none" strike="noStrike" kern="1200" cap="none" spc="0" baseline="0">
-                        <a:solidFill>
-                          <a:schemeClr val="bg1"/>
-                        </a:solidFill>
-                        <a:uFillTx/>
-                        <a:latin typeface="Consolas" pitchFamily="49"/>
-                        <a:ea typeface="微软雅黑" pitchFamily="34"/>
-                      </a:endParaRPr>
-                    </a:p>
-                  </a:txBody>
-                  <a:tcPr>
-                    <a:solidFill>
-                      <a:srgbClr val="1CB0A2"/>
-                    </a:solidFill>
-                  </a:tcPr>
-                </a:tc>
-                <a:tc>
-                  <a:txBody>
-                    <a:bodyPr/>
-                    <a:lstStyle/>
-                    <a:p>
-                      <a:pPr marL="0" marR="0" lvl="0" indent="0" algn="ctr" defTabSz="539998" rtl="0" fontAlgn="auto" hangingPunct="1">
-                        <a:lnSpc>
-                          <a:spcPct val="90000"/>
-                        </a:lnSpc>
-                        <a:spcBef>
-                          <a:spcPts val="1000"/>
-                        </a:spcBef>
-                        <a:spcAft>
-                          <a:spcPts val="0"/>
-                        </a:spcAft>
-                        <a:buSzPct val="100000"/>
-                        <a:buFont typeface="Arial" pitchFamily="34"/>
-                        <a:buNone/>
-                        <a:tabLst/>
-                      </a:pPr>
-                      <a:endParaRPr lang="zh-CN" altLang="en-US" sz="1800" b="0" i="0" u="none" strike="noStrike" kern="1200" cap="none" spc="0" baseline="0">
-                        <a:solidFill>
-                          <a:schemeClr val="bg1"/>
-                        </a:solidFill>
-                        <a:uFillTx/>
-                        <a:latin typeface="Consolas" pitchFamily="49"/>
-                        <a:ea typeface="微软雅黑" pitchFamily="34"/>
-                      </a:endParaRPr>
-                    </a:p>
-                  </a:txBody>
-                  <a:tcPr>
-                    <a:solidFill>
-                      <a:srgbClr val="1CB0A2"/>
-                    </a:solidFill>
-                  </a:tcPr>
-                </a:tc>
-                <a:extLst>
-                  <a:ext uri="{0D108BD9-81ED-4DB2-BD59-A6C34878D82A}">
-                    <a16:rowId xmlns:a16="http://schemas.microsoft.com/office/drawing/2014/main" val="1946593644"/>
-                  </a:ext>
-                </a:extLst>
-              </a:tr>
-              <a:tr h="370840">
-                <a:tc>
-                  <a:txBody>
-                    <a:bodyPr/>
-                    <a:lstStyle/>
-                    <a:p>
-                      <a:pPr marL="0" marR="0" lvl="0" indent="0" algn="ctr" defTabSz="539998" rtl="0" fontAlgn="auto" hangingPunct="1">
-                        <a:lnSpc>
-                          <a:spcPct val="90000"/>
-                        </a:lnSpc>
-                        <a:spcBef>
-                          <a:spcPts val="1000"/>
-                        </a:spcBef>
-                        <a:spcAft>
-                          <a:spcPts val="0"/>
-                        </a:spcAft>
-                        <a:buSzPct val="100000"/>
-                        <a:buFont typeface="Arial" pitchFamily="34"/>
-                        <a:buNone/>
-                        <a:tabLst/>
-                      </a:pPr>
-                      <a:r>
-                        <a:rPr lang="en-US" altLang="zh-CN" sz="1800" b="0" i="0" u="none" strike="noStrike" kern="1200" cap="none" spc="0" baseline="0">
-                          <a:solidFill>
-                            <a:schemeClr val="bg1"/>
-                          </a:solidFill>
-                          <a:uFillTx/>
-                          <a:latin typeface="Consolas" pitchFamily="49"/>
-                          <a:ea typeface="微软雅黑" pitchFamily="34"/>
-                        </a:rPr>
-                        <a:t>id</a:t>
-                      </a:r>
-                      <a:endParaRPr lang="zh-CN" altLang="en-US" sz="1800" b="0" i="0" u="none" strike="noStrike" kern="1200" cap="none" spc="0" baseline="0">
-                        <a:solidFill>
-                          <a:schemeClr val="bg1"/>
-                        </a:solidFill>
-                        <a:uFillTx/>
-                        <a:latin typeface="Consolas" pitchFamily="49"/>
-                        <a:ea typeface="微软雅黑" pitchFamily="34"/>
-                      </a:endParaRPr>
-                    </a:p>
-                  </a:txBody>
-                  <a:tcPr>
-                    <a:solidFill>
-                      <a:srgbClr val="1CB0A2"/>
-                    </a:solidFill>
-                  </a:tcPr>
-                </a:tc>
-                <a:tc>
-                  <a:txBody>
-                    <a:bodyPr/>
-                    <a:lstStyle/>
-                    <a:p>
-                      <a:pPr marL="0" marR="0" lvl="0" indent="0" algn="ctr" defTabSz="539998" rtl="0" fontAlgn="auto" hangingPunct="1">
-                        <a:lnSpc>
-                          <a:spcPct val="90000"/>
-                        </a:lnSpc>
-                        <a:spcBef>
-                          <a:spcPts val="1000"/>
-                        </a:spcBef>
-                        <a:spcAft>
-                          <a:spcPts val="0"/>
-                        </a:spcAft>
-                        <a:buSzPct val="100000"/>
-                        <a:buFont typeface="Arial" pitchFamily="34"/>
-                        <a:buNone/>
-                        <a:tabLst/>
-                      </a:pPr>
-                      <a:r>
-                        <a:rPr lang="en-US" altLang="zh-CN" sz="1800" b="0" i="0" u="none" strike="noStrike" kern="1200" cap="none" spc="0" baseline="0">
-                          <a:solidFill>
-                            <a:schemeClr val="bg1"/>
-                          </a:solidFill>
-                          <a:uFillTx/>
-                          <a:latin typeface="Consolas" pitchFamily="49"/>
-                          <a:ea typeface="微软雅黑" pitchFamily="34"/>
-                        </a:rPr>
-                        <a:t>pos</a:t>
-                      </a:r>
-                      <a:endParaRPr lang="zh-CN" altLang="en-US" sz="1800" b="0" i="0" u="none" strike="noStrike" kern="1200" cap="none" spc="0" baseline="0">
-                        <a:solidFill>
-                          <a:schemeClr val="bg1"/>
-                        </a:solidFill>
-                        <a:uFillTx/>
-                        <a:latin typeface="Consolas" pitchFamily="49"/>
-                        <a:ea typeface="微软雅黑" pitchFamily="34"/>
-                      </a:endParaRPr>
-                    </a:p>
-                  </a:txBody>
-                  <a:tcPr>
-                    <a:solidFill>
-                      <a:srgbClr val="1CB0A2"/>
-                    </a:solidFill>
-                  </a:tcPr>
-                </a:tc>
-                <a:tc>
-                  <a:txBody>
-                    <a:bodyPr/>
-                    <a:lstStyle/>
-                    <a:p>
-                      <a:pPr marL="0" marR="0" lvl="0" indent="0" algn="ctr" defTabSz="539998" rtl="0" fontAlgn="auto" hangingPunct="1">
-                        <a:lnSpc>
-                          <a:spcPct val="90000"/>
-                        </a:lnSpc>
-                        <a:spcBef>
-                          <a:spcPts val="1000"/>
-                        </a:spcBef>
-                        <a:spcAft>
-                          <a:spcPts val="0"/>
-                        </a:spcAft>
-                        <a:buSzPct val="100000"/>
-                        <a:buFont typeface="Arial" pitchFamily="34"/>
-                        <a:buNone/>
-                        <a:tabLst/>
-                      </a:pPr>
-                      <a:r>
-                        <a:rPr lang="en-US" altLang="zh-CN" sz="1800" b="0" i="0" u="none" strike="noStrike" kern="1200" cap="none" spc="0" baseline="0">
-                          <a:solidFill>
-                            <a:schemeClr val="bg1"/>
-                          </a:solidFill>
-                          <a:uFillTx/>
-                          <a:latin typeface="Consolas" pitchFamily="49"/>
-                          <a:ea typeface="微软雅黑" pitchFamily="34"/>
-                        </a:rPr>
-                        <a:t>ref</a:t>
-                      </a:r>
-                      <a:endParaRPr lang="zh-CN" altLang="en-US" sz="1800" b="0" i="0" u="none" strike="noStrike" kern="1200" cap="none" spc="0" baseline="0">
-                        <a:solidFill>
-                          <a:schemeClr val="bg1"/>
-                        </a:solidFill>
-                        <a:uFillTx/>
-                        <a:latin typeface="Consolas" pitchFamily="49"/>
-                        <a:ea typeface="微软雅黑" pitchFamily="34"/>
-                      </a:endParaRPr>
-                    </a:p>
-                  </a:txBody>
-                  <a:tcPr>
-                    <a:solidFill>
-                      <a:srgbClr val="1CB0A2"/>
-                    </a:solidFill>
-                  </a:tcPr>
-                </a:tc>
-                <a:tc>
-                  <a:txBody>
-                    <a:bodyPr/>
-                    <a:lstStyle/>
-                    <a:p>
-                      <a:pPr marL="0" marR="0" lvl="0" indent="0" algn="ctr" defTabSz="539998" rtl="0" fontAlgn="auto" hangingPunct="1">
-                        <a:lnSpc>
-                          <a:spcPct val="90000"/>
-                        </a:lnSpc>
-                        <a:spcBef>
-                          <a:spcPts val="1000"/>
-                        </a:spcBef>
-                        <a:spcAft>
-                          <a:spcPts val="0"/>
-                        </a:spcAft>
-                        <a:buSzPct val="100000"/>
-                        <a:buFont typeface="Arial" pitchFamily="34"/>
-                        <a:buNone/>
-                        <a:tabLst/>
-                      </a:pPr>
-                      <a:r>
-                        <a:rPr lang="en-US" altLang="zh-CN" sz="1800" b="0" i="0" u="none" strike="noStrike" kern="1200" cap="none" spc="0" baseline="0">
-                          <a:solidFill>
-                            <a:schemeClr val="bg1"/>
-                          </a:solidFill>
-                          <a:uFillTx/>
-                          <a:latin typeface="Consolas" pitchFamily="49"/>
-                          <a:ea typeface="微软雅黑" pitchFamily="34"/>
-                        </a:rPr>
-                        <a:t>alt</a:t>
-                      </a:r>
-                      <a:endParaRPr lang="zh-CN" altLang="en-US" sz="1800" b="0" i="0" u="none" strike="noStrike" kern="1200" cap="none" spc="0" baseline="0">
-                        <a:solidFill>
-                          <a:schemeClr val="bg1"/>
-                        </a:solidFill>
-                        <a:uFillTx/>
-                        <a:latin typeface="Consolas" pitchFamily="49"/>
-                        <a:ea typeface="微软雅黑" pitchFamily="34"/>
-                      </a:endParaRPr>
-                    </a:p>
-                  </a:txBody>
-                  <a:tcPr>
-                    <a:solidFill>
-                      <a:srgbClr val="1CB0A2"/>
-                    </a:solidFill>
-                  </a:tcPr>
-                </a:tc>
-                <a:tc>
-                  <a:txBody>
-                    <a:bodyPr/>
-                    <a:lstStyle/>
-                    <a:p>
-                      <a:pPr marL="0" marR="0" lvl="0" indent="0" algn="ctr" defTabSz="539998" rtl="0" fontAlgn="auto" hangingPunct="1">
-                        <a:lnSpc>
-                          <a:spcPct val="90000"/>
-                        </a:lnSpc>
-                        <a:spcBef>
-                          <a:spcPts val="1000"/>
-                        </a:spcBef>
-                        <a:spcAft>
-                          <a:spcPts val="0"/>
-                        </a:spcAft>
-                        <a:buSzPct val="100000"/>
-                        <a:buFont typeface="Arial" pitchFamily="34"/>
-                        <a:buNone/>
-                        <a:tabLst/>
-                      </a:pPr>
-                      <a:r>
-                        <a:rPr lang="en-US" altLang="zh-CN" sz="1800" b="0" i="0" u="none" strike="noStrike" kern="1200" cap="none" spc="0" baseline="0">
-                          <a:solidFill>
-                            <a:schemeClr val="bg1"/>
-                          </a:solidFill>
-                          <a:uFillTx/>
-                          <a:latin typeface="Consolas" pitchFamily="49"/>
-                          <a:ea typeface="微软雅黑" pitchFamily="34"/>
-                        </a:rPr>
-                        <a:t>&lt;type&gt;</a:t>
-                      </a:r>
-                      <a:endParaRPr lang="zh-CN" altLang="en-US" sz="1800" b="0" i="0" u="none" strike="noStrike" kern="1200" cap="none" spc="0" baseline="0">
-                        <a:solidFill>
-                          <a:schemeClr val="bg1"/>
-                        </a:solidFill>
-                        <a:uFillTx/>
-                        <a:latin typeface="Consolas" pitchFamily="49"/>
-                        <a:ea typeface="微软雅黑" pitchFamily="34"/>
-                      </a:endParaRPr>
-                    </a:p>
-                  </a:txBody>
-                  <a:tcPr>
-                    <a:solidFill>
-                      <a:srgbClr val="1CB0A2"/>
-                    </a:solidFill>
-                  </a:tcPr>
-                </a:tc>
-                <a:extLst>
-                  <a:ext uri="{0D108BD9-81ED-4DB2-BD59-A6C34878D82A}">
-                    <a16:rowId xmlns:a16="http://schemas.microsoft.com/office/drawing/2014/main" val="3671342572"/>
-                  </a:ext>
-                </a:extLst>
-              </a:tr>
-              <a:tr h="370840">
-                <a:tc>
-                  <a:txBody>
-                    <a:bodyPr/>
-                    <a:lstStyle/>
-                    <a:p>
-                      <a:pPr marL="0" marR="0" lvl="0" indent="0" algn="ctr" defTabSz="539998" rtl="0" fontAlgn="auto" hangingPunct="1">
-                        <a:lnSpc>
-                          <a:spcPct val="90000"/>
-                        </a:lnSpc>
-                        <a:spcBef>
-                          <a:spcPts val="1000"/>
-                        </a:spcBef>
-                        <a:spcAft>
-                          <a:spcPts val="0"/>
-                        </a:spcAft>
-                        <a:buSzPct val="100000"/>
-                        <a:buFont typeface="Arial" pitchFamily="34"/>
-                        <a:buNone/>
-                        <a:tabLst/>
-                      </a:pPr>
-                      <a:r>
-                        <a:rPr lang="en-US" altLang="zh-CN" sz="1800" b="0" i="0" u="none" strike="noStrike" kern="1200" cap="none" spc="0" baseline="0">
-                          <a:solidFill>
-                            <a:srgbClr val="000000"/>
-                          </a:solidFill>
-                          <a:uFillTx/>
-                          <a:latin typeface="Consolas" pitchFamily="49"/>
-                          <a:ea typeface="微软雅黑" pitchFamily="34"/>
-                        </a:rPr>
-                        <a:t>1</a:t>
-                      </a:r>
-                      <a:endParaRPr lang="zh-CN" altLang="en-US" sz="1800" b="0" i="0" u="none" strike="noStrike" kern="1200" cap="none" spc="0" baseline="0">
-                        <a:solidFill>
-                          <a:srgbClr val="000000"/>
-                        </a:solidFill>
-                        <a:uFillTx/>
-                        <a:latin typeface="Consolas" pitchFamily="49"/>
-                        <a:ea typeface="微软雅黑" pitchFamily="34"/>
-                      </a:endParaRPr>
-                    </a:p>
-                  </a:txBody>
-                  <a:tcPr/>
-                </a:tc>
-                <a:tc>
-                  <a:txBody>
-                    <a:bodyPr/>
-                    <a:lstStyle/>
-                    <a:p>
-                      <a:pPr marL="0" marR="0" lvl="0" indent="0" algn="ctr" defTabSz="539998" rtl="0" fontAlgn="auto" hangingPunct="1">
-                        <a:lnSpc>
-                          <a:spcPct val="90000"/>
-                        </a:lnSpc>
-                        <a:spcBef>
-                          <a:spcPts val="1000"/>
-                        </a:spcBef>
-                        <a:spcAft>
-                          <a:spcPts val="0"/>
-                        </a:spcAft>
-                        <a:buSzPct val="100000"/>
-                        <a:buFont typeface="Arial" pitchFamily="34"/>
-                        <a:buNone/>
-                        <a:tabLst/>
-                      </a:pPr>
-                      <a:r>
-                        <a:rPr lang="en-US" altLang="zh-CN" sz="1800" b="0" i="0" u="none" strike="noStrike" kern="1200" cap="none" spc="0" baseline="0">
-                          <a:solidFill>
-                            <a:srgbClr val="000000"/>
-                          </a:solidFill>
-                          <a:uFillTx/>
-                          <a:latin typeface="Consolas" pitchFamily="49"/>
-                          <a:ea typeface="微软雅黑" pitchFamily="34"/>
-                        </a:rPr>
-                        <a:t>xxx001</a:t>
-                      </a:r>
-                      <a:endParaRPr lang="zh-CN" altLang="en-US" sz="1800" b="0" i="0" u="none" strike="noStrike" kern="1200" cap="none" spc="0" baseline="0">
-                        <a:solidFill>
-                          <a:srgbClr val="000000"/>
-                        </a:solidFill>
-                        <a:uFillTx/>
-                        <a:latin typeface="Consolas" pitchFamily="49"/>
-                        <a:ea typeface="微软雅黑" pitchFamily="34"/>
-                      </a:endParaRPr>
-                    </a:p>
-                  </a:txBody>
-                  <a:tcPr/>
-                </a:tc>
-                <a:tc>
-                  <a:txBody>
-                    <a:bodyPr/>
-                    <a:lstStyle/>
-                    <a:p>
-                      <a:pPr marL="0" marR="0" lvl="0" indent="0" algn="ctr" defTabSz="539998" rtl="0" fontAlgn="auto" hangingPunct="1">
-                        <a:lnSpc>
-                          <a:spcPct val="90000"/>
-                        </a:lnSpc>
-                        <a:spcBef>
-                          <a:spcPts val="1000"/>
-                        </a:spcBef>
-                        <a:spcAft>
-                          <a:spcPts val="0"/>
-                        </a:spcAft>
-                        <a:buSzPct val="100000"/>
-                        <a:buFont typeface="Arial" pitchFamily="34"/>
-                        <a:buNone/>
-                        <a:tabLst/>
-                      </a:pPr>
-                      <a:r>
-                        <a:rPr lang="en-US" altLang="zh-CN" sz="1800" b="0" i="0" u="none" strike="noStrike" kern="1200" cap="none" spc="0" baseline="0">
-                          <a:solidFill>
-                            <a:srgbClr val="000000"/>
-                          </a:solidFill>
-                          <a:uFillTx/>
-                          <a:latin typeface="Consolas" pitchFamily="49"/>
-                          <a:ea typeface="微软雅黑" pitchFamily="34"/>
-                        </a:rPr>
-                        <a:t>C</a:t>
-                      </a:r>
-                      <a:endParaRPr lang="zh-CN" altLang="en-US" sz="1800" b="0" i="0" u="none" strike="noStrike" kern="1200" cap="none" spc="0" baseline="0">
-                        <a:solidFill>
-                          <a:srgbClr val="000000"/>
-                        </a:solidFill>
-                        <a:uFillTx/>
-                        <a:latin typeface="Consolas" pitchFamily="49"/>
-                        <a:ea typeface="微软雅黑" pitchFamily="34"/>
-                      </a:endParaRPr>
-                    </a:p>
-                  </a:txBody>
-                  <a:tcPr/>
-                </a:tc>
-                <a:tc>
-                  <a:txBody>
-                    <a:bodyPr/>
-                    <a:lstStyle/>
-                    <a:p>
-                      <a:pPr marL="0" marR="0" lvl="0" indent="0" algn="ctr" defTabSz="539998" rtl="0" fontAlgn="auto" hangingPunct="1">
-                        <a:lnSpc>
-                          <a:spcPct val="90000"/>
-                        </a:lnSpc>
-                        <a:spcBef>
-                          <a:spcPts val="1000"/>
-                        </a:spcBef>
-                        <a:spcAft>
-                          <a:spcPts val="0"/>
-                        </a:spcAft>
-                        <a:buSzPct val="100000"/>
-                        <a:buFont typeface="Arial" pitchFamily="34"/>
-                        <a:buNone/>
-                        <a:tabLst/>
-                      </a:pPr>
-                      <a:r>
-                        <a:rPr lang="en-US" altLang="zh-CN" sz="1800" b="0" i="0" u="none" strike="noStrike" kern="1200" cap="none" spc="0" baseline="0">
-                          <a:solidFill>
-                            <a:srgbClr val="000000"/>
-                          </a:solidFill>
-                          <a:uFillTx/>
-                          <a:latin typeface="Consolas" pitchFamily="49"/>
-                          <a:ea typeface="微软雅黑" pitchFamily="34"/>
-                        </a:rPr>
-                        <a:t>T</a:t>
-                      </a:r>
-                      <a:endParaRPr lang="zh-CN" altLang="en-US" sz="1800" b="0" i="0" u="none" strike="noStrike" kern="1200" cap="none" spc="0" baseline="0">
-                        <a:solidFill>
-                          <a:srgbClr val="000000"/>
-                        </a:solidFill>
-                        <a:uFillTx/>
-                        <a:latin typeface="Consolas" pitchFamily="49"/>
-                        <a:ea typeface="微软雅黑" pitchFamily="34"/>
-                      </a:endParaRPr>
-                    </a:p>
-                  </a:txBody>
-                  <a:tcPr/>
-                </a:tc>
-                <a:tc>
-                  <a:txBody>
-                    <a:bodyPr/>
-                    <a:lstStyle/>
-                    <a:p>
-                      <a:pPr marL="0" marR="0" lvl="0" indent="0" algn="ctr" defTabSz="539998" rtl="0" fontAlgn="auto" hangingPunct="1">
-                        <a:lnSpc>
-                          <a:spcPct val="90000"/>
-                        </a:lnSpc>
-                        <a:spcBef>
-                          <a:spcPts val="1000"/>
-                        </a:spcBef>
-                        <a:spcAft>
-                          <a:spcPts val="0"/>
-                        </a:spcAft>
-                        <a:buSzPct val="100000"/>
-                        <a:buFont typeface="Arial" pitchFamily="34"/>
-                        <a:buNone/>
-                        <a:tabLst/>
-                      </a:pPr>
-                      <a:r>
-                        <a:rPr lang="en-US" altLang="zh-CN" sz="1800" b="0" i="0" u="none" strike="noStrike" kern="1200" cap="none" spc="0" baseline="0">
-                          <a:solidFill>
-                            <a:srgbClr val="000000"/>
-                          </a:solidFill>
-                          <a:uFillTx/>
-                          <a:latin typeface="Consolas" pitchFamily="49"/>
-                          <a:ea typeface="微软雅黑" pitchFamily="34"/>
-                        </a:rPr>
-                        <a:t>mismatch</a:t>
-                      </a:r>
-                      <a:endParaRPr lang="zh-CN" altLang="en-US" sz="1800" b="0" i="0" u="none" strike="noStrike" kern="1200" cap="none" spc="0" baseline="0">
-                        <a:solidFill>
-                          <a:srgbClr val="000000"/>
-                        </a:solidFill>
-                        <a:uFillTx/>
-                        <a:latin typeface="Consolas" pitchFamily="49"/>
-                        <a:ea typeface="微软雅黑" pitchFamily="34"/>
-                      </a:endParaRPr>
-                    </a:p>
-                  </a:txBody>
-                  <a:tcPr/>
-                </a:tc>
-                <a:extLst>
-                  <a:ext uri="{0D108BD9-81ED-4DB2-BD59-A6C34878D82A}">
-                    <a16:rowId xmlns:a16="http://schemas.microsoft.com/office/drawing/2014/main" val="4006098001"/>
-                  </a:ext>
-                </a:extLst>
-              </a:tr>
-              <a:tr h="370840">
-                <a:tc>
-                  <a:txBody>
-                    <a:bodyPr/>
-                    <a:lstStyle/>
-                    <a:p>
-                      <a:pPr marL="0" marR="0" lvl="0" indent="0" algn="ctr" defTabSz="539998" rtl="0" fontAlgn="auto" hangingPunct="1">
-                        <a:lnSpc>
-                          <a:spcPct val="90000"/>
-                        </a:lnSpc>
-                        <a:spcBef>
-                          <a:spcPts val="1000"/>
-                        </a:spcBef>
-                        <a:spcAft>
-                          <a:spcPts val="0"/>
-                        </a:spcAft>
-                        <a:buSzPct val="100000"/>
-                        <a:buFont typeface="Arial" pitchFamily="34"/>
-                        <a:buNone/>
-                        <a:tabLst/>
-                      </a:pPr>
-                      <a:r>
-                        <a:rPr lang="en-US" altLang="zh-CN" sz="1800" b="0" i="0" u="none" strike="noStrike" kern="1200" cap="none" spc="0" baseline="0">
-                          <a:solidFill>
-                            <a:srgbClr val="000000"/>
-                          </a:solidFill>
-                          <a:uFillTx/>
-                          <a:latin typeface="Consolas" pitchFamily="49"/>
-                          <a:ea typeface="微软雅黑" pitchFamily="34"/>
-                        </a:rPr>
-                        <a:t>2</a:t>
-                      </a:r>
-                      <a:endParaRPr lang="zh-CN" altLang="en-US" sz="1800" b="0" i="0" u="none" strike="noStrike" kern="1200" cap="none" spc="0" baseline="0">
-                        <a:solidFill>
-                          <a:srgbClr val="000000"/>
-                        </a:solidFill>
-                        <a:uFillTx/>
-                        <a:latin typeface="Consolas" pitchFamily="49"/>
-                        <a:ea typeface="微软雅黑" pitchFamily="34"/>
-                      </a:endParaRPr>
-                    </a:p>
-                  </a:txBody>
-                  <a:tcPr/>
-                </a:tc>
-                <a:tc>
-                  <a:txBody>
-                    <a:bodyPr/>
-                    <a:lstStyle/>
-                    <a:p>
-                      <a:pPr marL="0" marR="0" lvl="0" indent="0" algn="ctr" defTabSz="539998" rtl="0" fontAlgn="auto" hangingPunct="1">
-                        <a:lnSpc>
-                          <a:spcPct val="90000"/>
-                        </a:lnSpc>
-                        <a:spcBef>
-                          <a:spcPts val="1000"/>
-                        </a:spcBef>
-                        <a:spcAft>
-                          <a:spcPts val="0"/>
-                        </a:spcAft>
-                        <a:buSzPct val="100000"/>
-                        <a:buFont typeface="Arial" pitchFamily="34"/>
-                        <a:buNone/>
-                        <a:tabLst/>
-                      </a:pPr>
-                      <a:r>
-                        <a:rPr lang="en-US" altLang="zh-CN" sz="1800" b="0" i="0" u="none" strike="noStrike" kern="1200" cap="none" spc="0" baseline="0">
-                          <a:solidFill>
-                            <a:srgbClr val="000000"/>
-                          </a:solidFill>
-                          <a:uFillTx/>
-                          <a:latin typeface="Consolas" pitchFamily="49"/>
-                          <a:ea typeface="微软雅黑" pitchFamily="34"/>
-                        </a:rPr>
-                        <a:t>xxx050</a:t>
-                      </a:r>
-                      <a:endParaRPr lang="zh-CN" altLang="en-US" sz="1800" b="0" i="0" u="none" strike="noStrike" kern="1200" cap="none" spc="0" baseline="0">
-                        <a:solidFill>
-                          <a:srgbClr val="000000"/>
-                        </a:solidFill>
-                        <a:uFillTx/>
-                        <a:latin typeface="Consolas" pitchFamily="49"/>
-                        <a:ea typeface="微软雅黑" pitchFamily="34"/>
-                      </a:endParaRPr>
-                    </a:p>
-                  </a:txBody>
-                  <a:tcPr/>
-                </a:tc>
-                <a:tc>
-                  <a:txBody>
-                    <a:bodyPr/>
-                    <a:lstStyle/>
-                    <a:p>
-                      <a:pPr marL="0" marR="0" lvl="0" indent="0" algn="ctr" defTabSz="539998" rtl="0" fontAlgn="auto" hangingPunct="1">
-                        <a:lnSpc>
-                          <a:spcPct val="90000"/>
-                        </a:lnSpc>
-                        <a:spcBef>
-                          <a:spcPts val="1000"/>
-                        </a:spcBef>
-                        <a:spcAft>
-                          <a:spcPts val="0"/>
-                        </a:spcAft>
-                        <a:buSzPct val="100000"/>
-                        <a:buFont typeface="Arial" pitchFamily="34"/>
-                        <a:buNone/>
-                        <a:tabLst/>
-                      </a:pPr>
-                      <a:r>
-                        <a:rPr lang="en-US" altLang="zh-CN" sz="1800" b="0" i="0" u="none" strike="noStrike" kern="1200" cap="none" spc="0" baseline="0">
-                          <a:solidFill>
-                            <a:srgbClr val="000000"/>
-                          </a:solidFill>
-                          <a:uFillTx/>
-                          <a:latin typeface="Consolas" pitchFamily="49"/>
-                          <a:ea typeface="微软雅黑" pitchFamily="34"/>
-                        </a:rPr>
-                        <a:t>C</a:t>
-                      </a:r>
-                      <a:endParaRPr lang="zh-CN" altLang="en-US" sz="1800" b="0" i="0" u="none" strike="noStrike" kern="1200" cap="none" spc="0" baseline="0">
-                        <a:solidFill>
-                          <a:srgbClr val="000000"/>
-                        </a:solidFill>
-                        <a:uFillTx/>
-                        <a:latin typeface="Consolas" pitchFamily="49"/>
-                        <a:ea typeface="微软雅黑" pitchFamily="34"/>
-                      </a:endParaRPr>
-                    </a:p>
-                  </a:txBody>
-                  <a:tcPr/>
-                </a:tc>
-                <a:tc>
-                  <a:txBody>
-                    <a:bodyPr/>
-                    <a:lstStyle/>
-                    <a:p>
-                      <a:pPr marL="0" marR="0" lvl="0" indent="0" algn="ctr" defTabSz="539998" rtl="0" fontAlgn="auto" hangingPunct="1">
-                        <a:lnSpc>
-                          <a:spcPct val="90000"/>
-                        </a:lnSpc>
-                        <a:spcBef>
-                          <a:spcPts val="1000"/>
-                        </a:spcBef>
-                        <a:spcAft>
-                          <a:spcPts val="0"/>
-                        </a:spcAft>
-                        <a:buSzPct val="100000"/>
-                        <a:buFont typeface="Arial" pitchFamily="34"/>
-                        <a:buNone/>
-                        <a:tabLst/>
-                      </a:pPr>
-                      <a:r>
-                        <a:rPr lang="en-US" altLang="zh-CN" sz="1800" b="0" i="0" u="none" strike="noStrike" kern="1200" cap="none" spc="0" baseline="0">
-                          <a:solidFill>
-                            <a:srgbClr val="000000"/>
-                          </a:solidFill>
-                          <a:uFillTx/>
-                          <a:latin typeface="Consolas" pitchFamily="49"/>
-                          <a:ea typeface="微软雅黑" pitchFamily="34"/>
-                        </a:rPr>
-                        <a:t>CTAG</a:t>
-                      </a:r>
-                      <a:endParaRPr lang="zh-CN" altLang="en-US" sz="1800" b="0" i="0" u="none" strike="noStrike" kern="1200" cap="none" spc="0" baseline="0">
-                        <a:solidFill>
-                          <a:srgbClr val="000000"/>
-                        </a:solidFill>
-                        <a:uFillTx/>
-                        <a:latin typeface="Consolas" pitchFamily="49"/>
-                        <a:ea typeface="微软雅黑" pitchFamily="34"/>
-                      </a:endParaRPr>
-                    </a:p>
-                  </a:txBody>
-                  <a:tcPr/>
-                </a:tc>
-                <a:tc>
-                  <a:txBody>
-                    <a:bodyPr/>
-                    <a:lstStyle/>
-                    <a:p>
-                      <a:pPr marL="0" marR="0" lvl="0" indent="0" algn="ctr" defTabSz="539998" rtl="0" fontAlgn="auto" hangingPunct="1">
-                        <a:lnSpc>
-                          <a:spcPct val="90000"/>
-                        </a:lnSpc>
-                        <a:spcBef>
-                          <a:spcPts val="1000"/>
-                        </a:spcBef>
-                        <a:spcAft>
-                          <a:spcPts val="0"/>
-                        </a:spcAft>
-                        <a:buSzPct val="100000"/>
-                        <a:buFont typeface="Arial" pitchFamily="34"/>
-                        <a:buNone/>
-                        <a:tabLst/>
-                      </a:pPr>
-                      <a:r>
-                        <a:rPr lang="en-US" altLang="zh-CN" sz="1800" b="0" i="0" u="none" strike="noStrike" kern="1200" cap="none" spc="0" baseline="0">
-                          <a:solidFill>
-                            <a:srgbClr val="000000"/>
-                          </a:solidFill>
-                          <a:uFillTx/>
-                          <a:latin typeface="Consolas" pitchFamily="49"/>
-                          <a:ea typeface="微软雅黑" pitchFamily="34"/>
-                        </a:rPr>
-                        <a:t>insertion</a:t>
-                      </a:r>
-                      <a:endParaRPr lang="zh-CN" altLang="en-US" sz="1800" b="0" i="0" u="none" strike="noStrike" kern="1200" cap="none" spc="0" baseline="0">
-                        <a:solidFill>
-                          <a:srgbClr val="000000"/>
-                        </a:solidFill>
-                        <a:uFillTx/>
-                        <a:latin typeface="Consolas" pitchFamily="49"/>
-                        <a:ea typeface="微软雅黑" pitchFamily="34"/>
-                      </a:endParaRPr>
-                    </a:p>
-                  </a:txBody>
-                  <a:tcPr/>
-                </a:tc>
-                <a:extLst>
-                  <a:ext uri="{0D108BD9-81ED-4DB2-BD59-A6C34878D82A}">
-                    <a16:rowId xmlns:a16="http://schemas.microsoft.com/office/drawing/2014/main" val="847781996"/>
-                  </a:ext>
-                </a:extLst>
-              </a:tr>
-              <a:tr h="370840">
-                <a:tc>
-                  <a:txBody>
-                    <a:bodyPr/>
-                    <a:lstStyle/>
-                    <a:p>
-                      <a:pPr marL="0" marR="0" lvl="0" indent="0" algn="ctr" defTabSz="539998" rtl="0" fontAlgn="auto" hangingPunct="1">
-                        <a:lnSpc>
-                          <a:spcPct val="90000"/>
-                        </a:lnSpc>
-                        <a:spcBef>
-                          <a:spcPts val="1000"/>
-                        </a:spcBef>
-                        <a:spcAft>
-                          <a:spcPts val="0"/>
-                        </a:spcAft>
-                        <a:buSzPct val="100000"/>
-                        <a:buFont typeface="Arial" pitchFamily="34"/>
-                        <a:buNone/>
-                        <a:tabLst/>
-                      </a:pPr>
-                      <a:r>
-                        <a:rPr lang="en-US" altLang="zh-CN" sz="1800" b="0" i="0" u="none" strike="noStrike" kern="1200" cap="none" spc="0" baseline="0">
-                          <a:solidFill>
-                            <a:srgbClr val="000000"/>
-                          </a:solidFill>
-                          <a:uFillTx/>
-                          <a:latin typeface="Consolas" pitchFamily="49"/>
-                          <a:ea typeface="微软雅黑" pitchFamily="34"/>
-                        </a:rPr>
-                        <a:t>3</a:t>
-                      </a:r>
-                      <a:endParaRPr lang="zh-CN" altLang="en-US" sz="1800" b="0" i="0" u="none" strike="noStrike" kern="1200" cap="none" spc="0" baseline="0">
-                        <a:solidFill>
-                          <a:srgbClr val="000000"/>
-                        </a:solidFill>
-                        <a:uFillTx/>
-                        <a:latin typeface="Consolas" pitchFamily="49"/>
-                        <a:ea typeface="微软雅黑" pitchFamily="34"/>
-                      </a:endParaRPr>
-                    </a:p>
-                  </a:txBody>
-                  <a:tcPr/>
-                </a:tc>
-                <a:tc>
-                  <a:txBody>
-                    <a:bodyPr/>
-                    <a:lstStyle/>
-                    <a:p>
-                      <a:pPr marL="0" marR="0" lvl="0" indent="0" algn="ctr" defTabSz="539998" rtl="0" fontAlgn="auto" hangingPunct="1">
-                        <a:lnSpc>
-                          <a:spcPct val="90000"/>
-                        </a:lnSpc>
-                        <a:spcBef>
-                          <a:spcPts val="1000"/>
-                        </a:spcBef>
-                        <a:spcAft>
-                          <a:spcPts val="0"/>
-                        </a:spcAft>
-                        <a:buSzPct val="100000"/>
-                        <a:buFont typeface="Arial" pitchFamily="34"/>
-                        <a:buNone/>
-                        <a:tabLst/>
-                      </a:pPr>
-                      <a:r>
-                        <a:rPr lang="en-US" altLang="zh-CN" sz="1800" b="0" i="0" u="none" strike="noStrike" kern="1200" cap="none" spc="0" baseline="0">
-                          <a:solidFill>
-                            <a:srgbClr val="000000"/>
-                          </a:solidFill>
-                          <a:uFillTx/>
-                          <a:latin typeface="Consolas" pitchFamily="49"/>
-                          <a:ea typeface="微软雅黑" pitchFamily="34"/>
-                        </a:rPr>
-                        <a:t>xxx100</a:t>
-                      </a:r>
-                      <a:endParaRPr lang="zh-CN" altLang="en-US" sz="1800" b="0" i="0" u="none" strike="noStrike" kern="1200" cap="none" spc="0" baseline="0">
-                        <a:solidFill>
-                          <a:srgbClr val="000000"/>
-                        </a:solidFill>
-                        <a:uFillTx/>
-                        <a:latin typeface="Consolas" pitchFamily="49"/>
-                        <a:ea typeface="微软雅黑" pitchFamily="34"/>
-                      </a:endParaRPr>
-                    </a:p>
-                  </a:txBody>
-                  <a:tcPr/>
-                </a:tc>
-                <a:tc>
-                  <a:txBody>
-                    <a:bodyPr/>
-                    <a:lstStyle/>
-                    <a:p>
-                      <a:pPr marL="0" marR="0" lvl="0" indent="0" algn="ctr" defTabSz="539998" rtl="0" fontAlgn="auto" hangingPunct="1">
-                        <a:lnSpc>
-                          <a:spcPct val="90000"/>
-                        </a:lnSpc>
-                        <a:spcBef>
-                          <a:spcPts val="1000"/>
-                        </a:spcBef>
-                        <a:spcAft>
-                          <a:spcPts val="0"/>
-                        </a:spcAft>
-                        <a:buSzPct val="100000"/>
-                        <a:buFont typeface="Arial" pitchFamily="34"/>
-                        <a:buNone/>
-                        <a:tabLst/>
-                      </a:pPr>
-                      <a:r>
-                        <a:rPr lang="en-US" altLang="zh-CN" sz="1800" b="0" i="0" u="none" strike="noStrike" kern="1200" cap="none" spc="0" baseline="0">
-                          <a:solidFill>
-                            <a:srgbClr val="000000"/>
-                          </a:solidFill>
-                          <a:uFillTx/>
-                          <a:latin typeface="Consolas" pitchFamily="49"/>
-                          <a:ea typeface="微软雅黑" pitchFamily="34"/>
-                        </a:rPr>
-                        <a:t>TCG</a:t>
-                      </a:r>
-                      <a:endParaRPr lang="zh-CN" altLang="en-US" sz="1800" b="0" i="0" u="none" strike="noStrike" kern="1200" cap="none" spc="0" baseline="0">
-                        <a:solidFill>
-                          <a:srgbClr val="000000"/>
-                        </a:solidFill>
-                        <a:uFillTx/>
-                        <a:latin typeface="Consolas" pitchFamily="49"/>
-                        <a:ea typeface="微软雅黑" pitchFamily="34"/>
-                      </a:endParaRPr>
-                    </a:p>
-                  </a:txBody>
-                  <a:tcPr/>
-                </a:tc>
-                <a:tc>
-                  <a:txBody>
-                    <a:bodyPr/>
-                    <a:lstStyle/>
-                    <a:p>
-                      <a:pPr marL="0" marR="0" lvl="0" indent="0" algn="ctr" defTabSz="539998" rtl="0" fontAlgn="auto" hangingPunct="1">
-                        <a:lnSpc>
-                          <a:spcPct val="90000"/>
-                        </a:lnSpc>
-                        <a:spcBef>
-                          <a:spcPts val="1000"/>
-                        </a:spcBef>
-                        <a:spcAft>
-                          <a:spcPts val="0"/>
-                        </a:spcAft>
-                        <a:buSzPct val="100000"/>
-                        <a:buFont typeface="Arial" pitchFamily="34"/>
-                        <a:buNone/>
-                        <a:tabLst/>
-                      </a:pPr>
-                      <a:r>
-                        <a:rPr lang="en-US" altLang="zh-CN" sz="1800" b="0" i="0" u="none" strike="noStrike" kern="1200" cap="none" spc="0" baseline="0">
-                          <a:solidFill>
-                            <a:srgbClr val="000000"/>
-                          </a:solidFill>
-                          <a:uFillTx/>
-                          <a:latin typeface="Consolas" pitchFamily="49"/>
-                          <a:ea typeface="微软雅黑" pitchFamily="34"/>
-                        </a:rPr>
-                        <a:t>T</a:t>
-                      </a:r>
-                      <a:endParaRPr lang="zh-CN" altLang="en-US" sz="1800" b="0" i="0" u="none" strike="noStrike" kern="1200" cap="none" spc="0" baseline="0">
-                        <a:solidFill>
-                          <a:srgbClr val="000000"/>
-                        </a:solidFill>
-                        <a:uFillTx/>
-                        <a:latin typeface="Consolas" pitchFamily="49"/>
-                        <a:ea typeface="微软雅黑" pitchFamily="34"/>
-                      </a:endParaRPr>
-                    </a:p>
-                  </a:txBody>
-                  <a:tcPr/>
-                </a:tc>
-                <a:tc>
-                  <a:txBody>
-                    <a:bodyPr/>
-                    <a:lstStyle/>
-                    <a:p>
-                      <a:pPr marL="0" marR="0" lvl="0" indent="0" algn="ctr" defTabSz="539998" rtl="0" fontAlgn="auto" hangingPunct="1">
-                        <a:lnSpc>
-                          <a:spcPct val="90000"/>
-                        </a:lnSpc>
-                        <a:spcBef>
-                          <a:spcPts val="1000"/>
-                        </a:spcBef>
-                        <a:spcAft>
-                          <a:spcPts val="0"/>
-                        </a:spcAft>
-                        <a:buSzPct val="100000"/>
-                        <a:buFont typeface="Arial" pitchFamily="34"/>
-                        <a:buNone/>
-                        <a:tabLst/>
-                      </a:pPr>
-                      <a:r>
-                        <a:rPr lang="en-US" altLang="zh-CN" sz="1800" b="0" i="0" u="none" strike="noStrike" kern="1200" cap="none" spc="0" baseline="0">
-                          <a:solidFill>
-                            <a:srgbClr val="000000"/>
-                          </a:solidFill>
-                          <a:uFillTx/>
-                          <a:latin typeface="Consolas" pitchFamily="49"/>
-                          <a:ea typeface="微软雅黑" pitchFamily="34"/>
-                        </a:rPr>
-                        <a:t>deletion</a:t>
-                      </a:r>
-                      <a:endParaRPr lang="zh-CN" altLang="en-US" sz="1800" b="0" i="0" u="none" strike="noStrike" kern="1200" cap="none" spc="0" baseline="0">
-                        <a:solidFill>
-                          <a:srgbClr val="000000"/>
-                        </a:solidFill>
-                        <a:uFillTx/>
-                        <a:latin typeface="Consolas" pitchFamily="49"/>
-                        <a:ea typeface="微软雅黑" pitchFamily="34"/>
-                      </a:endParaRPr>
-                    </a:p>
-                  </a:txBody>
-                  <a:tcPr/>
-                </a:tc>
-                <a:extLst>
-                  <a:ext uri="{0D108BD9-81ED-4DB2-BD59-A6C34878D82A}">
-                    <a16:rowId xmlns:a16="http://schemas.microsoft.com/office/drawing/2014/main" val="4264729732"/>
-                  </a:ext>
-                </a:extLst>
-              </a:tr>
-            </a:tbl>
-          </a:graphicData>
-        </a:graphic>
-      </p:graphicFrame>
-      <p:sp>
-        <p:nvSpPr>
-          <p:cNvPr id="8" name="副标题 2">
-            <a:extLst>
-              <a:ext uri="{FF2B5EF4-FFF2-40B4-BE49-F238E27FC236}">
-                <a16:creationId xmlns:a16="http://schemas.microsoft.com/office/drawing/2014/main" id="{44454878-0297-452F-8605-93B10772F9FE}"/>
-              </a:ext>
-            </a:extLst>
-          </p:cNvPr>
-          <p:cNvSpPr txBox="1">
-            <a:spLocks/>
-          </p:cNvSpPr>
-          <p:nvPr/>
-        </p:nvSpPr>
-        <p:spPr>
-          <a:xfrm>
-            <a:off x="8220974" y="-1"/>
-            <a:ext cx="3971026" cy="313932"/>
-          </a:xfrm>
-          <a:prstGeom prst="rect">
-            <a:avLst/>
-          </a:prstGeom>
-          <a:noFill/>
-          <a:ln>
-            <a:noFill/>
-          </a:ln>
-        </p:spPr>
-        <p:txBody>
-          <a:bodyPr vert="horz" wrap="square" lIns="91440" tIns="45720" rIns="91440" bIns="45720" anchor="t" anchorCtr="1" compatLnSpc="1">
-            <a:spAutoFit/>
-          </a:bodyPr>
-          <a:lstStyle>
-            <a:lvl1pPr marL="0" marR="0" lvl="0" indent="0" algn="ctr" defTabSz="539998" rtl="0" fontAlgn="auto" hangingPunct="1">
-              <a:lnSpc>
-                <a:spcPct val="90000"/>
-              </a:lnSpc>
-              <a:spcBef>
-                <a:spcPts val="1000"/>
-              </a:spcBef>
-              <a:spcAft>
-                <a:spcPts val="0"/>
-              </a:spcAft>
-              <a:buSzPct val="100000"/>
-              <a:buFont typeface="Arial" pitchFamily="34"/>
-              <a:buNone/>
-              <a:tabLst/>
-              <a:defRPr lang="zh-CN" sz="2400" b="0" i="0" u="none" strike="noStrike" kern="1200" cap="none" spc="0" baseline="0">
-                <a:solidFill>
-                  <a:srgbClr val="000000"/>
-                </a:solidFill>
-                <a:uFillTx/>
-                <a:latin typeface="Consolas" pitchFamily="49"/>
-                <a:ea typeface="微软雅黑" pitchFamily="34"/>
-              </a:defRPr>
-            </a:lvl1pPr>
-            <a:lvl2pPr marL="685800" marR="0" lvl="1" indent="-228600" algn="l" defTabSz="539998" rtl="0" fontAlgn="auto" hangingPunct="1">
-              <a:lnSpc>
-                <a:spcPct val="90000"/>
-              </a:lnSpc>
-              <a:spcBef>
-                <a:spcPts val="500"/>
-              </a:spcBef>
-              <a:spcAft>
-                <a:spcPts val="0"/>
-              </a:spcAft>
-              <a:buSzPct val="100000"/>
-              <a:buFont typeface="Arial" pitchFamily="34"/>
-              <a:buChar char="•"/>
-              <a:tabLst/>
-              <a:defRPr lang="zh-CN" sz="2400" b="0" i="0" u="none" strike="noStrike" kern="1200" cap="none" spc="0" baseline="0">
-                <a:solidFill>
-                  <a:srgbClr val="000000"/>
-                </a:solidFill>
-                <a:uFillTx/>
-                <a:latin typeface="Consolas" pitchFamily="49"/>
-                <a:ea typeface="微软雅黑" pitchFamily="34"/>
-              </a:defRPr>
-            </a:lvl2pPr>
-            <a:lvl3pPr marL="1143000" marR="0" lvl="2" indent="-228600" algn="l" defTabSz="539998" rtl="0" fontAlgn="auto" hangingPunct="1">
-              <a:lnSpc>
-                <a:spcPct val="90000"/>
-              </a:lnSpc>
-              <a:spcBef>
-                <a:spcPts val="500"/>
-              </a:spcBef>
-              <a:spcAft>
-                <a:spcPts val="0"/>
-              </a:spcAft>
-              <a:buSzPct val="100000"/>
-              <a:buFont typeface="Arial" pitchFamily="34"/>
-              <a:buChar char="•"/>
-              <a:tabLst/>
-              <a:defRPr lang="zh-CN" sz="2000" b="0" i="0" u="none" strike="noStrike" kern="1200" cap="none" spc="0" baseline="0">
-                <a:solidFill>
-                  <a:srgbClr val="000000"/>
-                </a:solidFill>
-                <a:uFillTx/>
-                <a:latin typeface="Consolas" pitchFamily="49"/>
-                <a:ea typeface="微软雅黑" pitchFamily="34"/>
-              </a:defRPr>
-            </a:lvl3pPr>
-            <a:lvl4pPr marL="1600200" marR="0" lvl="3" indent="-228600" algn="l" defTabSz="539998" rtl="0" fontAlgn="auto" hangingPunct="1">
-              <a:lnSpc>
-                <a:spcPct val="90000"/>
-              </a:lnSpc>
-              <a:spcBef>
-                <a:spcPts val="500"/>
-              </a:spcBef>
-              <a:spcAft>
-                <a:spcPts val="0"/>
-              </a:spcAft>
-              <a:buSzPct val="100000"/>
-              <a:buFont typeface="Arial" pitchFamily="34"/>
-              <a:buChar char="•"/>
-              <a:tabLst/>
-              <a:defRPr lang="zh-CN" sz="1800" b="0" i="0" u="none" strike="noStrike" kern="1200" cap="none" spc="0" baseline="0">
-                <a:solidFill>
-                  <a:srgbClr val="000000"/>
-                </a:solidFill>
-                <a:uFillTx/>
-                <a:latin typeface="Consolas" pitchFamily="49"/>
-                <a:ea typeface="微软雅黑" pitchFamily="34"/>
-              </a:defRPr>
-            </a:lvl4pPr>
-            <a:lvl5pPr marL="2057400" marR="0" lvl="4" indent="-228600" algn="l" defTabSz="539998" rtl="0" fontAlgn="auto" hangingPunct="1">
-              <a:lnSpc>
-                <a:spcPct val="90000"/>
-              </a:lnSpc>
-              <a:spcBef>
-                <a:spcPts val="500"/>
-              </a:spcBef>
-              <a:spcAft>
-                <a:spcPts val="0"/>
-              </a:spcAft>
-              <a:buSzPct val="100000"/>
-              <a:buFont typeface="Arial" pitchFamily="34"/>
-              <a:buChar char="•"/>
-              <a:tabLst/>
-              <a:defRPr lang="zh-CN" sz="1800" b="0" i="0" u="none" strike="noStrike" kern="1200" cap="none" spc="0" baseline="0">
-                <a:solidFill>
-                  <a:srgbClr val="000000"/>
-                </a:solidFill>
-                <a:uFillTx/>
-                <a:latin typeface="Consolas" pitchFamily="49"/>
-                <a:ea typeface="微软雅黑" pitchFamily="34"/>
-              </a:defRPr>
-            </a:lvl5pPr>
-            <a:lvl6pPr marL="2514600" indent="-228600" algn="l" defTabSz="914400" rtl="0" eaLnBrk="1" latinLnBrk="0" hangingPunct="1">
-              <a:lnSpc>
-                <a:spcPct val="90000"/>
-              </a:lnSpc>
-              <a:spcBef>
-                <a:spcPts val="500"/>
-              </a:spcBef>
-              <a:buFont typeface="Arial" panose="020B0604020202020204" pitchFamily="34" charset="0"/>
-              <a:buChar char="•"/>
-              <a:defRPr sz="1800" kern="1200">
-                <a:solidFill>
-                  <a:schemeClr val="tx1"/>
-                </a:solidFill>
-                <a:latin typeface="+mn-lt"/>
-                <a:ea typeface="+mn-ea"/>
-                <a:cs typeface="+mn-cs"/>
-              </a:defRPr>
-            </a:lvl6pPr>
-            <a:lvl7pPr marL="2971800" indent="-228600" algn="l" defTabSz="914400" rtl="0" eaLnBrk="1" latinLnBrk="0" hangingPunct="1">
-              <a:lnSpc>
-                <a:spcPct val="90000"/>
-              </a:lnSpc>
-              <a:spcBef>
-                <a:spcPts val="500"/>
-              </a:spcBef>
-              <a:buFont typeface="Arial" panose="020B0604020202020204" pitchFamily="34" charset="0"/>
-              <a:buChar char="•"/>
-              <a:defRPr sz="1800" kern="1200">
-                <a:solidFill>
-                  <a:schemeClr val="tx1"/>
-                </a:solidFill>
-                <a:latin typeface="+mn-lt"/>
-                <a:ea typeface="+mn-ea"/>
-                <a:cs typeface="+mn-cs"/>
-              </a:defRPr>
-            </a:lvl7pPr>
-            <a:lvl8pPr marL="3429000" indent="-228600" algn="l" defTabSz="914400" rtl="0" eaLnBrk="1" latinLnBrk="0" hangingPunct="1">
-              <a:lnSpc>
-                <a:spcPct val="90000"/>
-              </a:lnSpc>
-              <a:spcBef>
-                <a:spcPts val="500"/>
-              </a:spcBef>
-              <a:buFont typeface="Arial" panose="020B0604020202020204" pitchFamily="34" charset="0"/>
-              <a:buChar char="•"/>
-              <a:defRPr sz="1800" kern="1200">
-                <a:solidFill>
-                  <a:schemeClr val="tx1"/>
-                </a:solidFill>
-                <a:latin typeface="+mn-lt"/>
-                <a:ea typeface="+mn-ea"/>
-                <a:cs typeface="+mn-cs"/>
-              </a:defRPr>
-            </a:lvl8pPr>
-            <a:lvl9pPr marL="3886200" indent="-228600" algn="l" defTabSz="914400" rtl="0" eaLnBrk="1" latinLnBrk="0" hangingPunct="1">
-              <a:lnSpc>
-                <a:spcPct val="90000"/>
-              </a:lnSpc>
-              <a:spcBef>
-                <a:spcPts val="500"/>
-              </a:spcBef>
-              <a:buFont typeface="Arial" panose="020B0604020202020204" pitchFamily="34" charset="0"/>
-              <a:buChar char="•"/>
-              <a:defRPr sz="1800" kern="1200">
-                <a:solidFill>
-                  <a:schemeClr val="tx1"/>
-                </a:solidFill>
-                <a:latin typeface="+mn-lt"/>
-                <a:ea typeface="+mn-ea"/>
-                <a:cs typeface="+mn-cs"/>
-              </a:defRPr>
-            </a:lvl9pPr>
-          </a:lstStyle>
-          <a:p>
-            <a:r>
-              <a:rPr lang="en-US" sz="1600"/>
-              <a:t>Length of Given Reads: 70bp</a:t>
-            </a:r>
-          </a:p>
-        </p:txBody>
-      </p:sp>
-      <p:graphicFrame>
-        <p:nvGraphicFramePr>
-          <p:cNvPr id="9" name="表格 7">
-            <a:extLst>
-              <a:ext uri="{FF2B5EF4-FFF2-40B4-BE49-F238E27FC236}">
-                <a16:creationId xmlns:a16="http://schemas.microsoft.com/office/drawing/2014/main" id="{660C7F5E-436F-4EC4-86FD-4BC2C184E58C}"/>
-              </a:ext>
-            </a:extLst>
-          </p:cNvPr>
-          <p:cNvGraphicFramePr>
-            <a:graphicFrameLocks noGrp="1"/>
-          </p:cNvGraphicFramePr>
-          <p:nvPr>
-            <p:extLst>
-              <p:ext uri="{D42A27DB-BD31-4B8C-83A1-F6EECF244321}">
-                <p14:modId xmlns:p14="http://schemas.microsoft.com/office/powerpoint/2010/main" val="4020873121"/>
-              </p:ext>
-            </p:extLst>
-          </p:nvPr>
-        </p:nvGraphicFramePr>
-        <p:xfrm>
-          <a:off x="1637506" y="4583334"/>
-          <a:ext cx="10153290" cy="1697736"/>
-        </p:xfrm>
-        <a:graphic>
-          <a:graphicData uri="http://schemas.openxmlformats.org/drawingml/2006/table">
-            <a:tbl>
-              <a:tblPr firstRow="1" bandRow="1">
-                <a:tableStyleId>{5940675A-B579-460E-94D1-54222C63F5DA}</a:tableStyleId>
-              </a:tblPr>
-              <a:tblGrid>
-                <a:gridCol w="1725284">
-                  <a:extLst>
-                    <a:ext uri="{9D8B030D-6E8A-4147-A177-3AD203B41FA5}">
-                      <a16:colId xmlns:a16="http://schemas.microsoft.com/office/drawing/2014/main" val="1396362083"/>
-                    </a:ext>
-                  </a:extLst>
-                </a:gridCol>
-                <a:gridCol w="4214003">
-                  <a:extLst>
-                    <a:ext uri="{9D8B030D-6E8A-4147-A177-3AD203B41FA5}">
-                      <a16:colId xmlns:a16="http://schemas.microsoft.com/office/drawing/2014/main" val="1498236489"/>
-                    </a:ext>
-                  </a:extLst>
-                </a:gridCol>
-                <a:gridCol w="4214003">
-                  <a:extLst>
-                    <a:ext uri="{9D8B030D-6E8A-4147-A177-3AD203B41FA5}">
-                      <a16:colId xmlns:a16="http://schemas.microsoft.com/office/drawing/2014/main" val="1292628694"/>
-                    </a:ext>
-                  </a:extLst>
-                </a:gridCol>
-              </a:tblGrid>
-              <a:tr h="370840">
-                <a:tc>
-                  <a:txBody>
-                    <a:bodyPr/>
-                    <a:lstStyle/>
-                    <a:p>
-                      <a:pPr marL="0" marR="0" lvl="0" indent="0" algn="ctr" defTabSz="539998" rtl="0" fontAlgn="auto" hangingPunct="1">
-                        <a:lnSpc>
-                          <a:spcPct val="90000"/>
-                        </a:lnSpc>
-                        <a:spcBef>
-                          <a:spcPts val="1000"/>
-                        </a:spcBef>
-                        <a:spcAft>
-                          <a:spcPts val="0"/>
-                        </a:spcAft>
-                        <a:buSzPct val="100000"/>
-                        <a:buFont typeface="Arial" pitchFamily="34"/>
-                        <a:buNone/>
-                        <a:tabLst/>
-                      </a:pPr>
-                      <a:r>
-                        <a:rPr lang="en-US" altLang="zh-CN" sz="1800" b="0" i="0" u="none" strike="noStrike" kern="1200" cap="none" spc="0" baseline="0">
-                          <a:solidFill>
-                            <a:schemeClr val="bg1"/>
-                          </a:solidFill>
-                          <a:uFillTx/>
-                          <a:latin typeface="Consolas" pitchFamily="49"/>
-                          <a:ea typeface="微软雅黑" pitchFamily="34"/>
-                        </a:rPr>
-                        <a:t>id</a:t>
-                      </a:r>
-                      <a:endParaRPr lang="zh-CN" altLang="en-US" sz="1800" b="0" i="0" u="none" strike="noStrike" kern="1200" cap="none" spc="0" baseline="0">
-                        <a:solidFill>
-                          <a:schemeClr val="bg1"/>
-                        </a:solidFill>
-                        <a:uFillTx/>
-                        <a:latin typeface="Consolas" pitchFamily="49"/>
-                        <a:ea typeface="微软雅黑" pitchFamily="34"/>
-                      </a:endParaRPr>
-                    </a:p>
-                  </a:txBody>
-                  <a:tcPr>
-                    <a:solidFill>
-                      <a:srgbClr val="1CB0A2"/>
-                    </a:solidFill>
-                  </a:tcPr>
-                </a:tc>
-                <a:tc>
-                  <a:txBody>
-                    <a:bodyPr/>
-                    <a:lstStyle/>
-                    <a:p>
-                      <a:pPr marL="0" marR="0" lvl="0" indent="0" algn="ctr" defTabSz="539998" rtl="0" fontAlgn="auto" hangingPunct="1">
-                        <a:lnSpc>
-                          <a:spcPct val="90000"/>
-                        </a:lnSpc>
-                        <a:spcBef>
-                          <a:spcPts val="1000"/>
-                        </a:spcBef>
-                        <a:spcAft>
-                          <a:spcPts val="0"/>
-                        </a:spcAft>
-                        <a:buSzPct val="100000"/>
-                        <a:buFont typeface="Arial" pitchFamily="34"/>
-                        <a:buNone/>
-                        <a:tabLst/>
-                      </a:pPr>
-                      <a:r>
-                        <a:rPr lang="en-US" altLang="zh-CN" sz="1800" b="0" i="0" u="none" strike="noStrike" kern="1200" cap="none" spc="0" baseline="0">
-                          <a:solidFill>
-                            <a:schemeClr val="bg1"/>
-                          </a:solidFill>
-                          <a:uFillTx/>
-                          <a:latin typeface="Consolas" pitchFamily="49"/>
-                          <a:ea typeface="微软雅黑" pitchFamily="34"/>
-                        </a:rPr>
-                        <a:t>bases around pos before integration</a:t>
-                      </a:r>
-                      <a:endParaRPr lang="zh-CN" altLang="en-US" sz="1800" b="0" i="0" u="none" strike="noStrike" kern="1200" cap="none" spc="0" baseline="0">
-                        <a:solidFill>
-                          <a:schemeClr val="bg1"/>
-                        </a:solidFill>
-                        <a:uFillTx/>
-                        <a:latin typeface="Consolas" pitchFamily="49"/>
-                        <a:ea typeface="微软雅黑" pitchFamily="34"/>
-                      </a:endParaRPr>
-                    </a:p>
-                  </a:txBody>
-                  <a:tcPr>
-                    <a:solidFill>
-                      <a:srgbClr val="1CB0A2"/>
-                    </a:solidFill>
-                  </a:tcPr>
-                </a:tc>
-                <a:tc>
-                  <a:txBody>
-                    <a:bodyPr/>
-                    <a:lstStyle/>
-                    <a:p>
-                      <a:pPr marL="0" marR="0" lvl="0" indent="0" algn="ctr" defTabSz="539998" rtl="0" fontAlgn="auto" hangingPunct="1">
-                        <a:lnSpc>
-                          <a:spcPct val="90000"/>
-                        </a:lnSpc>
-                        <a:spcBef>
-                          <a:spcPts val="1000"/>
-                        </a:spcBef>
-                        <a:spcAft>
-                          <a:spcPts val="0"/>
-                        </a:spcAft>
-                        <a:buSzPct val="100000"/>
-                        <a:buFont typeface="Arial" pitchFamily="34"/>
-                        <a:buNone/>
-                        <a:tabLst/>
-                      </a:pPr>
-                      <a:r>
-                        <a:rPr lang="en-US" altLang="zh-CN" sz="1800" b="0" i="0" u="none" strike="noStrike" kern="1200" cap="none" spc="0" baseline="0">
-                          <a:solidFill>
-                            <a:schemeClr val="bg1"/>
-                          </a:solidFill>
-                          <a:uFillTx/>
-                          <a:latin typeface="Consolas" pitchFamily="49"/>
-                          <a:ea typeface="微软雅黑" pitchFamily="34"/>
-                        </a:rPr>
-                        <a:t>bases around pos after integration</a:t>
-                      </a:r>
-                      <a:endParaRPr lang="zh-CN" altLang="en-US" sz="1800" b="0" i="0" u="none" strike="noStrike" kern="1200" cap="none" spc="0" baseline="0">
-                        <a:solidFill>
-                          <a:schemeClr val="bg1"/>
-                        </a:solidFill>
-                        <a:uFillTx/>
-                        <a:latin typeface="Consolas" pitchFamily="49"/>
-                        <a:ea typeface="微软雅黑" pitchFamily="34"/>
-                      </a:endParaRPr>
-                    </a:p>
-                  </a:txBody>
-                  <a:tcPr>
-                    <a:solidFill>
-                      <a:srgbClr val="1CB0A2"/>
-                    </a:solidFill>
-                  </a:tcPr>
-                </a:tc>
-                <a:extLst>
-                  <a:ext uri="{0D108BD9-81ED-4DB2-BD59-A6C34878D82A}">
-                    <a16:rowId xmlns:a16="http://schemas.microsoft.com/office/drawing/2014/main" val="3671342572"/>
-                  </a:ext>
-                </a:extLst>
-              </a:tr>
-              <a:tr h="370840">
-                <a:tc>
-                  <a:txBody>
-                    <a:bodyPr/>
-                    <a:lstStyle/>
-                    <a:p>
-                      <a:pPr marL="0" marR="0" lvl="0" indent="0" algn="ctr" defTabSz="539998" rtl="0" fontAlgn="auto" hangingPunct="1">
-                        <a:lnSpc>
-                          <a:spcPct val="90000"/>
-                        </a:lnSpc>
-                        <a:spcBef>
-                          <a:spcPts val="1000"/>
-                        </a:spcBef>
-                        <a:spcAft>
-                          <a:spcPts val="0"/>
-                        </a:spcAft>
-                        <a:buSzPct val="100000"/>
-                        <a:buFont typeface="Arial" pitchFamily="34"/>
-                        <a:buNone/>
-                        <a:tabLst/>
-                      </a:pPr>
-                      <a:r>
-                        <a:rPr lang="en-US" altLang="zh-CN" sz="1800" b="0" i="0" u="none" strike="noStrike" kern="1200" cap="none" spc="0" baseline="0">
-                          <a:solidFill>
-                            <a:srgbClr val="000000"/>
-                          </a:solidFill>
-                          <a:uFillTx/>
-                          <a:latin typeface="Consolas" pitchFamily="49"/>
-                          <a:ea typeface="微软雅黑" pitchFamily="34"/>
-                        </a:rPr>
-                        <a:t>1</a:t>
-                      </a:r>
-                      <a:endParaRPr lang="zh-CN" altLang="en-US" sz="1800" b="0" i="0" u="none" strike="noStrike" kern="1200" cap="none" spc="0" baseline="0">
-                        <a:solidFill>
-                          <a:srgbClr val="000000"/>
-                        </a:solidFill>
-                        <a:uFillTx/>
-                        <a:latin typeface="Consolas" pitchFamily="49"/>
-                        <a:ea typeface="微软雅黑" pitchFamily="34"/>
-                      </a:endParaRPr>
-                    </a:p>
-                  </a:txBody>
-                  <a:tcPr/>
-                </a:tc>
-                <a:tc>
-                  <a:txBody>
-                    <a:bodyPr/>
-                    <a:lstStyle/>
-                    <a:p>
-                      <a:pPr marL="0" marR="0" lvl="0" indent="0" algn="ctr" defTabSz="539998" rtl="0" fontAlgn="auto" hangingPunct="1">
-                        <a:lnSpc>
-                          <a:spcPct val="90000"/>
-                        </a:lnSpc>
-                        <a:spcBef>
-                          <a:spcPts val="1000"/>
-                        </a:spcBef>
-                        <a:spcAft>
-                          <a:spcPts val="0"/>
-                        </a:spcAft>
-                        <a:buSzPct val="100000"/>
-                        <a:buFont typeface="Arial" pitchFamily="34"/>
-                        <a:buNone/>
-                        <a:tabLst/>
-                      </a:pPr>
-                      <a:r>
-                        <a:rPr lang="en-US" altLang="zh-CN" sz="1800" b="0" i="0" u="none" strike="noStrike" kern="1200" cap="none" spc="0" baseline="0">
-                          <a:solidFill>
-                            <a:srgbClr val="000000"/>
-                          </a:solidFill>
-                          <a:uFillTx/>
-                          <a:latin typeface="Consolas" pitchFamily="49"/>
-                          <a:ea typeface="微软雅黑" pitchFamily="34"/>
-                        </a:rPr>
-                        <a:t>... XXXXXX C XXXXXX ...</a:t>
-                      </a:r>
-                      <a:endParaRPr lang="zh-CN" altLang="en-US" sz="1800" b="0" i="0" u="none" strike="noStrike" kern="1200" cap="none" spc="0" baseline="0">
-                        <a:solidFill>
-                          <a:srgbClr val="000000"/>
-                        </a:solidFill>
-                        <a:uFillTx/>
-                        <a:latin typeface="Consolas" pitchFamily="49"/>
-                        <a:ea typeface="微软雅黑" pitchFamily="34"/>
-                      </a:endParaRPr>
-                    </a:p>
-                  </a:txBody>
-                  <a:tcPr/>
-                </a:tc>
-                <a:tc>
-                  <a:txBody>
-                    <a:bodyPr/>
-                    <a:lstStyle/>
-                    <a:p>
-                      <a:pPr marL="0" marR="0" lvl="0" indent="0" algn="ctr" defTabSz="539998" rtl="0" fontAlgn="auto" hangingPunct="1">
-                        <a:lnSpc>
-                          <a:spcPct val="90000"/>
-                        </a:lnSpc>
-                        <a:spcBef>
-                          <a:spcPts val="1000"/>
-                        </a:spcBef>
-                        <a:spcAft>
-                          <a:spcPts val="0"/>
-                        </a:spcAft>
-                        <a:buSzPct val="100000"/>
-                        <a:buFont typeface="Arial" pitchFamily="34"/>
-                        <a:buNone/>
-                        <a:tabLst/>
-                      </a:pPr>
-                      <a:r>
-                        <a:rPr lang="en-US" altLang="zh-CN" sz="1800" b="0" i="0" u="none" strike="noStrike" kern="1200" cap="none" spc="0" baseline="0">
-                          <a:solidFill>
-                            <a:srgbClr val="000000"/>
-                          </a:solidFill>
-                          <a:uFillTx/>
-                          <a:latin typeface="Consolas" pitchFamily="49"/>
-                          <a:ea typeface="微软雅黑" pitchFamily="34"/>
-                        </a:rPr>
-                        <a:t>... XXXXXX T XXXXXX ...</a:t>
-                      </a:r>
-                      <a:endParaRPr lang="zh-CN" altLang="en-US" sz="1800" b="0" i="0" u="none" strike="noStrike" kern="1200" cap="none" spc="0" baseline="0">
-                        <a:solidFill>
-                          <a:srgbClr val="000000"/>
-                        </a:solidFill>
-                        <a:uFillTx/>
-                        <a:latin typeface="Consolas" pitchFamily="49"/>
-                        <a:ea typeface="微软雅黑" pitchFamily="34"/>
-                      </a:endParaRPr>
-                    </a:p>
-                  </a:txBody>
-                  <a:tcPr/>
-                </a:tc>
-                <a:extLst>
-                  <a:ext uri="{0D108BD9-81ED-4DB2-BD59-A6C34878D82A}">
-                    <a16:rowId xmlns:a16="http://schemas.microsoft.com/office/drawing/2014/main" val="4006098001"/>
-                  </a:ext>
-                </a:extLst>
-              </a:tr>
-              <a:tr h="370840">
-                <a:tc>
-                  <a:txBody>
-                    <a:bodyPr/>
-                    <a:lstStyle/>
-                    <a:p>
-                      <a:pPr marL="0" marR="0" lvl="0" indent="0" algn="ctr" defTabSz="539998" rtl="0" fontAlgn="auto" hangingPunct="1">
-                        <a:lnSpc>
-                          <a:spcPct val="90000"/>
-                        </a:lnSpc>
-                        <a:spcBef>
-                          <a:spcPts val="1000"/>
-                        </a:spcBef>
-                        <a:spcAft>
-                          <a:spcPts val="0"/>
-                        </a:spcAft>
-                        <a:buSzPct val="100000"/>
-                        <a:buFont typeface="Arial" pitchFamily="34"/>
-                        <a:buNone/>
-                        <a:tabLst/>
-                      </a:pPr>
-                      <a:r>
-                        <a:rPr lang="en-US" altLang="zh-CN" sz="1800" b="0" i="0" u="none" strike="noStrike" kern="1200" cap="none" spc="0" baseline="0">
-                          <a:solidFill>
-                            <a:srgbClr val="000000"/>
-                          </a:solidFill>
-                          <a:uFillTx/>
-                          <a:latin typeface="Consolas" pitchFamily="49"/>
-                          <a:ea typeface="微软雅黑" pitchFamily="34"/>
-                        </a:rPr>
-                        <a:t>2</a:t>
-                      </a:r>
-                      <a:endParaRPr lang="zh-CN" altLang="en-US" sz="1800" b="0" i="0" u="none" strike="noStrike" kern="1200" cap="none" spc="0" baseline="0">
-                        <a:solidFill>
-                          <a:srgbClr val="000000"/>
-                        </a:solidFill>
-                        <a:uFillTx/>
-                        <a:latin typeface="Consolas" pitchFamily="49"/>
-                        <a:ea typeface="微软雅黑" pitchFamily="34"/>
-                      </a:endParaRPr>
-                    </a:p>
-                  </a:txBody>
-                  <a:tcPr/>
-                </a:tc>
-                <a:tc>
-                  <a:txBody>
-                    <a:bodyPr/>
-                    <a:lstStyle/>
-                    <a:p>
-                      <a:pPr marL="0" marR="0" lvl="0" indent="0" algn="ctr" defTabSz="539998" rtl="0" fontAlgn="auto" hangingPunct="1">
-                        <a:lnSpc>
-                          <a:spcPct val="90000"/>
-                        </a:lnSpc>
-                        <a:spcBef>
-                          <a:spcPts val="1000"/>
-                        </a:spcBef>
-                        <a:spcAft>
-                          <a:spcPts val="0"/>
-                        </a:spcAft>
-                        <a:buSzPct val="100000"/>
-                        <a:buFont typeface="Arial" pitchFamily="34"/>
-                        <a:buNone/>
-                        <a:tabLst/>
-                      </a:pPr>
-                      <a:r>
-                        <a:rPr lang="en-US" altLang="zh-CN" sz="1800" b="0" i="0" u="none" strike="noStrike" kern="1200" cap="none" spc="0" baseline="0">
-                          <a:solidFill>
-                            <a:srgbClr val="000000"/>
-                          </a:solidFill>
-                          <a:uFillTx/>
-                          <a:latin typeface="Consolas" pitchFamily="49"/>
-                          <a:ea typeface="微软雅黑" pitchFamily="34"/>
-                        </a:rPr>
-                        <a:t>... XXXXXX C XXXXXX ...</a:t>
-                      </a:r>
-                      <a:endParaRPr lang="zh-CN" altLang="en-US" sz="1800" b="0" i="0" u="none" strike="noStrike" kern="1200" cap="none" spc="0" baseline="0">
-                        <a:solidFill>
-                          <a:srgbClr val="000000"/>
-                        </a:solidFill>
-                        <a:uFillTx/>
-                        <a:latin typeface="Consolas" pitchFamily="49"/>
-                        <a:ea typeface="微软雅黑" pitchFamily="34"/>
-                      </a:endParaRPr>
-                    </a:p>
-                  </a:txBody>
-                  <a:tcPr/>
-                </a:tc>
-                <a:tc>
-                  <a:txBody>
-                    <a:bodyPr/>
-                    <a:lstStyle/>
-                    <a:p>
-                      <a:pPr marL="0" marR="0" lvl="0" indent="0" algn="ctr" defTabSz="539998" rtl="0" fontAlgn="auto" hangingPunct="1">
-                        <a:lnSpc>
-                          <a:spcPct val="90000"/>
-                        </a:lnSpc>
-                        <a:spcBef>
-                          <a:spcPts val="1000"/>
-                        </a:spcBef>
-                        <a:spcAft>
-                          <a:spcPts val="0"/>
-                        </a:spcAft>
-                        <a:buSzPct val="100000"/>
-                        <a:buFont typeface="Arial" pitchFamily="34"/>
-                        <a:buNone/>
-                        <a:tabLst/>
-                      </a:pPr>
-                      <a:r>
-                        <a:rPr lang="en-US" altLang="zh-CN" sz="1800" b="0" i="0" u="none" strike="noStrike" kern="1200" cap="none" spc="0" baseline="0">
-                          <a:solidFill>
-                            <a:srgbClr val="000000"/>
-                          </a:solidFill>
-                          <a:uFillTx/>
-                          <a:latin typeface="Consolas" pitchFamily="49"/>
-                          <a:ea typeface="微软雅黑" pitchFamily="34"/>
-                        </a:rPr>
-                        <a:t>... XXXXXX CTAG XXXXXX ...</a:t>
-                      </a:r>
-                      <a:endParaRPr lang="zh-CN" altLang="en-US" sz="1800" b="0" i="0" u="none" strike="noStrike" kern="1200" cap="none" spc="0" baseline="0">
-                        <a:solidFill>
-                          <a:srgbClr val="000000"/>
-                        </a:solidFill>
-                        <a:uFillTx/>
-                        <a:latin typeface="Consolas" pitchFamily="49"/>
-                        <a:ea typeface="微软雅黑" pitchFamily="34"/>
-                      </a:endParaRPr>
-                    </a:p>
-                  </a:txBody>
-                  <a:tcPr/>
-                </a:tc>
-                <a:extLst>
-                  <a:ext uri="{0D108BD9-81ED-4DB2-BD59-A6C34878D82A}">
-                    <a16:rowId xmlns:a16="http://schemas.microsoft.com/office/drawing/2014/main" val="847781996"/>
-                  </a:ext>
-                </a:extLst>
-              </a:tr>
-              <a:tr h="370840">
-                <a:tc>
-                  <a:txBody>
-                    <a:bodyPr/>
-                    <a:lstStyle/>
-                    <a:p>
-                      <a:pPr marL="0" marR="0" lvl="0" indent="0" algn="ctr" defTabSz="539998" rtl="0" fontAlgn="auto" hangingPunct="1">
-                        <a:lnSpc>
-                          <a:spcPct val="90000"/>
-                        </a:lnSpc>
-                        <a:spcBef>
-                          <a:spcPts val="1000"/>
-                        </a:spcBef>
-                        <a:spcAft>
-                          <a:spcPts val="0"/>
-                        </a:spcAft>
-                        <a:buSzPct val="100000"/>
-                        <a:buFont typeface="Arial" pitchFamily="34"/>
-                        <a:buNone/>
-                        <a:tabLst/>
-                      </a:pPr>
-                      <a:r>
-                        <a:rPr lang="en-US" altLang="zh-CN" sz="1800" b="0" i="0" u="none" strike="noStrike" kern="1200" cap="none" spc="0" baseline="0">
-                          <a:solidFill>
-                            <a:srgbClr val="000000"/>
-                          </a:solidFill>
-                          <a:uFillTx/>
-                          <a:latin typeface="Consolas" pitchFamily="49"/>
-                          <a:ea typeface="微软雅黑" pitchFamily="34"/>
-                        </a:rPr>
-                        <a:t>3</a:t>
-                      </a:r>
-                      <a:endParaRPr lang="zh-CN" altLang="en-US" sz="1800" b="0" i="0" u="none" strike="noStrike" kern="1200" cap="none" spc="0" baseline="0">
-                        <a:solidFill>
-                          <a:srgbClr val="000000"/>
-                        </a:solidFill>
-                        <a:uFillTx/>
-                        <a:latin typeface="Consolas" pitchFamily="49"/>
-                        <a:ea typeface="微软雅黑" pitchFamily="34"/>
-                      </a:endParaRPr>
-                    </a:p>
-                  </a:txBody>
-                  <a:tcPr/>
-                </a:tc>
-                <a:tc>
-                  <a:txBody>
-                    <a:bodyPr/>
-                    <a:lstStyle/>
-                    <a:p>
-                      <a:pPr marL="0" marR="0" lvl="0" indent="0" algn="ctr" defTabSz="539998" rtl="0" fontAlgn="auto" hangingPunct="1">
-                        <a:lnSpc>
-                          <a:spcPct val="90000"/>
-                        </a:lnSpc>
-                        <a:spcBef>
-                          <a:spcPts val="1000"/>
-                        </a:spcBef>
-                        <a:spcAft>
-                          <a:spcPts val="0"/>
-                        </a:spcAft>
-                        <a:buSzPct val="100000"/>
-                        <a:buFont typeface="Arial" pitchFamily="34"/>
-                        <a:buNone/>
-                        <a:tabLst/>
-                      </a:pPr>
-                      <a:r>
-                        <a:rPr lang="en-US" altLang="zh-CN" sz="1800" b="0" i="0" u="none" strike="noStrike" kern="1200" cap="none" spc="0" baseline="0">
-                          <a:solidFill>
-                            <a:srgbClr val="000000"/>
-                          </a:solidFill>
-                          <a:uFillTx/>
-                          <a:latin typeface="Consolas" pitchFamily="49"/>
-                          <a:ea typeface="微软雅黑" pitchFamily="34"/>
-                        </a:rPr>
-                        <a:t>... XXXXXX TCG XXXXXX ...</a:t>
-                      </a:r>
-                      <a:endParaRPr lang="zh-CN" altLang="en-US" sz="1800" b="0" i="0" u="none" strike="noStrike" kern="1200" cap="none" spc="0" baseline="0">
-                        <a:solidFill>
-                          <a:srgbClr val="000000"/>
-                        </a:solidFill>
-                        <a:uFillTx/>
-                        <a:latin typeface="Consolas" pitchFamily="49"/>
-                        <a:ea typeface="微软雅黑" pitchFamily="34"/>
-                      </a:endParaRPr>
-                    </a:p>
-                  </a:txBody>
-                  <a:tcPr/>
-                </a:tc>
-                <a:tc>
-                  <a:txBody>
-                    <a:bodyPr/>
-                    <a:lstStyle/>
-                    <a:p>
-                      <a:pPr marL="0" marR="0" lvl="0" indent="0" algn="ctr" defTabSz="539998" rtl="0" fontAlgn="auto" hangingPunct="1">
-                        <a:lnSpc>
-                          <a:spcPct val="90000"/>
-                        </a:lnSpc>
-                        <a:spcBef>
-                          <a:spcPts val="1000"/>
-                        </a:spcBef>
-                        <a:spcAft>
-                          <a:spcPts val="0"/>
-                        </a:spcAft>
-                        <a:buSzPct val="100000"/>
-                        <a:buFont typeface="Arial" pitchFamily="34"/>
-                        <a:buNone/>
-                        <a:tabLst/>
-                      </a:pPr>
-                      <a:r>
-                        <a:rPr lang="en-US" altLang="zh-CN" sz="1800" b="0" i="0" u="none" strike="noStrike" kern="1200" cap="none" spc="0" baseline="0">
-                          <a:solidFill>
-                            <a:srgbClr val="000000"/>
-                          </a:solidFill>
-                          <a:uFillTx/>
-                          <a:latin typeface="Consolas" pitchFamily="49"/>
-                          <a:ea typeface="微软雅黑" pitchFamily="34"/>
-                        </a:rPr>
-                        <a:t>... XXXXXX T XXXXXX ...</a:t>
-                      </a:r>
-                      <a:endParaRPr lang="zh-CN" altLang="en-US" sz="1800" b="0" i="0" u="none" strike="noStrike" kern="1200" cap="none" spc="0" baseline="0">
-                        <a:solidFill>
-                          <a:srgbClr val="000000"/>
-                        </a:solidFill>
-                        <a:uFillTx/>
-                        <a:latin typeface="Consolas" pitchFamily="49"/>
-                        <a:ea typeface="微软雅黑" pitchFamily="34"/>
-                      </a:endParaRPr>
-                    </a:p>
-                  </a:txBody>
-                  <a:tcPr/>
-                </a:tc>
-                <a:extLst>
-                  <a:ext uri="{0D108BD9-81ED-4DB2-BD59-A6C34878D82A}">
-                    <a16:rowId xmlns:a16="http://schemas.microsoft.com/office/drawing/2014/main" val="4264729732"/>
-                  </a:ext>
-                </a:extLst>
-              </a:tr>
-            </a:tbl>
-          </a:graphicData>
-        </a:graphic>
-      </p:graphicFrame>
-      <p:sp>
-        <p:nvSpPr>
-          <p:cNvPr id="14" name="副标题 2">
-            <a:extLst>
-              <a:ext uri="{FF2B5EF4-FFF2-40B4-BE49-F238E27FC236}">
-                <a16:creationId xmlns:a16="http://schemas.microsoft.com/office/drawing/2014/main" id="{9F0226C9-BA69-4865-B98F-E4CBBB38B53B}"/>
-              </a:ext>
-            </a:extLst>
-          </p:cNvPr>
-          <p:cNvSpPr txBox="1">
-            <a:spLocks/>
-          </p:cNvSpPr>
-          <p:nvPr/>
-        </p:nvSpPr>
-        <p:spPr>
-          <a:xfrm>
-            <a:off x="5277281" y="3566916"/>
-            <a:ext cx="1780674" cy="313932"/>
-          </a:xfrm>
-          <a:prstGeom prst="rect">
-            <a:avLst/>
-          </a:prstGeom>
-          <a:noFill/>
-          <a:ln>
-            <a:noFill/>
-          </a:ln>
-        </p:spPr>
-        <p:txBody>
-          <a:bodyPr vert="horz" wrap="square" lIns="91440" tIns="45720" rIns="91440" bIns="45720" anchor="t" anchorCtr="1" compatLnSpc="1">
-            <a:spAutoFit/>
-          </a:bodyPr>
-          <a:lstStyle>
-            <a:lvl1pPr marL="0" marR="0" lvl="0" indent="0" algn="ctr" defTabSz="539998" rtl="0" fontAlgn="auto" hangingPunct="1">
-              <a:lnSpc>
-                <a:spcPct val="90000"/>
-              </a:lnSpc>
-              <a:spcBef>
-                <a:spcPts val="1000"/>
-              </a:spcBef>
-              <a:spcAft>
-                <a:spcPts val="0"/>
-              </a:spcAft>
-              <a:buSzPct val="100000"/>
-              <a:buFont typeface="Arial" pitchFamily="34"/>
-              <a:buNone/>
-              <a:tabLst/>
-              <a:defRPr lang="zh-CN" sz="2400" b="0" i="0" u="none" strike="noStrike" kern="1200" cap="none" spc="0" baseline="0">
-                <a:solidFill>
-                  <a:srgbClr val="000000"/>
-                </a:solidFill>
-                <a:uFillTx/>
-                <a:latin typeface="Consolas" pitchFamily="49"/>
-                <a:ea typeface="微软雅黑" pitchFamily="34"/>
-              </a:defRPr>
-            </a:lvl1pPr>
-            <a:lvl2pPr marL="685800" marR="0" lvl="1" indent="-228600" algn="l" defTabSz="539998" rtl="0" fontAlgn="auto" hangingPunct="1">
-              <a:lnSpc>
-                <a:spcPct val="90000"/>
-              </a:lnSpc>
-              <a:spcBef>
-                <a:spcPts val="500"/>
-              </a:spcBef>
-              <a:spcAft>
-                <a:spcPts val="0"/>
-              </a:spcAft>
-              <a:buSzPct val="100000"/>
-              <a:buFont typeface="Arial" pitchFamily="34"/>
-              <a:buChar char="•"/>
-              <a:tabLst/>
-              <a:defRPr lang="zh-CN" sz="2400" b="0" i="0" u="none" strike="noStrike" kern="1200" cap="none" spc="0" baseline="0">
-                <a:solidFill>
-                  <a:srgbClr val="000000"/>
-                </a:solidFill>
-                <a:uFillTx/>
-                <a:latin typeface="Consolas" pitchFamily="49"/>
-                <a:ea typeface="微软雅黑" pitchFamily="34"/>
-              </a:defRPr>
-            </a:lvl2pPr>
-            <a:lvl3pPr marL="1143000" marR="0" lvl="2" indent="-228600" algn="l" defTabSz="539998" rtl="0" fontAlgn="auto" hangingPunct="1">
-              <a:lnSpc>
-                <a:spcPct val="90000"/>
-              </a:lnSpc>
-              <a:spcBef>
-                <a:spcPts val="500"/>
-              </a:spcBef>
-              <a:spcAft>
-                <a:spcPts val="0"/>
-              </a:spcAft>
-              <a:buSzPct val="100000"/>
-              <a:buFont typeface="Arial" pitchFamily="34"/>
-              <a:buChar char="•"/>
-              <a:tabLst/>
-              <a:defRPr lang="zh-CN" sz="2000" b="0" i="0" u="none" strike="noStrike" kern="1200" cap="none" spc="0" baseline="0">
-                <a:solidFill>
-                  <a:srgbClr val="000000"/>
-                </a:solidFill>
-                <a:uFillTx/>
-                <a:latin typeface="Consolas" pitchFamily="49"/>
-                <a:ea typeface="微软雅黑" pitchFamily="34"/>
-              </a:defRPr>
-            </a:lvl3pPr>
-            <a:lvl4pPr marL="1600200" marR="0" lvl="3" indent="-228600" algn="l" defTabSz="539998" rtl="0" fontAlgn="auto" hangingPunct="1">
-              <a:lnSpc>
-                <a:spcPct val="90000"/>
-              </a:lnSpc>
-              <a:spcBef>
-                <a:spcPts val="500"/>
-              </a:spcBef>
-              <a:spcAft>
-                <a:spcPts val="0"/>
-              </a:spcAft>
-              <a:buSzPct val="100000"/>
-              <a:buFont typeface="Arial" pitchFamily="34"/>
-              <a:buChar char="•"/>
-              <a:tabLst/>
-              <a:defRPr lang="zh-CN" sz="1800" b="0" i="0" u="none" strike="noStrike" kern="1200" cap="none" spc="0" baseline="0">
-                <a:solidFill>
-                  <a:srgbClr val="000000"/>
-                </a:solidFill>
-                <a:uFillTx/>
-                <a:latin typeface="Consolas" pitchFamily="49"/>
-                <a:ea typeface="微软雅黑" pitchFamily="34"/>
-              </a:defRPr>
-            </a:lvl4pPr>
-            <a:lvl5pPr marL="2057400" marR="0" lvl="4" indent="-228600" algn="l" defTabSz="539998" rtl="0" fontAlgn="auto" hangingPunct="1">
-              <a:lnSpc>
-                <a:spcPct val="90000"/>
-              </a:lnSpc>
-              <a:spcBef>
-                <a:spcPts val="500"/>
-              </a:spcBef>
-              <a:spcAft>
-                <a:spcPts val="0"/>
-              </a:spcAft>
-              <a:buSzPct val="100000"/>
-              <a:buFont typeface="Arial" pitchFamily="34"/>
-              <a:buChar char="•"/>
-              <a:tabLst/>
-              <a:defRPr lang="zh-CN" sz="1800" b="0" i="0" u="none" strike="noStrike" kern="1200" cap="none" spc="0" baseline="0">
-                <a:solidFill>
-                  <a:srgbClr val="000000"/>
-                </a:solidFill>
-                <a:uFillTx/>
-                <a:latin typeface="Consolas" pitchFamily="49"/>
-                <a:ea typeface="微软雅黑" pitchFamily="34"/>
-              </a:defRPr>
-            </a:lvl5pPr>
-            <a:lvl6pPr marL="2514600" indent="-228600" algn="l" defTabSz="914400" rtl="0" eaLnBrk="1" latinLnBrk="0" hangingPunct="1">
-              <a:lnSpc>
-                <a:spcPct val="90000"/>
-              </a:lnSpc>
-              <a:spcBef>
-                <a:spcPts val="500"/>
-              </a:spcBef>
-              <a:buFont typeface="Arial" panose="020B0604020202020204" pitchFamily="34" charset="0"/>
-              <a:buChar char="•"/>
-              <a:defRPr sz="1800" kern="1200">
-                <a:solidFill>
-                  <a:schemeClr val="tx1"/>
-                </a:solidFill>
-                <a:latin typeface="+mn-lt"/>
-                <a:ea typeface="+mn-ea"/>
-                <a:cs typeface="+mn-cs"/>
-              </a:defRPr>
-            </a:lvl6pPr>
-            <a:lvl7pPr marL="2971800" indent="-228600" algn="l" defTabSz="914400" rtl="0" eaLnBrk="1" latinLnBrk="0" hangingPunct="1">
-              <a:lnSpc>
-                <a:spcPct val="90000"/>
-              </a:lnSpc>
-              <a:spcBef>
-                <a:spcPts val="500"/>
-              </a:spcBef>
-              <a:buFont typeface="Arial" panose="020B0604020202020204" pitchFamily="34" charset="0"/>
-              <a:buChar char="•"/>
-              <a:defRPr sz="1800" kern="1200">
-                <a:solidFill>
-                  <a:schemeClr val="tx1"/>
-                </a:solidFill>
-                <a:latin typeface="+mn-lt"/>
-                <a:ea typeface="+mn-ea"/>
-                <a:cs typeface="+mn-cs"/>
-              </a:defRPr>
-            </a:lvl7pPr>
-            <a:lvl8pPr marL="3429000" indent="-228600" algn="l" defTabSz="914400" rtl="0" eaLnBrk="1" latinLnBrk="0" hangingPunct="1">
-              <a:lnSpc>
-                <a:spcPct val="90000"/>
-              </a:lnSpc>
-              <a:spcBef>
-                <a:spcPts val="500"/>
-              </a:spcBef>
-              <a:buFont typeface="Arial" panose="020B0604020202020204" pitchFamily="34" charset="0"/>
-              <a:buChar char="•"/>
-              <a:defRPr sz="1800" kern="1200">
-                <a:solidFill>
-                  <a:schemeClr val="tx1"/>
-                </a:solidFill>
-                <a:latin typeface="+mn-lt"/>
-                <a:ea typeface="+mn-ea"/>
-                <a:cs typeface="+mn-cs"/>
-              </a:defRPr>
-            </a:lvl8pPr>
-            <a:lvl9pPr marL="3886200" indent="-228600" algn="l" defTabSz="914400" rtl="0" eaLnBrk="1" latinLnBrk="0" hangingPunct="1">
-              <a:lnSpc>
-                <a:spcPct val="90000"/>
-              </a:lnSpc>
-              <a:spcBef>
-                <a:spcPts val="500"/>
-              </a:spcBef>
-              <a:buFont typeface="Arial" panose="020B0604020202020204" pitchFamily="34" charset="0"/>
-              <a:buChar char="•"/>
-              <a:defRPr sz="1800" kern="1200">
-                <a:solidFill>
-                  <a:schemeClr val="tx1"/>
-                </a:solidFill>
-                <a:latin typeface="+mn-lt"/>
-                <a:ea typeface="+mn-ea"/>
-                <a:cs typeface="+mn-cs"/>
-              </a:defRPr>
-            </a:lvl9pPr>
-          </a:lstStyle>
-          <a:p>
-            <a:pPr algn="l"/>
-            <a:r>
-              <a:rPr lang="en-US" sz="1600"/>
-              <a:t>xxx001+0+1</a:t>
-            </a:r>
-          </a:p>
-        </p:txBody>
-      </p:sp>
-      <p:sp>
-        <p:nvSpPr>
-          <p:cNvPr id="15" name="副标题 2">
-            <a:extLst>
-              <a:ext uri="{FF2B5EF4-FFF2-40B4-BE49-F238E27FC236}">
-                <a16:creationId xmlns:a16="http://schemas.microsoft.com/office/drawing/2014/main" id="{DABC29B2-15EB-472F-B22D-844D2A0ADEDF}"/>
-              </a:ext>
-            </a:extLst>
-          </p:cNvPr>
-          <p:cNvSpPr txBox="1">
-            <a:spLocks/>
-          </p:cNvSpPr>
-          <p:nvPr/>
-        </p:nvSpPr>
-        <p:spPr>
-          <a:xfrm>
-            <a:off x="7445605" y="3566916"/>
-            <a:ext cx="1780674" cy="313932"/>
-          </a:xfrm>
-          <a:prstGeom prst="rect">
-            <a:avLst/>
-          </a:prstGeom>
-          <a:noFill/>
-          <a:ln>
-            <a:noFill/>
-          </a:ln>
-        </p:spPr>
-        <p:txBody>
-          <a:bodyPr vert="horz" wrap="square" lIns="91440" tIns="45720" rIns="91440" bIns="45720" anchor="t" anchorCtr="1" compatLnSpc="1">
-            <a:spAutoFit/>
-          </a:bodyPr>
-          <a:lstStyle>
-            <a:lvl1pPr marL="0" marR="0" lvl="0" indent="0" algn="ctr" defTabSz="539998" rtl="0" fontAlgn="auto" hangingPunct="1">
-              <a:lnSpc>
-                <a:spcPct val="90000"/>
-              </a:lnSpc>
-              <a:spcBef>
-                <a:spcPts val="1000"/>
-              </a:spcBef>
-              <a:spcAft>
-                <a:spcPts val="0"/>
-              </a:spcAft>
-              <a:buSzPct val="100000"/>
-              <a:buFont typeface="Arial" pitchFamily="34"/>
-              <a:buNone/>
-              <a:tabLst/>
-              <a:defRPr lang="zh-CN" sz="2400" b="0" i="0" u="none" strike="noStrike" kern="1200" cap="none" spc="0" baseline="0">
-                <a:solidFill>
-                  <a:srgbClr val="000000"/>
-                </a:solidFill>
-                <a:uFillTx/>
-                <a:latin typeface="Consolas" pitchFamily="49"/>
-                <a:ea typeface="微软雅黑" pitchFamily="34"/>
-              </a:defRPr>
-            </a:lvl1pPr>
-            <a:lvl2pPr marL="685800" marR="0" lvl="1" indent="-228600" algn="l" defTabSz="539998" rtl="0" fontAlgn="auto" hangingPunct="1">
-              <a:lnSpc>
-                <a:spcPct val="90000"/>
-              </a:lnSpc>
-              <a:spcBef>
-                <a:spcPts val="500"/>
-              </a:spcBef>
-              <a:spcAft>
-                <a:spcPts val="0"/>
-              </a:spcAft>
-              <a:buSzPct val="100000"/>
-              <a:buFont typeface="Arial" pitchFamily="34"/>
-              <a:buChar char="•"/>
-              <a:tabLst/>
-              <a:defRPr lang="zh-CN" sz="2400" b="0" i="0" u="none" strike="noStrike" kern="1200" cap="none" spc="0" baseline="0">
-                <a:solidFill>
-                  <a:srgbClr val="000000"/>
-                </a:solidFill>
-                <a:uFillTx/>
-                <a:latin typeface="Consolas" pitchFamily="49"/>
-                <a:ea typeface="微软雅黑" pitchFamily="34"/>
-              </a:defRPr>
-            </a:lvl2pPr>
-            <a:lvl3pPr marL="1143000" marR="0" lvl="2" indent="-228600" algn="l" defTabSz="539998" rtl="0" fontAlgn="auto" hangingPunct="1">
-              <a:lnSpc>
-                <a:spcPct val="90000"/>
-              </a:lnSpc>
-              <a:spcBef>
-                <a:spcPts val="500"/>
-              </a:spcBef>
-              <a:spcAft>
-                <a:spcPts val="0"/>
-              </a:spcAft>
-              <a:buSzPct val="100000"/>
-              <a:buFont typeface="Arial" pitchFamily="34"/>
-              <a:buChar char="•"/>
-              <a:tabLst/>
-              <a:defRPr lang="zh-CN" sz="2000" b="0" i="0" u="none" strike="noStrike" kern="1200" cap="none" spc="0" baseline="0">
-                <a:solidFill>
-                  <a:srgbClr val="000000"/>
-                </a:solidFill>
-                <a:uFillTx/>
-                <a:latin typeface="Consolas" pitchFamily="49"/>
-                <a:ea typeface="微软雅黑" pitchFamily="34"/>
-              </a:defRPr>
-            </a:lvl3pPr>
-            <a:lvl4pPr marL="1600200" marR="0" lvl="3" indent="-228600" algn="l" defTabSz="539998" rtl="0" fontAlgn="auto" hangingPunct="1">
-              <a:lnSpc>
-                <a:spcPct val="90000"/>
-              </a:lnSpc>
-              <a:spcBef>
-                <a:spcPts val="500"/>
-              </a:spcBef>
-              <a:spcAft>
-                <a:spcPts val="0"/>
-              </a:spcAft>
-              <a:buSzPct val="100000"/>
-              <a:buFont typeface="Arial" pitchFamily="34"/>
-              <a:buChar char="•"/>
-              <a:tabLst/>
-              <a:defRPr lang="zh-CN" sz="1800" b="0" i="0" u="none" strike="noStrike" kern="1200" cap="none" spc="0" baseline="0">
-                <a:solidFill>
-                  <a:srgbClr val="000000"/>
-                </a:solidFill>
-                <a:uFillTx/>
-                <a:latin typeface="Consolas" pitchFamily="49"/>
-                <a:ea typeface="微软雅黑" pitchFamily="34"/>
-              </a:defRPr>
-            </a:lvl4pPr>
-            <a:lvl5pPr marL="2057400" marR="0" lvl="4" indent="-228600" algn="l" defTabSz="539998" rtl="0" fontAlgn="auto" hangingPunct="1">
-              <a:lnSpc>
-                <a:spcPct val="90000"/>
-              </a:lnSpc>
-              <a:spcBef>
-                <a:spcPts val="500"/>
-              </a:spcBef>
-              <a:spcAft>
-                <a:spcPts val="0"/>
-              </a:spcAft>
-              <a:buSzPct val="100000"/>
-              <a:buFont typeface="Arial" pitchFamily="34"/>
-              <a:buChar char="•"/>
-              <a:tabLst/>
-              <a:defRPr lang="zh-CN" sz="1800" b="0" i="0" u="none" strike="noStrike" kern="1200" cap="none" spc="0" baseline="0">
-                <a:solidFill>
-                  <a:srgbClr val="000000"/>
-                </a:solidFill>
-                <a:uFillTx/>
-                <a:latin typeface="Consolas" pitchFamily="49"/>
-                <a:ea typeface="微软雅黑" pitchFamily="34"/>
-              </a:defRPr>
-            </a:lvl5pPr>
-            <a:lvl6pPr marL="2514600" indent="-228600" algn="l" defTabSz="914400" rtl="0" eaLnBrk="1" latinLnBrk="0" hangingPunct="1">
-              <a:lnSpc>
-                <a:spcPct val="90000"/>
-              </a:lnSpc>
-              <a:spcBef>
-                <a:spcPts val="500"/>
-              </a:spcBef>
-              <a:buFont typeface="Arial" panose="020B0604020202020204" pitchFamily="34" charset="0"/>
-              <a:buChar char="•"/>
-              <a:defRPr sz="1800" kern="1200">
-                <a:solidFill>
-                  <a:schemeClr val="tx1"/>
-                </a:solidFill>
-                <a:latin typeface="+mn-lt"/>
-                <a:ea typeface="+mn-ea"/>
-                <a:cs typeface="+mn-cs"/>
-              </a:defRPr>
-            </a:lvl6pPr>
-            <a:lvl7pPr marL="2971800" indent="-228600" algn="l" defTabSz="914400" rtl="0" eaLnBrk="1" latinLnBrk="0" hangingPunct="1">
-              <a:lnSpc>
-                <a:spcPct val="90000"/>
-              </a:lnSpc>
-              <a:spcBef>
-                <a:spcPts val="500"/>
-              </a:spcBef>
-              <a:buFont typeface="Arial" panose="020B0604020202020204" pitchFamily="34" charset="0"/>
-              <a:buChar char="•"/>
-              <a:defRPr sz="1800" kern="1200">
-                <a:solidFill>
-                  <a:schemeClr val="tx1"/>
-                </a:solidFill>
-                <a:latin typeface="+mn-lt"/>
-                <a:ea typeface="+mn-ea"/>
-                <a:cs typeface="+mn-cs"/>
-              </a:defRPr>
-            </a:lvl7pPr>
-            <a:lvl8pPr marL="3429000" indent="-228600" algn="l" defTabSz="914400" rtl="0" eaLnBrk="1" latinLnBrk="0" hangingPunct="1">
-              <a:lnSpc>
-                <a:spcPct val="90000"/>
-              </a:lnSpc>
-              <a:spcBef>
-                <a:spcPts val="500"/>
-              </a:spcBef>
-              <a:buFont typeface="Arial" panose="020B0604020202020204" pitchFamily="34" charset="0"/>
-              <a:buChar char="•"/>
-              <a:defRPr sz="1800" kern="1200">
-                <a:solidFill>
-                  <a:schemeClr val="tx1"/>
-                </a:solidFill>
-                <a:latin typeface="+mn-lt"/>
-                <a:ea typeface="+mn-ea"/>
-                <a:cs typeface="+mn-cs"/>
-              </a:defRPr>
-            </a:lvl8pPr>
-            <a:lvl9pPr marL="3886200" indent="-228600" algn="l" defTabSz="914400" rtl="0" eaLnBrk="1" latinLnBrk="0" hangingPunct="1">
-              <a:lnSpc>
-                <a:spcPct val="90000"/>
-              </a:lnSpc>
-              <a:spcBef>
-                <a:spcPts val="500"/>
-              </a:spcBef>
-              <a:buFont typeface="Arial" panose="020B0604020202020204" pitchFamily="34" charset="0"/>
-              <a:buChar char="•"/>
-              <a:defRPr sz="1800" kern="1200">
-                <a:solidFill>
-                  <a:schemeClr val="tx1"/>
-                </a:solidFill>
-                <a:latin typeface="+mn-lt"/>
-                <a:ea typeface="+mn-ea"/>
-                <a:cs typeface="+mn-cs"/>
-              </a:defRPr>
-            </a:lvl9pPr>
-          </a:lstStyle>
-          <a:p>
-            <a:pPr algn="l"/>
-            <a:r>
-              <a:rPr lang="en-US" sz="1600"/>
-              <a:t>xxx050+(4-3)+1</a:t>
-            </a:r>
-          </a:p>
-        </p:txBody>
-      </p:sp>
-      <p:sp>
-        <p:nvSpPr>
-          <p:cNvPr id="17" name="副标题 2">
-            <a:extLst>
-              <a:ext uri="{FF2B5EF4-FFF2-40B4-BE49-F238E27FC236}">
-                <a16:creationId xmlns:a16="http://schemas.microsoft.com/office/drawing/2014/main" id="{EB4D56CC-1F68-43C5-B38E-71175B12C5AA}"/>
-              </a:ext>
-            </a:extLst>
-          </p:cNvPr>
-          <p:cNvSpPr txBox="1">
-            <a:spLocks/>
-          </p:cNvSpPr>
-          <p:nvPr/>
-        </p:nvSpPr>
-        <p:spPr>
-          <a:xfrm>
-            <a:off x="9713622" y="3566916"/>
-            <a:ext cx="1470931" cy="313932"/>
-          </a:xfrm>
-          <a:prstGeom prst="rect">
-            <a:avLst/>
-          </a:prstGeom>
-          <a:noFill/>
-          <a:ln>
-            <a:noFill/>
-          </a:ln>
-        </p:spPr>
-        <p:txBody>
-          <a:bodyPr vert="horz" wrap="square" lIns="91440" tIns="45720" rIns="91440" bIns="45720" anchor="t" anchorCtr="1" compatLnSpc="1">
-            <a:spAutoFit/>
-          </a:bodyPr>
-          <a:lstStyle>
-            <a:lvl1pPr marL="0" marR="0" lvl="0" indent="0" algn="ctr" defTabSz="539998" rtl="0" fontAlgn="auto" hangingPunct="1">
-              <a:lnSpc>
-                <a:spcPct val="90000"/>
-              </a:lnSpc>
-              <a:spcBef>
-                <a:spcPts val="1000"/>
-              </a:spcBef>
-              <a:spcAft>
-                <a:spcPts val="0"/>
-              </a:spcAft>
-              <a:buSzPct val="100000"/>
-              <a:buFont typeface="Arial" pitchFamily="34"/>
-              <a:buNone/>
-              <a:tabLst/>
-              <a:defRPr lang="zh-CN" sz="2400" b="0" i="0" u="none" strike="noStrike" kern="1200" cap="none" spc="0" baseline="0">
-                <a:solidFill>
-                  <a:srgbClr val="000000"/>
-                </a:solidFill>
-                <a:uFillTx/>
-                <a:latin typeface="Consolas" pitchFamily="49"/>
-                <a:ea typeface="微软雅黑" pitchFamily="34"/>
-              </a:defRPr>
-            </a:lvl1pPr>
-            <a:lvl2pPr marL="685800" marR="0" lvl="1" indent="-228600" algn="l" defTabSz="539998" rtl="0" fontAlgn="auto" hangingPunct="1">
-              <a:lnSpc>
-                <a:spcPct val="90000"/>
-              </a:lnSpc>
-              <a:spcBef>
-                <a:spcPts val="500"/>
-              </a:spcBef>
-              <a:spcAft>
-                <a:spcPts val="0"/>
-              </a:spcAft>
-              <a:buSzPct val="100000"/>
-              <a:buFont typeface="Arial" pitchFamily="34"/>
-              <a:buChar char="•"/>
-              <a:tabLst/>
-              <a:defRPr lang="zh-CN" sz="2400" b="0" i="0" u="none" strike="noStrike" kern="1200" cap="none" spc="0" baseline="0">
-                <a:solidFill>
-                  <a:srgbClr val="000000"/>
-                </a:solidFill>
-                <a:uFillTx/>
-                <a:latin typeface="Consolas" pitchFamily="49"/>
-                <a:ea typeface="微软雅黑" pitchFamily="34"/>
-              </a:defRPr>
-            </a:lvl2pPr>
-            <a:lvl3pPr marL="1143000" marR="0" lvl="2" indent="-228600" algn="l" defTabSz="539998" rtl="0" fontAlgn="auto" hangingPunct="1">
-              <a:lnSpc>
-                <a:spcPct val="90000"/>
-              </a:lnSpc>
-              <a:spcBef>
-                <a:spcPts val="500"/>
-              </a:spcBef>
-              <a:spcAft>
-                <a:spcPts val="0"/>
-              </a:spcAft>
-              <a:buSzPct val="100000"/>
-              <a:buFont typeface="Arial" pitchFamily="34"/>
-              <a:buChar char="•"/>
-              <a:tabLst/>
-              <a:defRPr lang="zh-CN" sz="2000" b="0" i="0" u="none" strike="noStrike" kern="1200" cap="none" spc="0" baseline="0">
-                <a:solidFill>
-                  <a:srgbClr val="000000"/>
-                </a:solidFill>
-                <a:uFillTx/>
-                <a:latin typeface="Consolas" pitchFamily="49"/>
-                <a:ea typeface="微软雅黑" pitchFamily="34"/>
-              </a:defRPr>
-            </a:lvl3pPr>
-            <a:lvl4pPr marL="1600200" marR="0" lvl="3" indent="-228600" algn="l" defTabSz="539998" rtl="0" fontAlgn="auto" hangingPunct="1">
-              <a:lnSpc>
-                <a:spcPct val="90000"/>
-              </a:lnSpc>
-              <a:spcBef>
-                <a:spcPts val="500"/>
-              </a:spcBef>
-              <a:spcAft>
-                <a:spcPts val="0"/>
-              </a:spcAft>
-              <a:buSzPct val="100000"/>
-              <a:buFont typeface="Arial" pitchFamily="34"/>
-              <a:buChar char="•"/>
-              <a:tabLst/>
-              <a:defRPr lang="zh-CN" sz="1800" b="0" i="0" u="none" strike="noStrike" kern="1200" cap="none" spc="0" baseline="0">
-                <a:solidFill>
-                  <a:srgbClr val="000000"/>
-                </a:solidFill>
-                <a:uFillTx/>
-                <a:latin typeface="Consolas" pitchFamily="49"/>
-                <a:ea typeface="微软雅黑" pitchFamily="34"/>
-              </a:defRPr>
-            </a:lvl4pPr>
-            <a:lvl5pPr marL="2057400" marR="0" lvl="4" indent="-228600" algn="l" defTabSz="539998" rtl="0" fontAlgn="auto" hangingPunct="1">
-              <a:lnSpc>
-                <a:spcPct val="90000"/>
-              </a:lnSpc>
-              <a:spcBef>
-                <a:spcPts val="500"/>
-              </a:spcBef>
-              <a:spcAft>
-                <a:spcPts val="0"/>
-              </a:spcAft>
-              <a:buSzPct val="100000"/>
-              <a:buFont typeface="Arial" pitchFamily="34"/>
-              <a:buChar char="•"/>
-              <a:tabLst/>
-              <a:defRPr lang="zh-CN" sz="1800" b="0" i="0" u="none" strike="noStrike" kern="1200" cap="none" spc="0" baseline="0">
-                <a:solidFill>
-                  <a:srgbClr val="000000"/>
-                </a:solidFill>
-                <a:uFillTx/>
-                <a:latin typeface="Consolas" pitchFamily="49"/>
-                <a:ea typeface="微软雅黑" pitchFamily="34"/>
-              </a:defRPr>
-            </a:lvl5pPr>
-            <a:lvl6pPr marL="2514600" indent="-228600" algn="l" defTabSz="914400" rtl="0" eaLnBrk="1" latinLnBrk="0" hangingPunct="1">
-              <a:lnSpc>
-                <a:spcPct val="90000"/>
-              </a:lnSpc>
-              <a:spcBef>
-                <a:spcPts val="500"/>
-              </a:spcBef>
-              <a:buFont typeface="Arial" panose="020B0604020202020204" pitchFamily="34" charset="0"/>
-              <a:buChar char="•"/>
-              <a:defRPr sz="1800" kern="1200">
-                <a:solidFill>
-                  <a:schemeClr val="tx1"/>
-                </a:solidFill>
-                <a:latin typeface="+mn-lt"/>
-                <a:ea typeface="+mn-ea"/>
-                <a:cs typeface="+mn-cs"/>
-              </a:defRPr>
-            </a:lvl6pPr>
-            <a:lvl7pPr marL="2971800" indent="-228600" algn="l" defTabSz="914400" rtl="0" eaLnBrk="1" latinLnBrk="0" hangingPunct="1">
-              <a:lnSpc>
-                <a:spcPct val="90000"/>
-              </a:lnSpc>
-              <a:spcBef>
-                <a:spcPts val="500"/>
-              </a:spcBef>
-              <a:buFont typeface="Arial" panose="020B0604020202020204" pitchFamily="34" charset="0"/>
-              <a:buChar char="•"/>
-              <a:defRPr sz="1800" kern="1200">
-                <a:solidFill>
-                  <a:schemeClr val="tx1"/>
-                </a:solidFill>
-                <a:latin typeface="+mn-lt"/>
-                <a:ea typeface="+mn-ea"/>
-                <a:cs typeface="+mn-cs"/>
-              </a:defRPr>
-            </a:lvl7pPr>
-            <a:lvl8pPr marL="3429000" indent="-228600" algn="l" defTabSz="914400" rtl="0" eaLnBrk="1" latinLnBrk="0" hangingPunct="1">
-              <a:lnSpc>
-                <a:spcPct val="90000"/>
-              </a:lnSpc>
-              <a:spcBef>
-                <a:spcPts val="500"/>
-              </a:spcBef>
-              <a:buFont typeface="Arial" panose="020B0604020202020204" pitchFamily="34" charset="0"/>
-              <a:buChar char="•"/>
-              <a:defRPr sz="1800" kern="1200">
-                <a:solidFill>
-                  <a:schemeClr val="tx1"/>
-                </a:solidFill>
-                <a:latin typeface="+mn-lt"/>
-                <a:ea typeface="+mn-ea"/>
-                <a:cs typeface="+mn-cs"/>
-              </a:defRPr>
-            </a:lvl8pPr>
-            <a:lvl9pPr marL="3886200" indent="-228600" algn="l" defTabSz="914400" rtl="0" eaLnBrk="1" latinLnBrk="0" hangingPunct="1">
-              <a:lnSpc>
-                <a:spcPct val="90000"/>
-              </a:lnSpc>
-              <a:spcBef>
-                <a:spcPts val="500"/>
-              </a:spcBef>
-              <a:buFont typeface="Arial" panose="020B0604020202020204" pitchFamily="34" charset="0"/>
-              <a:buChar char="•"/>
-              <a:defRPr sz="1800" kern="1200">
-                <a:solidFill>
-                  <a:schemeClr val="tx1"/>
-                </a:solidFill>
-                <a:latin typeface="+mn-lt"/>
-                <a:ea typeface="+mn-ea"/>
-                <a:cs typeface="+mn-cs"/>
-              </a:defRPr>
-            </a:lvl9pPr>
-          </a:lstStyle>
-          <a:p>
-            <a:pPr algn="l"/>
-            <a:r>
-              <a:rPr lang="en-US" sz="1600"/>
-              <a:t>xxx100+0+1</a:t>
-            </a:r>
-          </a:p>
-        </p:txBody>
-      </p:sp>
-      <p:sp>
-        <p:nvSpPr>
-          <p:cNvPr id="18" name="副标题 2">
-            <a:extLst>
-              <a:ext uri="{FF2B5EF4-FFF2-40B4-BE49-F238E27FC236}">
-                <a16:creationId xmlns:a16="http://schemas.microsoft.com/office/drawing/2014/main" id="{4F2E6668-967E-46BD-9DC7-7A11753BBBCB}"/>
-              </a:ext>
-            </a:extLst>
-          </p:cNvPr>
-          <p:cNvSpPr txBox="1">
-            <a:spLocks/>
-          </p:cNvSpPr>
-          <p:nvPr/>
-        </p:nvSpPr>
-        <p:spPr>
-          <a:xfrm>
-            <a:off x="2888572" y="3258968"/>
-            <a:ext cx="2188222" cy="663771"/>
-          </a:xfrm>
-          <a:prstGeom prst="rect">
-            <a:avLst/>
-          </a:prstGeom>
-          <a:noFill/>
-          <a:ln>
-            <a:noFill/>
-          </a:ln>
-        </p:spPr>
-        <p:txBody>
-          <a:bodyPr vert="horz" wrap="square" lIns="91440" tIns="45720" rIns="91440" bIns="45720" anchor="t" anchorCtr="1" compatLnSpc="1">
-            <a:spAutoFit/>
-          </a:bodyPr>
-          <a:lstStyle>
-            <a:lvl1pPr marL="0" marR="0" lvl="0" indent="0" algn="ctr" defTabSz="539998" rtl="0" fontAlgn="auto" hangingPunct="1">
-              <a:lnSpc>
-                <a:spcPct val="90000"/>
-              </a:lnSpc>
-              <a:spcBef>
-                <a:spcPts val="1000"/>
-              </a:spcBef>
-              <a:spcAft>
-                <a:spcPts val="0"/>
-              </a:spcAft>
-              <a:buSzPct val="100000"/>
-              <a:buFont typeface="Arial" pitchFamily="34"/>
-              <a:buNone/>
-              <a:tabLst/>
-              <a:defRPr lang="zh-CN" sz="2400" b="0" i="0" u="none" strike="noStrike" kern="1200" cap="none" spc="0" baseline="0">
-                <a:solidFill>
-                  <a:srgbClr val="000000"/>
-                </a:solidFill>
-                <a:uFillTx/>
-                <a:latin typeface="Consolas" pitchFamily="49"/>
-                <a:ea typeface="微软雅黑" pitchFamily="34"/>
-              </a:defRPr>
-            </a:lvl1pPr>
-            <a:lvl2pPr marL="685800" marR="0" lvl="1" indent="-228600" algn="l" defTabSz="539998" rtl="0" fontAlgn="auto" hangingPunct="1">
-              <a:lnSpc>
-                <a:spcPct val="90000"/>
-              </a:lnSpc>
-              <a:spcBef>
-                <a:spcPts val="500"/>
-              </a:spcBef>
-              <a:spcAft>
-                <a:spcPts val="0"/>
-              </a:spcAft>
-              <a:buSzPct val="100000"/>
-              <a:buFont typeface="Arial" pitchFamily="34"/>
-              <a:buChar char="•"/>
-              <a:tabLst/>
-              <a:defRPr lang="zh-CN" sz="2400" b="0" i="0" u="none" strike="noStrike" kern="1200" cap="none" spc="0" baseline="0">
-                <a:solidFill>
-                  <a:srgbClr val="000000"/>
-                </a:solidFill>
-                <a:uFillTx/>
-                <a:latin typeface="Consolas" pitchFamily="49"/>
-                <a:ea typeface="微软雅黑" pitchFamily="34"/>
-              </a:defRPr>
-            </a:lvl2pPr>
-            <a:lvl3pPr marL="1143000" marR="0" lvl="2" indent="-228600" algn="l" defTabSz="539998" rtl="0" fontAlgn="auto" hangingPunct="1">
-              <a:lnSpc>
-                <a:spcPct val="90000"/>
-              </a:lnSpc>
-              <a:spcBef>
-                <a:spcPts val="500"/>
-              </a:spcBef>
-              <a:spcAft>
-                <a:spcPts val="0"/>
-              </a:spcAft>
-              <a:buSzPct val="100000"/>
-              <a:buFont typeface="Arial" pitchFamily="34"/>
-              <a:buChar char="•"/>
-              <a:tabLst/>
-              <a:defRPr lang="zh-CN" sz="2000" b="0" i="0" u="none" strike="noStrike" kern="1200" cap="none" spc="0" baseline="0">
-                <a:solidFill>
-                  <a:srgbClr val="000000"/>
-                </a:solidFill>
-                <a:uFillTx/>
-                <a:latin typeface="Consolas" pitchFamily="49"/>
-                <a:ea typeface="微软雅黑" pitchFamily="34"/>
-              </a:defRPr>
-            </a:lvl3pPr>
-            <a:lvl4pPr marL="1600200" marR="0" lvl="3" indent="-228600" algn="l" defTabSz="539998" rtl="0" fontAlgn="auto" hangingPunct="1">
-              <a:lnSpc>
-                <a:spcPct val="90000"/>
-              </a:lnSpc>
-              <a:spcBef>
-                <a:spcPts val="500"/>
-              </a:spcBef>
-              <a:spcAft>
-                <a:spcPts val="0"/>
-              </a:spcAft>
-              <a:buSzPct val="100000"/>
-              <a:buFont typeface="Arial" pitchFamily="34"/>
-              <a:buChar char="•"/>
-              <a:tabLst/>
-              <a:defRPr lang="zh-CN" sz="1800" b="0" i="0" u="none" strike="noStrike" kern="1200" cap="none" spc="0" baseline="0">
-                <a:solidFill>
-                  <a:srgbClr val="000000"/>
-                </a:solidFill>
-                <a:uFillTx/>
-                <a:latin typeface="Consolas" pitchFamily="49"/>
-                <a:ea typeface="微软雅黑" pitchFamily="34"/>
-              </a:defRPr>
-            </a:lvl4pPr>
-            <a:lvl5pPr marL="2057400" marR="0" lvl="4" indent="-228600" algn="l" defTabSz="539998" rtl="0" fontAlgn="auto" hangingPunct="1">
-              <a:lnSpc>
-                <a:spcPct val="90000"/>
-              </a:lnSpc>
-              <a:spcBef>
-                <a:spcPts val="500"/>
-              </a:spcBef>
-              <a:spcAft>
-                <a:spcPts val="0"/>
-              </a:spcAft>
-              <a:buSzPct val="100000"/>
-              <a:buFont typeface="Arial" pitchFamily="34"/>
-              <a:buChar char="•"/>
-              <a:tabLst/>
-              <a:defRPr lang="zh-CN" sz="1800" b="0" i="0" u="none" strike="noStrike" kern="1200" cap="none" spc="0" baseline="0">
-                <a:solidFill>
-                  <a:srgbClr val="000000"/>
-                </a:solidFill>
-                <a:uFillTx/>
-                <a:latin typeface="Consolas" pitchFamily="49"/>
-                <a:ea typeface="微软雅黑" pitchFamily="34"/>
-              </a:defRPr>
-            </a:lvl5pPr>
-            <a:lvl6pPr marL="2514600" indent="-228600" algn="l" defTabSz="914400" rtl="0" eaLnBrk="1" latinLnBrk="0" hangingPunct="1">
-              <a:lnSpc>
-                <a:spcPct val="90000"/>
-              </a:lnSpc>
-              <a:spcBef>
-                <a:spcPts val="500"/>
-              </a:spcBef>
-              <a:buFont typeface="Arial" panose="020B0604020202020204" pitchFamily="34" charset="0"/>
-              <a:buChar char="•"/>
-              <a:defRPr sz="1800" kern="1200">
-                <a:solidFill>
-                  <a:schemeClr val="tx1"/>
-                </a:solidFill>
-                <a:latin typeface="+mn-lt"/>
-                <a:ea typeface="+mn-ea"/>
-                <a:cs typeface="+mn-cs"/>
-              </a:defRPr>
-            </a:lvl6pPr>
-            <a:lvl7pPr marL="2971800" indent="-228600" algn="l" defTabSz="914400" rtl="0" eaLnBrk="1" latinLnBrk="0" hangingPunct="1">
-              <a:lnSpc>
-                <a:spcPct val="90000"/>
-              </a:lnSpc>
-              <a:spcBef>
-                <a:spcPts val="500"/>
-              </a:spcBef>
-              <a:buFont typeface="Arial" panose="020B0604020202020204" pitchFamily="34" charset="0"/>
-              <a:buChar char="•"/>
-              <a:defRPr sz="1800" kern="1200">
-                <a:solidFill>
-                  <a:schemeClr val="tx1"/>
-                </a:solidFill>
-                <a:latin typeface="+mn-lt"/>
-                <a:ea typeface="+mn-ea"/>
-                <a:cs typeface="+mn-cs"/>
-              </a:defRPr>
-            </a:lvl7pPr>
-            <a:lvl8pPr marL="3429000" indent="-228600" algn="l" defTabSz="914400" rtl="0" eaLnBrk="1" latinLnBrk="0" hangingPunct="1">
-              <a:lnSpc>
-                <a:spcPct val="90000"/>
-              </a:lnSpc>
-              <a:spcBef>
-                <a:spcPts val="500"/>
-              </a:spcBef>
-              <a:buFont typeface="Arial" panose="020B0604020202020204" pitchFamily="34" charset="0"/>
-              <a:buChar char="•"/>
-              <a:defRPr sz="1800" kern="1200">
-                <a:solidFill>
-                  <a:schemeClr val="tx1"/>
-                </a:solidFill>
-                <a:latin typeface="+mn-lt"/>
-                <a:ea typeface="+mn-ea"/>
-                <a:cs typeface="+mn-cs"/>
-              </a:defRPr>
-            </a:lvl8pPr>
-            <a:lvl9pPr marL="3886200" indent="-228600" algn="l" defTabSz="914400" rtl="0" eaLnBrk="1" latinLnBrk="0" hangingPunct="1">
-              <a:lnSpc>
-                <a:spcPct val="90000"/>
-              </a:lnSpc>
-              <a:spcBef>
-                <a:spcPts val="500"/>
-              </a:spcBef>
-              <a:buFont typeface="Arial" panose="020B0604020202020204" pitchFamily="34" charset="0"/>
-              <a:buChar char="•"/>
-              <a:defRPr sz="1800" kern="1200">
-                <a:solidFill>
-                  <a:schemeClr val="tx1"/>
-                </a:solidFill>
-                <a:latin typeface="+mn-lt"/>
-                <a:ea typeface="+mn-ea"/>
-                <a:cs typeface="+mn-cs"/>
-              </a:defRPr>
-            </a:lvl9pPr>
-          </a:lstStyle>
-          <a:p>
-            <a:pPr algn="l"/>
-            <a:r>
-              <a:rPr lang="en-US" sz="1600"/>
-              <a:t>pos of next base</a:t>
-            </a:r>
-          </a:p>
-          <a:p>
-            <a:pPr algn="l"/>
-            <a:r>
-              <a:rPr lang="en-US" sz="1600"/>
-              <a:t>(pos+offset+1)</a:t>
-            </a:r>
-          </a:p>
-        </p:txBody>
-      </p:sp>
-      <p:sp>
-        <p:nvSpPr>
-          <p:cNvPr id="19" name="副标题 2">
-            <a:extLst>
-              <a:ext uri="{FF2B5EF4-FFF2-40B4-BE49-F238E27FC236}">
-                <a16:creationId xmlns:a16="http://schemas.microsoft.com/office/drawing/2014/main" id="{F86C55FF-396E-4F31-A459-64EBAD10C845}"/>
-              </a:ext>
-            </a:extLst>
-          </p:cNvPr>
-          <p:cNvSpPr txBox="1">
-            <a:spLocks/>
-          </p:cNvSpPr>
-          <p:nvPr/>
-        </p:nvSpPr>
-        <p:spPr>
-          <a:xfrm>
-            <a:off x="4986977" y="3272034"/>
-            <a:ext cx="6803819" cy="313932"/>
-          </a:xfrm>
-          <a:prstGeom prst="rect">
-            <a:avLst/>
-          </a:prstGeom>
-          <a:noFill/>
-          <a:ln>
-            <a:noFill/>
-          </a:ln>
-        </p:spPr>
-        <p:txBody>
-          <a:bodyPr vert="horz" wrap="square" lIns="91440" tIns="45720" rIns="91440" bIns="45720" anchor="t" anchorCtr="1" compatLnSpc="1">
-            <a:spAutoFit/>
-          </a:bodyPr>
-          <a:lstStyle>
-            <a:lvl1pPr marL="0" marR="0" lvl="0" indent="0" algn="ctr" defTabSz="539998" rtl="0" fontAlgn="auto" hangingPunct="1">
-              <a:lnSpc>
-                <a:spcPct val="90000"/>
-              </a:lnSpc>
-              <a:spcBef>
-                <a:spcPts val="1000"/>
-              </a:spcBef>
-              <a:spcAft>
-                <a:spcPts val="0"/>
-              </a:spcAft>
-              <a:buSzPct val="100000"/>
-              <a:buFont typeface="Arial" pitchFamily="34"/>
-              <a:buNone/>
-              <a:tabLst/>
-              <a:defRPr lang="zh-CN" sz="2400" b="0" i="0" u="none" strike="noStrike" kern="1200" cap="none" spc="0" baseline="0">
-                <a:solidFill>
-                  <a:srgbClr val="000000"/>
-                </a:solidFill>
-                <a:uFillTx/>
-                <a:latin typeface="Consolas" pitchFamily="49"/>
-                <a:ea typeface="微软雅黑" pitchFamily="34"/>
-              </a:defRPr>
-            </a:lvl1pPr>
-            <a:lvl2pPr marL="685800" marR="0" lvl="1" indent="-228600" algn="l" defTabSz="539998" rtl="0" fontAlgn="auto" hangingPunct="1">
-              <a:lnSpc>
-                <a:spcPct val="90000"/>
-              </a:lnSpc>
-              <a:spcBef>
-                <a:spcPts val="500"/>
-              </a:spcBef>
-              <a:spcAft>
-                <a:spcPts val="0"/>
-              </a:spcAft>
-              <a:buSzPct val="100000"/>
-              <a:buFont typeface="Arial" pitchFamily="34"/>
-              <a:buChar char="•"/>
-              <a:tabLst/>
-              <a:defRPr lang="zh-CN" sz="2400" b="0" i="0" u="none" strike="noStrike" kern="1200" cap="none" spc="0" baseline="0">
-                <a:solidFill>
-                  <a:srgbClr val="000000"/>
-                </a:solidFill>
-                <a:uFillTx/>
-                <a:latin typeface="Consolas" pitchFamily="49"/>
-                <a:ea typeface="微软雅黑" pitchFamily="34"/>
-              </a:defRPr>
-            </a:lvl2pPr>
-            <a:lvl3pPr marL="1143000" marR="0" lvl="2" indent="-228600" algn="l" defTabSz="539998" rtl="0" fontAlgn="auto" hangingPunct="1">
-              <a:lnSpc>
-                <a:spcPct val="90000"/>
-              </a:lnSpc>
-              <a:spcBef>
-                <a:spcPts val="500"/>
-              </a:spcBef>
-              <a:spcAft>
-                <a:spcPts val="0"/>
-              </a:spcAft>
-              <a:buSzPct val="100000"/>
-              <a:buFont typeface="Arial" pitchFamily="34"/>
-              <a:buChar char="•"/>
-              <a:tabLst/>
-              <a:defRPr lang="zh-CN" sz="2000" b="0" i="0" u="none" strike="noStrike" kern="1200" cap="none" spc="0" baseline="0">
-                <a:solidFill>
-                  <a:srgbClr val="000000"/>
-                </a:solidFill>
-                <a:uFillTx/>
-                <a:latin typeface="Consolas" pitchFamily="49"/>
-                <a:ea typeface="微软雅黑" pitchFamily="34"/>
-              </a:defRPr>
-            </a:lvl3pPr>
-            <a:lvl4pPr marL="1600200" marR="0" lvl="3" indent="-228600" algn="l" defTabSz="539998" rtl="0" fontAlgn="auto" hangingPunct="1">
-              <a:lnSpc>
-                <a:spcPct val="90000"/>
-              </a:lnSpc>
-              <a:spcBef>
-                <a:spcPts val="500"/>
-              </a:spcBef>
-              <a:spcAft>
-                <a:spcPts val="0"/>
-              </a:spcAft>
-              <a:buSzPct val="100000"/>
-              <a:buFont typeface="Arial" pitchFamily="34"/>
-              <a:buChar char="•"/>
-              <a:tabLst/>
-              <a:defRPr lang="zh-CN" sz="1800" b="0" i="0" u="none" strike="noStrike" kern="1200" cap="none" spc="0" baseline="0">
-                <a:solidFill>
-                  <a:srgbClr val="000000"/>
-                </a:solidFill>
-                <a:uFillTx/>
-                <a:latin typeface="Consolas" pitchFamily="49"/>
-                <a:ea typeface="微软雅黑" pitchFamily="34"/>
-              </a:defRPr>
-            </a:lvl4pPr>
-            <a:lvl5pPr marL="2057400" marR="0" lvl="4" indent="-228600" algn="l" defTabSz="539998" rtl="0" fontAlgn="auto" hangingPunct="1">
-              <a:lnSpc>
-                <a:spcPct val="90000"/>
-              </a:lnSpc>
-              <a:spcBef>
-                <a:spcPts val="500"/>
-              </a:spcBef>
-              <a:spcAft>
-                <a:spcPts val="0"/>
-              </a:spcAft>
-              <a:buSzPct val="100000"/>
-              <a:buFont typeface="Arial" pitchFamily="34"/>
-              <a:buChar char="•"/>
-              <a:tabLst/>
-              <a:defRPr lang="zh-CN" sz="1800" b="0" i="0" u="none" strike="noStrike" kern="1200" cap="none" spc="0" baseline="0">
-                <a:solidFill>
-                  <a:srgbClr val="000000"/>
-                </a:solidFill>
-                <a:uFillTx/>
-                <a:latin typeface="Consolas" pitchFamily="49"/>
-                <a:ea typeface="微软雅黑" pitchFamily="34"/>
-              </a:defRPr>
-            </a:lvl5pPr>
-            <a:lvl6pPr marL="2514600" indent="-228600" algn="l" defTabSz="914400" rtl="0" eaLnBrk="1" latinLnBrk="0" hangingPunct="1">
-              <a:lnSpc>
-                <a:spcPct val="90000"/>
-              </a:lnSpc>
-              <a:spcBef>
-                <a:spcPts val="500"/>
-              </a:spcBef>
-              <a:buFont typeface="Arial" panose="020B0604020202020204" pitchFamily="34" charset="0"/>
-              <a:buChar char="•"/>
-              <a:defRPr sz="1800" kern="1200">
-                <a:solidFill>
-                  <a:schemeClr val="tx1"/>
-                </a:solidFill>
-                <a:latin typeface="+mn-lt"/>
-                <a:ea typeface="+mn-ea"/>
-                <a:cs typeface="+mn-cs"/>
-              </a:defRPr>
-            </a:lvl6pPr>
-            <a:lvl7pPr marL="2971800" indent="-228600" algn="l" defTabSz="914400" rtl="0" eaLnBrk="1" latinLnBrk="0" hangingPunct="1">
-              <a:lnSpc>
-                <a:spcPct val="90000"/>
-              </a:lnSpc>
-              <a:spcBef>
-                <a:spcPts val="500"/>
-              </a:spcBef>
-              <a:buFont typeface="Arial" panose="020B0604020202020204" pitchFamily="34" charset="0"/>
-              <a:buChar char="•"/>
-              <a:defRPr sz="1800" kern="1200">
-                <a:solidFill>
-                  <a:schemeClr val="tx1"/>
-                </a:solidFill>
-                <a:latin typeface="+mn-lt"/>
-                <a:ea typeface="+mn-ea"/>
-                <a:cs typeface="+mn-cs"/>
-              </a:defRPr>
-            </a:lvl7pPr>
-            <a:lvl8pPr marL="3429000" indent="-228600" algn="l" defTabSz="914400" rtl="0" eaLnBrk="1" latinLnBrk="0" hangingPunct="1">
-              <a:lnSpc>
-                <a:spcPct val="90000"/>
-              </a:lnSpc>
-              <a:spcBef>
-                <a:spcPts val="500"/>
-              </a:spcBef>
-              <a:buFont typeface="Arial" panose="020B0604020202020204" pitchFamily="34" charset="0"/>
-              <a:buChar char="•"/>
-              <a:defRPr sz="1800" kern="1200">
-                <a:solidFill>
-                  <a:schemeClr val="tx1"/>
-                </a:solidFill>
-                <a:latin typeface="+mn-lt"/>
-                <a:ea typeface="+mn-ea"/>
-                <a:cs typeface="+mn-cs"/>
-              </a:defRPr>
-            </a:lvl8pPr>
-            <a:lvl9pPr marL="3886200" indent="-228600" algn="l" defTabSz="914400" rtl="0" eaLnBrk="1" latinLnBrk="0" hangingPunct="1">
-              <a:lnSpc>
-                <a:spcPct val="90000"/>
-              </a:lnSpc>
-              <a:spcBef>
-                <a:spcPts val="500"/>
-              </a:spcBef>
-              <a:buFont typeface="Arial" panose="020B0604020202020204" pitchFamily="34" charset="0"/>
-              <a:buChar char="•"/>
-              <a:defRPr sz="1800" kern="1200">
-                <a:solidFill>
-                  <a:schemeClr val="tx1"/>
-                </a:solidFill>
-                <a:latin typeface="+mn-lt"/>
-                <a:ea typeface="+mn-ea"/>
-                <a:cs typeface="+mn-cs"/>
-              </a:defRPr>
-            </a:lvl9pPr>
-          </a:lstStyle>
-          <a:p>
-            <a:pPr algn="l"/>
-            <a:r>
-              <a:rPr lang="en-US" sz="1600"/>
-              <a:t>offset: 0(mismatch, deletion), length(alt-ref)(insertion)</a:t>
-            </a:r>
-          </a:p>
-        </p:txBody>
-      </p:sp>
-      <p:sp>
-        <p:nvSpPr>
-          <p:cNvPr id="21" name="文本框 20">
-            <a:extLst>
-              <a:ext uri="{FF2B5EF4-FFF2-40B4-BE49-F238E27FC236}">
-                <a16:creationId xmlns:a16="http://schemas.microsoft.com/office/drawing/2014/main" id="{C158484A-C255-4192-AA77-FC1F1E9E6223}"/>
-              </a:ext>
-            </a:extLst>
-          </p:cNvPr>
-          <p:cNvSpPr txBox="1"/>
-          <p:nvPr/>
-        </p:nvSpPr>
-        <p:spPr>
-          <a:xfrm>
-            <a:off x="3078154" y="4257982"/>
-            <a:ext cx="8712642" cy="313932"/>
-          </a:xfrm>
-          <a:prstGeom prst="rect">
-            <a:avLst/>
-          </a:prstGeom>
-          <a:noFill/>
-        </p:spPr>
-        <p:txBody>
-          <a:bodyPr wrap="none" rtlCol="0">
-            <a:spAutoFit/>
-          </a:bodyPr>
-          <a:lstStyle/>
-          <a:p>
-            <a:pPr lvl="0" algn="r" defTabSz="539998">
-              <a:lnSpc>
-                <a:spcPct val="90000"/>
-              </a:lnSpc>
-              <a:spcBef>
-                <a:spcPts val="1000"/>
-              </a:spcBef>
-              <a:buClrTx/>
-              <a:buSzPct val="100000"/>
-              <a:defRPr/>
-            </a:pPr>
-            <a:r>
-              <a:rPr lang="en-US" altLang="zh-CN" sz="1600">
-                <a:solidFill>
-                  <a:srgbClr val="000000"/>
-                </a:solidFill>
-                <a:latin typeface="Consolas" pitchFamily="49"/>
-                <a:ea typeface="微软雅黑" pitchFamily="34"/>
-              </a:rPr>
-              <a:t>integrated ref: ... XXXXX T XXXXX ... XXXXX CTAG XXXXX ... XXXXX T XXXXX ...</a:t>
-            </a:r>
-          </a:p>
-        </p:txBody>
-      </p:sp>
-      <p:sp>
-        <p:nvSpPr>
-          <p:cNvPr id="22" name="文本框 21">
-            <a:extLst>
-              <a:ext uri="{FF2B5EF4-FFF2-40B4-BE49-F238E27FC236}">
-                <a16:creationId xmlns:a16="http://schemas.microsoft.com/office/drawing/2014/main" id="{84099389-3FAC-4ABD-A6C1-D40489E748E2}"/>
-              </a:ext>
-            </a:extLst>
-          </p:cNvPr>
-          <p:cNvSpPr txBox="1"/>
-          <p:nvPr/>
-        </p:nvSpPr>
-        <p:spPr>
-          <a:xfrm>
-            <a:off x="3078154" y="3921209"/>
-            <a:ext cx="8712642" cy="313932"/>
-          </a:xfrm>
-          <a:prstGeom prst="rect">
-            <a:avLst/>
-          </a:prstGeom>
-          <a:noFill/>
-        </p:spPr>
-        <p:txBody>
-          <a:bodyPr wrap="square" rtlCol="0">
-            <a:spAutoFit/>
-          </a:bodyPr>
-          <a:lstStyle/>
-          <a:p>
-            <a:pPr lvl="0" algn="r" defTabSz="539998">
-              <a:lnSpc>
-                <a:spcPct val="90000"/>
-              </a:lnSpc>
-              <a:spcBef>
-                <a:spcPts val="1000"/>
-              </a:spcBef>
-              <a:buClrTx/>
-              <a:buSzPct val="100000"/>
-              <a:defRPr/>
-            </a:pPr>
-            <a:r>
-              <a:rPr lang="en-US" altLang="zh-CN" sz="1600">
-                <a:solidFill>
-                  <a:srgbClr val="000000"/>
-                </a:solidFill>
-                <a:latin typeface="Consolas" pitchFamily="49"/>
-                <a:ea typeface="微软雅黑" pitchFamily="34"/>
-              </a:rPr>
-              <a:t>original ref: ... XXXXX C XXXXX ... XXXXX C XXXXX ... XXXXX TCG XXXXX ...</a:t>
-            </a:r>
-          </a:p>
-        </p:txBody>
-      </p:sp>
-      <p:sp>
-        <p:nvSpPr>
-          <p:cNvPr id="24" name="文本框 23">
-            <a:extLst>
-              <a:ext uri="{FF2B5EF4-FFF2-40B4-BE49-F238E27FC236}">
-                <a16:creationId xmlns:a16="http://schemas.microsoft.com/office/drawing/2014/main" id="{6693B580-A446-44B9-9296-0FCEDA11CFB9}"/>
-              </a:ext>
-            </a:extLst>
-          </p:cNvPr>
-          <p:cNvSpPr txBox="1"/>
-          <p:nvPr/>
-        </p:nvSpPr>
-        <p:spPr>
-          <a:xfrm>
-            <a:off x="0" y="789134"/>
-            <a:ext cx="4754771" cy="1200329"/>
-          </a:xfrm>
-          <a:prstGeom prst="rect">
-            <a:avLst/>
-          </a:prstGeom>
-          <a:noFill/>
-        </p:spPr>
-        <p:txBody>
-          <a:bodyPr wrap="square" rtlCol="0">
-            <a:spAutoFit/>
-          </a:bodyPr>
-          <a:lstStyle/>
-          <a:p>
-            <a:pPr lvl="0" defTabSz="539998">
-              <a:lnSpc>
-                <a:spcPct val="90000"/>
-              </a:lnSpc>
-              <a:spcBef>
-                <a:spcPts val="1000"/>
-              </a:spcBef>
-              <a:buClrTx/>
-              <a:buSzPct val="100000"/>
-              <a:defRPr/>
-            </a:pPr>
-            <a:r>
-              <a:rPr lang="en-US" altLang="zh-CN" sz="1600">
-                <a:solidFill>
-                  <a:srgbClr val="000000"/>
-                </a:solidFill>
-                <a:latin typeface="Consolas" pitchFamily="49"/>
-                <a:ea typeface="微软雅黑" pitchFamily="34"/>
-              </a:rPr>
-              <a:t>- SNP</a:t>
-            </a:r>
-            <a:r>
-              <a:rPr lang="zh-CN" altLang="en-US" sz="1600">
-                <a:solidFill>
-                  <a:srgbClr val="000000"/>
-                </a:solidFill>
-                <a:latin typeface="Consolas" pitchFamily="49"/>
-                <a:ea typeface="微软雅黑" pitchFamily="34"/>
-              </a:rPr>
-              <a:t>的形式：如右图所示，虽然可以按照沿着</a:t>
-            </a:r>
-            <a:r>
-              <a:rPr lang="en-US" altLang="zh-CN" sz="1600">
-                <a:solidFill>
-                  <a:srgbClr val="000000"/>
-                </a:solidFill>
-                <a:latin typeface="Consolas" pitchFamily="49"/>
-                <a:ea typeface="微软雅黑" pitchFamily="34"/>
-              </a:rPr>
-              <a:t>vcf</a:t>
-            </a:r>
-            <a:r>
-              <a:rPr lang="zh-CN" altLang="en-US" sz="1600">
-                <a:solidFill>
-                  <a:srgbClr val="000000"/>
-                </a:solidFill>
-                <a:latin typeface="Consolas" pitchFamily="49"/>
-                <a:ea typeface="微软雅黑" pitchFamily="34"/>
-              </a:rPr>
-              <a:t>记录的</a:t>
-            </a:r>
-            <a:r>
-              <a:rPr lang="en-US" altLang="zh-CN" sz="1600">
-                <a:solidFill>
-                  <a:srgbClr val="000000"/>
-                </a:solidFill>
-                <a:latin typeface="Consolas" pitchFamily="49"/>
-                <a:ea typeface="微软雅黑" pitchFamily="34"/>
-              </a:rPr>
-              <a:t>id</a:t>
-            </a:r>
-            <a:r>
-              <a:rPr lang="zh-CN" altLang="en-US" sz="1600">
-                <a:solidFill>
-                  <a:srgbClr val="000000"/>
-                </a:solidFill>
-                <a:latin typeface="Consolas" pitchFamily="49"/>
-                <a:ea typeface="微软雅黑" pitchFamily="34"/>
-              </a:rPr>
-              <a:t>进行整合，但是为了更加有策略性和性能上的改进，需要对</a:t>
-            </a:r>
-            <a:r>
-              <a:rPr lang="en-US" altLang="zh-CN" sz="1600">
-                <a:solidFill>
-                  <a:srgbClr val="000000"/>
-                </a:solidFill>
-                <a:latin typeface="Consolas" pitchFamily="49"/>
-                <a:ea typeface="微软雅黑" pitchFamily="34"/>
-              </a:rPr>
-              <a:t>vcf</a:t>
-            </a:r>
-            <a:r>
-              <a:rPr lang="zh-CN" altLang="en-US" sz="1600">
-                <a:solidFill>
-                  <a:srgbClr val="000000"/>
-                </a:solidFill>
-                <a:latin typeface="Consolas" pitchFamily="49"/>
-                <a:ea typeface="微软雅黑" pitchFamily="34"/>
-              </a:rPr>
-              <a:t>的记录进行索引。对于</a:t>
-            </a:r>
-            <a:r>
-              <a:rPr lang="en-US" altLang="zh-CN" sz="1600">
-                <a:solidFill>
-                  <a:srgbClr val="000000"/>
-                </a:solidFill>
-                <a:latin typeface="Consolas" pitchFamily="49"/>
-                <a:ea typeface="微软雅黑" pitchFamily="34"/>
-              </a:rPr>
-              <a:t>SNP</a:t>
-            </a:r>
-            <a:r>
-              <a:rPr lang="zh-CN" altLang="en-US" sz="1600">
-                <a:solidFill>
-                  <a:srgbClr val="000000"/>
-                </a:solidFill>
-                <a:latin typeface="Consolas" pitchFamily="49"/>
-                <a:ea typeface="微软雅黑" pitchFamily="34"/>
-              </a:rPr>
-              <a:t>来说，需要至少能够根据</a:t>
-            </a:r>
-            <a:r>
-              <a:rPr lang="en-US" altLang="zh-CN" sz="1600">
-                <a:solidFill>
-                  <a:srgbClr val="000000"/>
-                </a:solidFill>
-                <a:latin typeface="Consolas" pitchFamily="49"/>
-                <a:ea typeface="微软雅黑" pitchFamily="34"/>
-              </a:rPr>
-              <a:t>pos</a:t>
-            </a:r>
-            <a:r>
-              <a:rPr lang="zh-CN" altLang="en-US" sz="1600">
-                <a:solidFill>
-                  <a:srgbClr val="000000"/>
-                </a:solidFill>
-                <a:latin typeface="Consolas" pitchFamily="49"/>
-                <a:ea typeface="微软雅黑" pitchFamily="34"/>
-              </a:rPr>
-              <a:t>索引查询某条特定的</a:t>
-            </a:r>
-            <a:r>
-              <a:rPr lang="en-US" altLang="zh-CN" sz="1600">
-                <a:solidFill>
-                  <a:srgbClr val="000000"/>
-                </a:solidFill>
-                <a:latin typeface="Consolas" pitchFamily="49"/>
-                <a:ea typeface="微软雅黑" pitchFamily="34"/>
-              </a:rPr>
-              <a:t>vcf</a:t>
-            </a:r>
-            <a:r>
-              <a:rPr lang="zh-CN" altLang="en-US" sz="1600">
-                <a:solidFill>
-                  <a:srgbClr val="000000"/>
-                </a:solidFill>
-                <a:latin typeface="Consolas" pitchFamily="49"/>
-                <a:ea typeface="微软雅黑" pitchFamily="34"/>
-              </a:rPr>
-              <a:t>记录</a:t>
-            </a:r>
-            <a:endParaRPr lang="en-US" altLang="zh-CN" sz="1600">
-              <a:solidFill>
-                <a:srgbClr val="000000"/>
-              </a:solidFill>
-              <a:latin typeface="Consolas" pitchFamily="49"/>
-              <a:ea typeface="微软雅黑" pitchFamily="34"/>
-            </a:endParaRPr>
-          </a:p>
-        </p:txBody>
-      </p:sp>
-    </p:spTree>
-    <p:extLst>
-      <p:ext uri="{BB962C8B-B14F-4D97-AF65-F5344CB8AC3E}">
-        <p14:creationId xmlns:p14="http://schemas.microsoft.com/office/powerpoint/2010/main" val="1550109148"/>
-      </p:ext>
-    </p:extLst>
-  </p:cSld>
-  <p:clrMapOvr>
-    <a:masterClrMapping/>
-  </p:clrMapOvr>
-</p:sld>
-</file>
-
-<file path=ppt/slides/slide11.xml><?xml version="1.0" encoding="utf-8"?>
-<p:sld xmlns:a="http://schemas.openxmlformats.org/drawingml/2006/main" xmlns:r="http://schemas.openxmlformats.org/officeDocument/2006/relationships" xmlns:p="http://schemas.openxmlformats.org/presentationml/2006/main">
-  <p:cSld>
-    <p:spTree>
-      <p:nvGrpSpPr>
-        <p:cNvPr id="1" name=""/>
-        <p:cNvGrpSpPr/>
-        <p:nvPr/>
-      </p:nvGrpSpPr>
-      <p:grpSpPr>
-        <a:xfrm>
-          <a:off x="0" y="0"/>
-          <a:ext cx="0" cy="0"/>
-          <a:chOff x="0" y="0"/>
-          <a:chExt cx="0" cy="0"/>
-        </a:xfrm>
-      </p:grpSpPr>
-      <p:sp>
-        <p:nvSpPr>
-          <p:cNvPr id="3" name="副标题 2">
-            <a:extLst>
-              <a:ext uri="{FF2B5EF4-FFF2-40B4-BE49-F238E27FC236}">
-                <a16:creationId xmlns:a16="http://schemas.microsoft.com/office/drawing/2014/main" id="{A441A99D-7B3C-47B9-8393-DBA04906446D}"/>
-              </a:ext>
-            </a:extLst>
-          </p:cNvPr>
-          <p:cNvSpPr txBox="1">
-            <a:spLocks noGrp="1"/>
-          </p:cNvSpPr>
-          <p:nvPr>
-            <p:ph type="subTitle" idx="1"/>
-          </p:nvPr>
-        </p:nvSpPr>
-        <p:spPr>
-          <a:xfrm>
-            <a:off x="0" y="0"/>
-            <a:ext cx="5582192" cy="424729"/>
-          </a:xfrm>
-        </p:spPr>
-        <p:txBody>
-          <a:bodyPr/>
-          <a:lstStyle/>
-          <a:p>
-            <a:pPr lvl="0"/>
-            <a:r>
-              <a:rPr lang="en-US" altLang="zh-CN"/>
-              <a:t>Integration of Variations - SV</a:t>
-            </a:r>
-            <a:endParaRPr lang="zh-CN"/>
-          </a:p>
-        </p:txBody>
-      </p:sp>
-      <p:graphicFrame>
-        <p:nvGraphicFramePr>
-          <p:cNvPr id="7" name="表格 7">
-            <a:extLst>
-              <a:ext uri="{FF2B5EF4-FFF2-40B4-BE49-F238E27FC236}">
-                <a16:creationId xmlns:a16="http://schemas.microsoft.com/office/drawing/2014/main" id="{03B16ABC-0E9B-4A9A-AC3A-9700D8CC02DC}"/>
-              </a:ext>
-            </a:extLst>
-          </p:cNvPr>
-          <p:cNvGraphicFramePr>
-            <a:graphicFrameLocks noGrp="1"/>
-          </p:cNvGraphicFramePr>
-          <p:nvPr>
-            <p:extLst>
-              <p:ext uri="{D42A27DB-BD31-4B8C-83A1-F6EECF244321}">
-                <p14:modId xmlns:p14="http://schemas.microsoft.com/office/powerpoint/2010/main" val="1107639694"/>
-              </p:ext>
-            </p:extLst>
-          </p:nvPr>
-        </p:nvGraphicFramePr>
-        <p:xfrm>
-          <a:off x="4136620" y="2585972"/>
-          <a:ext cx="7036025" cy="1854200"/>
-        </p:xfrm>
-        <a:graphic>
-          <a:graphicData uri="http://schemas.openxmlformats.org/drawingml/2006/table">
-            <a:tbl>
-              <a:tblPr firstRow="1" bandRow="1">
-                <a:tableStyleId>{5940675A-B579-460E-94D1-54222C63F5DA}</a:tableStyleId>
-              </a:tblPr>
-              <a:tblGrid>
-                <a:gridCol w="1407205">
-                  <a:extLst>
-                    <a:ext uri="{9D8B030D-6E8A-4147-A177-3AD203B41FA5}">
-                      <a16:colId xmlns:a16="http://schemas.microsoft.com/office/drawing/2014/main" val="2357999398"/>
-                    </a:ext>
-                  </a:extLst>
-                </a:gridCol>
-                <a:gridCol w="1407205">
-                  <a:extLst>
-                    <a:ext uri="{9D8B030D-6E8A-4147-A177-3AD203B41FA5}">
-                      <a16:colId xmlns:a16="http://schemas.microsoft.com/office/drawing/2014/main" val="1396362083"/>
-                    </a:ext>
-                  </a:extLst>
-                </a:gridCol>
-                <a:gridCol w="1407205">
-                  <a:extLst>
-                    <a:ext uri="{9D8B030D-6E8A-4147-A177-3AD203B41FA5}">
-                      <a16:colId xmlns:a16="http://schemas.microsoft.com/office/drawing/2014/main" val="1292628694"/>
-                    </a:ext>
-                  </a:extLst>
-                </a:gridCol>
-                <a:gridCol w="1407205">
-                  <a:extLst>
-                    <a:ext uri="{9D8B030D-6E8A-4147-A177-3AD203B41FA5}">
-                      <a16:colId xmlns:a16="http://schemas.microsoft.com/office/drawing/2014/main" val="611556075"/>
-                    </a:ext>
-                  </a:extLst>
-                </a:gridCol>
-                <a:gridCol w="1407205">
-                  <a:extLst>
-                    <a:ext uri="{9D8B030D-6E8A-4147-A177-3AD203B41FA5}">
-                      <a16:colId xmlns:a16="http://schemas.microsoft.com/office/drawing/2014/main" val="2358634977"/>
-                    </a:ext>
-                  </a:extLst>
-                </a:gridCol>
-              </a:tblGrid>
-              <a:tr h="370840">
-                <a:tc gridSpan="4">
-                  <a:txBody>
-                    <a:bodyPr/>
-                    <a:lstStyle/>
-                    <a:p>
-                      <a:pPr marL="0" marR="0" lvl="0" indent="0" algn="ctr" defTabSz="539998" rtl="0" fontAlgn="auto" hangingPunct="1">
-                        <a:lnSpc>
-                          <a:spcPct val="90000"/>
-                        </a:lnSpc>
-                        <a:spcBef>
-                          <a:spcPts val="1000"/>
-                        </a:spcBef>
-                        <a:spcAft>
-                          <a:spcPts val="0"/>
-                        </a:spcAft>
-                        <a:buSzPct val="100000"/>
-                        <a:buFont typeface="Arial" pitchFamily="34"/>
-                        <a:buNone/>
-                        <a:tabLst/>
-                      </a:pPr>
-                      <a:r>
-                        <a:rPr lang="en-US" altLang="zh-CN" sz="1800" b="0" i="0" u="none" strike="noStrike" kern="1200" cap="none" spc="0" baseline="0">
-                          <a:solidFill>
-                            <a:schemeClr val="bg1"/>
-                          </a:solidFill>
-                          <a:uFillTx/>
-                          <a:latin typeface="Consolas" pitchFamily="49"/>
-                          <a:ea typeface="微软雅黑" pitchFamily="34"/>
-                        </a:rPr>
-                        <a:t>Original Vcf Records Format</a:t>
-                      </a:r>
-                      <a:endParaRPr lang="zh-CN" altLang="en-US" sz="1800" b="0" i="0" u="none" strike="noStrike" kern="1200" cap="none" spc="0" baseline="0">
-                        <a:solidFill>
-                          <a:schemeClr val="bg1"/>
-                        </a:solidFill>
-                        <a:uFillTx/>
-                        <a:latin typeface="Consolas" pitchFamily="49"/>
-                        <a:ea typeface="微软雅黑" pitchFamily="34"/>
-                      </a:endParaRPr>
-                    </a:p>
-                  </a:txBody>
-                  <a:tcPr>
-                    <a:solidFill>
-                      <a:srgbClr val="1CB0A2"/>
-                    </a:solidFill>
-                  </a:tcPr>
-                </a:tc>
-                <a:tc hMerge="1">
-                  <a:txBody>
-                    <a:bodyPr/>
-                    <a:lstStyle/>
-                    <a:p>
-                      <a:pPr marL="0" marR="0" lvl="0" indent="0" algn="ctr" defTabSz="539998" rtl="0" fontAlgn="auto" hangingPunct="1">
-                        <a:lnSpc>
-                          <a:spcPct val="90000"/>
-                        </a:lnSpc>
-                        <a:spcBef>
-                          <a:spcPts val="1000"/>
-                        </a:spcBef>
-                        <a:spcAft>
-                          <a:spcPts val="0"/>
-                        </a:spcAft>
-                        <a:buSzPct val="100000"/>
-                        <a:buFont typeface="Arial" pitchFamily="34"/>
-                        <a:buNone/>
-                        <a:tabLst/>
-                      </a:pPr>
-                      <a:endParaRPr lang="zh-CN" altLang="en-US" sz="1800" b="0" i="0" u="none" strike="noStrike" kern="1200" cap="none" spc="0" baseline="0">
-                        <a:solidFill>
-                          <a:schemeClr val="bg1"/>
-                        </a:solidFill>
-                        <a:uFillTx/>
-                        <a:latin typeface="Consolas" pitchFamily="49"/>
-                        <a:ea typeface="微软雅黑" pitchFamily="34"/>
-                      </a:endParaRPr>
-                    </a:p>
-                  </a:txBody>
-                  <a:tcPr>
-                    <a:solidFill>
-                      <a:srgbClr val="1CB0A2"/>
-                    </a:solidFill>
-                  </a:tcPr>
-                </a:tc>
-                <a:tc hMerge="1">
-                  <a:txBody>
-                    <a:bodyPr/>
-                    <a:lstStyle/>
-                    <a:p>
-                      <a:pPr marL="0" marR="0" lvl="0" indent="0" algn="ctr" defTabSz="539998" rtl="0" fontAlgn="auto" hangingPunct="1">
-                        <a:lnSpc>
-                          <a:spcPct val="90000"/>
-                        </a:lnSpc>
-                        <a:spcBef>
-                          <a:spcPts val="1000"/>
-                        </a:spcBef>
-                        <a:spcAft>
-                          <a:spcPts val="0"/>
-                        </a:spcAft>
-                        <a:buSzPct val="100000"/>
-                        <a:buFont typeface="Arial" pitchFamily="34"/>
-                        <a:buNone/>
-                        <a:tabLst/>
-                      </a:pPr>
-                      <a:endParaRPr lang="zh-CN" altLang="en-US" sz="1800" b="0" i="0" u="none" strike="noStrike" kern="1200" cap="none" spc="0" baseline="0">
-                        <a:solidFill>
-                          <a:schemeClr val="bg1"/>
-                        </a:solidFill>
-                        <a:uFillTx/>
-                        <a:latin typeface="Consolas" pitchFamily="49"/>
-                        <a:ea typeface="微软雅黑" pitchFamily="34"/>
-                      </a:endParaRPr>
-                    </a:p>
-                  </a:txBody>
-                  <a:tcPr>
-                    <a:solidFill>
-                      <a:srgbClr val="1CB0A2"/>
-                    </a:solidFill>
-                  </a:tcPr>
-                </a:tc>
-                <a:tc hMerge="1">
-                  <a:txBody>
-                    <a:bodyPr/>
-                    <a:lstStyle/>
-                    <a:p>
-                      <a:pPr marL="0" marR="0" lvl="0" indent="0" algn="ctr" defTabSz="539998" rtl="0" fontAlgn="auto" hangingPunct="1">
-                        <a:lnSpc>
-                          <a:spcPct val="90000"/>
-                        </a:lnSpc>
-                        <a:spcBef>
-                          <a:spcPts val="1000"/>
-                        </a:spcBef>
-                        <a:spcAft>
-                          <a:spcPts val="0"/>
-                        </a:spcAft>
-                        <a:buSzPct val="100000"/>
-                        <a:buFont typeface="Arial" pitchFamily="34"/>
-                        <a:buNone/>
-                        <a:tabLst/>
-                      </a:pPr>
-                      <a:endParaRPr lang="zh-CN" altLang="en-US" sz="1800" b="0" i="0" u="none" strike="noStrike" kern="1200" cap="none" spc="0" baseline="0">
-                        <a:solidFill>
-                          <a:schemeClr val="bg1"/>
-                        </a:solidFill>
-                        <a:uFillTx/>
-                        <a:latin typeface="Consolas" pitchFamily="49"/>
-                        <a:ea typeface="微软雅黑" pitchFamily="34"/>
-                      </a:endParaRPr>
-                    </a:p>
-                  </a:txBody>
-                  <a:tcPr>
-                    <a:solidFill>
-                      <a:srgbClr val="1CB0A2"/>
-                    </a:solidFill>
-                  </a:tcPr>
-                </a:tc>
-                <a:tc>
-                  <a:txBody>
-                    <a:bodyPr/>
-                    <a:lstStyle/>
-                    <a:p>
-                      <a:pPr marL="0" marR="0" lvl="0" indent="0" algn="ctr" defTabSz="539998" rtl="0" fontAlgn="auto" hangingPunct="1">
-                        <a:lnSpc>
-                          <a:spcPct val="90000"/>
-                        </a:lnSpc>
-                        <a:spcBef>
-                          <a:spcPts val="1000"/>
-                        </a:spcBef>
-                        <a:spcAft>
-                          <a:spcPts val="0"/>
-                        </a:spcAft>
-                        <a:buSzPct val="100000"/>
-                        <a:buFont typeface="Arial" pitchFamily="34"/>
-                        <a:buNone/>
-                        <a:tabLst/>
-                      </a:pPr>
-                      <a:endParaRPr lang="zh-CN" altLang="en-US" sz="1800" b="0" i="0" u="none" strike="noStrike" kern="1200" cap="none" spc="0" baseline="0">
-                        <a:solidFill>
-                          <a:schemeClr val="bg1"/>
-                        </a:solidFill>
-                        <a:uFillTx/>
-                        <a:latin typeface="Consolas" pitchFamily="49"/>
-                        <a:ea typeface="微软雅黑" pitchFamily="34"/>
-                      </a:endParaRPr>
-                    </a:p>
-                  </a:txBody>
-                  <a:tcPr>
-                    <a:solidFill>
-                      <a:srgbClr val="1CB0A2"/>
-                    </a:solidFill>
-                  </a:tcPr>
-                </a:tc>
-                <a:extLst>
-                  <a:ext uri="{0D108BD9-81ED-4DB2-BD59-A6C34878D82A}">
-                    <a16:rowId xmlns:a16="http://schemas.microsoft.com/office/drawing/2014/main" val="1946593644"/>
-                  </a:ext>
-                </a:extLst>
-              </a:tr>
-              <a:tr h="370840">
-                <a:tc>
-                  <a:txBody>
-                    <a:bodyPr/>
-                    <a:lstStyle/>
-                    <a:p>
-                      <a:pPr marL="0" marR="0" lvl="0" indent="0" algn="ctr" defTabSz="539998" rtl="0" fontAlgn="auto" hangingPunct="1">
-                        <a:lnSpc>
-                          <a:spcPct val="90000"/>
-                        </a:lnSpc>
-                        <a:spcBef>
-                          <a:spcPts val="1000"/>
-                        </a:spcBef>
-                        <a:spcAft>
-                          <a:spcPts val="0"/>
-                        </a:spcAft>
-                        <a:buSzPct val="100000"/>
-                        <a:buFont typeface="Arial" pitchFamily="34"/>
-                        <a:buNone/>
-                        <a:tabLst/>
-                      </a:pPr>
-                      <a:r>
-                        <a:rPr lang="en-US" altLang="zh-CN" sz="1800" b="0" i="0" u="none" strike="noStrike" kern="1200" cap="none" spc="0" baseline="0">
-                          <a:solidFill>
-                            <a:schemeClr val="bg1"/>
-                          </a:solidFill>
-                          <a:uFillTx/>
-                          <a:latin typeface="Consolas" pitchFamily="49"/>
-                          <a:ea typeface="微软雅黑" pitchFamily="34"/>
-                        </a:rPr>
-                        <a:t>id</a:t>
-                      </a:r>
-                      <a:endParaRPr lang="zh-CN" altLang="en-US" sz="1800" b="0" i="0" u="none" strike="noStrike" kern="1200" cap="none" spc="0" baseline="0">
-                        <a:solidFill>
-                          <a:schemeClr val="bg1"/>
-                        </a:solidFill>
-                        <a:uFillTx/>
-                        <a:latin typeface="Consolas" pitchFamily="49"/>
-                        <a:ea typeface="微软雅黑" pitchFamily="34"/>
-                      </a:endParaRPr>
-                    </a:p>
-                  </a:txBody>
-                  <a:tcPr>
-                    <a:solidFill>
-                      <a:srgbClr val="1CB0A2"/>
-                    </a:solidFill>
-                  </a:tcPr>
-                </a:tc>
-                <a:tc>
-                  <a:txBody>
-                    <a:bodyPr/>
-                    <a:lstStyle/>
-                    <a:p>
-                      <a:pPr marL="0" marR="0" lvl="0" indent="0" algn="ctr" defTabSz="539998" rtl="0" fontAlgn="auto" hangingPunct="1">
-                        <a:lnSpc>
-                          <a:spcPct val="90000"/>
-                        </a:lnSpc>
-                        <a:spcBef>
-                          <a:spcPts val="1000"/>
-                        </a:spcBef>
-                        <a:spcAft>
-                          <a:spcPts val="0"/>
-                        </a:spcAft>
-                        <a:buSzPct val="100000"/>
-                        <a:buFont typeface="Arial" pitchFamily="34"/>
-                        <a:buNone/>
-                        <a:tabLst/>
-                      </a:pPr>
-                      <a:r>
-                        <a:rPr lang="en-US" altLang="zh-CN" sz="1800" b="0" i="0" u="none" strike="noStrike" kern="1200" cap="none" spc="0" baseline="0">
-                          <a:solidFill>
-                            <a:schemeClr val="bg1"/>
-                          </a:solidFill>
-                          <a:uFillTx/>
-                          <a:latin typeface="Consolas" pitchFamily="49"/>
-                          <a:ea typeface="微软雅黑" pitchFamily="34"/>
-                        </a:rPr>
-                        <a:t>pos</a:t>
-                      </a:r>
-                      <a:endParaRPr lang="zh-CN" altLang="en-US" sz="1800" b="0" i="0" u="none" strike="noStrike" kern="1200" cap="none" spc="0" baseline="0">
-                        <a:solidFill>
-                          <a:schemeClr val="bg1"/>
-                        </a:solidFill>
-                        <a:uFillTx/>
-                        <a:latin typeface="Consolas" pitchFamily="49"/>
-                        <a:ea typeface="微软雅黑" pitchFamily="34"/>
-                      </a:endParaRPr>
-                    </a:p>
-                  </a:txBody>
-                  <a:tcPr>
-                    <a:solidFill>
-                      <a:srgbClr val="1CB0A2"/>
-                    </a:solidFill>
-                  </a:tcPr>
-                </a:tc>
-                <a:tc>
-                  <a:txBody>
-                    <a:bodyPr/>
-                    <a:lstStyle/>
-                    <a:p>
-                      <a:pPr marL="0" marR="0" lvl="0" indent="0" algn="ctr" defTabSz="539998" rtl="0" fontAlgn="auto" hangingPunct="1">
-                        <a:lnSpc>
-                          <a:spcPct val="90000"/>
-                        </a:lnSpc>
-                        <a:spcBef>
-                          <a:spcPts val="1000"/>
-                        </a:spcBef>
-                        <a:spcAft>
-                          <a:spcPts val="0"/>
-                        </a:spcAft>
-                        <a:buSzPct val="100000"/>
-                        <a:buFont typeface="Arial" pitchFamily="34"/>
-                        <a:buNone/>
-                        <a:tabLst/>
-                      </a:pPr>
-                      <a:r>
-                        <a:rPr lang="en-US" altLang="zh-CN" sz="1800" b="0" i="0" u="none" strike="noStrike" kern="1200" cap="none" spc="0" baseline="0">
-                          <a:solidFill>
-                            <a:schemeClr val="bg1"/>
-                          </a:solidFill>
-                          <a:uFillTx/>
-                          <a:latin typeface="Consolas" pitchFamily="49"/>
-                          <a:ea typeface="微软雅黑" pitchFamily="34"/>
-                        </a:rPr>
-                        <a:t>ref</a:t>
-                      </a:r>
-                      <a:endParaRPr lang="zh-CN" altLang="en-US" sz="1800" b="0" i="0" u="none" strike="noStrike" kern="1200" cap="none" spc="0" baseline="0">
-                        <a:solidFill>
-                          <a:schemeClr val="bg1"/>
-                        </a:solidFill>
-                        <a:uFillTx/>
-                        <a:latin typeface="Consolas" pitchFamily="49"/>
-                        <a:ea typeface="微软雅黑" pitchFamily="34"/>
-                      </a:endParaRPr>
-                    </a:p>
-                  </a:txBody>
-                  <a:tcPr>
-                    <a:solidFill>
-                      <a:srgbClr val="1CB0A2"/>
-                    </a:solidFill>
-                  </a:tcPr>
-                </a:tc>
-                <a:tc>
-                  <a:txBody>
-                    <a:bodyPr/>
-                    <a:lstStyle/>
-                    <a:p>
-                      <a:pPr marL="0" marR="0" lvl="0" indent="0" algn="ctr" defTabSz="539998" rtl="0" fontAlgn="auto" hangingPunct="1">
-                        <a:lnSpc>
-                          <a:spcPct val="90000"/>
-                        </a:lnSpc>
-                        <a:spcBef>
-                          <a:spcPts val="1000"/>
-                        </a:spcBef>
-                        <a:spcAft>
-                          <a:spcPts val="0"/>
-                        </a:spcAft>
-                        <a:buSzPct val="100000"/>
-                        <a:buFont typeface="Arial" pitchFamily="34"/>
-                        <a:buNone/>
-                        <a:tabLst/>
-                      </a:pPr>
-                      <a:r>
-                        <a:rPr lang="en-US" altLang="zh-CN" sz="1800" b="0" i="0" u="none" strike="noStrike" kern="1200" cap="none" spc="0" baseline="0">
-                          <a:solidFill>
-                            <a:schemeClr val="bg1"/>
-                          </a:solidFill>
-                          <a:uFillTx/>
-                          <a:latin typeface="Consolas" pitchFamily="49"/>
-                          <a:ea typeface="微软雅黑" pitchFamily="34"/>
-                        </a:rPr>
-                        <a:t>alt</a:t>
-                      </a:r>
-                      <a:endParaRPr lang="zh-CN" altLang="en-US" sz="1800" b="0" i="0" u="none" strike="noStrike" kern="1200" cap="none" spc="0" baseline="0">
-                        <a:solidFill>
-                          <a:schemeClr val="bg1"/>
-                        </a:solidFill>
-                        <a:uFillTx/>
-                        <a:latin typeface="Consolas" pitchFamily="49"/>
-                        <a:ea typeface="微软雅黑" pitchFamily="34"/>
-                      </a:endParaRPr>
-                    </a:p>
-                  </a:txBody>
-                  <a:tcPr>
-                    <a:solidFill>
-                      <a:srgbClr val="1CB0A2"/>
-                    </a:solidFill>
-                  </a:tcPr>
-                </a:tc>
-                <a:tc>
-                  <a:txBody>
-                    <a:bodyPr/>
-                    <a:lstStyle/>
-                    <a:p>
-                      <a:pPr marL="0" marR="0" lvl="0" indent="0" algn="ctr" defTabSz="539998" rtl="0" fontAlgn="auto" hangingPunct="1">
-                        <a:lnSpc>
-                          <a:spcPct val="90000"/>
-                        </a:lnSpc>
-                        <a:spcBef>
-                          <a:spcPts val="1000"/>
-                        </a:spcBef>
-                        <a:spcAft>
-                          <a:spcPts val="0"/>
-                        </a:spcAft>
-                        <a:buSzPct val="100000"/>
-                        <a:buFont typeface="Arial" pitchFamily="34"/>
-                        <a:buNone/>
-                        <a:tabLst/>
-                      </a:pPr>
-                      <a:r>
-                        <a:rPr lang="en-US" altLang="zh-CN" sz="1800" b="0" i="0" u="none" strike="noStrike" kern="1200" cap="none" spc="0" baseline="0">
-                          <a:solidFill>
-                            <a:schemeClr val="bg1"/>
-                          </a:solidFill>
-                          <a:uFillTx/>
-                          <a:latin typeface="Consolas" pitchFamily="49"/>
-                          <a:ea typeface="微软雅黑" pitchFamily="34"/>
-                        </a:rPr>
-                        <a:t>&lt;type&gt;</a:t>
-                      </a:r>
-                      <a:endParaRPr lang="zh-CN" altLang="en-US" sz="1800" b="0" i="0" u="none" strike="noStrike" kern="1200" cap="none" spc="0" baseline="0">
-                        <a:solidFill>
-                          <a:schemeClr val="bg1"/>
-                        </a:solidFill>
-                        <a:uFillTx/>
-                        <a:latin typeface="Consolas" pitchFamily="49"/>
-                        <a:ea typeface="微软雅黑" pitchFamily="34"/>
-                      </a:endParaRPr>
-                    </a:p>
-                  </a:txBody>
-                  <a:tcPr>
-                    <a:solidFill>
-                      <a:srgbClr val="1CB0A2"/>
-                    </a:solidFill>
-                  </a:tcPr>
-                </a:tc>
-                <a:extLst>
-                  <a:ext uri="{0D108BD9-81ED-4DB2-BD59-A6C34878D82A}">
-                    <a16:rowId xmlns:a16="http://schemas.microsoft.com/office/drawing/2014/main" val="3671342572"/>
-                  </a:ext>
-                </a:extLst>
-              </a:tr>
-              <a:tr h="370840">
-                <a:tc>
-                  <a:txBody>
-                    <a:bodyPr/>
-                    <a:lstStyle/>
-                    <a:p>
-                      <a:pPr marL="0" marR="0" lvl="0" indent="0" algn="ctr" defTabSz="539998" rtl="0" fontAlgn="auto" hangingPunct="1">
-                        <a:lnSpc>
-                          <a:spcPct val="90000"/>
-                        </a:lnSpc>
-                        <a:spcBef>
-                          <a:spcPts val="1000"/>
-                        </a:spcBef>
-                        <a:spcAft>
-                          <a:spcPts val="0"/>
-                        </a:spcAft>
-                        <a:buSzPct val="100000"/>
-                        <a:buFont typeface="Arial" pitchFamily="34"/>
-                        <a:buNone/>
-                        <a:tabLst/>
-                      </a:pPr>
-                      <a:r>
-                        <a:rPr lang="en-US" altLang="zh-CN" sz="1800" b="0" i="0" u="none" strike="noStrike" kern="1200" cap="none" spc="0" baseline="0">
-                          <a:solidFill>
-                            <a:srgbClr val="000000"/>
-                          </a:solidFill>
-                          <a:uFillTx/>
-                          <a:latin typeface="Consolas" pitchFamily="49"/>
-                          <a:ea typeface="微软雅黑" pitchFamily="34"/>
-                        </a:rPr>
-                        <a:t>1</a:t>
-                      </a:r>
-                      <a:endParaRPr lang="zh-CN" altLang="en-US" sz="1800" b="0" i="0" u="none" strike="noStrike" kern="1200" cap="none" spc="0" baseline="0">
-                        <a:solidFill>
-                          <a:srgbClr val="000000"/>
-                        </a:solidFill>
-                        <a:uFillTx/>
-                        <a:latin typeface="Consolas" pitchFamily="49"/>
-                        <a:ea typeface="微软雅黑" pitchFamily="34"/>
-                      </a:endParaRPr>
-                    </a:p>
-                  </a:txBody>
-                  <a:tcPr/>
-                </a:tc>
-                <a:tc>
-                  <a:txBody>
-                    <a:bodyPr/>
-                    <a:lstStyle/>
-                    <a:p>
-                      <a:pPr marL="0" marR="0" lvl="0" indent="0" algn="ctr" defTabSz="539998" rtl="0" fontAlgn="auto" hangingPunct="1">
-                        <a:lnSpc>
-                          <a:spcPct val="90000"/>
-                        </a:lnSpc>
-                        <a:spcBef>
-                          <a:spcPts val="1000"/>
-                        </a:spcBef>
-                        <a:spcAft>
-                          <a:spcPts val="0"/>
-                        </a:spcAft>
-                        <a:buSzPct val="100000"/>
-                        <a:buFont typeface="Arial" pitchFamily="34"/>
-                        <a:buNone/>
-                        <a:tabLst/>
-                      </a:pPr>
-                      <a:r>
-                        <a:rPr lang="en-US" altLang="zh-CN" sz="1800" b="0" i="0" u="none" strike="noStrike" kern="1200" cap="none" spc="0" baseline="0">
-                          <a:solidFill>
-                            <a:srgbClr val="000000"/>
-                          </a:solidFill>
-                          <a:uFillTx/>
-                          <a:latin typeface="Consolas" pitchFamily="49"/>
-                          <a:ea typeface="微软雅黑" pitchFamily="34"/>
-                        </a:rPr>
-                        <a:t>xxx001</a:t>
-                      </a:r>
-                      <a:endParaRPr lang="zh-CN" altLang="en-US" sz="1800" b="0" i="0" u="none" strike="noStrike" kern="1200" cap="none" spc="0" baseline="0">
-                        <a:solidFill>
-                          <a:srgbClr val="000000"/>
-                        </a:solidFill>
-                        <a:uFillTx/>
-                        <a:latin typeface="Consolas" pitchFamily="49"/>
-                        <a:ea typeface="微软雅黑" pitchFamily="34"/>
-                      </a:endParaRPr>
-                    </a:p>
-                  </a:txBody>
-                  <a:tcPr/>
-                </a:tc>
-                <a:tc>
-                  <a:txBody>
-                    <a:bodyPr/>
-                    <a:lstStyle/>
-                    <a:p>
-                      <a:pPr marL="0" marR="0" lvl="0" indent="0" algn="ctr" defTabSz="539998" rtl="0" fontAlgn="auto" hangingPunct="1">
-                        <a:lnSpc>
-                          <a:spcPct val="90000"/>
-                        </a:lnSpc>
-                        <a:spcBef>
-                          <a:spcPts val="1000"/>
-                        </a:spcBef>
-                        <a:spcAft>
-                          <a:spcPts val="0"/>
-                        </a:spcAft>
-                        <a:buSzPct val="100000"/>
-                        <a:buFont typeface="Arial" pitchFamily="34"/>
-                        <a:buNone/>
-                        <a:tabLst/>
-                      </a:pPr>
-                      <a:r>
-                        <a:rPr lang="en-US" altLang="zh-CN" sz="1800" b="0" i="0" u="none" strike="noStrike" kern="1200" cap="none" spc="0" baseline="0">
-                          <a:solidFill>
-                            <a:srgbClr val="000000"/>
-                          </a:solidFill>
-                          <a:uFillTx/>
-                          <a:latin typeface="Consolas" pitchFamily="49"/>
-                          <a:ea typeface="微软雅黑" pitchFamily="34"/>
-                        </a:rPr>
-                        <a:t>C</a:t>
-                      </a:r>
-                      <a:endParaRPr lang="zh-CN" altLang="en-US" sz="1800" b="0" i="0" u="none" strike="noStrike" kern="1200" cap="none" spc="0" baseline="0">
-                        <a:solidFill>
-                          <a:srgbClr val="000000"/>
-                        </a:solidFill>
-                        <a:uFillTx/>
-                        <a:latin typeface="Consolas" pitchFamily="49"/>
-                        <a:ea typeface="微软雅黑" pitchFamily="34"/>
-                      </a:endParaRPr>
-                    </a:p>
-                  </a:txBody>
-                  <a:tcPr/>
-                </a:tc>
-                <a:tc>
-                  <a:txBody>
-                    <a:bodyPr/>
-                    <a:lstStyle/>
-                    <a:p>
-                      <a:pPr marL="0" marR="0" lvl="0" indent="0" algn="ctr" defTabSz="539998" rtl="0" fontAlgn="auto" hangingPunct="1">
-                        <a:lnSpc>
-                          <a:spcPct val="90000"/>
-                        </a:lnSpc>
-                        <a:spcBef>
-                          <a:spcPts val="1000"/>
-                        </a:spcBef>
-                        <a:spcAft>
-                          <a:spcPts val="0"/>
-                        </a:spcAft>
-                        <a:buSzPct val="100000"/>
-                        <a:buFont typeface="Arial" pitchFamily="34"/>
-                        <a:buNone/>
-                        <a:tabLst/>
-                      </a:pPr>
-                      <a:r>
-                        <a:rPr lang="en-US" altLang="zh-CN" sz="1800" b="0" i="0" u="none" strike="noStrike" kern="1200" cap="none" spc="0" baseline="0">
-                          <a:solidFill>
-                            <a:srgbClr val="000000"/>
-                          </a:solidFill>
-                          <a:uFillTx/>
-                          <a:latin typeface="Consolas" pitchFamily="49"/>
-                          <a:ea typeface="微软雅黑" pitchFamily="34"/>
-                        </a:rPr>
-                        <a:t>T</a:t>
-                      </a:r>
-                      <a:endParaRPr lang="zh-CN" altLang="en-US" sz="1800" b="0" i="0" u="none" strike="noStrike" kern="1200" cap="none" spc="0" baseline="0">
-                        <a:solidFill>
-                          <a:srgbClr val="000000"/>
-                        </a:solidFill>
-                        <a:uFillTx/>
-                        <a:latin typeface="Consolas" pitchFamily="49"/>
-                        <a:ea typeface="微软雅黑" pitchFamily="34"/>
-                      </a:endParaRPr>
-                    </a:p>
-                  </a:txBody>
-                  <a:tcPr/>
-                </a:tc>
-                <a:tc>
-                  <a:txBody>
-                    <a:bodyPr/>
-                    <a:lstStyle/>
-                    <a:p>
-                      <a:pPr marL="0" marR="0" lvl="0" indent="0" algn="ctr" defTabSz="539998" rtl="0" fontAlgn="auto" hangingPunct="1">
-                        <a:lnSpc>
-                          <a:spcPct val="90000"/>
-                        </a:lnSpc>
-                        <a:spcBef>
-                          <a:spcPts val="1000"/>
-                        </a:spcBef>
-                        <a:spcAft>
-                          <a:spcPts val="0"/>
-                        </a:spcAft>
-                        <a:buSzPct val="100000"/>
-                        <a:buFont typeface="Arial" pitchFamily="34"/>
-                        <a:buNone/>
-                        <a:tabLst/>
-                      </a:pPr>
-                      <a:r>
-                        <a:rPr lang="en-US" altLang="zh-CN" sz="1800" b="0" i="0" u="none" strike="noStrike" kern="1200" cap="none" spc="0" baseline="0">
-                          <a:solidFill>
-                            <a:srgbClr val="000000"/>
-                          </a:solidFill>
-                          <a:uFillTx/>
-                          <a:latin typeface="Consolas" pitchFamily="49"/>
-                          <a:ea typeface="微软雅黑" pitchFamily="34"/>
-                        </a:rPr>
-                        <a:t>mismatch</a:t>
-                      </a:r>
-                      <a:endParaRPr lang="zh-CN" altLang="en-US" sz="1800" b="0" i="0" u="none" strike="noStrike" kern="1200" cap="none" spc="0" baseline="0">
-                        <a:solidFill>
-                          <a:srgbClr val="000000"/>
-                        </a:solidFill>
-                        <a:uFillTx/>
-                        <a:latin typeface="Consolas" pitchFamily="49"/>
-                        <a:ea typeface="微软雅黑" pitchFamily="34"/>
-                      </a:endParaRPr>
-                    </a:p>
-                  </a:txBody>
-                  <a:tcPr/>
-                </a:tc>
-                <a:extLst>
-                  <a:ext uri="{0D108BD9-81ED-4DB2-BD59-A6C34878D82A}">
-                    <a16:rowId xmlns:a16="http://schemas.microsoft.com/office/drawing/2014/main" val="4006098001"/>
-                  </a:ext>
-                </a:extLst>
-              </a:tr>
-              <a:tr h="370840">
-                <a:tc>
-                  <a:txBody>
-                    <a:bodyPr/>
-                    <a:lstStyle/>
-                    <a:p>
-                      <a:pPr marL="0" marR="0" lvl="0" indent="0" algn="ctr" defTabSz="539998" rtl="0" fontAlgn="auto" hangingPunct="1">
-                        <a:lnSpc>
-                          <a:spcPct val="90000"/>
-                        </a:lnSpc>
-                        <a:spcBef>
-                          <a:spcPts val="1000"/>
-                        </a:spcBef>
-                        <a:spcAft>
-                          <a:spcPts val="0"/>
-                        </a:spcAft>
-                        <a:buSzPct val="100000"/>
-                        <a:buFont typeface="Arial" pitchFamily="34"/>
-                        <a:buNone/>
-                        <a:tabLst/>
-                      </a:pPr>
-                      <a:r>
-                        <a:rPr lang="en-US" altLang="zh-CN" sz="1800" b="0" i="0" u="none" strike="noStrike" kern="1200" cap="none" spc="0" baseline="0">
-                          <a:solidFill>
-                            <a:srgbClr val="000000"/>
-                          </a:solidFill>
-                          <a:uFillTx/>
-                          <a:latin typeface="Consolas" pitchFamily="49"/>
-                          <a:ea typeface="微软雅黑" pitchFamily="34"/>
-                        </a:rPr>
-                        <a:t>2</a:t>
-                      </a:r>
-                      <a:endParaRPr lang="zh-CN" altLang="en-US" sz="1800" b="0" i="0" u="none" strike="noStrike" kern="1200" cap="none" spc="0" baseline="0">
-                        <a:solidFill>
-                          <a:srgbClr val="000000"/>
-                        </a:solidFill>
-                        <a:uFillTx/>
-                        <a:latin typeface="Consolas" pitchFamily="49"/>
-                        <a:ea typeface="微软雅黑" pitchFamily="34"/>
-                      </a:endParaRPr>
-                    </a:p>
-                  </a:txBody>
-                  <a:tcPr/>
-                </a:tc>
-                <a:tc>
-                  <a:txBody>
-                    <a:bodyPr/>
-                    <a:lstStyle/>
-                    <a:p>
-                      <a:pPr marL="0" marR="0" lvl="0" indent="0" algn="ctr" defTabSz="539998" rtl="0" fontAlgn="auto" hangingPunct="1">
-                        <a:lnSpc>
-                          <a:spcPct val="90000"/>
-                        </a:lnSpc>
-                        <a:spcBef>
-                          <a:spcPts val="1000"/>
-                        </a:spcBef>
-                        <a:spcAft>
-                          <a:spcPts val="0"/>
-                        </a:spcAft>
-                        <a:buSzPct val="100000"/>
-                        <a:buFont typeface="Arial" pitchFamily="34"/>
-                        <a:buNone/>
-                        <a:tabLst/>
-                      </a:pPr>
-                      <a:r>
-                        <a:rPr lang="en-US" altLang="zh-CN" sz="1800" b="0" i="0" u="none" strike="noStrike" kern="1200" cap="none" spc="0" baseline="0">
-                          <a:solidFill>
-                            <a:srgbClr val="000000"/>
-                          </a:solidFill>
-                          <a:uFillTx/>
-                          <a:latin typeface="Consolas" pitchFamily="49"/>
-                          <a:ea typeface="微软雅黑" pitchFamily="34"/>
-                        </a:rPr>
-                        <a:t>xxx050</a:t>
-                      </a:r>
-                      <a:endParaRPr lang="zh-CN" altLang="en-US" sz="1800" b="0" i="0" u="none" strike="noStrike" kern="1200" cap="none" spc="0" baseline="0">
-                        <a:solidFill>
-                          <a:srgbClr val="000000"/>
-                        </a:solidFill>
-                        <a:uFillTx/>
-                        <a:latin typeface="Consolas" pitchFamily="49"/>
-                        <a:ea typeface="微软雅黑" pitchFamily="34"/>
-                      </a:endParaRPr>
-                    </a:p>
-                  </a:txBody>
-                  <a:tcPr/>
-                </a:tc>
-                <a:tc>
-                  <a:txBody>
-                    <a:bodyPr/>
-                    <a:lstStyle/>
-                    <a:p>
-                      <a:pPr marL="0" marR="0" lvl="0" indent="0" algn="ctr" defTabSz="539998" rtl="0" fontAlgn="auto" hangingPunct="1">
-                        <a:lnSpc>
-                          <a:spcPct val="90000"/>
-                        </a:lnSpc>
-                        <a:spcBef>
-                          <a:spcPts val="1000"/>
-                        </a:spcBef>
-                        <a:spcAft>
-                          <a:spcPts val="0"/>
-                        </a:spcAft>
-                        <a:buSzPct val="100000"/>
-                        <a:buFont typeface="Arial" pitchFamily="34"/>
-                        <a:buNone/>
-                        <a:tabLst/>
-                      </a:pPr>
-                      <a:r>
-                        <a:rPr lang="en-US" altLang="zh-CN" sz="1800" b="0" i="0" u="none" strike="noStrike" kern="1200" cap="none" spc="0" baseline="0">
-                          <a:solidFill>
-                            <a:srgbClr val="000000"/>
-                          </a:solidFill>
-                          <a:uFillTx/>
-                          <a:latin typeface="Consolas" pitchFamily="49"/>
-                          <a:ea typeface="微软雅黑" pitchFamily="34"/>
-                        </a:rPr>
-                        <a:t>C</a:t>
-                      </a:r>
-                      <a:endParaRPr lang="zh-CN" altLang="en-US" sz="1800" b="0" i="0" u="none" strike="noStrike" kern="1200" cap="none" spc="0" baseline="0">
-                        <a:solidFill>
-                          <a:srgbClr val="000000"/>
-                        </a:solidFill>
-                        <a:uFillTx/>
-                        <a:latin typeface="Consolas" pitchFamily="49"/>
-                        <a:ea typeface="微软雅黑" pitchFamily="34"/>
-                      </a:endParaRPr>
-                    </a:p>
-                  </a:txBody>
-                  <a:tcPr/>
-                </a:tc>
-                <a:tc>
-                  <a:txBody>
-                    <a:bodyPr/>
-                    <a:lstStyle/>
-                    <a:p>
-                      <a:pPr marL="0" marR="0" lvl="0" indent="0" algn="ctr" defTabSz="539998" rtl="0" fontAlgn="auto" hangingPunct="1">
-                        <a:lnSpc>
-                          <a:spcPct val="90000"/>
-                        </a:lnSpc>
-                        <a:spcBef>
-                          <a:spcPts val="1000"/>
-                        </a:spcBef>
-                        <a:spcAft>
-                          <a:spcPts val="0"/>
-                        </a:spcAft>
-                        <a:buSzPct val="100000"/>
-                        <a:buFont typeface="Arial" pitchFamily="34"/>
-                        <a:buNone/>
-                        <a:tabLst/>
-                      </a:pPr>
-                      <a:r>
-                        <a:rPr lang="en-US" altLang="zh-CN" sz="1800" b="0" i="0" u="none" strike="noStrike" kern="1200" cap="none" spc="0" baseline="0">
-                          <a:solidFill>
-                            <a:srgbClr val="000000"/>
-                          </a:solidFill>
-                          <a:uFillTx/>
-                          <a:latin typeface="Consolas" pitchFamily="49"/>
-                          <a:ea typeface="微软雅黑" pitchFamily="34"/>
-                        </a:rPr>
-                        <a:t>CTAG</a:t>
-                      </a:r>
-                      <a:endParaRPr lang="zh-CN" altLang="en-US" sz="1800" b="0" i="0" u="none" strike="noStrike" kern="1200" cap="none" spc="0" baseline="0">
-                        <a:solidFill>
-                          <a:srgbClr val="000000"/>
-                        </a:solidFill>
-                        <a:uFillTx/>
-                        <a:latin typeface="Consolas" pitchFamily="49"/>
-                        <a:ea typeface="微软雅黑" pitchFamily="34"/>
-                      </a:endParaRPr>
-                    </a:p>
-                  </a:txBody>
-                  <a:tcPr/>
-                </a:tc>
-                <a:tc>
-                  <a:txBody>
-                    <a:bodyPr/>
-                    <a:lstStyle/>
-                    <a:p>
-                      <a:pPr marL="0" marR="0" lvl="0" indent="0" algn="ctr" defTabSz="539998" rtl="0" fontAlgn="auto" hangingPunct="1">
-                        <a:lnSpc>
-                          <a:spcPct val="90000"/>
-                        </a:lnSpc>
-                        <a:spcBef>
-                          <a:spcPts val="1000"/>
-                        </a:spcBef>
-                        <a:spcAft>
-                          <a:spcPts val="0"/>
-                        </a:spcAft>
-                        <a:buSzPct val="100000"/>
-                        <a:buFont typeface="Arial" pitchFamily="34"/>
-                        <a:buNone/>
-                        <a:tabLst/>
-                      </a:pPr>
-                      <a:r>
-                        <a:rPr lang="en-US" altLang="zh-CN" sz="1800" b="0" i="0" u="none" strike="noStrike" kern="1200" cap="none" spc="0" baseline="0">
-                          <a:solidFill>
-                            <a:srgbClr val="000000"/>
-                          </a:solidFill>
-                          <a:uFillTx/>
-                          <a:latin typeface="Consolas" pitchFamily="49"/>
-                          <a:ea typeface="微软雅黑" pitchFamily="34"/>
-                        </a:rPr>
-                        <a:t>insertion</a:t>
-                      </a:r>
-                      <a:endParaRPr lang="zh-CN" altLang="en-US" sz="1800" b="0" i="0" u="none" strike="noStrike" kern="1200" cap="none" spc="0" baseline="0">
-                        <a:solidFill>
-                          <a:srgbClr val="000000"/>
-                        </a:solidFill>
-                        <a:uFillTx/>
-                        <a:latin typeface="Consolas" pitchFamily="49"/>
-                        <a:ea typeface="微软雅黑" pitchFamily="34"/>
-                      </a:endParaRPr>
-                    </a:p>
-                  </a:txBody>
-                  <a:tcPr/>
-                </a:tc>
-                <a:extLst>
-                  <a:ext uri="{0D108BD9-81ED-4DB2-BD59-A6C34878D82A}">
-                    <a16:rowId xmlns:a16="http://schemas.microsoft.com/office/drawing/2014/main" val="847781996"/>
-                  </a:ext>
-                </a:extLst>
-              </a:tr>
-              <a:tr h="370840">
-                <a:tc>
-                  <a:txBody>
-                    <a:bodyPr/>
-                    <a:lstStyle/>
-                    <a:p>
-                      <a:pPr marL="0" marR="0" lvl="0" indent="0" algn="ctr" defTabSz="539998" rtl="0" fontAlgn="auto" hangingPunct="1">
-                        <a:lnSpc>
-                          <a:spcPct val="90000"/>
-                        </a:lnSpc>
-                        <a:spcBef>
-                          <a:spcPts val="1000"/>
-                        </a:spcBef>
-                        <a:spcAft>
-                          <a:spcPts val="0"/>
-                        </a:spcAft>
-                        <a:buSzPct val="100000"/>
-                        <a:buFont typeface="Arial" pitchFamily="34"/>
-                        <a:buNone/>
-                        <a:tabLst/>
-                      </a:pPr>
-                      <a:r>
-                        <a:rPr lang="en-US" altLang="zh-CN" sz="1800" b="0" i="0" u="none" strike="noStrike" kern="1200" cap="none" spc="0" baseline="0">
-                          <a:solidFill>
-                            <a:srgbClr val="000000"/>
-                          </a:solidFill>
-                          <a:uFillTx/>
-                          <a:latin typeface="Consolas" pitchFamily="49"/>
-                          <a:ea typeface="微软雅黑" pitchFamily="34"/>
-                        </a:rPr>
-                        <a:t>3</a:t>
-                      </a:r>
-                      <a:endParaRPr lang="zh-CN" altLang="en-US" sz="1800" b="0" i="0" u="none" strike="noStrike" kern="1200" cap="none" spc="0" baseline="0">
-                        <a:solidFill>
-                          <a:srgbClr val="000000"/>
-                        </a:solidFill>
-                        <a:uFillTx/>
-                        <a:latin typeface="Consolas" pitchFamily="49"/>
-                        <a:ea typeface="微软雅黑" pitchFamily="34"/>
-                      </a:endParaRPr>
-                    </a:p>
-                  </a:txBody>
-                  <a:tcPr/>
-                </a:tc>
-                <a:tc>
-                  <a:txBody>
-                    <a:bodyPr/>
-                    <a:lstStyle/>
-                    <a:p>
-                      <a:pPr marL="0" marR="0" lvl="0" indent="0" algn="ctr" defTabSz="539998" rtl="0" fontAlgn="auto" hangingPunct="1">
-                        <a:lnSpc>
-                          <a:spcPct val="90000"/>
-                        </a:lnSpc>
-                        <a:spcBef>
-                          <a:spcPts val="1000"/>
-                        </a:spcBef>
-                        <a:spcAft>
-                          <a:spcPts val="0"/>
-                        </a:spcAft>
-                        <a:buSzPct val="100000"/>
-                        <a:buFont typeface="Arial" pitchFamily="34"/>
-                        <a:buNone/>
-                        <a:tabLst/>
-                      </a:pPr>
-                      <a:r>
-                        <a:rPr lang="en-US" altLang="zh-CN" sz="1800" b="0" i="0" u="none" strike="noStrike" kern="1200" cap="none" spc="0" baseline="0">
-                          <a:solidFill>
-                            <a:srgbClr val="000000"/>
-                          </a:solidFill>
-                          <a:uFillTx/>
-                          <a:latin typeface="Consolas" pitchFamily="49"/>
-                          <a:ea typeface="微软雅黑" pitchFamily="34"/>
-                        </a:rPr>
-                        <a:t>xxx100</a:t>
-                      </a:r>
-                      <a:endParaRPr lang="zh-CN" altLang="en-US" sz="1800" b="0" i="0" u="none" strike="noStrike" kern="1200" cap="none" spc="0" baseline="0">
-                        <a:solidFill>
-                          <a:srgbClr val="000000"/>
-                        </a:solidFill>
-                        <a:uFillTx/>
-                        <a:latin typeface="Consolas" pitchFamily="49"/>
-                        <a:ea typeface="微软雅黑" pitchFamily="34"/>
-                      </a:endParaRPr>
-                    </a:p>
-                  </a:txBody>
-                  <a:tcPr/>
-                </a:tc>
-                <a:tc>
-                  <a:txBody>
-                    <a:bodyPr/>
-                    <a:lstStyle/>
-                    <a:p>
-                      <a:pPr marL="0" marR="0" lvl="0" indent="0" algn="ctr" defTabSz="539998" rtl="0" fontAlgn="auto" hangingPunct="1">
-                        <a:lnSpc>
-                          <a:spcPct val="90000"/>
-                        </a:lnSpc>
-                        <a:spcBef>
-                          <a:spcPts val="1000"/>
-                        </a:spcBef>
-                        <a:spcAft>
-                          <a:spcPts val="0"/>
-                        </a:spcAft>
-                        <a:buSzPct val="100000"/>
-                        <a:buFont typeface="Arial" pitchFamily="34"/>
-                        <a:buNone/>
-                        <a:tabLst/>
-                      </a:pPr>
-                      <a:r>
-                        <a:rPr lang="en-US" altLang="zh-CN" sz="1800" b="0" i="0" u="none" strike="noStrike" kern="1200" cap="none" spc="0" baseline="0">
-                          <a:solidFill>
-                            <a:srgbClr val="000000"/>
-                          </a:solidFill>
-                          <a:uFillTx/>
-                          <a:latin typeface="Consolas" pitchFamily="49"/>
-                          <a:ea typeface="微软雅黑" pitchFamily="34"/>
-                        </a:rPr>
-                        <a:t>TCG</a:t>
-                      </a:r>
-                      <a:endParaRPr lang="zh-CN" altLang="en-US" sz="1800" b="0" i="0" u="none" strike="noStrike" kern="1200" cap="none" spc="0" baseline="0">
-                        <a:solidFill>
-                          <a:srgbClr val="000000"/>
-                        </a:solidFill>
-                        <a:uFillTx/>
-                        <a:latin typeface="Consolas" pitchFamily="49"/>
-                        <a:ea typeface="微软雅黑" pitchFamily="34"/>
-                      </a:endParaRPr>
-                    </a:p>
-                  </a:txBody>
-                  <a:tcPr/>
-                </a:tc>
-                <a:tc>
-                  <a:txBody>
-                    <a:bodyPr/>
-                    <a:lstStyle/>
-                    <a:p>
-                      <a:pPr marL="0" marR="0" lvl="0" indent="0" algn="ctr" defTabSz="539998" rtl="0" fontAlgn="auto" hangingPunct="1">
-                        <a:lnSpc>
-                          <a:spcPct val="90000"/>
-                        </a:lnSpc>
-                        <a:spcBef>
-                          <a:spcPts val="1000"/>
-                        </a:spcBef>
-                        <a:spcAft>
-                          <a:spcPts val="0"/>
-                        </a:spcAft>
-                        <a:buSzPct val="100000"/>
-                        <a:buFont typeface="Arial" pitchFamily="34"/>
-                        <a:buNone/>
-                        <a:tabLst/>
-                      </a:pPr>
-                      <a:r>
-                        <a:rPr lang="en-US" altLang="zh-CN" sz="1800" b="0" i="0" u="none" strike="noStrike" kern="1200" cap="none" spc="0" baseline="0">
-                          <a:solidFill>
-                            <a:srgbClr val="000000"/>
-                          </a:solidFill>
-                          <a:uFillTx/>
-                          <a:latin typeface="Consolas" pitchFamily="49"/>
-                          <a:ea typeface="微软雅黑" pitchFamily="34"/>
-                        </a:rPr>
-                        <a:t>T</a:t>
-                      </a:r>
-                      <a:endParaRPr lang="zh-CN" altLang="en-US" sz="1800" b="0" i="0" u="none" strike="noStrike" kern="1200" cap="none" spc="0" baseline="0">
-                        <a:solidFill>
-                          <a:srgbClr val="000000"/>
-                        </a:solidFill>
-                        <a:uFillTx/>
-                        <a:latin typeface="Consolas" pitchFamily="49"/>
-                        <a:ea typeface="微软雅黑" pitchFamily="34"/>
-                      </a:endParaRPr>
-                    </a:p>
-                  </a:txBody>
-                  <a:tcPr/>
-                </a:tc>
-                <a:tc>
-                  <a:txBody>
-                    <a:bodyPr/>
-                    <a:lstStyle/>
-                    <a:p>
-                      <a:pPr marL="0" marR="0" lvl="0" indent="0" algn="ctr" defTabSz="539998" rtl="0" fontAlgn="auto" hangingPunct="1">
-                        <a:lnSpc>
-                          <a:spcPct val="90000"/>
-                        </a:lnSpc>
-                        <a:spcBef>
-                          <a:spcPts val="1000"/>
-                        </a:spcBef>
-                        <a:spcAft>
-                          <a:spcPts val="0"/>
-                        </a:spcAft>
-                        <a:buSzPct val="100000"/>
-                        <a:buFont typeface="Arial" pitchFamily="34"/>
-                        <a:buNone/>
-                        <a:tabLst/>
-                      </a:pPr>
-                      <a:r>
-                        <a:rPr lang="en-US" altLang="zh-CN" sz="1800" b="0" i="0" u="none" strike="noStrike" kern="1200" cap="none" spc="0" baseline="0">
-                          <a:solidFill>
-                            <a:srgbClr val="000000"/>
-                          </a:solidFill>
-                          <a:uFillTx/>
-                          <a:latin typeface="Consolas" pitchFamily="49"/>
-                          <a:ea typeface="微软雅黑" pitchFamily="34"/>
-                        </a:rPr>
-                        <a:t>deletion</a:t>
-                      </a:r>
-                      <a:endParaRPr lang="zh-CN" altLang="en-US" sz="1800" b="0" i="0" u="none" strike="noStrike" kern="1200" cap="none" spc="0" baseline="0">
-                        <a:solidFill>
-                          <a:srgbClr val="000000"/>
-                        </a:solidFill>
-                        <a:uFillTx/>
-                        <a:latin typeface="Consolas" pitchFamily="49"/>
-                        <a:ea typeface="微软雅黑" pitchFamily="34"/>
-                      </a:endParaRPr>
-                    </a:p>
-                  </a:txBody>
-                  <a:tcPr/>
-                </a:tc>
-                <a:extLst>
-                  <a:ext uri="{0D108BD9-81ED-4DB2-BD59-A6C34878D82A}">
-                    <a16:rowId xmlns:a16="http://schemas.microsoft.com/office/drawing/2014/main" val="4264729732"/>
-                  </a:ext>
-                </a:extLst>
-              </a:tr>
-            </a:tbl>
-          </a:graphicData>
-        </a:graphic>
-      </p:graphicFrame>
-      <p:sp>
-        <p:nvSpPr>
-          <p:cNvPr id="8" name="副标题 2">
-            <a:extLst>
-              <a:ext uri="{FF2B5EF4-FFF2-40B4-BE49-F238E27FC236}">
-                <a16:creationId xmlns:a16="http://schemas.microsoft.com/office/drawing/2014/main" id="{44454878-0297-452F-8605-93B10772F9FE}"/>
-              </a:ext>
-            </a:extLst>
-          </p:cNvPr>
-          <p:cNvSpPr txBox="1">
-            <a:spLocks/>
-          </p:cNvSpPr>
-          <p:nvPr/>
-        </p:nvSpPr>
-        <p:spPr>
-          <a:xfrm>
-            <a:off x="8220974" y="-1"/>
-            <a:ext cx="3971026" cy="313932"/>
-          </a:xfrm>
-          <a:prstGeom prst="rect">
-            <a:avLst/>
-          </a:prstGeom>
-          <a:noFill/>
-          <a:ln>
-            <a:noFill/>
-          </a:ln>
-        </p:spPr>
-        <p:txBody>
-          <a:bodyPr vert="horz" wrap="square" lIns="91440" tIns="45720" rIns="91440" bIns="45720" anchor="t" anchorCtr="1" compatLnSpc="1">
-            <a:spAutoFit/>
-          </a:bodyPr>
-          <a:lstStyle>
-            <a:lvl1pPr marL="0" marR="0" lvl="0" indent="0" algn="ctr" defTabSz="539998" rtl="0" fontAlgn="auto" hangingPunct="1">
-              <a:lnSpc>
-                <a:spcPct val="90000"/>
-              </a:lnSpc>
-              <a:spcBef>
-                <a:spcPts val="1000"/>
-              </a:spcBef>
-              <a:spcAft>
-                <a:spcPts val="0"/>
-              </a:spcAft>
-              <a:buSzPct val="100000"/>
-              <a:buFont typeface="Arial" pitchFamily="34"/>
-              <a:buNone/>
-              <a:tabLst/>
-              <a:defRPr lang="zh-CN" sz="2400" b="0" i="0" u="none" strike="noStrike" kern="1200" cap="none" spc="0" baseline="0">
-                <a:solidFill>
-                  <a:srgbClr val="000000"/>
-                </a:solidFill>
-                <a:uFillTx/>
-                <a:latin typeface="Consolas" pitchFamily="49"/>
-                <a:ea typeface="微软雅黑" pitchFamily="34"/>
-              </a:defRPr>
-            </a:lvl1pPr>
-            <a:lvl2pPr marL="685800" marR="0" lvl="1" indent="-228600" algn="l" defTabSz="539998" rtl="0" fontAlgn="auto" hangingPunct="1">
-              <a:lnSpc>
-                <a:spcPct val="90000"/>
-              </a:lnSpc>
-              <a:spcBef>
-                <a:spcPts val="500"/>
-              </a:spcBef>
-              <a:spcAft>
-                <a:spcPts val="0"/>
-              </a:spcAft>
-              <a:buSzPct val="100000"/>
-              <a:buFont typeface="Arial" pitchFamily="34"/>
-              <a:buChar char="•"/>
-              <a:tabLst/>
-              <a:defRPr lang="zh-CN" sz="2400" b="0" i="0" u="none" strike="noStrike" kern="1200" cap="none" spc="0" baseline="0">
-                <a:solidFill>
-                  <a:srgbClr val="000000"/>
-                </a:solidFill>
-                <a:uFillTx/>
-                <a:latin typeface="Consolas" pitchFamily="49"/>
-                <a:ea typeface="微软雅黑" pitchFamily="34"/>
-              </a:defRPr>
-            </a:lvl2pPr>
-            <a:lvl3pPr marL="1143000" marR="0" lvl="2" indent="-228600" algn="l" defTabSz="539998" rtl="0" fontAlgn="auto" hangingPunct="1">
-              <a:lnSpc>
-                <a:spcPct val="90000"/>
-              </a:lnSpc>
-              <a:spcBef>
-                <a:spcPts val="500"/>
-              </a:spcBef>
-              <a:spcAft>
-                <a:spcPts val="0"/>
-              </a:spcAft>
-              <a:buSzPct val="100000"/>
-              <a:buFont typeface="Arial" pitchFamily="34"/>
-              <a:buChar char="•"/>
-              <a:tabLst/>
-              <a:defRPr lang="zh-CN" sz="2000" b="0" i="0" u="none" strike="noStrike" kern="1200" cap="none" spc="0" baseline="0">
-                <a:solidFill>
-                  <a:srgbClr val="000000"/>
-                </a:solidFill>
-                <a:uFillTx/>
-                <a:latin typeface="Consolas" pitchFamily="49"/>
-                <a:ea typeface="微软雅黑" pitchFamily="34"/>
-              </a:defRPr>
-            </a:lvl3pPr>
-            <a:lvl4pPr marL="1600200" marR="0" lvl="3" indent="-228600" algn="l" defTabSz="539998" rtl="0" fontAlgn="auto" hangingPunct="1">
-              <a:lnSpc>
-                <a:spcPct val="90000"/>
-              </a:lnSpc>
-              <a:spcBef>
-                <a:spcPts val="500"/>
-              </a:spcBef>
-              <a:spcAft>
-                <a:spcPts val="0"/>
-              </a:spcAft>
-              <a:buSzPct val="100000"/>
-              <a:buFont typeface="Arial" pitchFamily="34"/>
-              <a:buChar char="•"/>
-              <a:tabLst/>
-              <a:defRPr lang="zh-CN" sz="1800" b="0" i="0" u="none" strike="noStrike" kern="1200" cap="none" spc="0" baseline="0">
-                <a:solidFill>
-                  <a:srgbClr val="000000"/>
-                </a:solidFill>
-                <a:uFillTx/>
-                <a:latin typeface="Consolas" pitchFamily="49"/>
-                <a:ea typeface="微软雅黑" pitchFamily="34"/>
-              </a:defRPr>
-            </a:lvl4pPr>
-            <a:lvl5pPr marL="2057400" marR="0" lvl="4" indent="-228600" algn="l" defTabSz="539998" rtl="0" fontAlgn="auto" hangingPunct="1">
-              <a:lnSpc>
-                <a:spcPct val="90000"/>
-              </a:lnSpc>
-              <a:spcBef>
-                <a:spcPts val="500"/>
-              </a:spcBef>
-              <a:spcAft>
-                <a:spcPts val="0"/>
-              </a:spcAft>
-              <a:buSzPct val="100000"/>
-              <a:buFont typeface="Arial" pitchFamily="34"/>
-              <a:buChar char="•"/>
-              <a:tabLst/>
-              <a:defRPr lang="zh-CN" sz="1800" b="0" i="0" u="none" strike="noStrike" kern="1200" cap="none" spc="0" baseline="0">
-                <a:solidFill>
-                  <a:srgbClr val="000000"/>
-                </a:solidFill>
-                <a:uFillTx/>
-                <a:latin typeface="Consolas" pitchFamily="49"/>
-                <a:ea typeface="微软雅黑" pitchFamily="34"/>
-              </a:defRPr>
-            </a:lvl5pPr>
-            <a:lvl6pPr marL="2514600" indent="-228600" algn="l" defTabSz="914400" rtl="0" eaLnBrk="1" latinLnBrk="0" hangingPunct="1">
-              <a:lnSpc>
-                <a:spcPct val="90000"/>
-              </a:lnSpc>
-              <a:spcBef>
-                <a:spcPts val="500"/>
-              </a:spcBef>
-              <a:buFont typeface="Arial" panose="020B0604020202020204" pitchFamily="34" charset="0"/>
-              <a:buChar char="•"/>
-              <a:defRPr sz="1800" kern="1200">
-                <a:solidFill>
-                  <a:schemeClr val="tx1"/>
-                </a:solidFill>
-                <a:latin typeface="+mn-lt"/>
-                <a:ea typeface="+mn-ea"/>
-                <a:cs typeface="+mn-cs"/>
-              </a:defRPr>
-            </a:lvl6pPr>
-            <a:lvl7pPr marL="2971800" indent="-228600" algn="l" defTabSz="914400" rtl="0" eaLnBrk="1" latinLnBrk="0" hangingPunct="1">
-              <a:lnSpc>
-                <a:spcPct val="90000"/>
-              </a:lnSpc>
-              <a:spcBef>
-                <a:spcPts val="500"/>
-              </a:spcBef>
-              <a:buFont typeface="Arial" panose="020B0604020202020204" pitchFamily="34" charset="0"/>
-              <a:buChar char="•"/>
-              <a:defRPr sz="1800" kern="1200">
-                <a:solidFill>
-                  <a:schemeClr val="tx1"/>
-                </a:solidFill>
-                <a:latin typeface="+mn-lt"/>
-                <a:ea typeface="+mn-ea"/>
-                <a:cs typeface="+mn-cs"/>
-              </a:defRPr>
-            </a:lvl7pPr>
-            <a:lvl8pPr marL="3429000" indent="-228600" algn="l" defTabSz="914400" rtl="0" eaLnBrk="1" latinLnBrk="0" hangingPunct="1">
-              <a:lnSpc>
-                <a:spcPct val="90000"/>
-              </a:lnSpc>
-              <a:spcBef>
-                <a:spcPts val="500"/>
-              </a:spcBef>
-              <a:buFont typeface="Arial" panose="020B0604020202020204" pitchFamily="34" charset="0"/>
-              <a:buChar char="•"/>
-              <a:defRPr sz="1800" kern="1200">
-                <a:solidFill>
-                  <a:schemeClr val="tx1"/>
-                </a:solidFill>
-                <a:latin typeface="+mn-lt"/>
-                <a:ea typeface="+mn-ea"/>
-                <a:cs typeface="+mn-cs"/>
-              </a:defRPr>
-            </a:lvl8pPr>
-            <a:lvl9pPr marL="3886200" indent="-228600" algn="l" defTabSz="914400" rtl="0" eaLnBrk="1" latinLnBrk="0" hangingPunct="1">
-              <a:lnSpc>
-                <a:spcPct val="90000"/>
-              </a:lnSpc>
-              <a:spcBef>
-                <a:spcPts val="500"/>
-              </a:spcBef>
-              <a:buFont typeface="Arial" panose="020B0604020202020204" pitchFamily="34" charset="0"/>
-              <a:buChar char="•"/>
-              <a:defRPr sz="1800" kern="1200">
-                <a:solidFill>
-                  <a:schemeClr val="tx1"/>
-                </a:solidFill>
-                <a:latin typeface="+mn-lt"/>
-                <a:ea typeface="+mn-ea"/>
-                <a:cs typeface="+mn-cs"/>
-              </a:defRPr>
-            </a:lvl9pPr>
-          </a:lstStyle>
-          <a:p>
-            <a:r>
-              <a:rPr lang="en-US" sz="1600"/>
-              <a:t>Length of Given Reads: 70bp</a:t>
-            </a:r>
-          </a:p>
-        </p:txBody>
-      </p:sp>
-      <p:graphicFrame>
-        <p:nvGraphicFramePr>
-          <p:cNvPr id="9" name="表格 7">
-            <a:extLst>
-              <a:ext uri="{FF2B5EF4-FFF2-40B4-BE49-F238E27FC236}">
-                <a16:creationId xmlns:a16="http://schemas.microsoft.com/office/drawing/2014/main" id="{660C7F5E-436F-4EC4-86FD-4BC2C184E58C}"/>
-              </a:ext>
-            </a:extLst>
-          </p:cNvPr>
-          <p:cNvGraphicFramePr>
-            <a:graphicFrameLocks noGrp="1"/>
-          </p:cNvGraphicFramePr>
-          <p:nvPr/>
-        </p:nvGraphicFramePr>
-        <p:xfrm>
-          <a:off x="1019355" y="4583334"/>
-          <a:ext cx="10153290" cy="1697736"/>
-        </p:xfrm>
-        <a:graphic>
-          <a:graphicData uri="http://schemas.openxmlformats.org/drawingml/2006/table">
-            <a:tbl>
-              <a:tblPr firstRow="1" bandRow="1">
-                <a:tableStyleId>{5940675A-B579-460E-94D1-54222C63F5DA}</a:tableStyleId>
-              </a:tblPr>
-              <a:tblGrid>
-                <a:gridCol w="1725284">
-                  <a:extLst>
-                    <a:ext uri="{9D8B030D-6E8A-4147-A177-3AD203B41FA5}">
-                      <a16:colId xmlns:a16="http://schemas.microsoft.com/office/drawing/2014/main" val="1396362083"/>
-                    </a:ext>
-                  </a:extLst>
-                </a:gridCol>
-                <a:gridCol w="4214003">
-                  <a:extLst>
-                    <a:ext uri="{9D8B030D-6E8A-4147-A177-3AD203B41FA5}">
-                      <a16:colId xmlns:a16="http://schemas.microsoft.com/office/drawing/2014/main" val="1498236489"/>
-                    </a:ext>
-                  </a:extLst>
-                </a:gridCol>
-                <a:gridCol w="4214003">
-                  <a:extLst>
-                    <a:ext uri="{9D8B030D-6E8A-4147-A177-3AD203B41FA5}">
-                      <a16:colId xmlns:a16="http://schemas.microsoft.com/office/drawing/2014/main" val="1292628694"/>
-                    </a:ext>
-                  </a:extLst>
-                </a:gridCol>
-              </a:tblGrid>
-              <a:tr h="370840">
-                <a:tc>
-                  <a:txBody>
-                    <a:bodyPr/>
-                    <a:lstStyle/>
-                    <a:p>
-                      <a:pPr marL="0" marR="0" lvl="0" indent="0" algn="ctr" defTabSz="539998" rtl="0" fontAlgn="auto" hangingPunct="1">
-                        <a:lnSpc>
-                          <a:spcPct val="90000"/>
-                        </a:lnSpc>
-                        <a:spcBef>
-                          <a:spcPts val="1000"/>
-                        </a:spcBef>
-                        <a:spcAft>
-                          <a:spcPts val="0"/>
-                        </a:spcAft>
-                        <a:buSzPct val="100000"/>
-                        <a:buFont typeface="Arial" pitchFamily="34"/>
-                        <a:buNone/>
-                        <a:tabLst/>
-                      </a:pPr>
-                      <a:r>
-                        <a:rPr lang="en-US" altLang="zh-CN" sz="1800" b="0" i="0" u="none" strike="noStrike" kern="1200" cap="none" spc="0" baseline="0">
-                          <a:solidFill>
-                            <a:schemeClr val="bg1"/>
-                          </a:solidFill>
-                          <a:uFillTx/>
-                          <a:latin typeface="Consolas" pitchFamily="49"/>
-                          <a:ea typeface="微软雅黑" pitchFamily="34"/>
-                        </a:rPr>
-                        <a:t>id</a:t>
-                      </a:r>
-                      <a:endParaRPr lang="zh-CN" altLang="en-US" sz="1800" b="0" i="0" u="none" strike="noStrike" kern="1200" cap="none" spc="0" baseline="0">
-                        <a:solidFill>
-                          <a:schemeClr val="bg1"/>
-                        </a:solidFill>
-                        <a:uFillTx/>
-                        <a:latin typeface="Consolas" pitchFamily="49"/>
-                        <a:ea typeface="微软雅黑" pitchFamily="34"/>
-                      </a:endParaRPr>
-                    </a:p>
-                  </a:txBody>
-                  <a:tcPr>
-                    <a:solidFill>
-                      <a:srgbClr val="1CB0A2"/>
-                    </a:solidFill>
-                  </a:tcPr>
-                </a:tc>
-                <a:tc>
-                  <a:txBody>
-                    <a:bodyPr/>
-                    <a:lstStyle/>
-                    <a:p>
-                      <a:pPr marL="0" marR="0" lvl="0" indent="0" algn="ctr" defTabSz="539998" rtl="0" fontAlgn="auto" hangingPunct="1">
-                        <a:lnSpc>
-                          <a:spcPct val="90000"/>
-                        </a:lnSpc>
-                        <a:spcBef>
-                          <a:spcPts val="1000"/>
-                        </a:spcBef>
-                        <a:spcAft>
-                          <a:spcPts val="0"/>
-                        </a:spcAft>
-                        <a:buSzPct val="100000"/>
-                        <a:buFont typeface="Arial" pitchFamily="34"/>
-                        <a:buNone/>
-                        <a:tabLst/>
-                      </a:pPr>
-                      <a:r>
-                        <a:rPr lang="en-US" altLang="zh-CN" sz="1800" b="0" i="0" u="none" strike="noStrike" kern="1200" cap="none" spc="0" baseline="0">
-                          <a:solidFill>
-                            <a:schemeClr val="bg1"/>
-                          </a:solidFill>
-                          <a:uFillTx/>
-                          <a:latin typeface="Consolas" pitchFamily="49"/>
-                          <a:ea typeface="微软雅黑" pitchFamily="34"/>
-                        </a:rPr>
-                        <a:t>bases around pos before integration</a:t>
-                      </a:r>
-                      <a:endParaRPr lang="zh-CN" altLang="en-US" sz="1800" b="0" i="0" u="none" strike="noStrike" kern="1200" cap="none" spc="0" baseline="0">
-                        <a:solidFill>
-                          <a:schemeClr val="bg1"/>
-                        </a:solidFill>
-                        <a:uFillTx/>
-                        <a:latin typeface="Consolas" pitchFamily="49"/>
-                        <a:ea typeface="微软雅黑" pitchFamily="34"/>
-                      </a:endParaRPr>
-                    </a:p>
-                  </a:txBody>
-                  <a:tcPr>
-                    <a:solidFill>
-                      <a:srgbClr val="1CB0A2"/>
-                    </a:solidFill>
-                  </a:tcPr>
-                </a:tc>
-                <a:tc>
-                  <a:txBody>
-                    <a:bodyPr/>
-                    <a:lstStyle/>
-                    <a:p>
-                      <a:pPr marL="0" marR="0" lvl="0" indent="0" algn="ctr" defTabSz="539998" rtl="0" fontAlgn="auto" hangingPunct="1">
-                        <a:lnSpc>
-                          <a:spcPct val="90000"/>
-                        </a:lnSpc>
-                        <a:spcBef>
-                          <a:spcPts val="1000"/>
-                        </a:spcBef>
-                        <a:spcAft>
-                          <a:spcPts val="0"/>
-                        </a:spcAft>
-                        <a:buSzPct val="100000"/>
-                        <a:buFont typeface="Arial" pitchFamily="34"/>
-                        <a:buNone/>
-                        <a:tabLst/>
-                      </a:pPr>
-                      <a:r>
-                        <a:rPr lang="en-US" altLang="zh-CN" sz="1800" b="0" i="0" u="none" strike="noStrike" kern="1200" cap="none" spc="0" baseline="0">
-                          <a:solidFill>
-                            <a:schemeClr val="bg1"/>
-                          </a:solidFill>
-                          <a:uFillTx/>
-                          <a:latin typeface="Consolas" pitchFamily="49"/>
-                          <a:ea typeface="微软雅黑" pitchFamily="34"/>
-                        </a:rPr>
-                        <a:t>bases around pos after integration</a:t>
-                      </a:r>
-                      <a:endParaRPr lang="zh-CN" altLang="en-US" sz="1800" b="0" i="0" u="none" strike="noStrike" kern="1200" cap="none" spc="0" baseline="0">
-                        <a:solidFill>
-                          <a:schemeClr val="bg1"/>
-                        </a:solidFill>
-                        <a:uFillTx/>
-                        <a:latin typeface="Consolas" pitchFamily="49"/>
-                        <a:ea typeface="微软雅黑" pitchFamily="34"/>
-                      </a:endParaRPr>
-                    </a:p>
-                  </a:txBody>
-                  <a:tcPr>
-                    <a:solidFill>
-                      <a:srgbClr val="1CB0A2"/>
-                    </a:solidFill>
-                  </a:tcPr>
-                </a:tc>
-                <a:extLst>
-                  <a:ext uri="{0D108BD9-81ED-4DB2-BD59-A6C34878D82A}">
-                    <a16:rowId xmlns:a16="http://schemas.microsoft.com/office/drawing/2014/main" val="3671342572"/>
-                  </a:ext>
-                </a:extLst>
-              </a:tr>
-              <a:tr h="370840">
-                <a:tc>
-                  <a:txBody>
-                    <a:bodyPr/>
-                    <a:lstStyle/>
-                    <a:p>
-                      <a:pPr marL="0" marR="0" lvl="0" indent="0" algn="ctr" defTabSz="539998" rtl="0" fontAlgn="auto" hangingPunct="1">
-                        <a:lnSpc>
-                          <a:spcPct val="90000"/>
-                        </a:lnSpc>
-                        <a:spcBef>
-                          <a:spcPts val="1000"/>
-                        </a:spcBef>
-                        <a:spcAft>
-                          <a:spcPts val="0"/>
-                        </a:spcAft>
-                        <a:buSzPct val="100000"/>
-                        <a:buFont typeface="Arial" pitchFamily="34"/>
-                        <a:buNone/>
-                        <a:tabLst/>
-                      </a:pPr>
-                      <a:r>
-                        <a:rPr lang="en-US" altLang="zh-CN" sz="1800" b="0" i="0" u="none" strike="noStrike" kern="1200" cap="none" spc="0" baseline="0">
-                          <a:solidFill>
-                            <a:srgbClr val="000000"/>
-                          </a:solidFill>
-                          <a:uFillTx/>
-                          <a:latin typeface="Consolas" pitchFamily="49"/>
-                          <a:ea typeface="微软雅黑" pitchFamily="34"/>
-                        </a:rPr>
-                        <a:t>1</a:t>
-                      </a:r>
-                      <a:endParaRPr lang="zh-CN" altLang="en-US" sz="1800" b="0" i="0" u="none" strike="noStrike" kern="1200" cap="none" spc="0" baseline="0">
-                        <a:solidFill>
-                          <a:srgbClr val="000000"/>
-                        </a:solidFill>
-                        <a:uFillTx/>
-                        <a:latin typeface="Consolas" pitchFamily="49"/>
-                        <a:ea typeface="微软雅黑" pitchFamily="34"/>
-                      </a:endParaRPr>
-                    </a:p>
-                  </a:txBody>
-                  <a:tcPr/>
-                </a:tc>
-                <a:tc>
-                  <a:txBody>
-                    <a:bodyPr/>
-                    <a:lstStyle/>
-                    <a:p>
-                      <a:pPr marL="0" marR="0" lvl="0" indent="0" algn="ctr" defTabSz="539998" rtl="0" fontAlgn="auto" hangingPunct="1">
-                        <a:lnSpc>
-                          <a:spcPct val="90000"/>
-                        </a:lnSpc>
-                        <a:spcBef>
-                          <a:spcPts val="1000"/>
-                        </a:spcBef>
-                        <a:spcAft>
-                          <a:spcPts val="0"/>
-                        </a:spcAft>
-                        <a:buSzPct val="100000"/>
-                        <a:buFont typeface="Arial" pitchFamily="34"/>
-                        <a:buNone/>
-                        <a:tabLst/>
-                      </a:pPr>
-                      <a:r>
-                        <a:rPr lang="en-US" altLang="zh-CN" sz="1800" b="0" i="0" u="none" strike="noStrike" kern="1200" cap="none" spc="0" baseline="0">
-                          <a:solidFill>
-                            <a:srgbClr val="000000"/>
-                          </a:solidFill>
-                          <a:uFillTx/>
-                          <a:latin typeface="Consolas" pitchFamily="49"/>
-                          <a:ea typeface="微软雅黑" pitchFamily="34"/>
-                        </a:rPr>
-                        <a:t>... XXXXXX C XXXXXX ...</a:t>
-                      </a:r>
-                      <a:endParaRPr lang="zh-CN" altLang="en-US" sz="1800" b="0" i="0" u="none" strike="noStrike" kern="1200" cap="none" spc="0" baseline="0">
-                        <a:solidFill>
-                          <a:srgbClr val="000000"/>
-                        </a:solidFill>
-                        <a:uFillTx/>
-                        <a:latin typeface="Consolas" pitchFamily="49"/>
-                        <a:ea typeface="微软雅黑" pitchFamily="34"/>
-                      </a:endParaRPr>
-                    </a:p>
-                  </a:txBody>
-                  <a:tcPr/>
-                </a:tc>
-                <a:tc>
-                  <a:txBody>
-                    <a:bodyPr/>
-                    <a:lstStyle/>
-                    <a:p>
-                      <a:pPr marL="0" marR="0" lvl="0" indent="0" algn="ctr" defTabSz="539998" rtl="0" fontAlgn="auto" hangingPunct="1">
-                        <a:lnSpc>
-                          <a:spcPct val="90000"/>
-                        </a:lnSpc>
-                        <a:spcBef>
-                          <a:spcPts val="1000"/>
-                        </a:spcBef>
-                        <a:spcAft>
-                          <a:spcPts val="0"/>
-                        </a:spcAft>
-                        <a:buSzPct val="100000"/>
-                        <a:buFont typeface="Arial" pitchFamily="34"/>
-                        <a:buNone/>
-                        <a:tabLst/>
-                      </a:pPr>
-                      <a:r>
-                        <a:rPr lang="en-US" altLang="zh-CN" sz="1800" b="0" i="0" u="none" strike="noStrike" kern="1200" cap="none" spc="0" baseline="0">
-                          <a:solidFill>
-                            <a:srgbClr val="000000"/>
-                          </a:solidFill>
-                          <a:uFillTx/>
-                          <a:latin typeface="Consolas" pitchFamily="49"/>
-                          <a:ea typeface="微软雅黑" pitchFamily="34"/>
-                        </a:rPr>
-                        <a:t>... XXXXXX T XXXXXX ...</a:t>
-                      </a:r>
-                      <a:endParaRPr lang="zh-CN" altLang="en-US" sz="1800" b="0" i="0" u="none" strike="noStrike" kern="1200" cap="none" spc="0" baseline="0">
-                        <a:solidFill>
-                          <a:srgbClr val="000000"/>
-                        </a:solidFill>
-                        <a:uFillTx/>
-                        <a:latin typeface="Consolas" pitchFamily="49"/>
-                        <a:ea typeface="微软雅黑" pitchFamily="34"/>
-                      </a:endParaRPr>
-                    </a:p>
-                  </a:txBody>
-                  <a:tcPr/>
-                </a:tc>
-                <a:extLst>
-                  <a:ext uri="{0D108BD9-81ED-4DB2-BD59-A6C34878D82A}">
-                    <a16:rowId xmlns:a16="http://schemas.microsoft.com/office/drawing/2014/main" val="4006098001"/>
-                  </a:ext>
-                </a:extLst>
-              </a:tr>
-              <a:tr h="370840">
-                <a:tc>
-                  <a:txBody>
-                    <a:bodyPr/>
-                    <a:lstStyle/>
-                    <a:p>
-                      <a:pPr marL="0" marR="0" lvl="0" indent="0" algn="ctr" defTabSz="539998" rtl="0" fontAlgn="auto" hangingPunct="1">
-                        <a:lnSpc>
-                          <a:spcPct val="90000"/>
-                        </a:lnSpc>
-                        <a:spcBef>
-                          <a:spcPts val="1000"/>
-                        </a:spcBef>
-                        <a:spcAft>
-                          <a:spcPts val="0"/>
-                        </a:spcAft>
-                        <a:buSzPct val="100000"/>
-                        <a:buFont typeface="Arial" pitchFamily="34"/>
-                        <a:buNone/>
-                        <a:tabLst/>
-                      </a:pPr>
-                      <a:r>
-                        <a:rPr lang="en-US" altLang="zh-CN" sz="1800" b="0" i="0" u="none" strike="noStrike" kern="1200" cap="none" spc="0" baseline="0">
-                          <a:solidFill>
-                            <a:srgbClr val="000000"/>
-                          </a:solidFill>
-                          <a:uFillTx/>
-                          <a:latin typeface="Consolas" pitchFamily="49"/>
-                          <a:ea typeface="微软雅黑" pitchFamily="34"/>
-                        </a:rPr>
-                        <a:t>2</a:t>
-                      </a:r>
-                      <a:endParaRPr lang="zh-CN" altLang="en-US" sz="1800" b="0" i="0" u="none" strike="noStrike" kern="1200" cap="none" spc="0" baseline="0">
-                        <a:solidFill>
-                          <a:srgbClr val="000000"/>
-                        </a:solidFill>
-                        <a:uFillTx/>
-                        <a:latin typeface="Consolas" pitchFamily="49"/>
-                        <a:ea typeface="微软雅黑" pitchFamily="34"/>
-                      </a:endParaRPr>
-                    </a:p>
-                  </a:txBody>
-                  <a:tcPr/>
-                </a:tc>
-                <a:tc>
-                  <a:txBody>
-                    <a:bodyPr/>
-                    <a:lstStyle/>
-                    <a:p>
-                      <a:pPr marL="0" marR="0" lvl="0" indent="0" algn="ctr" defTabSz="539998" rtl="0" fontAlgn="auto" hangingPunct="1">
-                        <a:lnSpc>
-                          <a:spcPct val="90000"/>
-                        </a:lnSpc>
-                        <a:spcBef>
-                          <a:spcPts val="1000"/>
-                        </a:spcBef>
-                        <a:spcAft>
-                          <a:spcPts val="0"/>
-                        </a:spcAft>
-                        <a:buSzPct val="100000"/>
-                        <a:buFont typeface="Arial" pitchFamily="34"/>
-                        <a:buNone/>
-                        <a:tabLst/>
-                      </a:pPr>
-                      <a:r>
-                        <a:rPr lang="en-US" altLang="zh-CN" sz="1800" b="0" i="0" u="none" strike="noStrike" kern="1200" cap="none" spc="0" baseline="0">
-                          <a:solidFill>
-                            <a:srgbClr val="000000"/>
-                          </a:solidFill>
-                          <a:uFillTx/>
-                          <a:latin typeface="Consolas" pitchFamily="49"/>
-                          <a:ea typeface="微软雅黑" pitchFamily="34"/>
-                        </a:rPr>
-                        <a:t>... XXXXXX C XXXXXX ...</a:t>
-                      </a:r>
-                      <a:endParaRPr lang="zh-CN" altLang="en-US" sz="1800" b="0" i="0" u="none" strike="noStrike" kern="1200" cap="none" spc="0" baseline="0">
-                        <a:solidFill>
-                          <a:srgbClr val="000000"/>
-                        </a:solidFill>
-                        <a:uFillTx/>
-                        <a:latin typeface="Consolas" pitchFamily="49"/>
-                        <a:ea typeface="微软雅黑" pitchFamily="34"/>
-                      </a:endParaRPr>
-                    </a:p>
-                  </a:txBody>
-                  <a:tcPr/>
-                </a:tc>
-                <a:tc>
-                  <a:txBody>
-                    <a:bodyPr/>
-                    <a:lstStyle/>
-                    <a:p>
-                      <a:pPr marL="0" marR="0" lvl="0" indent="0" algn="ctr" defTabSz="539998" rtl="0" fontAlgn="auto" hangingPunct="1">
-                        <a:lnSpc>
-                          <a:spcPct val="90000"/>
-                        </a:lnSpc>
-                        <a:spcBef>
-                          <a:spcPts val="1000"/>
-                        </a:spcBef>
-                        <a:spcAft>
-                          <a:spcPts val="0"/>
-                        </a:spcAft>
-                        <a:buSzPct val="100000"/>
-                        <a:buFont typeface="Arial" pitchFamily="34"/>
-                        <a:buNone/>
-                        <a:tabLst/>
-                      </a:pPr>
-                      <a:r>
-                        <a:rPr lang="en-US" altLang="zh-CN" sz="1800" b="0" i="0" u="none" strike="noStrike" kern="1200" cap="none" spc="0" baseline="0">
-                          <a:solidFill>
-                            <a:srgbClr val="000000"/>
-                          </a:solidFill>
-                          <a:uFillTx/>
-                          <a:latin typeface="Consolas" pitchFamily="49"/>
-                          <a:ea typeface="微软雅黑" pitchFamily="34"/>
-                        </a:rPr>
-                        <a:t>... XXXXXX CTAG XXXXXX ...</a:t>
-                      </a:r>
-                      <a:endParaRPr lang="zh-CN" altLang="en-US" sz="1800" b="0" i="0" u="none" strike="noStrike" kern="1200" cap="none" spc="0" baseline="0">
-                        <a:solidFill>
-                          <a:srgbClr val="000000"/>
-                        </a:solidFill>
-                        <a:uFillTx/>
-                        <a:latin typeface="Consolas" pitchFamily="49"/>
-                        <a:ea typeface="微软雅黑" pitchFamily="34"/>
-                      </a:endParaRPr>
-                    </a:p>
-                  </a:txBody>
-                  <a:tcPr/>
-                </a:tc>
-                <a:extLst>
-                  <a:ext uri="{0D108BD9-81ED-4DB2-BD59-A6C34878D82A}">
-                    <a16:rowId xmlns:a16="http://schemas.microsoft.com/office/drawing/2014/main" val="847781996"/>
-                  </a:ext>
-                </a:extLst>
-              </a:tr>
-              <a:tr h="370840">
-                <a:tc>
-                  <a:txBody>
-                    <a:bodyPr/>
-                    <a:lstStyle/>
-                    <a:p>
-                      <a:pPr marL="0" marR="0" lvl="0" indent="0" algn="ctr" defTabSz="539998" rtl="0" fontAlgn="auto" hangingPunct="1">
-                        <a:lnSpc>
-                          <a:spcPct val="90000"/>
-                        </a:lnSpc>
-                        <a:spcBef>
-                          <a:spcPts val="1000"/>
-                        </a:spcBef>
-                        <a:spcAft>
-                          <a:spcPts val="0"/>
-                        </a:spcAft>
-                        <a:buSzPct val="100000"/>
-                        <a:buFont typeface="Arial" pitchFamily="34"/>
-                        <a:buNone/>
-                        <a:tabLst/>
-                      </a:pPr>
-                      <a:r>
-                        <a:rPr lang="en-US" altLang="zh-CN" sz="1800" b="0" i="0" u="none" strike="noStrike" kern="1200" cap="none" spc="0" baseline="0">
-                          <a:solidFill>
-                            <a:srgbClr val="000000"/>
-                          </a:solidFill>
-                          <a:uFillTx/>
-                          <a:latin typeface="Consolas" pitchFamily="49"/>
-                          <a:ea typeface="微软雅黑" pitchFamily="34"/>
-                        </a:rPr>
-                        <a:t>3</a:t>
-                      </a:r>
-                      <a:endParaRPr lang="zh-CN" altLang="en-US" sz="1800" b="0" i="0" u="none" strike="noStrike" kern="1200" cap="none" spc="0" baseline="0">
-                        <a:solidFill>
-                          <a:srgbClr val="000000"/>
-                        </a:solidFill>
-                        <a:uFillTx/>
-                        <a:latin typeface="Consolas" pitchFamily="49"/>
-                        <a:ea typeface="微软雅黑" pitchFamily="34"/>
-                      </a:endParaRPr>
-                    </a:p>
-                  </a:txBody>
-                  <a:tcPr/>
-                </a:tc>
-                <a:tc>
-                  <a:txBody>
-                    <a:bodyPr/>
-                    <a:lstStyle/>
-                    <a:p>
-                      <a:pPr marL="0" marR="0" lvl="0" indent="0" algn="ctr" defTabSz="539998" rtl="0" fontAlgn="auto" hangingPunct="1">
-                        <a:lnSpc>
-                          <a:spcPct val="90000"/>
-                        </a:lnSpc>
-                        <a:spcBef>
-                          <a:spcPts val="1000"/>
-                        </a:spcBef>
-                        <a:spcAft>
-                          <a:spcPts val="0"/>
-                        </a:spcAft>
-                        <a:buSzPct val="100000"/>
-                        <a:buFont typeface="Arial" pitchFamily="34"/>
-                        <a:buNone/>
-                        <a:tabLst/>
-                      </a:pPr>
-                      <a:r>
-                        <a:rPr lang="en-US" altLang="zh-CN" sz="1800" b="0" i="0" u="none" strike="noStrike" kern="1200" cap="none" spc="0" baseline="0">
-                          <a:solidFill>
-                            <a:srgbClr val="000000"/>
-                          </a:solidFill>
-                          <a:uFillTx/>
-                          <a:latin typeface="Consolas" pitchFamily="49"/>
-                          <a:ea typeface="微软雅黑" pitchFamily="34"/>
-                        </a:rPr>
-                        <a:t>... XXXXXX TCG XXXXXX ...</a:t>
-                      </a:r>
-                      <a:endParaRPr lang="zh-CN" altLang="en-US" sz="1800" b="0" i="0" u="none" strike="noStrike" kern="1200" cap="none" spc="0" baseline="0">
-                        <a:solidFill>
-                          <a:srgbClr val="000000"/>
-                        </a:solidFill>
-                        <a:uFillTx/>
-                        <a:latin typeface="Consolas" pitchFamily="49"/>
-                        <a:ea typeface="微软雅黑" pitchFamily="34"/>
-                      </a:endParaRPr>
-                    </a:p>
-                  </a:txBody>
-                  <a:tcPr/>
-                </a:tc>
-                <a:tc>
-                  <a:txBody>
-                    <a:bodyPr/>
-                    <a:lstStyle/>
-                    <a:p>
-                      <a:pPr marL="0" marR="0" lvl="0" indent="0" algn="ctr" defTabSz="539998" rtl="0" fontAlgn="auto" hangingPunct="1">
-                        <a:lnSpc>
-                          <a:spcPct val="90000"/>
-                        </a:lnSpc>
-                        <a:spcBef>
-                          <a:spcPts val="1000"/>
-                        </a:spcBef>
-                        <a:spcAft>
-                          <a:spcPts val="0"/>
-                        </a:spcAft>
-                        <a:buSzPct val="100000"/>
-                        <a:buFont typeface="Arial" pitchFamily="34"/>
-                        <a:buNone/>
-                        <a:tabLst/>
-                      </a:pPr>
-                      <a:r>
-                        <a:rPr lang="en-US" altLang="zh-CN" sz="1800" b="0" i="0" u="none" strike="noStrike" kern="1200" cap="none" spc="0" baseline="0">
-                          <a:solidFill>
-                            <a:srgbClr val="000000"/>
-                          </a:solidFill>
-                          <a:uFillTx/>
-                          <a:latin typeface="Consolas" pitchFamily="49"/>
-                          <a:ea typeface="微软雅黑" pitchFamily="34"/>
-                        </a:rPr>
-                        <a:t>... XXXXXX T XXXXXX ...</a:t>
-                      </a:r>
-                      <a:endParaRPr lang="zh-CN" altLang="en-US" sz="1800" b="0" i="0" u="none" strike="noStrike" kern="1200" cap="none" spc="0" baseline="0">
-                        <a:solidFill>
-                          <a:srgbClr val="000000"/>
-                        </a:solidFill>
-                        <a:uFillTx/>
-                        <a:latin typeface="Consolas" pitchFamily="49"/>
-                        <a:ea typeface="微软雅黑" pitchFamily="34"/>
-                      </a:endParaRPr>
-                    </a:p>
-                  </a:txBody>
-                  <a:tcPr/>
-                </a:tc>
-                <a:extLst>
-                  <a:ext uri="{0D108BD9-81ED-4DB2-BD59-A6C34878D82A}">
-                    <a16:rowId xmlns:a16="http://schemas.microsoft.com/office/drawing/2014/main" val="4264729732"/>
-                  </a:ext>
-                </a:extLst>
-              </a:tr>
-            </a:tbl>
-          </a:graphicData>
-        </a:graphic>
-      </p:graphicFrame>
-      <p:sp>
-        <p:nvSpPr>
-          <p:cNvPr id="13" name="副标题 2">
-            <a:extLst>
-              <a:ext uri="{FF2B5EF4-FFF2-40B4-BE49-F238E27FC236}">
-                <a16:creationId xmlns:a16="http://schemas.microsoft.com/office/drawing/2014/main" id="{0495A57F-D416-49CC-BA79-B7FECCC67E72}"/>
-              </a:ext>
-            </a:extLst>
-          </p:cNvPr>
-          <p:cNvSpPr txBox="1">
-            <a:spLocks/>
-          </p:cNvSpPr>
-          <p:nvPr/>
-        </p:nvSpPr>
-        <p:spPr>
-          <a:xfrm>
-            <a:off x="1" y="764402"/>
-            <a:ext cx="12192000" cy="1678408"/>
-          </a:xfrm>
-          <a:prstGeom prst="rect">
-            <a:avLst/>
-          </a:prstGeom>
-          <a:noFill/>
-          <a:ln>
-            <a:noFill/>
-          </a:ln>
-        </p:spPr>
-        <p:txBody>
-          <a:bodyPr vert="horz" wrap="square" lIns="91440" tIns="45720" rIns="91440" bIns="45720" anchor="t" anchorCtr="1" compatLnSpc="1">
-            <a:spAutoFit/>
-          </a:bodyPr>
-          <a:lstStyle>
-            <a:lvl1pPr marL="0" marR="0" lvl="0" indent="0" algn="ctr" defTabSz="539998" rtl="0" fontAlgn="auto" hangingPunct="1">
-              <a:lnSpc>
-                <a:spcPct val="90000"/>
-              </a:lnSpc>
-              <a:spcBef>
-                <a:spcPts val="1000"/>
-              </a:spcBef>
-              <a:spcAft>
-                <a:spcPts val="0"/>
-              </a:spcAft>
-              <a:buSzPct val="100000"/>
-              <a:buFont typeface="Arial" pitchFamily="34"/>
-              <a:buNone/>
-              <a:tabLst/>
-              <a:defRPr lang="zh-CN" sz="2400" b="0" i="0" u="none" strike="noStrike" kern="1200" cap="none" spc="0" baseline="0">
-                <a:solidFill>
-                  <a:srgbClr val="000000"/>
-                </a:solidFill>
-                <a:uFillTx/>
-                <a:latin typeface="Consolas" pitchFamily="49"/>
-                <a:ea typeface="微软雅黑" pitchFamily="34"/>
-              </a:defRPr>
-            </a:lvl1pPr>
-            <a:lvl2pPr marL="685800" marR="0" lvl="1" indent="-228600" algn="l" defTabSz="539998" rtl="0" fontAlgn="auto" hangingPunct="1">
-              <a:lnSpc>
-                <a:spcPct val="90000"/>
-              </a:lnSpc>
-              <a:spcBef>
-                <a:spcPts val="500"/>
-              </a:spcBef>
-              <a:spcAft>
-                <a:spcPts val="0"/>
-              </a:spcAft>
-              <a:buSzPct val="100000"/>
-              <a:buFont typeface="Arial" pitchFamily="34"/>
-              <a:buChar char="•"/>
-              <a:tabLst/>
-              <a:defRPr lang="zh-CN" sz="2400" b="0" i="0" u="none" strike="noStrike" kern="1200" cap="none" spc="0" baseline="0">
-                <a:solidFill>
-                  <a:srgbClr val="000000"/>
-                </a:solidFill>
-                <a:uFillTx/>
-                <a:latin typeface="Consolas" pitchFamily="49"/>
-                <a:ea typeface="微软雅黑" pitchFamily="34"/>
-              </a:defRPr>
-            </a:lvl2pPr>
-            <a:lvl3pPr marL="1143000" marR="0" lvl="2" indent="-228600" algn="l" defTabSz="539998" rtl="0" fontAlgn="auto" hangingPunct="1">
-              <a:lnSpc>
-                <a:spcPct val="90000"/>
-              </a:lnSpc>
-              <a:spcBef>
-                <a:spcPts val="500"/>
-              </a:spcBef>
-              <a:spcAft>
-                <a:spcPts val="0"/>
-              </a:spcAft>
-              <a:buSzPct val="100000"/>
-              <a:buFont typeface="Arial" pitchFamily="34"/>
-              <a:buChar char="•"/>
-              <a:tabLst/>
-              <a:defRPr lang="zh-CN" sz="2000" b="0" i="0" u="none" strike="noStrike" kern="1200" cap="none" spc="0" baseline="0">
-                <a:solidFill>
-                  <a:srgbClr val="000000"/>
-                </a:solidFill>
-                <a:uFillTx/>
-                <a:latin typeface="Consolas" pitchFamily="49"/>
-                <a:ea typeface="微软雅黑" pitchFamily="34"/>
-              </a:defRPr>
-            </a:lvl3pPr>
-            <a:lvl4pPr marL="1600200" marR="0" lvl="3" indent="-228600" algn="l" defTabSz="539998" rtl="0" fontAlgn="auto" hangingPunct="1">
-              <a:lnSpc>
-                <a:spcPct val="90000"/>
-              </a:lnSpc>
-              <a:spcBef>
-                <a:spcPts val="500"/>
-              </a:spcBef>
-              <a:spcAft>
-                <a:spcPts val="0"/>
-              </a:spcAft>
-              <a:buSzPct val="100000"/>
-              <a:buFont typeface="Arial" pitchFamily="34"/>
-              <a:buChar char="•"/>
-              <a:tabLst/>
-              <a:defRPr lang="zh-CN" sz="1800" b="0" i="0" u="none" strike="noStrike" kern="1200" cap="none" spc="0" baseline="0">
-                <a:solidFill>
-                  <a:srgbClr val="000000"/>
-                </a:solidFill>
-                <a:uFillTx/>
-                <a:latin typeface="Consolas" pitchFamily="49"/>
-                <a:ea typeface="微软雅黑" pitchFamily="34"/>
-              </a:defRPr>
-            </a:lvl4pPr>
-            <a:lvl5pPr marL="2057400" marR="0" lvl="4" indent="-228600" algn="l" defTabSz="539998" rtl="0" fontAlgn="auto" hangingPunct="1">
-              <a:lnSpc>
-                <a:spcPct val="90000"/>
-              </a:lnSpc>
-              <a:spcBef>
-                <a:spcPts val="500"/>
-              </a:spcBef>
-              <a:spcAft>
-                <a:spcPts val="0"/>
-              </a:spcAft>
-              <a:buSzPct val="100000"/>
-              <a:buFont typeface="Arial" pitchFamily="34"/>
-              <a:buChar char="•"/>
-              <a:tabLst/>
-              <a:defRPr lang="zh-CN" sz="1800" b="0" i="0" u="none" strike="noStrike" kern="1200" cap="none" spc="0" baseline="0">
-                <a:solidFill>
-                  <a:srgbClr val="000000"/>
-                </a:solidFill>
-                <a:uFillTx/>
-                <a:latin typeface="Consolas" pitchFamily="49"/>
-                <a:ea typeface="微软雅黑" pitchFamily="34"/>
-              </a:defRPr>
-            </a:lvl5pPr>
-            <a:lvl6pPr marL="2514600" indent="-228600" algn="l" defTabSz="914400" rtl="0" eaLnBrk="1" latinLnBrk="0" hangingPunct="1">
-              <a:lnSpc>
-                <a:spcPct val="90000"/>
-              </a:lnSpc>
-              <a:spcBef>
-                <a:spcPts val="500"/>
-              </a:spcBef>
-              <a:buFont typeface="Arial" panose="020B0604020202020204" pitchFamily="34" charset="0"/>
-              <a:buChar char="•"/>
-              <a:defRPr sz="1800" kern="1200">
-                <a:solidFill>
-                  <a:schemeClr val="tx1"/>
-                </a:solidFill>
-                <a:latin typeface="+mn-lt"/>
-                <a:ea typeface="+mn-ea"/>
-                <a:cs typeface="+mn-cs"/>
-              </a:defRPr>
-            </a:lvl6pPr>
-            <a:lvl7pPr marL="2971800" indent="-228600" algn="l" defTabSz="914400" rtl="0" eaLnBrk="1" latinLnBrk="0" hangingPunct="1">
-              <a:lnSpc>
-                <a:spcPct val="90000"/>
-              </a:lnSpc>
-              <a:spcBef>
-                <a:spcPts val="500"/>
-              </a:spcBef>
-              <a:buFont typeface="Arial" panose="020B0604020202020204" pitchFamily="34" charset="0"/>
-              <a:buChar char="•"/>
-              <a:defRPr sz="1800" kern="1200">
-                <a:solidFill>
-                  <a:schemeClr val="tx1"/>
-                </a:solidFill>
-                <a:latin typeface="+mn-lt"/>
-                <a:ea typeface="+mn-ea"/>
-                <a:cs typeface="+mn-cs"/>
-              </a:defRPr>
-            </a:lvl7pPr>
-            <a:lvl8pPr marL="3429000" indent="-228600" algn="l" defTabSz="914400" rtl="0" eaLnBrk="1" latinLnBrk="0" hangingPunct="1">
-              <a:lnSpc>
-                <a:spcPct val="90000"/>
-              </a:lnSpc>
-              <a:spcBef>
-                <a:spcPts val="500"/>
-              </a:spcBef>
-              <a:buFont typeface="Arial" panose="020B0604020202020204" pitchFamily="34" charset="0"/>
-              <a:buChar char="•"/>
-              <a:defRPr sz="1800" kern="1200">
-                <a:solidFill>
-                  <a:schemeClr val="tx1"/>
-                </a:solidFill>
-                <a:latin typeface="+mn-lt"/>
-                <a:ea typeface="+mn-ea"/>
-                <a:cs typeface="+mn-cs"/>
-              </a:defRPr>
-            </a:lvl8pPr>
-            <a:lvl9pPr marL="3886200" indent="-228600" algn="l" defTabSz="914400" rtl="0" eaLnBrk="1" latinLnBrk="0" hangingPunct="1">
-              <a:lnSpc>
-                <a:spcPct val="90000"/>
-              </a:lnSpc>
-              <a:spcBef>
-                <a:spcPts val="500"/>
-              </a:spcBef>
-              <a:buFont typeface="Arial" panose="020B0604020202020204" pitchFamily="34" charset="0"/>
-              <a:buChar char="•"/>
-              <a:defRPr sz="1800" kern="1200">
-                <a:solidFill>
-                  <a:schemeClr val="tx1"/>
-                </a:solidFill>
-                <a:latin typeface="+mn-lt"/>
-                <a:ea typeface="+mn-ea"/>
-                <a:cs typeface="+mn-cs"/>
-              </a:defRPr>
-            </a:lvl9pPr>
-          </a:lstStyle>
-          <a:p>
-            <a:pPr algn="l"/>
-            <a:r>
-              <a:rPr lang="en-US" altLang="zh-CN" sz="1600"/>
-              <a:t>- </a:t>
-            </a:r>
-            <a:r>
-              <a:rPr lang="zh-CN" altLang="en-US" sz="1600"/>
-              <a:t>简单</a:t>
-            </a:r>
-            <a:r>
-              <a:rPr lang="en-US" altLang="zh-CN" sz="1600"/>
-              <a:t>SV</a:t>
-            </a:r>
-            <a:r>
-              <a:rPr lang="zh-CN" altLang="en-US" sz="1600"/>
-              <a:t>的记录形式：</a:t>
-            </a:r>
-            <a:r>
-              <a:rPr lang="en-US" altLang="zh-CN" sz="1600"/>
-              <a:t>SV</a:t>
-            </a:r>
-            <a:r>
-              <a:rPr lang="zh-CN" altLang="en-US" sz="1600"/>
-              <a:t>类型的记录有</a:t>
-            </a:r>
-            <a:r>
-              <a:rPr lang="en-US" altLang="zh-CN" sz="1600"/>
-              <a:t>precise variation</a:t>
-            </a:r>
-            <a:r>
-              <a:rPr lang="zh-CN" altLang="en-US" sz="1600"/>
-              <a:t>和</a:t>
-            </a:r>
-            <a:r>
-              <a:rPr lang="en-US" altLang="zh-CN" sz="1600"/>
-              <a:t>imprecise variation</a:t>
-            </a:r>
-            <a:r>
-              <a:rPr lang="zh-CN" altLang="en-US" sz="1600"/>
-              <a:t>。其中</a:t>
-            </a:r>
-            <a:r>
-              <a:rPr lang="en-US" altLang="zh-CN" sz="1600"/>
-              <a:t>precise variation</a:t>
-            </a:r>
-            <a:r>
-              <a:rPr lang="zh-CN" altLang="en-US" sz="1600"/>
-              <a:t>和</a:t>
-            </a:r>
-            <a:r>
-              <a:rPr lang="en-US" altLang="zh-CN" sz="1600"/>
-              <a:t>SNP</a:t>
-            </a:r>
-            <a:r>
-              <a:rPr lang="zh-CN" altLang="en-US" sz="1600"/>
-              <a:t>的形式相同，，但是</a:t>
-            </a:r>
-            <a:r>
-              <a:rPr lang="en-US" altLang="zh-CN" sz="1600"/>
-              <a:t>imprecise variation</a:t>
-            </a:r>
-            <a:r>
-              <a:rPr lang="zh-CN" altLang="en-US" sz="1600"/>
-              <a:t>需要根据</a:t>
-            </a:r>
-            <a:r>
-              <a:rPr lang="en-US" altLang="zh-CN" sz="1600"/>
-              <a:t>vcf</a:t>
-            </a:r>
-            <a:r>
-              <a:rPr lang="zh-CN" altLang="en-US" sz="1600"/>
-              <a:t>文件的宏定义来识别，而且这类变异缺乏明确的碱基信息，所以打算将其舍弃，不做向参考基因组的整合处理</a:t>
-            </a:r>
-            <a:endParaRPr lang="en-US" altLang="zh-CN" sz="1600"/>
-          </a:p>
-          <a:p>
-            <a:pPr algn="l"/>
-            <a:r>
-              <a:rPr lang="en-US" altLang="zh-CN" sz="1600"/>
-              <a:t>- breakends</a:t>
-            </a:r>
-            <a:r>
-              <a:rPr lang="zh-CN" altLang="en-US" sz="1600"/>
-              <a:t>的记录形式：示例参考</a:t>
-            </a:r>
-            <a:r>
-              <a:rPr lang="en-US" altLang="zh-CN" sz="1600"/>
-              <a:t>official manual page 17+</a:t>
-            </a:r>
-          </a:p>
-          <a:p>
-            <a:pPr algn="l"/>
-            <a:r>
-              <a:rPr lang="zh-CN" altLang="en-US" sz="1600"/>
-              <a:t>这些记录中用到了类似</a:t>
-            </a:r>
-            <a:r>
-              <a:rPr lang="en-US" altLang="zh-CN" sz="1600"/>
-              <a:t>"C[chr2:132122["</a:t>
-            </a:r>
-            <a:r>
-              <a:rPr lang="zh-CN" altLang="en-US" sz="1600"/>
-              <a:t>的形式，表示从这条记录的位点开始接到</a:t>
-            </a:r>
-            <a:r>
-              <a:rPr lang="en-US" altLang="zh-CN" sz="1600"/>
-              <a:t>chr2</a:t>
-            </a:r>
-            <a:r>
-              <a:rPr lang="zh-CN" altLang="en-US" sz="1600"/>
-              <a:t>的</a:t>
-            </a:r>
-            <a:r>
-              <a:rPr lang="en-US" altLang="zh-CN" sz="1600"/>
-              <a:t>132122</a:t>
-            </a:r>
-            <a:r>
-              <a:rPr lang="zh-CN" altLang="en-US" sz="1600"/>
-              <a:t>往后的部分。因此也就需要实现锁定特定</a:t>
-            </a:r>
-            <a:r>
-              <a:rPr lang="en-US" altLang="zh-CN" sz="1600"/>
-              <a:t>contig</a:t>
-            </a:r>
-            <a:r>
-              <a:rPr lang="zh-CN" altLang="en-US" sz="1600"/>
-              <a:t>的特定</a:t>
-            </a:r>
-            <a:r>
-              <a:rPr lang="en-US" altLang="zh-CN" sz="1600"/>
-              <a:t>pos</a:t>
-            </a:r>
-            <a:r>
-              <a:rPr lang="zh-CN" altLang="en-US" sz="1600"/>
-              <a:t>的功能，另外</a:t>
-            </a:r>
-            <a:r>
-              <a:rPr lang="en-US" altLang="zh-CN" sz="1600"/>
-              <a:t>info</a:t>
-            </a:r>
-            <a:r>
-              <a:rPr lang="zh-CN" altLang="en-US" sz="1600"/>
-              <a:t>域中还包含类似</a:t>
-            </a:r>
-            <a:r>
-              <a:rPr lang="en-US" altLang="zh-CN" sz="1600"/>
-              <a:t>"MATED=vcf_id"</a:t>
-            </a:r>
-            <a:r>
-              <a:rPr lang="zh-CN" altLang="en-US" sz="1600"/>
-              <a:t>的形式，所以。。。实际上也需要对</a:t>
-            </a:r>
-            <a:r>
-              <a:rPr lang="en-US" altLang="zh-CN" sz="1600"/>
-              <a:t>vcf</a:t>
-            </a:r>
-            <a:r>
-              <a:rPr lang="zh-CN" altLang="en-US" sz="1600"/>
-              <a:t>的</a:t>
-            </a:r>
-            <a:r>
-              <a:rPr lang="en-US" altLang="zh-CN" sz="1600"/>
-              <a:t>id</a:t>
-            </a:r>
-            <a:r>
-              <a:rPr lang="zh-CN" altLang="en-US" sz="1600"/>
-              <a:t>建立索引</a:t>
-            </a:r>
-            <a:endParaRPr lang="en-US" altLang="zh-CN" sz="1600"/>
-          </a:p>
-        </p:txBody>
-      </p:sp>
-    </p:spTree>
-    <p:extLst>
-      <p:ext uri="{BB962C8B-B14F-4D97-AF65-F5344CB8AC3E}">
-        <p14:creationId xmlns:p14="http://schemas.microsoft.com/office/powerpoint/2010/main" val="2850171401"/>
-      </p:ext>
-    </p:extLst>
-  </p:cSld>
-  <p:clrMapOvr>
-    <a:masterClrMapping/>
-  </p:clrMapOvr>
-</p:sld>
-</file>
-
-<file path=ppt/slides/slide12.xml><?xml version="1.0" encoding="utf-8"?>
-<p:sld xmlns:a="http://schemas.openxmlformats.org/drawingml/2006/main" xmlns:r="http://schemas.openxmlformats.org/officeDocument/2006/relationships" xmlns:p="http://schemas.openxmlformats.org/presentationml/2006/main">
-  <p:cSld name="Slide12">
-    <p:spTree>
-      <p:nvGrpSpPr>
-        <p:cNvPr id="1" name=""/>
-        <p:cNvGrpSpPr/>
-        <p:nvPr/>
-      </p:nvGrpSpPr>
-      <p:grpSpPr>
-        <a:xfrm>
-          <a:off x="0" y="0"/>
-          <a:ext cx="0" cy="0"/>
-          <a:chOff x="0" y="0"/>
-          <a:chExt cx="0" cy="0"/>
-        </a:xfrm>
-      </p:grpSpPr>
-      <p:sp>
-        <p:nvSpPr>
-          <p:cNvPr id="2" name="标题 1">
-            <a:extLst>
-              <a:ext uri="{FF2B5EF4-FFF2-40B4-BE49-F238E27FC236}">
-                <a16:creationId xmlns:a16="http://schemas.microsoft.com/office/drawing/2014/main" id="{9C70E883-9AB9-4147-99F1-6683D055AF68}"/>
-              </a:ext>
-            </a:extLst>
-          </p:cNvPr>
-          <p:cNvSpPr txBox="1">
-            <a:spLocks noGrp="1"/>
-          </p:cNvSpPr>
-          <p:nvPr>
-            <p:ph type="title"/>
-          </p:nvPr>
-        </p:nvSpPr>
-        <p:spPr>
-          <a:xfrm>
-            <a:off x="2949424" y="1394807"/>
-            <a:ext cx="6293147" cy="4068385"/>
-          </a:xfrm>
-        </p:spPr>
-        <p:txBody>
-          <a:bodyPr/>
-          <a:lstStyle/>
-          <a:p>
-            <a:pPr lvl="0"/>
-            <a:r>
-              <a:rPr lang="zh-CN" sz="4400"/>
-              <a:t>分情况解决比对结果差的</a:t>
-            </a:r>
-            <a:r>
-              <a:rPr lang="en-US" sz="4400"/>
-              <a:t>reads</a:t>
-            </a:r>
-            <a:endParaRPr lang="en-US" sz="2000"/>
-          </a:p>
-        </p:txBody>
-      </p:sp>
-    </p:spTree>
-  </p:cSld>
-  <p:clrMapOvr>
-    <a:masterClrMapping/>
-  </p:clrMapOvr>
-</p:sld>
-</file>
-
-<file path=ppt/slides/slide13.xml><?xml version="1.0" encoding="utf-8"?>
 <p:sld xmlns:a="http://schemas.openxmlformats.org/drawingml/2006/main" xmlns:r="http://schemas.openxmlformats.org/officeDocument/2006/relationships" xmlns:p="http://schemas.openxmlformats.org/presentationml/2006/main">
   <p:cSld name="Slide7">
     <p:spTree>
@@ -21563,7 +15498,7 @@
 </p:sld>
 </file>
 
-<file path=ppt/slides/slide14.xml><?xml version="1.0" encoding="utf-8"?>
+<file path=ppt/slides/slide11.xml><?xml version="1.0" encoding="utf-8"?>
 <p:sld xmlns:a="http://schemas.openxmlformats.org/drawingml/2006/main" xmlns:r="http://schemas.openxmlformats.org/officeDocument/2006/relationships" xmlns:p="http://schemas.openxmlformats.org/presentationml/2006/main">
   <p:cSld name="Slide8">
     <p:spTree>
@@ -26027,7 +19962,7 @@
 
 <file path=ppt/slides/slide9.xml><?xml version="1.0" encoding="utf-8"?>
 <p:sld xmlns:a="http://schemas.openxmlformats.org/drawingml/2006/main" xmlns:r="http://schemas.openxmlformats.org/officeDocument/2006/relationships" xmlns:p="http://schemas.openxmlformats.org/presentationml/2006/main">
-  <p:cSld>
+  <p:cSld name="Slide12">
     <p:spTree>
       <p:nvGrpSpPr>
         <p:cNvPr id="1" name=""/>
@@ -26070,19 +20005,18 @@
           <a:p>
             <a:pPr lvl="0"/>
             <a:r>
+              <a:rPr lang="zh-CN" sz="4400"/>
+              <a:t>分情况解决比对结果差的</a:t>
+            </a:r>
+            <a:r>
               <a:rPr lang="en-US" sz="4400"/>
-              <a:t>Integration of Variations</a:t>
+              <a:t>reads</a:t>
             </a:r>
             <a:endParaRPr lang="en-US" sz="2000"/>
           </a:p>
         </p:txBody>
       </p:sp>
     </p:spTree>
-    <p:extLst>
-      <p:ext uri="{BB962C8B-B14F-4D97-AF65-F5344CB8AC3E}">
-        <p14:creationId xmlns:p14="http://schemas.microsoft.com/office/powerpoint/2010/main" val="1365269737"/>
-      </p:ext>
-    </p:extLst>
   </p:cSld>
   <p:clrMapOvr>
     <a:masterClrMapping/>
